--- a/presentation/Linux0.11(四).pptx
+++ b/presentation/Linux0.11(四).pptx
@@ -5,54 +5,55 @@
     <p:sldMasterId id="2147483648" r:id="rId1"/>
   </p:sldMasterIdLst>
   <p:notesMasterIdLst>
-    <p:notesMasterId r:id="rId47"/>
+    <p:notesMasterId r:id="rId48"/>
   </p:notesMasterIdLst>
   <p:sldIdLst>
     <p:sldId id="256" r:id="rId2"/>
     <p:sldId id="272" r:id="rId3"/>
-    <p:sldId id="305" r:id="rId4"/>
-    <p:sldId id="306" r:id="rId5"/>
-    <p:sldId id="307" r:id="rId6"/>
-    <p:sldId id="280" r:id="rId7"/>
-    <p:sldId id="309" r:id="rId8"/>
-    <p:sldId id="266" r:id="rId9"/>
-    <p:sldId id="304" r:id="rId10"/>
-    <p:sldId id="311" r:id="rId11"/>
-    <p:sldId id="310" r:id="rId12"/>
-    <p:sldId id="312" r:id="rId13"/>
-    <p:sldId id="313" r:id="rId14"/>
-    <p:sldId id="316" r:id="rId15"/>
-    <p:sldId id="314" r:id="rId16"/>
-    <p:sldId id="335" r:id="rId17"/>
-    <p:sldId id="315" r:id="rId18"/>
-    <p:sldId id="289" r:id="rId19"/>
-    <p:sldId id="319" r:id="rId20"/>
-    <p:sldId id="292" r:id="rId21"/>
-    <p:sldId id="321" r:id="rId22"/>
-    <p:sldId id="290" r:id="rId23"/>
-    <p:sldId id="320" r:id="rId24"/>
-    <p:sldId id="317" r:id="rId25"/>
-    <p:sldId id="295" r:id="rId26"/>
-    <p:sldId id="318" r:id="rId27"/>
-    <p:sldId id="297" r:id="rId28"/>
-    <p:sldId id="296" r:id="rId29"/>
-    <p:sldId id="322" r:id="rId30"/>
-    <p:sldId id="299" r:id="rId31"/>
-    <p:sldId id="324" r:id="rId32"/>
-    <p:sldId id="300" r:id="rId33"/>
-    <p:sldId id="325" r:id="rId34"/>
-    <p:sldId id="326" r:id="rId35"/>
-    <p:sldId id="327" r:id="rId36"/>
-    <p:sldId id="328" r:id="rId37"/>
-    <p:sldId id="329" r:id="rId38"/>
-    <p:sldId id="330" r:id="rId39"/>
-    <p:sldId id="331" r:id="rId40"/>
-    <p:sldId id="332" r:id="rId41"/>
-    <p:sldId id="268" r:id="rId42"/>
-    <p:sldId id="267" r:id="rId43"/>
-    <p:sldId id="333" r:id="rId44"/>
-    <p:sldId id="334" r:id="rId45"/>
-    <p:sldId id="279" r:id="rId46"/>
+    <p:sldId id="336" r:id="rId4"/>
+    <p:sldId id="305" r:id="rId5"/>
+    <p:sldId id="306" r:id="rId6"/>
+    <p:sldId id="307" r:id="rId7"/>
+    <p:sldId id="280" r:id="rId8"/>
+    <p:sldId id="309" r:id="rId9"/>
+    <p:sldId id="266" r:id="rId10"/>
+    <p:sldId id="304" r:id="rId11"/>
+    <p:sldId id="311" r:id="rId12"/>
+    <p:sldId id="310" r:id="rId13"/>
+    <p:sldId id="312" r:id="rId14"/>
+    <p:sldId id="313" r:id="rId15"/>
+    <p:sldId id="316" r:id="rId16"/>
+    <p:sldId id="314" r:id="rId17"/>
+    <p:sldId id="335" r:id="rId18"/>
+    <p:sldId id="315" r:id="rId19"/>
+    <p:sldId id="289" r:id="rId20"/>
+    <p:sldId id="319" r:id="rId21"/>
+    <p:sldId id="292" r:id="rId22"/>
+    <p:sldId id="321" r:id="rId23"/>
+    <p:sldId id="290" r:id="rId24"/>
+    <p:sldId id="320" r:id="rId25"/>
+    <p:sldId id="317" r:id="rId26"/>
+    <p:sldId id="295" r:id="rId27"/>
+    <p:sldId id="318" r:id="rId28"/>
+    <p:sldId id="297" r:id="rId29"/>
+    <p:sldId id="296" r:id="rId30"/>
+    <p:sldId id="322" r:id="rId31"/>
+    <p:sldId id="299" r:id="rId32"/>
+    <p:sldId id="324" r:id="rId33"/>
+    <p:sldId id="300" r:id="rId34"/>
+    <p:sldId id="325" r:id="rId35"/>
+    <p:sldId id="326" r:id="rId36"/>
+    <p:sldId id="327" r:id="rId37"/>
+    <p:sldId id="328" r:id="rId38"/>
+    <p:sldId id="329" r:id="rId39"/>
+    <p:sldId id="330" r:id="rId40"/>
+    <p:sldId id="331" r:id="rId41"/>
+    <p:sldId id="332" r:id="rId42"/>
+    <p:sldId id="268" r:id="rId43"/>
+    <p:sldId id="267" r:id="rId44"/>
+    <p:sldId id="333" r:id="rId45"/>
+    <p:sldId id="334" r:id="rId46"/>
+    <p:sldId id="279" r:id="rId47"/>
   </p:sldIdLst>
   <p:sldSz cx="12192000" cy="6858000"/>
   <p:notesSz cx="6858000" cy="9144000"/>
@@ -657,7 +658,7 @@
           <a:p>
             <a:fld id="{777B56A3-7137-4CC1-BEBB-9EC9BD9B38C0}" type="slidenum">
               <a:rPr lang="zh-CN" altLang="en-US" smtClean="0"/>
-              <a:t>16</a:t>
+              <a:t>17</a:t>
             </a:fld>
             <a:endParaRPr lang="zh-CN" altLang="en-US"/>
           </a:p>
@@ -741,7 +742,7 @@
           <a:p>
             <a:fld id="{777B56A3-7137-4CC1-BEBB-9EC9BD9B38C0}" type="slidenum">
               <a:rPr lang="zh-CN" altLang="en-US" smtClean="0"/>
-              <a:t>17</a:t>
+              <a:t>18</a:t>
             </a:fld>
             <a:endParaRPr lang="zh-CN" altLang="en-US"/>
           </a:p>
@@ -825,7 +826,7 @@
           <a:p>
             <a:fld id="{777B56A3-7137-4CC1-BEBB-9EC9BD9B38C0}" type="slidenum">
               <a:rPr lang="zh-CN" altLang="en-US" smtClean="0"/>
-              <a:t>18</a:t>
+              <a:t>19</a:t>
             </a:fld>
             <a:endParaRPr lang="zh-CN" altLang="en-US"/>
           </a:p>
@@ -909,7 +910,7 @@
           <a:p>
             <a:fld id="{777B56A3-7137-4CC1-BEBB-9EC9BD9B38C0}" type="slidenum">
               <a:rPr lang="zh-CN" altLang="en-US" smtClean="0"/>
-              <a:t>19</a:t>
+              <a:t>20</a:t>
             </a:fld>
             <a:endParaRPr lang="zh-CN" altLang="en-US"/>
           </a:p>
@@ -993,7 +994,7 @@
           <a:p>
             <a:fld id="{777B56A3-7137-4CC1-BEBB-9EC9BD9B38C0}" type="slidenum">
               <a:rPr lang="zh-CN" altLang="en-US" smtClean="0"/>
-              <a:t>21</a:t>
+              <a:t>22</a:t>
             </a:fld>
             <a:endParaRPr lang="zh-CN" altLang="en-US"/>
           </a:p>
@@ -1077,7 +1078,7 @@
           <a:p>
             <a:fld id="{777B56A3-7137-4CC1-BEBB-9EC9BD9B38C0}" type="slidenum">
               <a:rPr lang="zh-CN" altLang="en-US" smtClean="0"/>
-              <a:t>22</a:t>
+              <a:t>23</a:t>
             </a:fld>
             <a:endParaRPr lang="zh-CN" altLang="en-US"/>
           </a:p>
@@ -1161,7 +1162,7 @@
           <a:p>
             <a:fld id="{777B56A3-7137-4CC1-BEBB-9EC9BD9B38C0}" type="slidenum">
               <a:rPr lang="zh-CN" altLang="en-US" smtClean="0"/>
-              <a:t>24</a:t>
+              <a:t>25</a:t>
             </a:fld>
             <a:endParaRPr lang="zh-CN" altLang="en-US"/>
           </a:p>
@@ -1245,7 +1246,7 @@
           <a:p>
             <a:fld id="{777B56A3-7137-4CC1-BEBB-9EC9BD9B38C0}" type="slidenum">
               <a:rPr lang="zh-CN" altLang="en-US" smtClean="0"/>
-              <a:t>25</a:t>
+              <a:t>26</a:t>
             </a:fld>
             <a:endParaRPr lang="zh-CN" altLang="en-US"/>
           </a:p>
@@ -1329,7 +1330,7 @@
           <a:p>
             <a:fld id="{777B56A3-7137-4CC1-BEBB-9EC9BD9B38C0}" type="slidenum">
               <a:rPr lang="zh-CN" altLang="en-US" smtClean="0"/>
-              <a:t>26</a:t>
+              <a:t>27</a:t>
             </a:fld>
             <a:endParaRPr lang="zh-CN" altLang="en-US"/>
           </a:p>
@@ -1413,7 +1414,7 @@
           <a:p>
             <a:fld id="{777B56A3-7137-4CC1-BEBB-9EC9BD9B38C0}" type="slidenum">
               <a:rPr lang="zh-CN" altLang="en-US" smtClean="0"/>
-              <a:t>27</a:t>
+              <a:t>28</a:t>
             </a:fld>
             <a:endParaRPr lang="zh-CN" altLang="en-US"/>
           </a:p>
@@ -1497,7 +1498,7 @@
           <a:p>
             <a:fld id="{777B56A3-7137-4CC1-BEBB-9EC9BD9B38C0}" type="slidenum">
               <a:rPr lang="zh-CN" altLang="en-US" smtClean="0"/>
-              <a:t>3</a:t>
+              <a:t>4</a:t>
             </a:fld>
             <a:endParaRPr lang="zh-CN" altLang="en-US"/>
           </a:p>
@@ -1581,7 +1582,7 @@
           <a:p>
             <a:fld id="{777B56A3-7137-4CC1-BEBB-9EC9BD9B38C0}" type="slidenum">
               <a:rPr lang="zh-CN" altLang="en-US" smtClean="0"/>
-              <a:t>29</a:t>
+              <a:t>30</a:t>
             </a:fld>
             <a:endParaRPr lang="zh-CN" altLang="en-US"/>
           </a:p>
@@ -1665,7 +1666,7 @@
           <a:p>
             <a:fld id="{777B56A3-7137-4CC1-BEBB-9EC9BD9B38C0}" type="slidenum">
               <a:rPr lang="zh-CN" altLang="en-US" smtClean="0"/>
-              <a:t>30</a:t>
+              <a:t>31</a:t>
             </a:fld>
             <a:endParaRPr lang="zh-CN" altLang="en-US"/>
           </a:p>
@@ -1749,7 +1750,7 @@
           <a:p>
             <a:fld id="{777B56A3-7137-4CC1-BEBB-9EC9BD9B38C0}" type="slidenum">
               <a:rPr lang="zh-CN" altLang="en-US" smtClean="0"/>
-              <a:t>31</a:t>
+              <a:t>32</a:t>
             </a:fld>
             <a:endParaRPr lang="zh-CN" altLang="en-US"/>
           </a:p>
@@ -1833,7 +1834,7 @@
           <a:p>
             <a:fld id="{777B56A3-7137-4CC1-BEBB-9EC9BD9B38C0}" type="slidenum">
               <a:rPr lang="zh-CN" altLang="en-US" smtClean="0"/>
-              <a:t>32</a:t>
+              <a:t>33</a:t>
             </a:fld>
             <a:endParaRPr lang="zh-CN" altLang="en-US"/>
           </a:p>
@@ -1917,7 +1918,7 @@
           <a:p>
             <a:fld id="{777B56A3-7137-4CC1-BEBB-9EC9BD9B38C0}" type="slidenum">
               <a:rPr lang="zh-CN" altLang="en-US" smtClean="0"/>
-              <a:t>33</a:t>
+              <a:t>34</a:t>
             </a:fld>
             <a:endParaRPr lang="zh-CN" altLang="en-US"/>
           </a:p>
@@ -2001,7 +2002,7 @@
           <a:p>
             <a:fld id="{777B56A3-7137-4CC1-BEBB-9EC9BD9B38C0}" type="slidenum">
               <a:rPr lang="zh-CN" altLang="en-US" smtClean="0"/>
-              <a:t>34</a:t>
+              <a:t>35</a:t>
             </a:fld>
             <a:endParaRPr lang="zh-CN" altLang="en-US"/>
           </a:p>
@@ -2085,7 +2086,7 @@
           <a:p>
             <a:fld id="{777B56A3-7137-4CC1-BEBB-9EC9BD9B38C0}" type="slidenum">
               <a:rPr lang="zh-CN" altLang="en-US" smtClean="0"/>
-              <a:t>35</a:t>
+              <a:t>36</a:t>
             </a:fld>
             <a:endParaRPr lang="zh-CN" altLang="en-US"/>
           </a:p>
@@ -2169,7 +2170,7 @@
           <a:p>
             <a:fld id="{777B56A3-7137-4CC1-BEBB-9EC9BD9B38C0}" type="slidenum">
               <a:rPr lang="zh-CN" altLang="en-US" smtClean="0"/>
-              <a:t>36</a:t>
+              <a:t>37</a:t>
             </a:fld>
             <a:endParaRPr lang="zh-CN" altLang="en-US"/>
           </a:p>
@@ -2253,7 +2254,7 @@
           <a:p>
             <a:fld id="{777B56A3-7137-4CC1-BEBB-9EC9BD9B38C0}" type="slidenum">
               <a:rPr lang="zh-CN" altLang="en-US" smtClean="0"/>
-              <a:t>37</a:t>
+              <a:t>38</a:t>
             </a:fld>
             <a:endParaRPr lang="zh-CN" altLang="en-US"/>
           </a:p>
@@ -2337,7 +2338,7 @@
           <a:p>
             <a:fld id="{777B56A3-7137-4CC1-BEBB-9EC9BD9B38C0}" type="slidenum">
               <a:rPr lang="zh-CN" altLang="en-US" smtClean="0"/>
-              <a:t>38</a:t>
+              <a:t>39</a:t>
             </a:fld>
             <a:endParaRPr lang="zh-CN" altLang="en-US"/>
           </a:p>
@@ -2421,7 +2422,7 @@
           <a:p>
             <a:fld id="{777B56A3-7137-4CC1-BEBB-9EC9BD9B38C0}" type="slidenum">
               <a:rPr lang="zh-CN" altLang="en-US" smtClean="0"/>
-              <a:t>4</a:t>
+              <a:t>5</a:t>
             </a:fld>
             <a:endParaRPr lang="zh-CN" altLang="en-US"/>
           </a:p>
@@ -2505,7 +2506,7 @@
           <a:p>
             <a:fld id="{777B56A3-7137-4CC1-BEBB-9EC9BD9B38C0}" type="slidenum">
               <a:rPr lang="zh-CN" altLang="en-US" smtClean="0"/>
-              <a:t>39</a:t>
+              <a:t>40</a:t>
             </a:fld>
             <a:endParaRPr lang="zh-CN" altLang="en-US"/>
           </a:p>
@@ -2589,7 +2590,7 @@
           <a:p>
             <a:fld id="{777B56A3-7137-4CC1-BEBB-9EC9BD9B38C0}" type="slidenum">
               <a:rPr lang="zh-CN" altLang="en-US" smtClean="0"/>
-              <a:t>40</a:t>
+              <a:t>41</a:t>
             </a:fld>
             <a:endParaRPr lang="zh-CN" altLang="en-US"/>
           </a:p>
@@ -2609,150 +2610,6 @@
 </file>
 
 <file path=ppt/notesSlides/notesSlide32.xml><?xml version="1.0" encoding="utf-8"?>
-<p:notes xmlns:a="http://schemas.openxmlformats.org/drawingml/2006/main" xmlns:r="http://schemas.openxmlformats.org/officeDocument/2006/relationships" xmlns:p="http://schemas.openxmlformats.org/presentationml/2006/main">
-  <p:cSld>
-    <p:spTree>
-      <p:nvGrpSpPr>
-        <p:cNvPr id="1" name=""/>
-        <p:cNvGrpSpPr/>
-        <p:nvPr/>
-      </p:nvGrpSpPr>
-      <p:grpSpPr>
-        <a:xfrm>
-          <a:off x="0" y="0"/>
-          <a:ext cx="0" cy="0"/>
-          <a:chOff x="0" y="0"/>
-          <a:chExt cx="0" cy="0"/>
-        </a:xfrm>
-      </p:grpSpPr>
-      <p:sp>
-        <p:nvSpPr>
-          <p:cNvPr id="2" name="幻灯片图像占位符 1"/>
-          <p:cNvSpPr>
-            <a:spLocks noGrp="1" noRot="1" noChangeAspect="1"/>
-          </p:cNvSpPr>
-          <p:nvPr>
-            <p:ph type="sldImg"/>
-          </p:nvPr>
-        </p:nvSpPr>
-        <p:spPr/>
-      </p:sp>
-      <p:sp>
-        <p:nvSpPr>
-          <p:cNvPr id="3" name="备注占位符 2"/>
-          <p:cNvSpPr>
-            <a:spLocks noGrp="1"/>
-          </p:cNvSpPr>
-          <p:nvPr>
-            <p:ph type="body" idx="1"/>
-          </p:nvPr>
-        </p:nvSpPr>
-        <p:spPr/>
-        <p:txBody>
-          <a:bodyPr/>
-          <a:lstStyle/>
-          <a:p>
-            <a:endParaRPr lang="zh-CN" altLang="en-US" dirty="0"/>
-          </a:p>
-        </p:txBody>
-      </p:sp>
-      <p:sp>
-        <p:nvSpPr>
-          <p:cNvPr id="4" name="灯片编号占位符 3"/>
-          <p:cNvSpPr>
-            <a:spLocks noGrp="1"/>
-          </p:cNvSpPr>
-          <p:nvPr>
-            <p:ph type="sldNum" sz="quarter" idx="5"/>
-          </p:nvPr>
-        </p:nvSpPr>
-        <p:spPr/>
-        <p:txBody>
-          <a:bodyPr/>
-          <a:lstStyle/>
-          <a:p>
-            <a:pPr marL="0" marR="0" lvl="0" indent="0" algn="r" defTabSz="914400" rtl="0" eaLnBrk="1" fontAlgn="auto" latinLnBrk="0" hangingPunct="1">
-              <a:lnSpc>
-                <a:spcPct val="100000"/>
-              </a:lnSpc>
-              <a:spcBef>
-                <a:spcPts val="0"/>
-              </a:spcBef>
-              <a:spcAft>
-                <a:spcPts val="0"/>
-              </a:spcAft>
-              <a:buClrTx/>
-              <a:buSzTx/>
-              <a:buFontTx/>
-              <a:buNone/>
-              <a:tabLst/>
-              <a:defRPr/>
-            </a:pPr>
-            <a:fld id="{777B56A3-7137-4CC1-BEBB-9EC9BD9B38C0}" type="slidenum">
-              <a:rPr kumimoji="0" lang="zh-CN" altLang="en-US" sz="1200" b="0" i="0" u="none" strike="noStrike" kern="1200" cap="none" spc="0" normalizeH="0" baseline="0" noProof="0" smtClean="0">
-                <a:ln>
-                  <a:noFill/>
-                </a:ln>
-                <a:solidFill>
-                  <a:prstClr val="black"/>
-                </a:solidFill>
-                <a:effectLst/>
-                <a:uLnTx/>
-                <a:uFillTx/>
-                <a:latin typeface="等线" panose="020F0502020204030204"/>
-                <a:ea typeface="等线" panose="02010600030101010101" pitchFamily="2" charset="-122"/>
-                <a:cs typeface="+mn-cs"/>
-              </a:rPr>
-              <a:pPr marL="0" marR="0" lvl="0" indent="0" algn="r" defTabSz="914400" rtl="0" eaLnBrk="1" fontAlgn="auto" latinLnBrk="0" hangingPunct="1">
-                <a:lnSpc>
-                  <a:spcPct val="100000"/>
-                </a:lnSpc>
-                <a:spcBef>
-                  <a:spcPts val="0"/>
-                </a:spcBef>
-                <a:spcAft>
-                  <a:spcPts val="0"/>
-                </a:spcAft>
-                <a:buClrTx/>
-                <a:buSzTx/>
-                <a:buFontTx/>
-                <a:buNone/>
-                <a:tabLst/>
-                <a:defRPr/>
-              </a:pPr>
-              <a:t>42</a:t>
-            </a:fld>
-            <a:endParaRPr kumimoji="0" lang="zh-CN" altLang="en-US" sz="1200" b="0" i="0" u="none" strike="noStrike" kern="1200" cap="none" spc="0" normalizeH="0" baseline="0" noProof="0">
-              <a:ln>
-                <a:noFill/>
-              </a:ln>
-              <a:solidFill>
-                <a:prstClr val="black"/>
-              </a:solidFill>
-              <a:effectLst/>
-              <a:uLnTx/>
-              <a:uFillTx/>
-              <a:latin typeface="等线" panose="020F0502020204030204"/>
-              <a:ea typeface="等线" panose="02010600030101010101" pitchFamily="2" charset="-122"/>
-              <a:cs typeface="+mn-cs"/>
-            </a:endParaRPr>
-          </a:p>
-        </p:txBody>
-      </p:sp>
-    </p:spTree>
-    <p:extLst>
-      <p:ext uri="{BB962C8B-B14F-4D97-AF65-F5344CB8AC3E}">
-        <p14:creationId xmlns:p14="http://schemas.microsoft.com/office/powerpoint/2010/main" val="2767720531"/>
-      </p:ext>
-    </p:extLst>
-  </p:cSld>
-  <p:clrMapOvr>
-    <a:masterClrMapping/>
-  </p:clrMapOvr>
-</p:notes>
-</file>
-
-<file path=ppt/notesSlides/notesSlide33.xml><?xml version="1.0" encoding="utf-8"?>
 <p:notes xmlns:a="http://schemas.openxmlformats.org/drawingml/2006/main" xmlns:r="http://schemas.openxmlformats.org/officeDocument/2006/relationships" xmlns:p="http://schemas.openxmlformats.org/presentationml/2006/main">
   <p:cSld>
     <p:spTree>
@@ -2886,7 +2743,7 @@
     </p:spTree>
     <p:extLst>
       <p:ext uri="{BB962C8B-B14F-4D97-AF65-F5344CB8AC3E}">
-        <p14:creationId xmlns:p14="http://schemas.microsoft.com/office/powerpoint/2010/main" val="364992040"/>
+        <p14:creationId xmlns:p14="http://schemas.microsoft.com/office/powerpoint/2010/main" val="2767720531"/>
       </p:ext>
     </p:extLst>
   </p:cSld>
@@ -2896,7 +2753,7 @@
 </p:notes>
 </file>
 
-<file path=ppt/notesSlides/notesSlide34.xml><?xml version="1.0" encoding="utf-8"?>
+<file path=ppt/notesSlides/notesSlide33.xml><?xml version="1.0" encoding="utf-8"?>
 <p:notes xmlns:a="http://schemas.openxmlformats.org/drawingml/2006/main" xmlns:r="http://schemas.openxmlformats.org/officeDocument/2006/relationships" xmlns:p="http://schemas.openxmlformats.org/presentationml/2006/main">
   <p:cSld>
     <p:spTree>
@@ -3030,6 +2887,150 @@
     </p:spTree>
     <p:extLst>
       <p:ext uri="{BB962C8B-B14F-4D97-AF65-F5344CB8AC3E}">
+        <p14:creationId xmlns:p14="http://schemas.microsoft.com/office/powerpoint/2010/main" val="364992040"/>
+      </p:ext>
+    </p:extLst>
+  </p:cSld>
+  <p:clrMapOvr>
+    <a:masterClrMapping/>
+  </p:clrMapOvr>
+</p:notes>
+</file>
+
+<file path=ppt/notesSlides/notesSlide34.xml><?xml version="1.0" encoding="utf-8"?>
+<p:notes xmlns:a="http://schemas.openxmlformats.org/drawingml/2006/main" xmlns:r="http://schemas.openxmlformats.org/officeDocument/2006/relationships" xmlns:p="http://schemas.openxmlformats.org/presentationml/2006/main">
+  <p:cSld>
+    <p:spTree>
+      <p:nvGrpSpPr>
+        <p:cNvPr id="1" name=""/>
+        <p:cNvGrpSpPr/>
+        <p:nvPr/>
+      </p:nvGrpSpPr>
+      <p:grpSpPr>
+        <a:xfrm>
+          <a:off x="0" y="0"/>
+          <a:ext cx="0" cy="0"/>
+          <a:chOff x="0" y="0"/>
+          <a:chExt cx="0" cy="0"/>
+        </a:xfrm>
+      </p:grpSpPr>
+      <p:sp>
+        <p:nvSpPr>
+          <p:cNvPr id="2" name="幻灯片图像占位符 1"/>
+          <p:cNvSpPr>
+            <a:spLocks noGrp="1" noRot="1" noChangeAspect="1"/>
+          </p:cNvSpPr>
+          <p:nvPr>
+            <p:ph type="sldImg"/>
+          </p:nvPr>
+        </p:nvSpPr>
+        <p:spPr/>
+      </p:sp>
+      <p:sp>
+        <p:nvSpPr>
+          <p:cNvPr id="3" name="备注占位符 2"/>
+          <p:cNvSpPr>
+            <a:spLocks noGrp="1"/>
+          </p:cNvSpPr>
+          <p:nvPr>
+            <p:ph type="body" idx="1"/>
+          </p:nvPr>
+        </p:nvSpPr>
+        <p:spPr/>
+        <p:txBody>
+          <a:bodyPr/>
+          <a:lstStyle/>
+          <a:p>
+            <a:endParaRPr lang="zh-CN" altLang="en-US" dirty="0"/>
+          </a:p>
+        </p:txBody>
+      </p:sp>
+      <p:sp>
+        <p:nvSpPr>
+          <p:cNvPr id="4" name="灯片编号占位符 3"/>
+          <p:cNvSpPr>
+            <a:spLocks noGrp="1"/>
+          </p:cNvSpPr>
+          <p:nvPr>
+            <p:ph type="sldNum" sz="quarter" idx="5"/>
+          </p:nvPr>
+        </p:nvSpPr>
+        <p:spPr/>
+        <p:txBody>
+          <a:bodyPr/>
+          <a:lstStyle/>
+          <a:p>
+            <a:pPr marL="0" marR="0" lvl="0" indent="0" algn="r" defTabSz="914400" rtl="0" eaLnBrk="1" fontAlgn="auto" latinLnBrk="0" hangingPunct="1">
+              <a:lnSpc>
+                <a:spcPct val="100000"/>
+              </a:lnSpc>
+              <a:spcBef>
+                <a:spcPts val="0"/>
+              </a:spcBef>
+              <a:spcAft>
+                <a:spcPts val="0"/>
+              </a:spcAft>
+              <a:buClrTx/>
+              <a:buSzTx/>
+              <a:buFontTx/>
+              <a:buNone/>
+              <a:tabLst/>
+              <a:defRPr/>
+            </a:pPr>
+            <a:fld id="{777B56A3-7137-4CC1-BEBB-9EC9BD9B38C0}" type="slidenum">
+              <a:rPr kumimoji="0" lang="zh-CN" altLang="en-US" sz="1200" b="0" i="0" u="none" strike="noStrike" kern="1200" cap="none" spc="0" normalizeH="0" baseline="0" noProof="0" smtClean="0">
+                <a:ln>
+                  <a:noFill/>
+                </a:ln>
+                <a:solidFill>
+                  <a:prstClr val="black"/>
+                </a:solidFill>
+                <a:effectLst/>
+                <a:uLnTx/>
+                <a:uFillTx/>
+                <a:latin typeface="等线" panose="020F0502020204030204"/>
+                <a:ea typeface="等线" panose="02010600030101010101" pitchFamily="2" charset="-122"/>
+                <a:cs typeface="+mn-cs"/>
+              </a:rPr>
+              <a:pPr marL="0" marR="0" lvl="0" indent="0" algn="r" defTabSz="914400" rtl="0" eaLnBrk="1" fontAlgn="auto" latinLnBrk="0" hangingPunct="1">
+                <a:lnSpc>
+                  <a:spcPct val="100000"/>
+                </a:lnSpc>
+                <a:spcBef>
+                  <a:spcPts val="0"/>
+                </a:spcBef>
+                <a:spcAft>
+                  <a:spcPts val="0"/>
+                </a:spcAft>
+                <a:buClrTx/>
+                <a:buSzTx/>
+                <a:buFontTx/>
+                <a:buNone/>
+                <a:tabLst/>
+                <a:defRPr/>
+              </a:pPr>
+              <a:t>45</a:t>
+            </a:fld>
+            <a:endParaRPr kumimoji="0" lang="zh-CN" altLang="en-US" sz="1200" b="0" i="0" u="none" strike="noStrike" kern="1200" cap="none" spc="0" normalizeH="0" baseline="0" noProof="0">
+              <a:ln>
+                <a:noFill/>
+              </a:ln>
+              <a:solidFill>
+                <a:prstClr val="black"/>
+              </a:solidFill>
+              <a:effectLst/>
+              <a:uLnTx/>
+              <a:uFillTx/>
+              <a:latin typeface="等线" panose="020F0502020204030204"/>
+              <a:ea typeface="等线" panose="02010600030101010101" pitchFamily="2" charset="-122"/>
+              <a:cs typeface="+mn-cs"/>
+            </a:endParaRPr>
+          </a:p>
+        </p:txBody>
+      </p:sp>
+    </p:spTree>
+    <p:extLst>
+      <p:ext uri="{BB962C8B-B14F-4D97-AF65-F5344CB8AC3E}">
         <p14:creationId xmlns:p14="http://schemas.microsoft.com/office/powerpoint/2010/main" val="314983275"/>
       </p:ext>
     </p:extLst>
@@ -3105,7 +3106,7 @@
           <a:p>
             <a:fld id="{777B56A3-7137-4CC1-BEBB-9EC9BD9B38C0}" type="slidenum">
               <a:rPr lang="zh-CN" altLang="en-US" smtClean="0"/>
-              <a:t>45</a:t>
+              <a:t>46</a:t>
             </a:fld>
             <a:endParaRPr lang="zh-CN" altLang="en-US"/>
           </a:p>
@@ -3189,7 +3190,7 @@
           <a:p>
             <a:fld id="{777B56A3-7137-4CC1-BEBB-9EC9BD9B38C0}" type="slidenum">
               <a:rPr lang="zh-CN" altLang="en-US" smtClean="0"/>
-              <a:t>5</a:t>
+              <a:t>6</a:t>
             </a:fld>
             <a:endParaRPr lang="zh-CN" altLang="en-US"/>
           </a:p>
@@ -3273,7 +3274,7 @@
           <a:p>
             <a:fld id="{777B56A3-7137-4CC1-BEBB-9EC9BD9B38C0}" type="slidenum">
               <a:rPr lang="zh-CN" altLang="en-US" smtClean="0"/>
-              <a:t>6</a:t>
+              <a:t>7</a:t>
             </a:fld>
             <a:endParaRPr lang="zh-CN" altLang="en-US"/>
           </a:p>
@@ -3357,7 +3358,7 @@
           <a:p>
             <a:fld id="{777B56A3-7137-4CC1-BEBB-9EC9BD9B38C0}" type="slidenum">
               <a:rPr lang="zh-CN" altLang="en-US" smtClean="0"/>
-              <a:t>8</a:t>
+              <a:t>9</a:t>
             </a:fld>
             <a:endParaRPr lang="zh-CN" altLang="en-US"/>
           </a:p>
@@ -3441,7 +3442,7 @@
           <a:p>
             <a:fld id="{777B56A3-7137-4CC1-BEBB-9EC9BD9B38C0}" type="slidenum">
               <a:rPr lang="zh-CN" altLang="en-US" smtClean="0"/>
-              <a:t>13</a:t>
+              <a:t>14</a:t>
             </a:fld>
             <a:endParaRPr lang="zh-CN" altLang="en-US"/>
           </a:p>
@@ -3525,7 +3526,7 @@
           <a:p>
             <a:fld id="{777B56A3-7137-4CC1-BEBB-9EC9BD9B38C0}" type="slidenum">
               <a:rPr lang="zh-CN" altLang="en-US" smtClean="0"/>
-              <a:t>14</a:t>
+              <a:t>15</a:t>
             </a:fld>
             <a:endParaRPr lang="zh-CN" altLang="en-US"/>
           </a:p>
@@ -3609,7 +3610,7 @@
           <a:p>
             <a:fld id="{777B56A3-7137-4CC1-BEBB-9EC9BD9B38C0}" type="slidenum">
               <a:rPr lang="zh-CN" altLang="en-US" smtClean="0"/>
-              <a:t>15</a:t>
+              <a:t>16</a:t>
             </a:fld>
             <a:endParaRPr lang="zh-CN" altLang="en-US"/>
           </a:p>
@@ -7014,7 +7015,7 @@
         </p:blipFill>
         <p:spPr>
           <a:xfrm>
-            <a:off x="1167936" y="3696982"/>
+            <a:off x="1204512" y="5099062"/>
             <a:ext cx="9402528" cy="889051"/>
           </a:xfrm>
           <a:prstGeom prst="rect">
@@ -7024,7 +7025,7 @@
       </p:pic>
       <p:pic>
         <p:nvPicPr>
-          <p:cNvPr id="5" name="图片 4"/>
+          <p:cNvPr id="18" name="图片 17"/>
           <p:cNvPicPr>
             <a:picLocks noChangeAspect="1"/>
           </p:cNvPicPr>
@@ -7038,8 +7039,8 @@
         </p:blipFill>
         <p:spPr>
           <a:xfrm>
-            <a:off x="3234225" y="1975104"/>
-            <a:ext cx="2642319" cy="1721878"/>
+            <a:off x="2574123" y="3483772"/>
+            <a:ext cx="1502761" cy="1671901"/>
           </a:xfrm>
           <a:prstGeom prst="rect">
             <a:avLst/>
@@ -7048,7 +7049,7 @@
       </p:pic>
       <p:pic>
         <p:nvPicPr>
-          <p:cNvPr id="6" name="图片 5"/>
+          <p:cNvPr id="19" name="图片 18"/>
           <p:cNvPicPr>
             <a:picLocks noChangeAspect="1"/>
           </p:cNvPicPr>
@@ -7062,8 +7063,8 @@
         </p:blipFill>
         <p:spPr>
           <a:xfrm>
-            <a:off x="5869200" y="1975104"/>
-            <a:ext cx="6262347" cy="1235202"/>
+            <a:off x="4010855" y="2476565"/>
+            <a:ext cx="8181145" cy="1832997"/>
           </a:xfrm>
           <a:prstGeom prst="rect">
             <a:avLst/>
@@ -7072,10 +7073,10 @@
       </p:pic>
       <p:pic>
         <p:nvPicPr>
-          <p:cNvPr id="8" name="图片 7">
+          <p:cNvPr id="12" name="图片 11">
             <a:extLst>
               <a:ext uri="{FF2B5EF4-FFF2-40B4-BE49-F238E27FC236}">
-                <a16:creationId xmlns:a16="http://schemas.microsoft.com/office/drawing/2014/main" id="{FF7BFAD3-6C01-4054-97FC-51C033E74E06}"/>
+                <a16:creationId xmlns:a16="http://schemas.microsoft.com/office/drawing/2014/main" id="{C22FA943-2FB5-4658-BFCE-C1F92647BFFF}"/>
               </a:ext>
             </a:extLst>
           </p:cNvPr>
@@ -7092,8 +7093,8 @@
         </p:blipFill>
         <p:spPr>
           <a:xfrm>
-            <a:off x="2703666" y="814344"/>
-            <a:ext cx="3703436" cy="1160760"/>
+            <a:off x="2050232" y="1871314"/>
+            <a:ext cx="3808912" cy="1461768"/>
           </a:xfrm>
           <a:prstGeom prst="rect">
             <a:avLst/>
@@ -7102,10 +7103,10 @@
       </p:pic>
       <p:sp>
         <p:nvSpPr>
-          <p:cNvPr id="7" name="内容占位符 3">
+          <p:cNvPr id="14" name="内容占位符 3">
             <a:extLst>
               <a:ext uri="{FF2B5EF4-FFF2-40B4-BE49-F238E27FC236}">
-                <a16:creationId xmlns:a16="http://schemas.microsoft.com/office/drawing/2014/main" id="{777459AD-618E-4284-981E-FD4430EF3F21}"/>
+                <a16:creationId xmlns:a16="http://schemas.microsoft.com/office/drawing/2014/main" id="{B717F545-3D59-4FBF-9169-A7F5E649860E}"/>
               </a:ext>
             </a:extLst>
           </p:cNvPr>
@@ -7116,7 +7117,7 @@
         </p:nvSpPr>
         <p:spPr>
           <a:xfrm>
-            <a:off x="6432513" y="796363"/>
+            <a:off x="1643032" y="815911"/>
             <a:ext cx="5135720" cy="598361"/>
           </a:xfrm>
           <a:prstGeom prst="rect">
@@ -7294,6 +7295,431 @@
           <a:p>
             <a:r>
               <a:rPr lang="en-US" altLang="zh-CN" dirty="0"/>
+              <a:t>00000C00~000017FF  </a:t>
+            </a:r>
+            <a:r>
+              <a:rPr lang="zh-CN" altLang="en-US" dirty="0"/>
+              <a:t> </a:t>
+            </a:r>
+            <a:r>
+              <a:rPr lang="en-US" altLang="zh-CN" dirty="0"/>
+              <a:t>3KB </a:t>
+            </a:r>
+          </a:p>
+        </p:txBody>
+      </p:sp>
+    </p:spTree>
+    <p:extLst>
+      <p:ext uri="{BB962C8B-B14F-4D97-AF65-F5344CB8AC3E}">
+        <p14:creationId xmlns:p14="http://schemas.microsoft.com/office/powerpoint/2010/main" val="104265285"/>
+      </p:ext>
+    </p:extLst>
+  </p:cSld>
+  <p:clrMapOvr>
+    <a:masterClrMapping/>
+  </p:clrMapOvr>
+  <p:timing>
+    <p:tnLst>
+      <p:par>
+        <p:cTn id="1" dur="indefinite" restart="never" nodeType="tmRoot">
+          <p:childTnLst>
+            <p:seq concurrent="1" nextAc="seek">
+              <p:cTn id="2" dur="indefinite" nodeType="mainSeq">
+                <p:childTnLst>
+                  <p:par>
+                    <p:cTn id="3" fill="hold">
+                      <p:stCondLst>
+                        <p:cond delay="indefinite"/>
+                      </p:stCondLst>
+                      <p:childTnLst>
+                        <p:par>
+                          <p:cTn id="4" fill="hold">
+                            <p:stCondLst>
+                              <p:cond delay="0"/>
+                            </p:stCondLst>
+                            <p:childTnLst>
+                              <p:par>
+                                <p:cTn id="5" presetID="10" presetClass="entr" presetSubtype="0" fill="hold" grpId="0" nodeType="clickEffect">
+                                  <p:stCondLst>
+                                    <p:cond delay="0"/>
+                                  </p:stCondLst>
+                                  <p:childTnLst>
+                                    <p:set>
+                                      <p:cBhvr>
+                                        <p:cTn id="6" dur="1" fill="hold">
+                                          <p:stCondLst>
+                                            <p:cond delay="0"/>
+                                          </p:stCondLst>
+                                        </p:cTn>
+                                        <p:tgtEl>
+                                          <p:spTgt spid="14"/>
+                                        </p:tgtEl>
+                                        <p:attrNameLst>
+                                          <p:attrName>style.visibility</p:attrName>
+                                        </p:attrNameLst>
+                                      </p:cBhvr>
+                                      <p:to>
+                                        <p:strVal val="visible"/>
+                                      </p:to>
+                                    </p:set>
+                                    <p:animEffect transition="in" filter="fade">
+                                      <p:cBhvr>
+                                        <p:cTn id="7" dur="500"/>
+                                        <p:tgtEl>
+                                          <p:spTgt spid="14"/>
+                                        </p:tgtEl>
+                                      </p:cBhvr>
+                                    </p:animEffect>
+                                  </p:childTnLst>
+                                </p:cTn>
+                              </p:par>
+                            </p:childTnLst>
+                          </p:cTn>
+                        </p:par>
+                      </p:childTnLst>
+                    </p:cTn>
+                  </p:par>
+                </p:childTnLst>
+              </p:cTn>
+              <p:prevCondLst>
+                <p:cond evt="onPrev" delay="0">
+                  <p:tgtEl>
+                    <p:sldTgt/>
+                  </p:tgtEl>
+                </p:cond>
+              </p:prevCondLst>
+              <p:nextCondLst>
+                <p:cond evt="onNext" delay="0">
+                  <p:tgtEl>
+                    <p:sldTgt/>
+                  </p:tgtEl>
+                </p:cond>
+              </p:nextCondLst>
+            </p:seq>
+          </p:childTnLst>
+        </p:cTn>
+      </p:par>
+    </p:tnLst>
+    <p:bldLst>
+      <p:bldP spid="14" grpId="0"/>
+    </p:bldLst>
+  </p:timing>
+</p:sld>
+</file>
+
+<file path=ppt/slides/slide11.xml><?xml version="1.0" encoding="utf-8"?>
+<p:sld xmlns:a="http://schemas.openxmlformats.org/drawingml/2006/main" xmlns:r="http://schemas.openxmlformats.org/officeDocument/2006/relationships" xmlns:p="http://schemas.openxmlformats.org/presentationml/2006/main">
+  <p:cSld>
+    <p:spTree>
+      <p:nvGrpSpPr>
+        <p:cNvPr id="1" name=""/>
+        <p:cNvGrpSpPr/>
+        <p:nvPr/>
+      </p:nvGrpSpPr>
+      <p:grpSpPr>
+        <a:xfrm>
+          <a:off x="0" y="0"/>
+          <a:ext cx="0" cy="0"/>
+          <a:chOff x="0" y="0"/>
+          <a:chExt cx="0" cy="0"/>
+        </a:xfrm>
+      </p:grpSpPr>
+      <p:pic>
+        <p:nvPicPr>
+          <p:cNvPr id="4" name="图片 3"/>
+          <p:cNvPicPr>
+            <a:picLocks noChangeAspect="1"/>
+          </p:cNvPicPr>
+          <p:nvPr/>
+        </p:nvPicPr>
+        <p:blipFill>
+          <a:blip r:embed="rId2"/>
+          <a:stretch>
+            <a:fillRect/>
+          </a:stretch>
+        </p:blipFill>
+        <p:spPr>
+          <a:xfrm>
+            <a:off x="1167936" y="3696982"/>
+            <a:ext cx="9402528" cy="889051"/>
+          </a:xfrm>
+          <a:prstGeom prst="rect">
+            <a:avLst/>
+          </a:prstGeom>
+        </p:spPr>
+      </p:pic>
+      <p:pic>
+        <p:nvPicPr>
+          <p:cNvPr id="5" name="图片 4"/>
+          <p:cNvPicPr>
+            <a:picLocks noChangeAspect="1"/>
+          </p:cNvPicPr>
+          <p:nvPr/>
+        </p:nvPicPr>
+        <p:blipFill>
+          <a:blip r:embed="rId3"/>
+          <a:stretch>
+            <a:fillRect/>
+          </a:stretch>
+        </p:blipFill>
+        <p:spPr>
+          <a:xfrm>
+            <a:off x="3234225" y="1975104"/>
+            <a:ext cx="2642319" cy="1721878"/>
+          </a:xfrm>
+          <a:prstGeom prst="rect">
+            <a:avLst/>
+          </a:prstGeom>
+        </p:spPr>
+      </p:pic>
+      <p:pic>
+        <p:nvPicPr>
+          <p:cNvPr id="6" name="图片 5"/>
+          <p:cNvPicPr>
+            <a:picLocks noChangeAspect="1"/>
+          </p:cNvPicPr>
+          <p:nvPr/>
+        </p:nvPicPr>
+        <p:blipFill>
+          <a:blip r:embed="rId4"/>
+          <a:stretch>
+            <a:fillRect/>
+          </a:stretch>
+        </p:blipFill>
+        <p:spPr>
+          <a:xfrm>
+            <a:off x="5869200" y="1975104"/>
+            <a:ext cx="6262347" cy="1235202"/>
+          </a:xfrm>
+          <a:prstGeom prst="rect">
+            <a:avLst/>
+          </a:prstGeom>
+        </p:spPr>
+      </p:pic>
+      <p:pic>
+        <p:nvPicPr>
+          <p:cNvPr id="8" name="图片 7">
+            <a:extLst>
+              <a:ext uri="{FF2B5EF4-FFF2-40B4-BE49-F238E27FC236}">
+                <a16:creationId xmlns:a16="http://schemas.microsoft.com/office/drawing/2014/main" id="{FF7BFAD3-6C01-4054-97FC-51C033E74E06}"/>
+              </a:ext>
+            </a:extLst>
+          </p:cNvPr>
+          <p:cNvPicPr>
+            <a:picLocks noChangeAspect="1"/>
+          </p:cNvPicPr>
+          <p:nvPr/>
+        </p:nvPicPr>
+        <p:blipFill>
+          <a:blip r:embed="rId5"/>
+          <a:stretch>
+            <a:fillRect/>
+          </a:stretch>
+        </p:blipFill>
+        <p:spPr>
+          <a:xfrm>
+            <a:off x="2703666" y="814344"/>
+            <a:ext cx="3703436" cy="1160760"/>
+          </a:xfrm>
+          <a:prstGeom prst="rect">
+            <a:avLst/>
+          </a:prstGeom>
+        </p:spPr>
+      </p:pic>
+      <p:sp>
+        <p:nvSpPr>
+          <p:cNvPr id="7" name="内容占位符 3">
+            <a:extLst>
+              <a:ext uri="{FF2B5EF4-FFF2-40B4-BE49-F238E27FC236}">
+                <a16:creationId xmlns:a16="http://schemas.microsoft.com/office/drawing/2014/main" id="{777459AD-618E-4284-981E-FD4430EF3F21}"/>
+              </a:ext>
+            </a:extLst>
+          </p:cNvPr>
+          <p:cNvSpPr txBox="1">
+            <a:spLocks/>
+          </p:cNvSpPr>
+          <p:nvPr/>
+        </p:nvSpPr>
+        <p:spPr>
+          <a:xfrm>
+            <a:off x="6432513" y="796363"/>
+            <a:ext cx="5135720" cy="598361"/>
+          </a:xfrm>
+          <a:prstGeom prst="rect">
+            <a:avLst/>
+          </a:prstGeom>
+        </p:spPr>
+        <p:txBody>
+          <a:bodyPr vert="horz" lIns="91440" tIns="45720" rIns="91440" bIns="45720" rtlCol="0">
+            <a:normAutofit/>
+          </a:bodyPr>
+          <a:lstStyle>
+            <a:lvl1pPr marL="0" indent="0" algn="ctr" defTabSz="914400" rtl="0" eaLnBrk="1" latinLnBrk="0" hangingPunct="1">
+              <a:lnSpc>
+                <a:spcPct val="90000"/>
+              </a:lnSpc>
+              <a:spcBef>
+                <a:spcPts val="1000"/>
+              </a:spcBef>
+              <a:buFont typeface="Arial" panose="020B0604020202020204" pitchFamily="34" charset="0"/>
+              <a:buNone/>
+              <a:defRPr sz="2400" kern="1200">
+                <a:solidFill>
+                  <a:schemeClr val="tx1"/>
+                </a:solidFill>
+                <a:latin typeface="+mn-lt"/>
+                <a:ea typeface="+mn-ea"/>
+                <a:cs typeface="+mn-cs"/>
+              </a:defRPr>
+            </a:lvl1pPr>
+            <a:lvl2pPr marL="457200" indent="0" algn="ctr" defTabSz="914400" rtl="0" eaLnBrk="1" latinLnBrk="0" hangingPunct="1">
+              <a:lnSpc>
+                <a:spcPct val="90000"/>
+              </a:lnSpc>
+              <a:spcBef>
+                <a:spcPts val="500"/>
+              </a:spcBef>
+              <a:buFont typeface="Arial" panose="020B0604020202020204" pitchFamily="34" charset="0"/>
+              <a:buNone/>
+              <a:defRPr sz="2000" kern="1200">
+                <a:solidFill>
+                  <a:schemeClr val="tx1"/>
+                </a:solidFill>
+                <a:latin typeface="+mn-lt"/>
+                <a:ea typeface="+mn-ea"/>
+                <a:cs typeface="+mn-cs"/>
+              </a:defRPr>
+            </a:lvl2pPr>
+            <a:lvl3pPr marL="914400" indent="0" algn="ctr" defTabSz="914400" rtl="0" eaLnBrk="1" latinLnBrk="0" hangingPunct="1">
+              <a:lnSpc>
+                <a:spcPct val="90000"/>
+              </a:lnSpc>
+              <a:spcBef>
+                <a:spcPts val="500"/>
+              </a:spcBef>
+              <a:buFont typeface="Arial" panose="020B0604020202020204" pitchFamily="34" charset="0"/>
+              <a:buNone/>
+              <a:defRPr sz="1800" kern="1200">
+                <a:solidFill>
+                  <a:schemeClr val="tx1"/>
+                </a:solidFill>
+                <a:latin typeface="+mn-lt"/>
+                <a:ea typeface="+mn-ea"/>
+                <a:cs typeface="+mn-cs"/>
+              </a:defRPr>
+            </a:lvl3pPr>
+            <a:lvl4pPr marL="1371600" indent="0" algn="ctr" defTabSz="914400" rtl="0" eaLnBrk="1" latinLnBrk="0" hangingPunct="1">
+              <a:lnSpc>
+                <a:spcPct val="90000"/>
+              </a:lnSpc>
+              <a:spcBef>
+                <a:spcPts val="500"/>
+              </a:spcBef>
+              <a:buFont typeface="Arial" panose="020B0604020202020204" pitchFamily="34" charset="0"/>
+              <a:buNone/>
+              <a:defRPr sz="1600" kern="1200">
+                <a:solidFill>
+                  <a:schemeClr val="tx1"/>
+                </a:solidFill>
+                <a:latin typeface="+mn-lt"/>
+                <a:ea typeface="+mn-ea"/>
+                <a:cs typeface="+mn-cs"/>
+              </a:defRPr>
+            </a:lvl4pPr>
+            <a:lvl5pPr marL="1828800" indent="0" algn="ctr" defTabSz="914400" rtl="0" eaLnBrk="1" latinLnBrk="0" hangingPunct="1">
+              <a:lnSpc>
+                <a:spcPct val="90000"/>
+              </a:lnSpc>
+              <a:spcBef>
+                <a:spcPts val="500"/>
+              </a:spcBef>
+              <a:buFont typeface="Arial" panose="020B0604020202020204" pitchFamily="34" charset="0"/>
+              <a:buNone/>
+              <a:defRPr sz="1600" kern="1200">
+                <a:solidFill>
+                  <a:schemeClr val="tx1"/>
+                </a:solidFill>
+                <a:latin typeface="+mn-lt"/>
+                <a:ea typeface="+mn-ea"/>
+                <a:cs typeface="+mn-cs"/>
+              </a:defRPr>
+            </a:lvl5pPr>
+            <a:lvl6pPr marL="2286000" indent="0" algn="ctr" defTabSz="914400" rtl="0" eaLnBrk="1" latinLnBrk="0" hangingPunct="1">
+              <a:lnSpc>
+                <a:spcPct val="90000"/>
+              </a:lnSpc>
+              <a:spcBef>
+                <a:spcPts val="500"/>
+              </a:spcBef>
+              <a:buFont typeface="Arial" panose="020B0604020202020204" pitchFamily="34" charset="0"/>
+              <a:buNone/>
+              <a:defRPr sz="1600" kern="1200">
+                <a:solidFill>
+                  <a:schemeClr val="tx1"/>
+                </a:solidFill>
+                <a:latin typeface="+mn-lt"/>
+                <a:ea typeface="+mn-ea"/>
+                <a:cs typeface="+mn-cs"/>
+              </a:defRPr>
+            </a:lvl6pPr>
+            <a:lvl7pPr marL="2743200" indent="0" algn="ctr" defTabSz="914400" rtl="0" eaLnBrk="1" latinLnBrk="0" hangingPunct="1">
+              <a:lnSpc>
+                <a:spcPct val="90000"/>
+              </a:lnSpc>
+              <a:spcBef>
+                <a:spcPts val="500"/>
+              </a:spcBef>
+              <a:buFont typeface="Arial" panose="020B0604020202020204" pitchFamily="34" charset="0"/>
+              <a:buNone/>
+              <a:defRPr sz="1600" kern="1200">
+                <a:solidFill>
+                  <a:schemeClr val="tx1"/>
+                </a:solidFill>
+                <a:latin typeface="+mn-lt"/>
+                <a:ea typeface="+mn-ea"/>
+                <a:cs typeface="+mn-cs"/>
+              </a:defRPr>
+            </a:lvl7pPr>
+            <a:lvl8pPr marL="3200400" indent="0" algn="ctr" defTabSz="914400" rtl="0" eaLnBrk="1" latinLnBrk="0" hangingPunct="1">
+              <a:lnSpc>
+                <a:spcPct val="90000"/>
+              </a:lnSpc>
+              <a:spcBef>
+                <a:spcPts val="500"/>
+              </a:spcBef>
+              <a:buFont typeface="Arial" panose="020B0604020202020204" pitchFamily="34" charset="0"/>
+              <a:buNone/>
+              <a:defRPr sz="1600" kern="1200">
+                <a:solidFill>
+                  <a:schemeClr val="tx1"/>
+                </a:solidFill>
+                <a:latin typeface="+mn-lt"/>
+                <a:ea typeface="+mn-ea"/>
+                <a:cs typeface="+mn-cs"/>
+              </a:defRPr>
+            </a:lvl8pPr>
+            <a:lvl9pPr marL="3657600" indent="0" algn="ctr" defTabSz="914400" rtl="0" eaLnBrk="1" latinLnBrk="0" hangingPunct="1">
+              <a:lnSpc>
+                <a:spcPct val="90000"/>
+              </a:lnSpc>
+              <a:spcBef>
+                <a:spcPts val="500"/>
+              </a:spcBef>
+              <a:buFont typeface="Arial" panose="020B0604020202020204" pitchFamily="34" charset="0"/>
+              <a:buNone/>
+              <a:defRPr sz="1600" kern="1200">
+                <a:solidFill>
+                  <a:schemeClr val="tx1"/>
+                </a:solidFill>
+                <a:latin typeface="+mn-lt"/>
+                <a:ea typeface="+mn-ea"/>
+                <a:cs typeface="+mn-cs"/>
+              </a:defRPr>
+            </a:lvl9pPr>
+          </a:lstStyle>
+          <a:p>
+            <a:r>
+              <a:rPr lang="en-US" altLang="zh-CN" dirty="0"/>
               <a:t>00001800~000037FF </a:t>
             </a:r>
             <a:r>
@@ -7406,7 +7832,7 @@
 </p:sld>
 </file>
 
-<file path=ppt/slides/slide11.xml><?xml version="1.0" encoding="utf-8"?>
+<file path=ppt/slides/slide12.xml><?xml version="1.0" encoding="utf-8"?>
 <p:sld xmlns:a="http://schemas.openxmlformats.org/drawingml/2006/main" xmlns:r="http://schemas.openxmlformats.org/officeDocument/2006/relationships" xmlns:p="http://schemas.openxmlformats.org/presentationml/2006/main">
   <p:cSld>
     <p:spTree>
@@ -7721,7 +8147,7 @@
 </p:sld>
 </file>
 
-<file path=ppt/slides/slide12.xml><?xml version="1.0" encoding="utf-8"?>
+<file path=ppt/slides/slide13.xml><?xml version="1.0" encoding="utf-8"?>
 <p:sld xmlns:a="http://schemas.openxmlformats.org/drawingml/2006/main" xmlns:r="http://schemas.openxmlformats.org/officeDocument/2006/relationships" xmlns:p="http://schemas.openxmlformats.org/presentationml/2006/main">
   <p:cSld>
     <p:spTree>
@@ -7983,7 +8409,7 @@
 </p:sld>
 </file>
 
-<file path=ppt/slides/slide13.xml><?xml version="1.0" encoding="utf-8"?>
+<file path=ppt/slides/slide14.xml><?xml version="1.0" encoding="utf-8"?>
 <p:sld xmlns:a="http://schemas.openxmlformats.org/drawingml/2006/main" xmlns:r="http://schemas.openxmlformats.org/officeDocument/2006/relationships" xmlns:p="http://schemas.openxmlformats.org/presentationml/2006/main">
   <p:cSld>
     <p:spTree>
@@ -8231,7 +8657,7 @@
 </p:sld>
 </file>
 
-<file path=ppt/slides/slide14.xml><?xml version="1.0" encoding="utf-8"?>
+<file path=ppt/slides/slide15.xml><?xml version="1.0" encoding="utf-8"?>
 <p:sld xmlns:a="http://schemas.openxmlformats.org/drawingml/2006/main" xmlns:r="http://schemas.openxmlformats.org/officeDocument/2006/relationships" xmlns:p="http://schemas.openxmlformats.org/presentationml/2006/main">
   <p:cSld>
     <p:spTree>
@@ -8423,7 +8849,7 @@
 </p:sld>
 </file>
 
-<file path=ppt/slides/slide15.xml><?xml version="1.0" encoding="utf-8"?>
+<file path=ppt/slides/slide16.xml><?xml version="1.0" encoding="utf-8"?>
 <p:sld xmlns:a="http://schemas.openxmlformats.org/drawingml/2006/main" xmlns:r="http://schemas.openxmlformats.org/officeDocument/2006/relationships" xmlns:p="http://schemas.openxmlformats.org/presentationml/2006/main">
   <p:cSld>
     <p:spTree>
@@ -8671,7 +9097,7 @@
 </p:sld>
 </file>
 
-<file path=ppt/slides/slide16.xml><?xml version="1.0" encoding="utf-8"?>
+<file path=ppt/slides/slide17.xml><?xml version="1.0" encoding="utf-8"?>
 <p:sld xmlns:a="http://schemas.openxmlformats.org/drawingml/2006/main" xmlns:r="http://schemas.openxmlformats.org/officeDocument/2006/relationships" xmlns:p="http://schemas.openxmlformats.org/presentationml/2006/main">
   <p:cSld>
     <p:spTree>
@@ -8860,7 +9286,7 @@
 </p:sld>
 </file>
 
-<file path=ppt/slides/slide17.xml><?xml version="1.0" encoding="utf-8"?>
+<file path=ppt/slides/slide18.xml><?xml version="1.0" encoding="utf-8"?>
 <p:sld xmlns:a="http://schemas.openxmlformats.org/drawingml/2006/main" xmlns:r="http://schemas.openxmlformats.org/officeDocument/2006/relationships" xmlns:p="http://schemas.openxmlformats.org/presentationml/2006/main">
   <p:cSld>
     <p:spTree>
@@ -9049,7 +9475,7 @@
 </p:sld>
 </file>
 
-<file path=ppt/slides/slide18.xml><?xml version="1.0" encoding="utf-8"?>
+<file path=ppt/slides/slide19.xml><?xml version="1.0" encoding="utf-8"?>
 <p:sld xmlns:a="http://schemas.openxmlformats.org/drawingml/2006/main" xmlns:r="http://schemas.openxmlformats.org/officeDocument/2006/relationships" xmlns:p="http://schemas.openxmlformats.org/presentationml/2006/main">
   <p:cSld>
     <p:spTree>
@@ -9172,7 +9598,104 @@
 </p:sld>
 </file>
 
-<file path=ppt/slides/slide19.xml><?xml version="1.0" encoding="utf-8"?>
+<file path=ppt/slides/slide2.xml><?xml version="1.0" encoding="utf-8"?>
+<p:sld xmlns:a="http://schemas.openxmlformats.org/drawingml/2006/main" xmlns:r="http://schemas.openxmlformats.org/officeDocument/2006/relationships" xmlns:p="http://schemas.openxmlformats.org/presentationml/2006/main">
+  <p:cSld>
+    <p:spTree>
+      <p:nvGrpSpPr>
+        <p:cNvPr id="1" name=""/>
+        <p:cNvGrpSpPr/>
+        <p:nvPr/>
+      </p:nvGrpSpPr>
+      <p:grpSpPr>
+        <a:xfrm>
+          <a:off x="0" y="0"/>
+          <a:ext cx="0" cy="0"/>
+          <a:chOff x="0" y="0"/>
+          <a:chExt cx="0" cy="0"/>
+        </a:xfrm>
+      </p:grpSpPr>
+      <p:sp>
+        <p:nvSpPr>
+          <p:cNvPr id="2" name="标题 1">
+            <a:extLst>
+              <a:ext uri="{FF2B5EF4-FFF2-40B4-BE49-F238E27FC236}">
+                <a16:creationId xmlns:a16="http://schemas.microsoft.com/office/drawing/2014/main" id="{3A01834E-07D2-448B-96F8-CEB0BBEBEAA2}"/>
+              </a:ext>
+            </a:extLst>
+          </p:cNvPr>
+          <p:cNvSpPr>
+            <a:spLocks noGrp="1"/>
+          </p:cNvSpPr>
+          <p:nvPr>
+            <p:ph type="title"/>
+          </p:nvPr>
+        </p:nvSpPr>
+        <p:spPr/>
+        <p:txBody>
+          <a:bodyPr/>
+          <a:lstStyle/>
+          <a:p>
+            <a:r>
+              <a:rPr lang="zh-CN" altLang="en-US" dirty="0"/>
+              <a:t>选读部分</a:t>
+            </a:r>
+            <a:r>
+              <a:rPr lang="en-US" altLang="zh-CN" dirty="0"/>
+              <a:t>-</a:t>
+            </a:r>
+            <a:r>
+              <a:rPr lang="zh-CN" altLang="en-US" dirty="0"/>
+              <a:t>文件系统</a:t>
+            </a:r>
+          </a:p>
+        </p:txBody>
+      </p:sp>
+      <p:pic>
+        <p:nvPicPr>
+          <p:cNvPr id="4" name="内容占位符 3">
+            <a:extLst>
+              <a:ext uri="{FF2B5EF4-FFF2-40B4-BE49-F238E27FC236}">
+                <a16:creationId xmlns:a16="http://schemas.microsoft.com/office/drawing/2014/main" id="{70CD832A-7A22-43E6-987F-5A8BE67D5293}"/>
+              </a:ext>
+            </a:extLst>
+          </p:cNvPr>
+          <p:cNvPicPr>
+            <a:picLocks noGrp="1" noChangeAspect="1"/>
+          </p:cNvPicPr>
+          <p:nvPr>
+            <p:ph idx="1"/>
+          </p:nvPr>
+        </p:nvPicPr>
+        <p:blipFill rotWithShape="1">
+          <a:blip r:embed="rId2"/>
+          <a:srcRect l="620" t="1193" b="1580"/>
+          <a:stretch/>
+        </p:blipFill>
+        <p:spPr>
+          <a:xfrm>
+            <a:off x="3084575" y="1877567"/>
+            <a:ext cx="6060675" cy="4230625"/>
+          </a:xfrm>
+          <a:prstGeom prst="rect">
+            <a:avLst/>
+          </a:prstGeom>
+        </p:spPr>
+      </p:pic>
+    </p:spTree>
+    <p:extLst>
+      <p:ext uri="{BB962C8B-B14F-4D97-AF65-F5344CB8AC3E}">
+        <p14:creationId xmlns:p14="http://schemas.microsoft.com/office/powerpoint/2010/main" val="2313258921"/>
+      </p:ext>
+    </p:extLst>
+  </p:cSld>
+  <p:clrMapOvr>
+    <a:masterClrMapping/>
+  </p:clrMapOvr>
+</p:sld>
+</file>
+
+<file path=ppt/slides/slide20.xml><?xml version="1.0" encoding="utf-8"?>
 <p:sld xmlns:a="http://schemas.openxmlformats.org/drawingml/2006/main" xmlns:r="http://schemas.openxmlformats.org/officeDocument/2006/relationships" xmlns:p="http://schemas.openxmlformats.org/presentationml/2006/main">
   <p:cSld>
     <p:spTree>
@@ -9418,104 +9941,7 @@
 </p:sld>
 </file>
 
-<file path=ppt/slides/slide2.xml><?xml version="1.0" encoding="utf-8"?>
-<p:sld xmlns:a="http://schemas.openxmlformats.org/drawingml/2006/main" xmlns:r="http://schemas.openxmlformats.org/officeDocument/2006/relationships" xmlns:p="http://schemas.openxmlformats.org/presentationml/2006/main">
-  <p:cSld>
-    <p:spTree>
-      <p:nvGrpSpPr>
-        <p:cNvPr id="1" name=""/>
-        <p:cNvGrpSpPr/>
-        <p:nvPr/>
-      </p:nvGrpSpPr>
-      <p:grpSpPr>
-        <a:xfrm>
-          <a:off x="0" y="0"/>
-          <a:ext cx="0" cy="0"/>
-          <a:chOff x="0" y="0"/>
-          <a:chExt cx="0" cy="0"/>
-        </a:xfrm>
-      </p:grpSpPr>
-      <p:sp>
-        <p:nvSpPr>
-          <p:cNvPr id="2" name="标题 1">
-            <a:extLst>
-              <a:ext uri="{FF2B5EF4-FFF2-40B4-BE49-F238E27FC236}">
-                <a16:creationId xmlns:a16="http://schemas.microsoft.com/office/drawing/2014/main" id="{3A01834E-07D2-448B-96F8-CEB0BBEBEAA2}"/>
-              </a:ext>
-            </a:extLst>
-          </p:cNvPr>
-          <p:cNvSpPr>
-            <a:spLocks noGrp="1"/>
-          </p:cNvSpPr>
-          <p:nvPr>
-            <p:ph type="title"/>
-          </p:nvPr>
-        </p:nvSpPr>
-        <p:spPr/>
-        <p:txBody>
-          <a:bodyPr/>
-          <a:lstStyle/>
-          <a:p>
-            <a:r>
-              <a:rPr lang="zh-CN" altLang="en-US" dirty="0"/>
-              <a:t>选读部分</a:t>
-            </a:r>
-            <a:r>
-              <a:rPr lang="en-US" altLang="zh-CN" dirty="0"/>
-              <a:t>-</a:t>
-            </a:r>
-            <a:r>
-              <a:rPr lang="zh-CN" altLang="en-US" dirty="0"/>
-              <a:t>文件系统</a:t>
-            </a:r>
-          </a:p>
-        </p:txBody>
-      </p:sp>
-      <p:pic>
-        <p:nvPicPr>
-          <p:cNvPr id="4" name="内容占位符 3">
-            <a:extLst>
-              <a:ext uri="{FF2B5EF4-FFF2-40B4-BE49-F238E27FC236}">
-                <a16:creationId xmlns:a16="http://schemas.microsoft.com/office/drawing/2014/main" id="{70CD832A-7A22-43E6-987F-5A8BE67D5293}"/>
-              </a:ext>
-            </a:extLst>
-          </p:cNvPr>
-          <p:cNvPicPr>
-            <a:picLocks noGrp="1" noChangeAspect="1"/>
-          </p:cNvPicPr>
-          <p:nvPr>
-            <p:ph idx="1"/>
-          </p:nvPr>
-        </p:nvPicPr>
-        <p:blipFill rotWithShape="1">
-          <a:blip r:embed="rId2"/>
-          <a:srcRect l="620" t="1193" b="1580"/>
-          <a:stretch/>
-        </p:blipFill>
-        <p:spPr>
-          <a:xfrm>
-            <a:off x="3084575" y="1877567"/>
-            <a:ext cx="6060675" cy="4230625"/>
-          </a:xfrm>
-          <a:prstGeom prst="rect">
-            <a:avLst/>
-          </a:prstGeom>
-        </p:spPr>
-      </p:pic>
-    </p:spTree>
-    <p:extLst>
-      <p:ext uri="{BB962C8B-B14F-4D97-AF65-F5344CB8AC3E}">
-        <p14:creationId xmlns:p14="http://schemas.microsoft.com/office/powerpoint/2010/main" val="2313258921"/>
-      </p:ext>
-    </p:extLst>
-  </p:cSld>
-  <p:clrMapOvr>
-    <a:masterClrMapping/>
-  </p:clrMapOvr>
-</p:sld>
-</file>
-
-<file path=ppt/slides/slide20.xml><?xml version="1.0" encoding="utf-8"?>
+<file path=ppt/slides/slide21.xml><?xml version="1.0" encoding="utf-8"?>
 <p:sld xmlns:a="http://schemas.openxmlformats.org/drawingml/2006/main" xmlns:r="http://schemas.openxmlformats.org/officeDocument/2006/relationships" xmlns:p="http://schemas.openxmlformats.org/presentationml/2006/main">
   <p:cSld>
     <p:spTree>
@@ -9610,7 +10036,7 @@
 </p:sld>
 </file>
 
-<file path=ppt/slides/slide21.xml><?xml version="1.0" encoding="utf-8"?>
+<file path=ppt/slides/slide22.xml><?xml version="1.0" encoding="utf-8"?>
 <p:sld xmlns:a="http://schemas.openxmlformats.org/drawingml/2006/main" xmlns:r="http://schemas.openxmlformats.org/officeDocument/2006/relationships" xmlns:p="http://schemas.openxmlformats.org/presentationml/2006/main">
   <p:cSld>
     <p:spTree>
@@ -9856,7 +10282,7 @@
 </p:sld>
 </file>
 
-<file path=ppt/slides/slide22.xml><?xml version="1.0" encoding="utf-8"?>
+<file path=ppt/slides/slide23.xml><?xml version="1.0" encoding="utf-8"?>
 <p:sld xmlns:a="http://schemas.openxmlformats.org/drawingml/2006/main" xmlns:r="http://schemas.openxmlformats.org/officeDocument/2006/relationships" xmlns:p="http://schemas.openxmlformats.org/presentationml/2006/main">
   <p:cSld>
     <p:spTree>
@@ -9974,7 +10400,7 @@
 </p:sld>
 </file>
 
-<file path=ppt/slides/slide23.xml><?xml version="1.0" encoding="utf-8"?>
+<file path=ppt/slides/slide24.xml><?xml version="1.0" encoding="utf-8"?>
 <p:sld xmlns:a="http://schemas.openxmlformats.org/drawingml/2006/main" xmlns:r="http://schemas.openxmlformats.org/officeDocument/2006/relationships" xmlns:p="http://schemas.openxmlformats.org/presentationml/2006/main">
   <p:cSld>
     <p:spTree>
@@ -10064,7 +10490,7 @@
 </p:sld>
 </file>
 
-<file path=ppt/slides/slide24.xml><?xml version="1.0" encoding="utf-8"?>
+<file path=ppt/slides/slide25.xml><?xml version="1.0" encoding="utf-8"?>
 <p:sld xmlns:a="http://schemas.openxmlformats.org/drawingml/2006/main" xmlns:r="http://schemas.openxmlformats.org/officeDocument/2006/relationships" xmlns:p="http://schemas.openxmlformats.org/presentationml/2006/main">
   <p:cSld>
     <p:spTree>
@@ -10306,7 +10732,7 @@
 </p:sld>
 </file>
 
-<file path=ppt/slides/slide25.xml><?xml version="1.0" encoding="utf-8"?>
+<file path=ppt/slides/slide26.xml><?xml version="1.0" encoding="utf-8"?>
 <p:sld xmlns:a="http://schemas.openxmlformats.org/drawingml/2006/main" xmlns:r="http://schemas.openxmlformats.org/officeDocument/2006/relationships" xmlns:p="http://schemas.openxmlformats.org/presentationml/2006/main">
   <p:cSld>
     <p:spTree>
@@ -10424,7 +10850,7 @@
 </p:sld>
 </file>
 
-<file path=ppt/slides/slide26.xml><?xml version="1.0" encoding="utf-8"?>
+<file path=ppt/slides/slide27.xml><?xml version="1.0" encoding="utf-8"?>
 <p:sld xmlns:a="http://schemas.openxmlformats.org/drawingml/2006/main" xmlns:r="http://schemas.openxmlformats.org/officeDocument/2006/relationships" xmlns:p="http://schemas.openxmlformats.org/presentationml/2006/main">
   <p:cSld>
     <p:spTree>
@@ -10670,7 +11096,7 @@
 </p:sld>
 </file>
 
-<file path=ppt/slides/slide27.xml><?xml version="1.0" encoding="utf-8"?>
+<file path=ppt/slides/slide28.xml><?xml version="1.0" encoding="utf-8"?>
 <p:sld xmlns:a="http://schemas.openxmlformats.org/drawingml/2006/main" xmlns:r="http://schemas.openxmlformats.org/officeDocument/2006/relationships" xmlns:p="http://schemas.openxmlformats.org/presentationml/2006/main">
   <p:cSld>
     <p:spTree>
@@ -10758,7 +11184,7 @@
 </p:sld>
 </file>
 
-<file path=ppt/slides/slide28.xml><?xml version="1.0" encoding="utf-8"?>
+<file path=ppt/slides/slide29.xml><?xml version="1.0" encoding="utf-8"?>
 <p:sld xmlns:a="http://schemas.openxmlformats.org/drawingml/2006/main" xmlns:r="http://schemas.openxmlformats.org/officeDocument/2006/relationships" xmlns:p="http://schemas.openxmlformats.org/presentationml/2006/main">
   <p:cSld>
     <p:spTree>
@@ -10848,7 +11274,102 @@
 </p:sld>
 </file>
 
-<file path=ppt/slides/slide29.xml><?xml version="1.0" encoding="utf-8"?>
+<file path=ppt/slides/slide3.xml><?xml version="1.0" encoding="utf-8"?>
+<p:sld xmlns:a="http://schemas.openxmlformats.org/drawingml/2006/main" xmlns:r="http://schemas.openxmlformats.org/officeDocument/2006/relationships" xmlns:p="http://schemas.openxmlformats.org/presentationml/2006/main">
+  <p:cSld>
+    <p:spTree>
+      <p:nvGrpSpPr>
+        <p:cNvPr id="1" name=""/>
+        <p:cNvGrpSpPr/>
+        <p:nvPr/>
+      </p:nvGrpSpPr>
+      <p:grpSpPr>
+        <a:xfrm>
+          <a:off x="0" y="0"/>
+          <a:ext cx="0" cy="0"/>
+          <a:chOff x="0" y="0"/>
+          <a:chExt cx="0" cy="0"/>
+        </a:xfrm>
+      </p:grpSpPr>
+      <p:sp>
+        <p:nvSpPr>
+          <p:cNvPr id="2" name="标题 1">
+            <a:extLst>
+              <a:ext uri="{FF2B5EF4-FFF2-40B4-BE49-F238E27FC236}">
+                <a16:creationId xmlns:a16="http://schemas.microsoft.com/office/drawing/2014/main" id="{3A01834E-07D2-448B-96F8-CEB0BBEBEAA2}"/>
+              </a:ext>
+            </a:extLst>
+          </p:cNvPr>
+          <p:cNvSpPr>
+            <a:spLocks noGrp="1"/>
+          </p:cNvSpPr>
+          <p:nvPr>
+            <p:ph type="title"/>
+          </p:nvPr>
+        </p:nvSpPr>
+        <p:spPr/>
+        <p:txBody>
+          <a:bodyPr/>
+          <a:lstStyle/>
+          <a:p>
+            <a:r>
+              <a:rPr lang="zh-CN" altLang="en-US" dirty="0"/>
+              <a:t>可视化</a:t>
+            </a:r>
+            <a:r>
+              <a:rPr lang="en-US" altLang="zh-CN" dirty="0"/>
+              <a:t>-Processing</a:t>
+            </a:r>
+            <a:endParaRPr lang="zh-CN" altLang="en-US" dirty="0"/>
+          </a:p>
+        </p:txBody>
+      </p:sp>
+      <p:sp>
+        <p:nvSpPr>
+          <p:cNvPr id="5" name="内容占位符 4">
+            <a:extLst>
+              <a:ext uri="{FF2B5EF4-FFF2-40B4-BE49-F238E27FC236}">
+                <a16:creationId xmlns:a16="http://schemas.microsoft.com/office/drawing/2014/main" id="{C5D61412-BD5B-4D9B-8FB5-999B36DAC5AF}"/>
+              </a:ext>
+            </a:extLst>
+          </p:cNvPr>
+          <p:cNvSpPr>
+            <a:spLocks noGrp="1"/>
+          </p:cNvSpPr>
+          <p:nvPr>
+            <p:ph idx="1"/>
+          </p:nvPr>
+        </p:nvSpPr>
+        <p:spPr/>
+        <p:txBody>
+          <a:bodyPr/>
+          <a:lstStyle/>
+          <a:p>
+            <a:pPr marL="0" indent="0">
+              <a:buNone/>
+            </a:pPr>
+            <a:r>
+              <a:rPr lang="en-US" altLang="zh-CN" dirty="0"/>
+              <a:t> </a:t>
+            </a:r>
+            <a:endParaRPr lang="zh-CN" altLang="en-US" dirty="0"/>
+          </a:p>
+        </p:txBody>
+      </p:sp>
+    </p:spTree>
+    <p:extLst>
+      <p:ext uri="{BB962C8B-B14F-4D97-AF65-F5344CB8AC3E}">
+        <p14:creationId xmlns:p14="http://schemas.microsoft.com/office/powerpoint/2010/main" val="4133029241"/>
+      </p:ext>
+    </p:extLst>
+  </p:cSld>
+  <p:clrMapOvr>
+    <a:masterClrMapping/>
+  </p:clrMapOvr>
+</p:sld>
+</file>
+
+<file path=ppt/slides/slide30.xml><?xml version="1.0" encoding="utf-8"?>
 <p:sld xmlns:a="http://schemas.openxmlformats.org/drawingml/2006/main" xmlns:r="http://schemas.openxmlformats.org/officeDocument/2006/relationships" xmlns:p="http://schemas.openxmlformats.org/presentationml/2006/main">
   <p:cSld>
     <p:spTree>
@@ -11090,7 +11611,1841 @@
 </p:sld>
 </file>
 
-<file path=ppt/slides/slide3.xml><?xml version="1.0" encoding="utf-8"?>
+<file path=ppt/slides/slide31.xml><?xml version="1.0" encoding="utf-8"?>
+<p:sld xmlns:a="http://schemas.openxmlformats.org/drawingml/2006/main" xmlns:r="http://schemas.openxmlformats.org/officeDocument/2006/relationships" xmlns:p="http://schemas.openxmlformats.org/presentationml/2006/main">
+  <p:cSld>
+    <p:spTree>
+      <p:nvGrpSpPr>
+        <p:cNvPr id="1" name=""/>
+        <p:cNvGrpSpPr/>
+        <p:nvPr/>
+      </p:nvGrpSpPr>
+      <p:grpSpPr>
+        <a:xfrm>
+          <a:off x="0" y="0"/>
+          <a:ext cx="0" cy="0"/>
+          <a:chOff x="0" y="0"/>
+          <a:chExt cx="0" cy="0"/>
+        </a:xfrm>
+      </p:grpSpPr>
+      <p:sp>
+        <p:nvSpPr>
+          <p:cNvPr id="2" name="标题 1">
+            <a:extLst>
+              <a:ext uri="{FF2B5EF4-FFF2-40B4-BE49-F238E27FC236}">
+                <a16:creationId xmlns:a16="http://schemas.microsoft.com/office/drawing/2014/main" id="{565542B2-2B37-48EC-9183-B0EC148D350D}"/>
+              </a:ext>
+            </a:extLst>
+          </p:cNvPr>
+          <p:cNvSpPr>
+            <a:spLocks noGrp="1"/>
+          </p:cNvSpPr>
+          <p:nvPr>
+            <p:ph type="title"/>
+          </p:nvPr>
+        </p:nvSpPr>
+        <p:spPr/>
+        <p:txBody>
+          <a:bodyPr/>
+          <a:lstStyle/>
+          <a:p>
+            <a:r>
+              <a:rPr lang="zh-CN" altLang="en-US" dirty="0"/>
+              <a:t>创建文件</a:t>
+            </a:r>
+          </a:p>
+        </p:txBody>
+      </p:sp>
+      <p:pic>
+        <p:nvPicPr>
+          <p:cNvPr id="4" name="图片 3">
+            <a:extLst>
+              <a:ext uri="{FF2B5EF4-FFF2-40B4-BE49-F238E27FC236}">
+                <a16:creationId xmlns:a16="http://schemas.microsoft.com/office/drawing/2014/main" id="{5526A95B-94B2-4E9C-B816-BCF4005D6D8D}"/>
+              </a:ext>
+            </a:extLst>
+          </p:cNvPr>
+          <p:cNvPicPr>
+            <a:picLocks noChangeAspect="1"/>
+          </p:cNvPicPr>
+          <p:nvPr/>
+        </p:nvPicPr>
+        <p:blipFill>
+          <a:blip r:embed="rId3"/>
+          <a:stretch>
+            <a:fillRect/>
+          </a:stretch>
+        </p:blipFill>
+        <p:spPr>
+          <a:xfrm>
+            <a:off x="2704944" y="1735975"/>
+            <a:ext cx="6782111" cy="3386050"/>
+          </a:xfrm>
+          <a:prstGeom prst="rect">
+            <a:avLst/>
+          </a:prstGeom>
+        </p:spPr>
+      </p:pic>
+    </p:spTree>
+    <p:extLst>
+      <p:ext uri="{BB962C8B-B14F-4D97-AF65-F5344CB8AC3E}">
+        <p14:creationId xmlns:p14="http://schemas.microsoft.com/office/powerpoint/2010/main" val="3589145570"/>
+      </p:ext>
+    </p:extLst>
+  </p:cSld>
+  <p:clrMapOvr>
+    <a:masterClrMapping/>
+  </p:clrMapOvr>
+</p:sld>
+</file>
+
+<file path=ppt/slides/slide32.xml><?xml version="1.0" encoding="utf-8"?>
+<p:sld xmlns:a="http://schemas.openxmlformats.org/drawingml/2006/main" xmlns:r="http://schemas.openxmlformats.org/officeDocument/2006/relationships" xmlns:p="http://schemas.openxmlformats.org/presentationml/2006/main">
+  <p:cSld>
+    <p:spTree>
+      <p:nvGrpSpPr>
+        <p:cNvPr id="1" name=""/>
+        <p:cNvGrpSpPr/>
+        <p:nvPr/>
+      </p:nvGrpSpPr>
+      <p:grpSpPr>
+        <a:xfrm>
+          <a:off x="0" y="0"/>
+          <a:ext cx="0" cy="0"/>
+          <a:chOff x="0" y="0"/>
+          <a:chExt cx="0" cy="0"/>
+        </a:xfrm>
+      </p:grpSpPr>
+      <p:sp>
+        <p:nvSpPr>
+          <p:cNvPr id="2" name="标题 1">
+            <a:extLst>
+              <a:ext uri="{FF2B5EF4-FFF2-40B4-BE49-F238E27FC236}">
+                <a16:creationId xmlns:a16="http://schemas.microsoft.com/office/drawing/2014/main" id="{3A01834E-07D2-448B-96F8-CEB0BBEBEAA2}"/>
+              </a:ext>
+            </a:extLst>
+          </p:cNvPr>
+          <p:cNvSpPr>
+            <a:spLocks noGrp="1"/>
+          </p:cNvSpPr>
+          <p:nvPr>
+            <p:ph type="title"/>
+          </p:nvPr>
+        </p:nvSpPr>
+        <p:spPr>
+          <a:xfrm>
+            <a:off x="838200" y="365125"/>
+            <a:ext cx="10515600" cy="1325563"/>
+          </a:xfrm>
+        </p:spPr>
+        <p:txBody>
+          <a:bodyPr/>
+          <a:lstStyle/>
+          <a:p>
+            <a:r>
+              <a:rPr lang="zh-CN" altLang="en-US" dirty="0"/>
+              <a:t>动态展示</a:t>
+            </a:r>
+            <a:r>
+              <a:rPr lang="en-US" altLang="zh-CN" dirty="0"/>
+              <a:t>-</a:t>
+            </a:r>
+            <a:r>
+              <a:rPr lang="en-US" altLang="zh-CN" dirty="0" err="1"/>
+              <a:t>i_zone</a:t>
+            </a:r>
+            <a:endParaRPr lang="zh-CN" altLang="en-US" dirty="0"/>
+          </a:p>
+        </p:txBody>
+      </p:sp>
+      <p:pic>
+        <p:nvPicPr>
+          <p:cNvPr id="6" name="内容占位符 5">
+            <a:extLst>
+              <a:ext uri="{FF2B5EF4-FFF2-40B4-BE49-F238E27FC236}">
+                <a16:creationId xmlns:a16="http://schemas.microsoft.com/office/drawing/2014/main" id="{46ED67D1-58BF-40B7-ABAE-39D4517BF3DF}"/>
+              </a:ext>
+            </a:extLst>
+          </p:cNvPr>
+          <p:cNvPicPr>
+            <a:picLocks noGrp="1" noChangeAspect="1"/>
+          </p:cNvPicPr>
+          <p:nvPr>
+            <p:ph idx="1"/>
+          </p:nvPr>
+        </p:nvPicPr>
+        <p:blipFill>
+          <a:blip r:embed="rId3"/>
+          <a:stretch>
+            <a:fillRect/>
+          </a:stretch>
+        </p:blipFill>
+        <p:spPr>
+          <a:xfrm>
+            <a:off x="3985077" y="2389524"/>
+            <a:ext cx="4221846" cy="3223539"/>
+          </a:xfrm>
+          <a:prstGeom prst="rect">
+            <a:avLst/>
+          </a:prstGeom>
+        </p:spPr>
+      </p:pic>
+    </p:spTree>
+    <p:extLst>
+      <p:ext uri="{BB962C8B-B14F-4D97-AF65-F5344CB8AC3E}">
+        <p14:creationId xmlns:p14="http://schemas.microsoft.com/office/powerpoint/2010/main" val="3984330482"/>
+      </p:ext>
+    </p:extLst>
+  </p:cSld>
+  <p:clrMapOvr>
+    <a:masterClrMapping/>
+  </p:clrMapOvr>
+  <p:timing>
+    <p:tnLst>
+      <p:par>
+        <p:cTn id="1" dur="indefinite" restart="never" nodeType="tmRoot">
+          <p:childTnLst>
+            <p:seq concurrent="1" nextAc="seek">
+              <p:cTn id="2" dur="indefinite" nodeType="mainSeq">
+                <p:childTnLst>
+                  <p:par>
+                    <p:cTn id="3" fill="hold">
+                      <p:stCondLst>
+                        <p:cond delay="indefinite"/>
+                        <p:cond evt="onBegin" delay="0">
+                          <p:tn val="2"/>
+                        </p:cond>
+                      </p:stCondLst>
+                      <p:childTnLst>
+                        <p:par>
+                          <p:cTn id="4" fill="hold">
+                            <p:stCondLst>
+                              <p:cond delay="0"/>
+                            </p:stCondLst>
+                            <p:childTnLst>
+                              <p:par>
+                                <p:cTn id="5" presetID="10" presetClass="entr" presetSubtype="0" fill="hold" grpId="0" nodeType="withEffect">
+                                  <p:stCondLst>
+                                    <p:cond delay="0"/>
+                                  </p:stCondLst>
+                                  <p:childTnLst>
+                                    <p:set>
+                                      <p:cBhvr>
+                                        <p:cTn id="6" dur="1" fill="hold">
+                                          <p:stCondLst>
+                                            <p:cond delay="0"/>
+                                          </p:stCondLst>
+                                        </p:cTn>
+                                        <p:tgtEl>
+                                          <p:spTgt spid="2"/>
+                                        </p:tgtEl>
+                                        <p:attrNameLst>
+                                          <p:attrName>style.visibility</p:attrName>
+                                        </p:attrNameLst>
+                                      </p:cBhvr>
+                                      <p:to>
+                                        <p:strVal val="visible"/>
+                                      </p:to>
+                                    </p:set>
+                                    <p:animEffect transition="in" filter="fade">
+                                      <p:cBhvr>
+                                        <p:cTn id="7" dur="500"/>
+                                        <p:tgtEl>
+                                          <p:spTgt spid="2"/>
+                                        </p:tgtEl>
+                                      </p:cBhvr>
+                                    </p:animEffect>
+                                  </p:childTnLst>
+                                </p:cTn>
+                              </p:par>
+                            </p:childTnLst>
+                          </p:cTn>
+                        </p:par>
+                      </p:childTnLst>
+                    </p:cTn>
+                  </p:par>
+                  <p:par>
+                    <p:cTn id="8" fill="hold">
+                      <p:stCondLst>
+                        <p:cond delay="indefinite"/>
+                      </p:stCondLst>
+                      <p:childTnLst>
+                        <p:par>
+                          <p:cTn id="9" fill="hold">
+                            <p:stCondLst>
+                              <p:cond delay="0"/>
+                            </p:stCondLst>
+                            <p:childTnLst>
+                              <p:par>
+                                <p:cTn id="10" presetID="10" presetClass="entr" presetSubtype="0" fill="hold" nodeType="clickEffect">
+                                  <p:stCondLst>
+                                    <p:cond delay="0"/>
+                                  </p:stCondLst>
+                                  <p:childTnLst>
+                                    <p:set>
+                                      <p:cBhvr>
+                                        <p:cTn id="11" dur="1" fill="hold">
+                                          <p:stCondLst>
+                                            <p:cond delay="0"/>
+                                          </p:stCondLst>
+                                        </p:cTn>
+                                        <p:tgtEl>
+                                          <p:spTgt spid="6"/>
+                                        </p:tgtEl>
+                                        <p:attrNameLst>
+                                          <p:attrName>style.visibility</p:attrName>
+                                        </p:attrNameLst>
+                                      </p:cBhvr>
+                                      <p:to>
+                                        <p:strVal val="visible"/>
+                                      </p:to>
+                                    </p:set>
+                                    <p:animEffect transition="in" filter="fade">
+                                      <p:cBhvr>
+                                        <p:cTn id="12" dur="500"/>
+                                        <p:tgtEl>
+                                          <p:spTgt spid="6"/>
+                                        </p:tgtEl>
+                                      </p:cBhvr>
+                                    </p:animEffect>
+                                  </p:childTnLst>
+                                </p:cTn>
+                              </p:par>
+                            </p:childTnLst>
+                          </p:cTn>
+                        </p:par>
+                      </p:childTnLst>
+                    </p:cTn>
+                  </p:par>
+                </p:childTnLst>
+              </p:cTn>
+              <p:prevCondLst>
+                <p:cond evt="onPrev" delay="0">
+                  <p:tgtEl>
+                    <p:sldTgt/>
+                  </p:tgtEl>
+                </p:cond>
+              </p:prevCondLst>
+              <p:nextCondLst>
+                <p:cond evt="onNext" delay="0">
+                  <p:tgtEl>
+                    <p:sldTgt/>
+                  </p:tgtEl>
+                </p:cond>
+              </p:nextCondLst>
+            </p:seq>
+          </p:childTnLst>
+        </p:cTn>
+      </p:par>
+    </p:tnLst>
+    <p:bldLst>
+      <p:bldP spid="2" grpId="0"/>
+    </p:bldLst>
+  </p:timing>
+</p:sld>
+</file>
+
+<file path=ppt/slides/slide33.xml><?xml version="1.0" encoding="utf-8"?>
+<p:sld xmlns:a="http://schemas.openxmlformats.org/drawingml/2006/main" xmlns:r="http://schemas.openxmlformats.org/officeDocument/2006/relationships" xmlns:p="http://schemas.openxmlformats.org/presentationml/2006/main">
+  <p:cSld>
+    <p:spTree>
+      <p:nvGrpSpPr>
+        <p:cNvPr id="1" name=""/>
+        <p:cNvGrpSpPr/>
+        <p:nvPr/>
+      </p:nvGrpSpPr>
+      <p:grpSpPr>
+        <a:xfrm>
+          <a:off x="0" y="0"/>
+          <a:ext cx="0" cy="0"/>
+          <a:chOff x="0" y="0"/>
+          <a:chExt cx="0" cy="0"/>
+        </a:xfrm>
+      </p:grpSpPr>
+      <p:sp>
+        <p:nvSpPr>
+          <p:cNvPr id="2" name="标题 1">
+            <a:extLst>
+              <a:ext uri="{FF2B5EF4-FFF2-40B4-BE49-F238E27FC236}">
+                <a16:creationId xmlns:a16="http://schemas.microsoft.com/office/drawing/2014/main" id="{565542B2-2B37-48EC-9183-B0EC148D350D}"/>
+              </a:ext>
+            </a:extLst>
+          </p:cNvPr>
+          <p:cNvSpPr>
+            <a:spLocks noGrp="1"/>
+          </p:cNvSpPr>
+          <p:nvPr>
+            <p:ph type="title"/>
+          </p:nvPr>
+        </p:nvSpPr>
+        <p:spPr/>
+        <p:txBody>
+          <a:bodyPr/>
+          <a:lstStyle/>
+          <a:p>
+            <a:r>
+              <a:rPr lang="zh-CN" altLang="en-US" dirty="0"/>
+              <a:t>创建文件</a:t>
+            </a:r>
+          </a:p>
+        </p:txBody>
+      </p:sp>
+      <p:pic>
+        <p:nvPicPr>
+          <p:cNvPr id="3" name="图片 2">
+            <a:extLst>
+              <a:ext uri="{FF2B5EF4-FFF2-40B4-BE49-F238E27FC236}">
+                <a16:creationId xmlns:a16="http://schemas.microsoft.com/office/drawing/2014/main" id="{555AA7D2-D624-45E5-808C-F270CDC0751F}"/>
+              </a:ext>
+            </a:extLst>
+          </p:cNvPr>
+          <p:cNvPicPr>
+            <a:picLocks noChangeAspect="1"/>
+          </p:cNvPicPr>
+          <p:nvPr/>
+        </p:nvPicPr>
+        <p:blipFill>
+          <a:blip r:embed="rId3"/>
+          <a:stretch>
+            <a:fillRect/>
+          </a:stretch>
+        </p:blipFill>
+        <p:spPr>
+          <a:xfrm>
+            <a:off x="2658363" y="1690688"/>
+            <a:ext cx="6875274" cy="3504075"/>
+          </a:xfrm>
+          <a:prstGeom prst="rect">
+            <a:avLst/>
+          </a:prstGeom>
+        </p:spPr>
+      </p:pic>
+    </p:spTree>
+    <p:extLst>
+      <p:ext uri="{BB962C8B-B14F-4D97-AF65-F5344CB8AC3E}">
+        <p14:creationId xmlns:p14="http://schemas.microsoft.com/office/powerpoint/2010/main" val="3871549138"/>
+      </p:ext>
+    </p:extLst>
+  </p:cSld>
+  <p:clrMapOvr>
+    <a:masterClrMapping/>
+  </p:clrMapOvr>
+</p:sld>
+</file>
+
+<file path=ppt/slides/slide34.xml><?xml version="1.0" encoding="utf-8"?>
+<p:sld xmlns:a="http://schemas.openxmlformats.org/drawingml/2006/main" xmlns:r="http://schemas.openxmlformats.org/officeDocument/2006/relationships" xmlns:p="http://schemas.openxmlformats.org/presentationml/2006/main">
+  <p:cSld>
+    <p:spTree>
+      <p:nvGrpSpPr>
+        <p:cNvPr id="1" name=""/>
+        <p:cNvGrpSpPr/>
+        <p:nvPr/>
+      </p:nvGrpSpPr>
+      <p:grpSpPr>
+        <a:xfrm>
+          <a:off x="0" y="0"/>
+          <a:ext cx="0" cy="0"/>
+          <a:chOff x="0" y="0"/>
+          <a:chExt cx="0" cy="0"/>
+        </a:xfrm>
+      </p:grpSpPr>
+      <p:sp>
+        <p:nvSpPr>
+          <p:cNvPr id="2" name="标题 1">
+            <a:extLst>
+              <a:ext uri="{FF2B5EF4-FFF2-40B4-BE49-F238E27FC236}">
+                <a16:creationId xmlns:a16="http://schemas.microsoft.com/office/drawing/2014/main" id="{3A01834E-07D2-448B-96F8-CEB0BBEBEAA2}"/>
+              </a:ext>
+            </a:extLst>
+          </p:cNvPr>
+          <p:cNvSpPr>
+            <a:spLocks noGrp="1"/>
+          </p:cNvSpPr>
+          <p:nvPr>
+            <p:ph type="title"/>
+          </p:nvPr>
+        </p:nvSpPr>
+        <p:spPr>
+          <a:xfrm>
+            <a:off x="838200" y="365125"/>
+            <a:ext cx="10515600" cy="1325563"/>
+          </a:xfrm>
+        </p:spPr>
+        <p:txBody>
+          <a:bodyPr/>
+          <a:lstStyle/>
+          <a:p>
+            <a:r>
+              <a:rPr lang="zh-CN" altLang="en-US" dirty="0"/>
+              <a:t>动态展示</a:t>
+            </a:r>
+            <a:r>
+              <a:rPr lang="en-US" altLang="zh-CN" dirty="0"/>
+              <a:t>-entry</a:t>
+            </a:r>
+            <a:endParaRPr lang="zh-CN" altLang="en-US" dirty="0"/>
+          </a:p>
+        </p:txBody>
+      </p:sp>
+      <p:pic>
+        <p:nvPicPr>
+          <p:cNvPr id="5" name="内容占位符 4">
+            <a:extLst>
+              <a:ext uri="{FF2B5EF4-FFF2-40B4-BE49-F238E27FC236}">
+                <a16:creationId xmlns:a16="http://schemas.microsoft.com/office/drawing/2014/main" id="{D89D6F18-1FFA-4498-A235-BAF9D610DBF9}"/>
+              </a:ext>
+            </a:extLst>
+          </p:cNvPr>
+          <p:cNvPicPr>
+            <a:picLocks noGrp="1" noChangeAspect="1"/>
+          </p:cNvPicPr>
+          <p:nvPr>
+            <p:ph idx="1"/>
+          </p:nvPr>
+        </p:nvPicPr>
+        <p:blipFill>
+          <a:blip r:embed="rId3"/>
+          <a:stretch>
+            <a:fillRect/>
+          </a:stretch>
+        </p:blipFill>
+        <p:spPr>
+          <a:xfrm>
+            <a:off x="3596423" y="2359041"/>
+            <a:ext cx="4999153" cy="3284505"/>
+          </a:xfrm>
+          <a:prstGeom prst="rect">
+            <a:avLst/>
+          </a:prstGeom>
+        </p:spPr>
+      </p:pic>
+    </p:spTree>
+    <p:extLst>
+      <p:ext uri="{BB962C8B-B14F-4D97-AF65-F5344CB8AC3E}">
+        <p14:creationId xmlns:p14="http://schemas.microsoft.com/office/powerpoint/2010/main" val="1953758504"/>
+      </p:ext>
+    </p:extLst>
+  </p:cSld>
+  <p:clrMapOvr>
+    <a:masterClrMapping/>
+  </p:clrMapOvr>
+  <p:timing>
+    <p:tnLst>
+      <p:par>
+        <p:cTn id="1" dur="indefinite" restart="never" nodeType="tmRoot">
+          <p:childTnLst>
+            <p:seq concurrent="1" nextAc="seek">
+              <p:cTn id="2" dur="indefinite" nodeType="mainSeq">
+                <p:childTnLst>
+                  <p:par>
+                    <p:cTn id="3" fill="hold">
+                      <p:stCondLst>
+                        <p:cond delay="indefinite"/>
+                        <p:cond evt="onBegin" delay="0">
+                          <p:tn val="2"/>
+                        </p:cond>
+                      </p:stCondLst>
+                      <p:childTnLst>
+                        <p:par>
+                          <p:cTn id="4" fill="hold">
+                            <p:stCondLst>
+                              <p:cond delay="0"/>
+                            </p:stCondLst>
+                            <p:childTnLst>
+                              <p:par>
+                                <p:cTn id="5" presetID="10" presetClass="entr" presetSubtype="0" fill="hold" grpId="0" nodeType="withEffect">
+                                  <p:stCondLst>
+                                    <p:cond delay="0"/>
+                                  </p:stCondLst>
+                                  <p:childTnLst>
+                                    <p:set>
+                                      <p:cBhvr>
+                                        <p:cTn id="6" dur="1" fill="hold">
+                                          <p:stCondLst>
+                                            <p:cond delay="0"/>
+                                          </p:stCondLst>
+                                        </p:cTn>
+                                        <p:tgtEl>
+                                          <p:spTgt spid="2"/>
+                                        </p:tgtEl>
+                                        <p:attrNameLst>
+                                          <p:attrName>style.visibility</p:attrName>
+                                        </p:attrNameLst>
+                                      </p:cBhvr>
+                                      <p:to>
+                                        <p:strVal val="visible"/>
+                                      </p:to>
+                                    </p:set>
+                                    <p:animEffect transition="in" filter="fade">
+                                      <p:cBhvr>
+                                        <p:cTn id="7" dur="500"/>
+                                        <p:tgtEl>
+                                          <p:spTgt spid="2"/>
+                                        </p:tgtEl>
+                                      </p:cBhvr>
+                                    </p:animEffect>
+                                  </p:childTnLst>
+                                </p:cTn>
+                              </p:par>
+                            </p:childTnLst>
+                          </p:cTn>
+                        </p:par>
+                      </p:childTnLst>
+                    </p:cTn>
+                  </p:par>
+                  <p:par>
+                    <p:cTn id="8" fill="hold">
+                      <p:stCondLst>
+                        <p:cond delay="indefinite"/>
+                      </p:stCondLst>
+                      <p:childTnLst>
+                        <p:par>
+                          <p:cTn id="9" fill="hold">
+                            <p:stCondLst>
+                              <p:cond delay="0"/>
+                            </p:stCondLst>
+                            <p:childTnLst>
+                              <p:par>
+                                <p:cTn id="10" presetID="10" presetClass="entr" presetSubtype="0" fill="hold" nodeType="clickEffect">
+                                  <p:stCondLst>
+                                    <p:cond delay="0"/>
+                                  </p:stCondLst>
+                                  <p:childTnLst>
+                                    <p:set>
+                                      <p:cBhvr>
+                                        <p:cTn id="11" dur="1" fill="hold">
+                                          <p:stCondLst>
+                                            <p:cond delay="0"/>
+                                          </p:stCondLst>
+                                        </p:cTn>
+                                        <p:tgtEl>
+                                          <p:spTgt spid="5"/>
+                                        </p:tgtEl>
+                                        <p:attrNameLst>
+                                          <p:attrName>style.visibility</p:attrName>
+                                        </p:attrNameLst>
+                                      </p:cBhvr>
+                                      <p:to>
+                                        <p:strVal val="visible"/>
+                                      </p:to>
+                                    </p:set>
+                                    <p:animEffect transition="in" filter="fade">
+                                      <p:cBhvr>
+                                        <p:cTn id="12" dur="500"/>
+                                        <p:tgtEl>
+                                          <p:spTgt spid="5"/>
+                                        </p:tgtEl>
+                                      </p:cBhvr>
+                                    </p:animEffect>
+                                  </p:childTnLst>
+                                </p:cTn>
+                              </p:par>
+                            </p:childTnLst>
+                          </p:cTn>
+                        </p:par>
+                      </p:childTnLst>
+                    </p:cTn>
+                  </p:par>
+                </p:childTnLst>
+              </p:cTn>
+              <p:prevCondLst>
+                <p:cond evt="onPrev" delay="0">
+                  <p:tgtEl>
+                    <p:sldTgt/>
+                  </p:tgtEl>
+                </p:cond>
+              </p:prevCondLst>
+              <p:nextCondLst>
+                <p:cond evt="onNext" delay="0">
+                  <p:tgtEl>
+                    <p:sldTgt/>
+                  </p:tgtEl>
+                </p:cond>
+              </p:nextCondLst>
+            </p:seq>
+          </p:childTnLst>
+        </p:cTn>
+      </p:par>
+    </p:tnLst>
+    <p:bldLst>
+      <p:bldP spid="2" grpId="0"/>
+    </p:bldLst>
+  </p:timing>
+</p:sld>
+</file>
+
+<file path=ppt/slides/slide35.xml><?xml version="1.0" encoding="utf-8"?>
+<p:sld xmlns:a="http://schemas.openxmlformats.org/drawingml/2006/main" xmlns:r="http://schemas.openxmlformats.org/officeDocument/2006/relationships" xmlns:p="http://schemas.openxmlformats.org/presentationml/2006/main">
+  <p:cSld>
+    <p:spTree>
+      <p:nvGrpSpPr>
+        <p:cNvPr id="1" name=""/>
+        <p:cNvGrpSpPr/>
+        <p:nvPr/>
+      </p:nvGrpSpPr>
+      <p:grpSpPr>
+        <a:xfrm>
+          <a:off x="0" y="0"/>
+          <a:ext cx="0" cy="0"/>
+          <a:chOff x="0" y="0"/>
+          <a:chExt cx="0" cy="0"/>
+        </a:xfrm>
+      </p:grpSpPr>
+      <p:sp>
+        <p:nvSpPr>
+          <p:cNvPr id="2" name="标题 1">
+            <a:extLst>
+              <a:ext uri="{FF2B5EF4-FFF2-40B4-BE49-F238E27FC236}">
+                <a16:creationId xmlns:a16="http://schemas.microsoft.com/office/drawing/2014/main" id="{3A01834E-07D2-448B-96F8-CEB0BBEBEAA2}"/>
+              </a:ext>
+            </a:extLst>
+          </p:cNvPr>
+          <p:cNvSpPr>
+            <a:spLocks noGrp="1"/>
+          </p:cNvSpPr>
+          <p:nvPr>
+            <p:ph type="title"/>
+          </p:nvPr>
+        </p:nvSpPr>
+        <p:spPr>
+          <a:xfrm>
+            <a:off x="838200" y="365125"/>
+            <a:ext cx="10515600" cy="1325563"/>
+          </a:xfrm>
+        </p:spPr>
+        <p:txBody>
+          <a:bodyPr/>
+          <a:lstStyle/>
+          <a:p>
+            <a:r>
+              <a:rPr lang="zh-CN" altLang="en-US" dirty="0"/>
+              <a:t>动态展示</a:t>
+            </a:r>
+            <a:r>
+              <a:rPr lang="en-US" altLang="zh-CN" dirty="0"/>
+              <a:t>-entry</a:t>
+            </a:r>
+            <a:endParaRPr lang="zh-CN" altLang="en-US" dirty="0"/>
+          </a:p>
+        </p:txBody>
+      </p:sp>
+      <p:pic>
+        <p:nvPicPr>
+          <p:cNvPr id="9" name="内容占位符 5">
+            <a:extLst>
+              <a:ext uri="{FF2B5EF4-FFF2-40B4-BE49-F238E27FC236}">
+                <a16:creationId xmlns:a16="http://schemas.microsoft.com/office/drawing/2014/main" id="{AA0F6BEA-1B6E-464B-AD2B-0409E5F0D886}"/>
+              </a:ext>
+            </a:extLst>
+          </p:cNvPr>
+          <p:cNvPicPr>
+            <a:picLocks noGrp="1" noChangeAspect="1"/>
+          </p:cNvPicPr>
+          <p:nvPr>
+            <p:ph idx="1"/>
+          </p:nvPr>
+        </p:nvPicPr>
+        <p:blipFill>
+          <a:blip r:embed="rId3"/>
+          <a:stretch>
+            <a:fillRect/>
+          </a:stretch>
+        </p:blipFill>
+        <p:spPr>
+          <a:xfrm>
+            <a:off x="3645957" y="2359041"/>
+            <a:ext cx="4900085" cy="3284505"/>
+          </a:xfrm>
+          <a:prstGeom prst="rect">
+            <a:avLst/>
+          </a:prstGeom>
+        </p:spPr>
+      </p:pic>
+    </p:spTree>
+    <p:extLst>
+      <p:ext uri="{BB962C8B-B14F-4D97-AF65-F5344CB8AC3E}">
+        <p14:creationId xmlns:p14="http://schemas.microsoft.com/office/powerpoint/2010/main" val="998506289"/>
+      </p:ext>
+    </p:extLst>
+  </p:cSld>
+  <p:clrMapOvr>
+    <a:masterClrMapping/>
+  </p:clrMapOvr>
+  <p:timing>
+    <p:tnLst>
+      <p:par>
+        <p:cTn id="1" dur="indefinite" restart="never" nodeType="tmRoot">
+          <p:childTnLst>
+            <p:seq concurrent="1" nextAc="seek">
+              <p:cTn id="2" dur="indefinite" nodeType="mainSeq">
+                <p:childTnLst>
+                  <p:par>
+                    <p:cTn id="3" fill="hold">
+                      <p:stCondLst>
+                        <p:cond delay="indefinite"/>
+                        <p:cond evt="onBegin" delay="0">
+                          <p:tn val="2"/>
+                        </p:cond>
+                      </p:stCondLst>
+                      <p:childTnLst>
+                        <p:par>
+                          <p:cTn id="4" fill="hold">
+                            <p:stCondLst>
+                              <p:cond delay="0"/>
+                            </p:stCondLst>
+                            <p:childTnLst>
+                              <p:par>
+                                <p:cTn id="5" presetID="10" presetClass="entr" presetSubtype="0" fill="hold" nodeType="withEffect">
+                                  <p:stCondLst>
+                                    <p:cond delay="0"/>
+                                  </p:stCondLst>
+                                  <p:childTnLst>
+                                    <p:set>
+                                      <p:cBhvr>
+                                        <p:cTn id="6" dur="1" fill="hold">
+                                          <p:stCondLst>
+                                            <p:cond delay="0"/>
+                                          </p:stCondLst>
+                                        </p:cTn>
+                                        <p:tgtEl>
+                                          <p:spTgt spid="9"/>
+                                        </p:tgtEl>
+                                        <p:attrNameLst>
+                                          <p:attrName>style.visibility</p:attrName>
+                                        </p:attrNameLst>
+                                      </p:cBhvr>
+                                      <p:to>
+                                        <p:strVal val="visible"/>
+                                      </p:to>
+                                    </p:set>
+                                    <p:animEffect transition="in" filter="fade">
+                                      <p:cBhvr>
+                                        <p:cTn id="7" dur="500"/>
+                                        <p:tgtEl>
+                                          <p:spTgt spid="9"/>
+                                        </p:tgtEl>
+                                      </p:cBhvr>
+                                    </p:animEffect>
+                                  </p:childTnLst>
+                                </p:cTn>
+                              </p:par>
+                            </p:childTnLst>
+                          </p:cTn>
+                        </p:par>
+                      </p:childTnLst>
+                    </p:cTn>
+                  </p:par>
+                </p:childTnLst>
+              </p:cTn>
+              <p:prevCondLst>
+                <p:cond evt="onPrev" delay="0">
+                  <p:tgtEl>
+                    <p:sldTgt/>
+                  </p:tgtEl>
+                </p:cond>
+              </p:prevCondLst>
+              <p:nextCondLst>
+                <p:cond evt="onNext" delay="0">
+                  <p:tgtEl>
+                    <p:sldTgt/>
+                  </p:tgtEl>
+                </p:cond>
+              </p:nextCondLst>
+            </p:seq>
+          </p:childTnLst>
+        </p:cTn>
+      </p:par>
+    </p:tnLst>
+  </p:timing>
+</p:sld>
+</file>
+
+<file path=ppt/slides/slide36.xml><?xml version="1.0" encoding="utf-8"?>
+<p:sld xmlns:a="http://schemas.openxmlformats.org/drawingml/2006/main" xmlns:r="http://schemas.openxmlformats.org/officeDocument/2006/relationships" xmlns:p="http://schemas.openxmlformats.org/presentationml/2006/main">
+  <p:cSld>
+    <p:spTree>
+      <p:nvGrpSpPr>
+        <p:cNvPr id="1" name=""/>
+        <p:cNvGrpSpPr/>
+        <p:nvPr/>
+      </p:nvGrpSpPr>
+      <p:grpSpPr>
+        <a:xfrm>
+          <a:off x="0" y="0"/>
+          <a:ext cx="0" cy="0"/>
+          <a:chOff x="0" y="0"/>
+          <a:chExt cx="0" cy="0"/>
+        </a:xfrm>
+      </p:grpSpPr>
+      <p:sp>
+        <p:nvSpPr>
+          <p:cNvPr id="2" name="标题 1">
+            <a:extLst>
+              <a:ext uri="{FF2B5EF4-FFF2-40B4-BE49-F238E27FC236}">
+                <a16:creationId xmlns:a16="http://schemas.microsoft.com/office/drawing/2014/main" id="{3A01834E-07D2-448B-96F8-CEB0BBEBEAA2}"/>
+              </a:ext>
+            </a:extLst>
+          </p:cNvPr>
+          <p:cNvSpPr>
+            <a:spLocks noGrp="1"/>
+          </p:cNvSpPr>
+          <p:nvPr>
+            <p:ph type="title"/>
+          </p:nvPr>
+        </p:nvSpPr>
+        <p:spPr>
+          <a:xfrm>
+            <a:off x="838200" y="365125"/>
+            <a:ext cx="10515600" cy="1325563"/>
+          </a:xfrm>
+        </p:spPr>
+        <p:txBody>
+          <a:bodyPr/>
+          <a:lstStyle/>
+          <a:p>
+            <a:r>
+              <a:rPr lang="zh-CN" altLang="en-US" dirty="0"/>
+              <a:t>动态展示</a:t>
+            </a:r>
+            <a:r>
+              <a:rPr lang="en-US" altLang="zh-CN" dirty="0"/>
+              <a:t>-</a:t>
+            </a:r>
+            <a:r>
+              <a:rPr lang="en-US" altLang="zh-CN" dirty="0" err="1"/>
+              <a:t>inode_table</a:t>
+            </a:r>
+            <a:endParaRPr lang="zh-CN" altLang="en-US" dirty="0"/>
+          </a:p>
+        </p:txBody>
+      </p:sp>
+      <p:pic>
+        <p:nvPicPr>
+          <p:cNvPr id="5" name="内容占位符 4">
+            <a:extLst>
+              <a:ext uri="{FF2B5EF4-FFF2-40B4-BE49-F238E27FC236}">
+                <a16:creationId xmlns:a16="http://schemas.microsoft.com/office/drawing/2014/main" id="{41595A32-4143-4A40-AE12-93AD9B8EAD45}"/>
+              </a:ext>
+            </a:extLst>
+          </p:cNvPr>
+          <p:cNvPicPr>
+            <a:picLocks noGrp="1" noChangeAspect="1"/>
+          </p:cNvPicPr>
+          <p:nvPr>
+            <p:ph idx="1"/>
+          </p:nvPr>
+        </p:nvPicPr>
+        <p:blipFill>
+          <a:blip r:embed="rId3"/>
+          <a:stretch>
+            <a:fillRect/>
+          </a:stretch>
+        </p:blipFill>
+        <p:spPr>
+          <a:xfrm>
+            <a:off x="3463062" y="2149473"/>
+            <a:ext cx="5265876" cy="3703641"/>
+          </a:xfrm>
+          <a:prstGeom prst="rect">
+            <a:avLst/>
+          </a:prstGeom>
+        </p:spPr>
+      </p:pic>
+    </p:spTree>
+    <p:extLst>
+      <p:ext uri="{BB962C8B-B14F-4D97-AF65-F5344CB8AC3E}">
+        <p14:creationId xmlns:p14="http://schemas.microsoft.com/office/powerpoint/2010/main" val="57258109"/>
+      </p:ext>
+    </p:extLst>
+  </p:cSld>
+  <p:clrMapOvr>
+    <a:masterClrMapping/>
+  </p:clrMapOvr>
+  <p:timing>
+    <p:tnLst>
+      <p:par>
+        <p:cTn id="1" dur="indefinite" restart="never" nodeType="tmRoot">
+          <p:childTnLst>
+            <p:seq concurrent="1" nextAc="seek">
+              <p:cTn id="2" dur="indefinite" nodeType="mainSeq">
+                <p:childTnLst>
+                  <p:par>
+                    <p:cTn id="3" fill="hold">
+                      <p:stCondLst>
+                        <p:cond delay="indefinite"/>
+                        <p:cond evt="onBegin" delay="0">
+                          <p:tn val="2"/>
+                        </p:cond>
+                      </p:stCondLst>
+                      <p:childTnLst>
+                        <p:par>
+                          <p:cTn id="4" fill="hold">
+                            <p:stCondLst>
+                              <p:cond delay="0"/>
+                            </p:stCondLst>
+                            <p:childTnLst>
+                              <p:par>
+                                <p:cTn id="5" presetID="10" presetClass="entr" presetSubtype="0" fill="hold" grpId="0" nodeType="withEffect">
+                                  <p:stCondLst>
+                                    <p:cond delay="0"/>
+                                  </p:stCondLst>
+                                  <p:childTnLst>
+                                    <p:set>
+                                      <p:cBhvr>
+                                        <p:cTn id="6" dur="1" fill="hold">
+                                          <p:stCondLst>
+                                            <p:cond delay="0"/>
+                                          </p:stCondLst>
+                                        </p:cTn>
+                                        <p:tgtEl>
+                                          <p:spTgt spid="2"/>
+                                        </p:tgtEl>
+                                        <p:attrNameLst>
+                                          <p:attrName>style.visibility</p:attrName>
+                                        </p:attrNameLst>
+                                      </p:cBhvr>
+                                      <p:to>
+                                        <p:strVal val="visible"/>
+                                      </p:to>
+                                    </p:set>
+                                    <p:animEffect transition="in" filter="fade">
+                                      <p:cBhvr>
+                                        <p:cTn id="7" dur="500"/>
+                                        <p:tgtEl>
+                                          <p:spTgt spid="2"/>
+                                        </p:tgtEl>
+                                      </p:cBhvr>
+                                    </p:animEffect>
+                                  </p:childTnLst>
+                                </p:cTn>
+                              </p:par>
+                            </p:childTnLst>
+                          </p:cTn>
+                        </p:par>
+                      </p:childTnLst>
+                    </p:cTn>
+                  </p:par>
+                  <p:par>
+                    <p:cTn id="8" fill="hold">
+                      <p:stCondLst>
+                        <p:cond delay="indefinite"/>
+                      </p:stCondLst>
+                      <p:childTnLst>
+                        <p:par>
+                          <p:cTn id="9" fill="hold">
+                            <p:stCondLst>
+                              <p:cond delay="0"/>
+                            </p:stCondLst>
+                            <p:childTnLst>
+                              <p:par>
+                                <p:cTn id="10" presetID="10" presetClass="entr" presetSubtype="0" fill="hold" nodeType="clickEffect">
+                                  <p:stCondLst>
+                                    <p:cond delay="0"/>
+                                  </p:stCondLst>
+                                  <p:childTnLst>
+                                    <p:set>
+                                      <p:cBhvr>
+                                        <p:cTn id="11" dur="1" fill="hold">
+                                          <p:stCondLst>
+                                            <p:cond delay="0"/>
+                                          </p:stCondLst>
+                                        </p:cTn>
+                                        <p:tgtEl>
+                                          <p:spTgt spid="5"/>
+                                        </p:tgtEl>
+                                        <p:attrNameLst>
+                                          <p:attrName>style.visibility</p:attrName>
+                                        </p:attrNameLst>
+                                      </p:cBhvr>
+                                      <p:to>
+                                        <p:strVal val="visible"/>
+                                      </p:to>
+                                    </p:set>
+                                    <p:animEffect transition="in" filter="fade">
+                                      <p:cBhvr>
+                                        <p:cTn id="12" dur="500"/>
+                                        <p:tgtEl>
+                                          <p:spTgt spid="5"/>
+                                        </p:tgtEl>
+                                      </p:cBhvr>
+                                    </p:animEffect>
+                                  </p:childTnLst>
+                                </p:cTn>
+                              </p:par>
+                            </p:childTnLst>
+                          </p:cTn>
+                        </p:par>
+                      </p:childTnLst>
+                    </p:cTn>
+                  </p:par>
+                </p:childTnLst>
+              </p:cTn>
+              <p:prevCondLst>
+                <p:cond evt="onPrev" delay="0">
+                  <p:tgtEl>
+                    <p:sldTgt/>
+                  </p:tgtEl>
+                </p:cond>
+              </p:prevCondLst>
+              <p:nextCondLst>
+                <p:cond evt="onNext" delay="0">
+                  <p:tgtEl>
+                    <p:sldTgt/>
+                  </p:tgtEl>
+                </p:cond>
+              </p:nextCondLst>
+            </p:seq>
+          </p:childTnLst>
+        </p:cTn>
+      </p:par>
+    </p:tnLst>
+    <p:bldLst>
+      <p:bldP spid="2" grpId="0"/>
+    </p:bldLst>
+  </p:timing>
+</p:sld>
+</file>
+
+<file path=ppt/slides/slide37.xml><?xml version="1.0" encoding="utf-8"?>
+<p:sld xmlns:a="http://schemas.openxmlformats.org/drawingml/2006/main" xmlns:r="http://schemas.openxmlformats.org/officeDocument/2006/relationships" xmlns:p="http://schemas.openxmlformats.org/presentationml/2006/main">
+  <p:cSld>
+    <p:spTree>
+      <p:nvGrpSpPr>
+        <p:cNvPr id="1" name=""/>
+        <p:cNvGrpSpPr/>
+        <p:nvPr/>
+      </p:nvGrpSpPr>
+      <p:grpSpPr>
+        <a:xfrm>
+          <a:off x="0" y="0"/>
+          <a:ext cx="0" cy="0"/>
+          <a:chOff x="0" y="0"/>
+          <a:chExt cx="0" cy="0"/>
+        </a:xfrm>
+      </p:grpSpPr>
+      <p:sp>
+        <p:nvSpPr>
+          <p:cNvPr id="2" name="标题 1">
+            <a:extLst>
+              <a:ext uri="{FF2B5EF4-FFF2-40B4-BE49-F238E27FC236}">
+                <a16:creationId xmlns:a16="http://schemas.microsoft.com/office/drawing/2014/main" id="{3A01834E-07D2-448B-96F8-CEB0BBEBEAA2}"/>
+              </a:ext>
+            </a:extLst>
+          </p:cNvPr>
+          <p:cNvSpPr>
+            <a:spLocks noGrp="1"/>
+          </p:cNvSpPr>
+          <p:nvPr>
+            <p:ph type="title"/>
+          </p:nvPr>
+        </p:nvSpPr>
+        <p:spPr>
+          <a:xfrm>
+            <a:off x="838200" y="365125"/>
+            <a:ext cx="10515600" cy="1325563"/>
+          </a:xfrm>
+        </p:spPr>
+        <p:txBody>
+          <a:bodyPr/>
+          <a:lstStyle/>
+          <a:p>
+            <a:r>
+              <a:rPr lang="zh-CN" altLang="en-US" dirty="0"/>
+              <a:t>动态展示</a:t>
+            </a:r>
+            <a:r>
+              <a:rPr lang="en-US" altLang="zh-CN" dirty="0"/>
+              <a:t>-</a:t>
+            </a:r>
+            <a:r>
+              <a:rPr lang="en-US" altLang="zh-CN" dirty="0" err="1"/>
+              <a:t>super_block</a:t>
+            </a:r>
+            <a:endParaRPr lang="zh-CN" altLang="en-US" dirty="0"/>
+          </a:p>
+        </p:txBody>
+      </p:sp>
+      <p:pic>
+        <p:nvPicPr>
+          <p:cNvPr id="6" name="内容占位符 5">
+            <a:extLst>
+              <a:ext uri="{FF2B5EF4-FFF2-40B4-BE49-F238E27FC236}">
+                <a16:creationId xmlns:a16="http://schemas.microsoft.com/office/drawing/2014/main" id="{F09A0BC1-80EB-43F8-BFF6-B601CD3B5246}"/>
+              </a:ext>
+            </a:extLst>
+          </p:cNvPr>
+          <p:cNvPicPr>
+            <a:picLocks noGrp="1" noChangeAspect="1"/>
+          </p:cNvPicPr>
+          <p:nvPr>
+            <p:ph idx="1"/>
+          </p:nvPr>
+        </p:nvPicPr>
+        <p:blipFill>
+          <a:blip r:embed="rId3"/>
+          <a:stretch>
+            <a:fillRect/>
+          </a:stretch>
+        </p:blipFill>
+        <p:spPr>
+          <a:xfrm>
+            <a:off x="3634526" y="2168525"/>
+            <a:ext cx="4922947" cy="3665538"/>
+          </a:xfrm>
+          <a:prstGeom prst="rect">
+            <a:avLst/>
+          </a:prstGeom>
+        </p:spPr>
+      </p:pic>
+    </p:spTree>
+    <p:extLst>
+      <p:ext uri="{BB962C8B-B14F-4D97-AF65-F5344CB8AC3E}">
+        <p14:creationId xmlns:p14="http://schemas.microsoft.com/office/powerpoint/2010/main" val="769409378"/>
+      </p:ext>
+    </p:extLst>
+  </p:cSld>
+  <p:clrMapOvr>
+    <a:masterClrMapping/>
+  </p:clrMapOvr>
+  <p:timing>
+    <p:tnLst>
+      <p:par>
+        <p:cTn id="1" dur="indefinite" restart="never" nodeType="tmRoot">
+          <p:childTnLst>
+            <p:seq concurrent="1" nextAc="seek">
+              <p:cTn id="2" dur="indefinite" nodeType="mainSeq">
+                <p:childTnLst>
+                  <p:par>
+                    <p:cTn id="3" fill="hold">
+                      <p:stCondLst>
+                        <p:cond delay="indefinite"/>
+                        <p:cond evt="onBegin" delay="0">
+                          <p:tn val="2"/>
+                        </p:cond>
+                      </p:stCondLst>
+                      <p:childTnLst>
+                        <p:par>
+                          <p:cTn id="4" fill="hold">
+                            <p:stCondLst>
+                              <p:cond delay="0"/>
+                            </p:stCondLst>
+                            <p:childTnLst>
+                              <p:par>
+                                <p:cTn id="5" presetID="10" presetClass="entr" presetSubtype="0" fill="hold" grpId="0" nodeType="withEffect">
+                                  <p:stCondLst>
+                                    <p:cond delay="0"/>
+                                  </p:stCondLst>
+                                  <p:childTnLst>
+                                    <p:set>
+                                      <p:cBhvr>
+                                        <p:cTn id="6" dur="1" fill="hold">
+                                          <p:stCondLst>
+                                            <p:cond delay="0"/>
+                                          </p:stCondLst>
+                                        </p:cTn>
+                                        <p:tgtEl>
+                                          <p:spTgt spid="2"/>
+                                        </p:tgtEl>
+                                        <p:attrNameLst>
+                                          <p:attrName>style.visibility</p:attrName>
+                                        </p:attrNameLst>
+                                      </p:cBhvr>
+                                      <p:to>
+                                        <p:strVal val="visible"/>
+                                      </p:to>
+                                    </p:set>
+                                    <p:animEffect transition="in" filter="fade">
+                                      <p:cBhvr>
+                                        <p:cTn id="7" dur="500"/>
+                                        <p:tgtEl>
+                                          <p:spTgt spid="2"/>
+                                        </p:tgtEl>
+                                      </p:cBhvr>
+                                    </p:animEffect>
+                                  </p:childTnLst>
+                                </p:cTn>
+                              </p:par>
+                            </p:childTnLst>
+                          </p:cTn>
+                        </p:par>
+                      </p:childTnLst>
+                    </p:cTn>
+                  </p:par>
+                  <p:par>
+                    <p:cTn id="8" fill="hold">
+                      <p:stCondLst>
+                        <p:cond delay="indefinite"/>
+                      </p:stCondLst>
+                      <p:childTnLst>
+                        <p:par>
+                          <p:cTn id="9" fill="hold">
+                            <p:stCondLst>
+                              <p:cond delay="0"/>
+                            </p:stCondLst>
+                            <p:childTnLst>
+                              <p:par>
+                                <p:cTn id="10" presetID="10" presetClass="entr" presetSubtype="0" fill="hold" nodeType="clickEffect">
+                                  <p:stCondLst>
+                                    <p:cond delay="0"/>
+                                  </p:stCondLst>
+                                  <p:childTnLst>
+                                    <p:set>
+                                      <p:cBhvr>
+                                        <p:cTn id="11" dur="1" fill="hold">
+                                          <p:stCondLst>
+                                            <p:cond delay="0"/>
+                                          </p:stCondLst>
+                                        </p:cTn>
+                                        <p:tgtEl>
+                                          <p:spTgt spid="6"/>
+                                        </p:tgtEl>
+                                        <p:attrNameLst>
+                                          <p:attrName>style.visibility</p:attrName>
+                                        </p:attrNameLst>
+                                      </p:cBhvr>
+                                      <p:to>
+                                        <p:strVal val="visible"/>
+                                      </p:to>
+                                    </p:set>
+                                    <p:animEffect transition="in" filter="fade">
+                                      <p:cBhvr>
+                                        <p:cTn id="12" dur="500"/>
+                                        <p:tgtEl>
+                                          <p:spTgt spid="6"/>
+                                        </p:tgtEl>
+                                      </p:cBhvr>
+                                    </p:animEffect>
+                                  </p:childTnLst>
+                                </p:cTn>
+                              </p:par>
+                            </p:childTnLst>
+                          </p:cTn>
+                        </p:par>
+                      </p:childTnLst>
+                    </p:cTn>
+                  </p:par>
+                </p:childTnLst>
+              </p:cTn>
+              <p:prevCondLst>
+                <p:cond evt="onPrev" delay="0">
+                  <p:tgtEl>
+                    <p:sldTgt/>
+                  </p:tgtEl>
+                </p:cond>
+              </p:prevCondLst>
+              <p:nextCondLst>
+                <p:cond evt="onNext" delay="0">
+                  <p:tgtEl>
+                    <p:sldTgt/>
+                  </p:tgtEl>
+                </p:cond>
+              </p:nextCondLst>
+            </p:seq>
+          </p:childTnLst>
+        </p:cTn>
+      </p:par>
+    </p:tnLst>
+    <p:bldLst>
+      <p:bldP spid="2" grpId="0"/>
+    </p:bldLst>
+  </p:timing>
+</p:sld>
+</file>
+
+<file path=ppt/slides/slide38.xml><?xml version="1.0" encoding="utf-8"?>
+<p:sld xmlns:a="http://schemas.openxmlformats.org/drawingml/2006/main" xmlns:r="http://schemas.openxmlformats.org/officeDocument/2006/relationships" xmlns:p="http://schemas.openxmlformats.org/presentationml/2006/main">
+  <p:cSld>
+    <p:spTree>
+      <p:nvGrpSpPr>
+        <p:cNvPr id="1" name=""/>
+        <p:cNvGrpSpPr/>
+        <p:nvPr/>
+      </p:nvGrpSpPr>
+      <p:grpSpPr>
+        <a:xfrm>
+          <a:off x="0" y="0"/>
+          <a:ext cx="0" cy="0"/>
+          <a:chOff x="0" y="0"/>
+          <a:chExt cx="0" cy="0"/>
+        </a:xfrm>
+      </p:grpSpPr>
+      <p:sp>
+        <p:nvSpPr>
+          <p:cNvPr id="2" name="标题 1">
+            <a:extLst>
+              <a:ext uri="{FF2B5EF4-FFF2-40B4-BE49-F238E27FC236}">
+                <a16:creationId xmlns:a16="http://schemas.microsoft.com/office/drawing/2014/main" id="{3A01834E-07D2-448B-96F8-CEB0BBEBEAA2}"/>
+              </a:ext>
+            </a:extLst>
+          </p:cNvPr>
+          <p:cNvSpPr>
+            <a:spLocks noGrp="1"/>
+          </p:cNvSpPr>
+          <p:nvPr>
+            <p:ph type="title"/>
+          </p:nvPr>
+        </p:nvSpPr>
+        <p:spPr>
+          <a:xfrm>
+            <a:off x="838200" y="365125"/>
+            <a:ext cx="10515600" cy="1325563"/>
+          </a:xfrm>
+        </p:spPr>
+        <p:txBody>
+          <a:bodyPr/>
+          <a:lstStyle/>
+          <a:p>
+            <a:r>
+              <a:rPr lang="zh-CN" altLang="en-US" dirty="0"/>
+              <a:t>动态展示</a:t>
+            </a:r>
+            <a:r>
+              <a:rPr lang="en-US" altLang="zh-CN" dirty="0"/>
+              <a:t>-</a:t>
+            </a:r>
+            <a:r>
+              <a:rPr lang="en-US" altLang="zh-CN" dirty="0" err="1"/>
+              <a:t>empty_inode</a:t>
+            </a:r>
+            <a:endParaRPr lang="zh-CN" altLang="en-US" dirty="0"/>
+          </a:p>
+        </p:txBody>
+      </p:sp>
+      <p:pic>
+        <p:nvPicPr>
+          <p:cNvPr id="5" name="内容占位符 4">
+            <a:extLst>
+              <a:ext uri="{FF2B5EF4-FFF2-40B4-BE49-F238E27FC236}">
+                <a16:creationId xmlns:a16="http://schemas.microsoft.com/office/drawing/2014/main" id="{FB44C666-5AF4-4A6C-8C70-47C1A5E8C349}"/>
+              </a:ext>
+            </a:extLst>
+          </p:cNvPr>
+          <p:cNvPicPr>
+            <a:picLocks noGrp="1" noChangeAspect="1"/>
+          </p:cNvPicPr>
+          <p:nvPr>
+            <p:ph idx="1"/>
+          </p:nvPr>
+        </p:nvPicPr>
+        <p:blipFill>
+          <a:blip r:embed="rId3"/>
+          <a:stretch>
+            <a:fillRect/>
+          </a:stretch>
+        </p:blipFill>
+        <p:spPr>
+          <a:xfrm>
+            <a:off x="4332022" y="1825625"/>
+            <a:ext cx="3527956" cy="4351338"/>
+          </a:xfrm>
+          <a:prstGeom prst="rect">
+            <a:avLst/>
+          </a:prstGeom>
+        </p:spPr>
+      </p:pic>
+    </p:spTree>
+    <p:extLst>
+      <p:ext uri="{BB962C8B-B14F-4D97-AF65-F5344CB8AC3E}">
+        <p14:creationId xmlns:p14="http://schemas.microsoft.com/office/powerpoint/2010/main" val="3209590428"/>
+      </p:ext>
+    </p:extLst>
+  </p:cSld>
+  <p:clrMapOvr>
+    <a:masterClrMapping/>
+  </p:clrMapOvr>
+  <p:timing>
+    <p:tnLst>
+      <p:par>
+        <p:cTn id="1" dur="indefinite" restart="never" nodeType="tmRoot">
+          <p:childTnLst>
+            <p:seq concurrent="1" nextAc="seek">
+              <p:cTn id="2" dur="indefinite" nodeType="mainSeq">
+                <p:childTnLst>
+                  <p:par>
+                    <p:cTn id="3" fill="hold">
+                      <p:stCondLst>
+                        <p:cond delay="indefinite"/>
+                        <p:cond evt="onBegin" delay="0">
+                          <p:tn val="2"/>
+                        </p:cond>
+                      </p:stCondLst>
+                      <p:childTnLst>
+                        <p:par>
+                          <p:cTn id="4" fill="hold">
+                            <p:stCondLst>
+                              <p:cond delay="0"/>
+                            </p:stCondLst>
+                            <p:childTnLst>
+                              <p:par>
+                                <p:cTn id="5" presetID="10" presetClass="entr" presetSubtype="0" fill="hold" grpId="0" nodeType="withEffect">
+                                  <p:stCondLst>
+                                    <p:cond delay="0"/>
+                                  </p:stCondLst>
+                                  <p:childTnLst>
+                                    <p:set>
+                                      <p:cBhvr>
+                                        <p:cTn id="6" dur="1" fill="hold">
+                                          <p:stCondLst>
+                                            <p:cond delay="0"/>
+                                          </p:stCondLst>
+                                        </p:cTn>
+                                        <p:tgtEl>
+                                          <p:spTgt spid="2"/>
+                                        </p:tgtEl>
+                                        <p:attrNameLst>
+                                          <p:attrName>style.visibility</p:attrName>
+                                        </p:attrNameLst>
+                                      </p:cBhvr>
+                                      <p:to>
+                                        <p:strVal val="visible"/>
+                                      </p:to>
+                                    </p:set>
+                                    <p:animEffect transition="in" filter="fade">
+                                      <p:cBhvr>
+                                        <p:cTn id="7" dur="500"/>
+                                        <p:tgtEl>
+                                          <p:spTgt spid="2"/>
+                                        </p:tgtEl>
+                                      </p:cBhvr>
+                                    </p:animEffect>
+                                  </p:childTnLst>
+                                </p:cTn>
+                              </p:par>
+                            </p:childTnLst>
+                          </p:cTn>
+                        </p:par>
+                      </p:childTnLst>
+                    </p:cTn>
+                  </p:par>
+                  <p:par>
+                    <p:cTn id="8" fill="hold">
+                      <p:stCondLst>
+                        <p:cond delay="indefinite"/>
+                      </p:stCondLst>
+                      <p:childTnLst>
+                        <p:par>
+                          <p:cTn id="9" fill="hold">
+                            <p:stCondLst>
+                              <p:cond delay="0"/>
+                            </p:stCondLst>
+                            <p:childTnLst>
+                              <p:par>
+                                <p:cTn id="10" presetID="10" presetClass="entr" presetSubtype="0" fill="hold" nodeType="clickEffect">
+                                  <p:stCondLst>
+                                    <p:cond delay="0"/>
+                                  </p:stCondLst>
+                                  <p:childTnLst>
+                                    <p:set>
+                                      <p:cBhvr>
+                                        <p:cTn id="11" dur="1" fill="hold">
+                                          <p:stCondLst>
+                                            <p:cond delay="0"/>
+                                          </p:stCondLst>
+                                        </p:cTn>
+                                        <p:tgtEl>
+                                          <p:spTgt spid="5"/>
+                                        </p:tgtEl>
+                                        <p:attrNameLst>
+                                          <p:attrName>style.visibility</p:attrName>
+                                        </p:attrNameLst>
+                                      </p:cBhvr>
+                                      <p:to>
+                                        <p:strVal val="visible"/>
+                                      </p:to>
+                                    </p:set>
+                                    <p:animEffect transition="in" filter="fade">
+                                      <p:cBhvr>
+                                        <p:cTn id="12" dur="500"/>
+                                        <p:tgtEl>
+                                          <p:spTgt spid="5"/>
+                                        </p:tgtEl>
+                                      </p:cBhvr>
+                                    </p:animEffect>
+                                  </p:childTnLst>
+                                </p:cTn>
+                              </p:par>
+                            </p:childTnLst>
+                          </p:cTn>
+                        </p:par>
+                      </p:childTnLst>
+                    </p:cTn>
+                  </p:par>
+                </p:childTnLst>
+              </p:cTn>
+              <p:prevCondLst>
+                <p:cond evt="onPrev" delay="0">
+                  <p:tgtEl>
+                    <p:sldTgt/>
+                  </p:tgtEl>
+                </p:cond>
+              </p:prevCondLst>
+              <p:nextCondLst>
+                <p:cond evt="onNext" delay="0">
+                  <p:tgtEl>
+                    <p:sldTgt/>
+                  </p:tgtEl>
+                </p:cond>
+              </p:nextCondLst>
+            </p:seq>
+          </p:childTnLst>
+        </p:cTn>
+      </p:par>
+    </p:tnLst>
+    <p:bldLst>
+      <p:bldP spid="2" grpId="0"/>
+    </p:bldLst>
+  </p:timing>
+</p:sld>
+</file>
+
+<file path=ppt/slides/slide39.xml><?xml version="1.0" encoding="utf-8"?>
+<p:sld xmlns:a="http://schemas.openxmlformats.org/drawingml/2006/main" xmlns:r="http://schemas.openxmlformats.org/officeDocument/2006/relationships" xmlns:p="http://schemas.openxmlformats.org/presentationml/2006/main">
+  <p:cSld>
+    <p:spTree>
+      <p:nvGrpSpPr>
+        <p:cNvPr id="1" name=""/>
+        <p:cNvGrpSpPr/>
+        <p:nvPr/>
+      </p:nvGrpSpPr>
+      <p:grpSpPr>
+        <a:xfrm>
+          <a:off x="0" y="0"/>
+          <a:ext cx="0" cy="0"/>
+          <a:chOff x="0" y="0"/>
+          <a:chExt cx="0" cy="0"/>
+        </a:xfrm>
+      </p:grpSpPr>
+      <p:sp>
+        <p:nvSpPr>
+          <p:cNvPr id="2" name="标题 1">
+            <a:extLst>
+              <a:ext uri="{FF2B5EF4-FFF2-40B4-BE49-F238E27FC236}">
+                <a16:creationId xmlns:a16="http://schemas.microsoft.com/office/drawing/2014/main" id="{3A01834E-07D2-448B-96F8-CEB0BBEBEAA2}"/>
+              </a:ext>
+            </a:extLst>
+          </p:cNvPr>
+          <p:cNvSpPr>
+            <a:spLocks noGrp="1"/>
+          </p:cNvSpPr>
+          <p:nvPr>
+            <p:ph type="title"/>
+          </p:nvPr>
+        </p:nvSpPr>
+        <p:spPr>
+          <a:xfrm>
+            <a:off x="838200" y="365125"/>
+            <a:ext cx="10515600" cy="1325563"/>
+          </a:xfrm>
+        </p:spPr>
+        <p:txBody>
+          <a:bodyPr/>
+          <a:lstStyle/>
+          <a:p>
+            <a:r>
+              <a:rPr lang="zh-CN" altLang="en-US" dirty="0"/>
+              <a:t>动态展示</a:t>
+            </a:r>
+            <a:r>
+              <a:rPr lang="en-US" altLang="zh-CN" dirty="0"/>
+              <a:t>-</a:t>
+            </a:r>
+            <a:r>
+              <a:rPr lang="en-US" altLang="zh-CN" dirty="0" err="1"/>
+              <a:t>new_inode</a:t>
+            </a:r>
+            <a:endParaRPr lang="zh-CN" altLang="en-US" dirty="0"/>
+          </a:p>
+        </p:txBody>
+      </p:sp>
+      <p:pic>
+        <p:nvPicPr>
+          <p:cNvPr id="6" name="内容占位符 5">
+            <a:extLst>
+              <a:ext uri="{FF2B5EF4-FFF2-40B4-BE49-F238E27FC236}">
+                <a16:creationId xmlns:a16="http://schemas.microsoft.com/office/drawing/2014/main" id="{DBE9D899-501E-4B04-9538-339BA723A569}"/>
+              </a:ext>
+            </a:extLst>
+          </p:cNvPr>
+          <p:cNvPicPr>
+            <a:picLocks noGrp="1" noChangeAspect="1"/>
+          </p:cNvPicPr>
+          <p:nvPr>
+            <p:ph idx="1"/>
+          </p:nvPr>
+        </p:nvPicPr>
+        <p:blipFill>
+          <a:blip r:embed="rId3"/>
+          <a:stretch>
+            <a:fillRect/>
+          </a:stretch>
+        </p:blipFill>
+        <p:spPr>
+          <a:xfrm>
+            <a:off x="4119286" y="1825625"/>
+            <a:ext cx="3953428" cy="4351338"/>
+          </a:xfrm>
+          <a:prstGeom prst="rect">
+            <a:avLst/>
+          </a:prstGeom>
+        </p:spPr>
+      </p:pic>
+    </p:spTree>
+    <p:extLst>
+      <p:ext uri="{BB962C8B-B14F-4D97-AF65-F5344CB8AC3E}">
+        <p14:creationId xmlns:p14="http://schemas.microsoft.com/office/powerpoint/2010/main" val="3732695811"/>
+      </p:ext>
+    </p:extLst>
+  </p:cSld>
+  <p:clrMapOvr>
+    <a:masterClrMapping/>
+  </p:clrMapOvr>
+  <p:timing>
+    <p:tnLst>
+      <p:par>
+        <p:cTn id="1" dur="indefinite" restart="never" nodeType="tmRoot">
+          <p:childTnLst>
+            <p:seq concurrent="1" nextAc="seek">
+              <p:cTn id="2" dur="indefinite" nodeType="mainSeq">
+                <p:childTnLst>
+                  <p:par>
+                    <p:cTn id="3" fill="hold">
+                      <p:stCondLst>
+                        <p:cond delay="indefinite"/>
+                        <p:cond evt="onBegin" delay="0">
+                          <p:tn val="2"/>
+                        </p:cond>
+                      </p:stCondLst>
+                      <p:childTnLst>
+                        <p:par>
+                          <p:cTn id="4" fill="hold">
+                            <p:stCondLst>
+                              <p:cond delay="0"/>
+                            </p:stCondLst>
+                            <p:childTnLst>
+                              <p:par>
+                                <p:cTn id="5" presetID="10" presetClass="entr" presetSubtype="0" fill="hold" grpId="0" nodeType="withEffect">
+                                  <p:stCondLst>
+                                    <p:cond delay="0"/>
+                                  </p:stCondLst>
+                                  <p:childTnLst>
+                                    <p:set>
+                                      <p:cBhvr>
+                                        <p:cTn id="6" dur="1" fill="hold">
+                                          <p:stCondLst>
+                                            <p:cond delay="0"/>
+                                          </p:stCondLst>
+                                        </p:cTn>
+                                        <p:tgtEl>
+                                          <p:spTgt spid="2"/>
+                                        </p:tgtEl>
+                                        <p:attrNameLst>
+                                          <p:attrName>style.visibility</p:attrName>
+                                        </p:attrNameLst>
+                                      </p:cBhvr>
+                                      <p:to>
+                                        <p:strVal val="visible"/>
+                                      </p:to>
+                                    </p:set>
+                                    <p:animEffect transition="in" filter="fade">
+                                      <p:cBhvr>
+                                        <p:cTn id="7" dur="500"/>
+                                        <p:tgtEl>
+                                          <p:spTgt spid="2"/>
+                                        </p:tgtEl>
+                                      </p:cBhvr>
+                                    </p:animEffect>
+                                  </p:childTnLst>
+                                </p:cTn>
+                              </p:par>
+                            </p:childTnLst>
+                          </p:cTn>
+                        </p:par>
+                      </p:childTnLst>
+                    </p:cTn>
+                  </p:par>
+                  <p:par>
+                    <p:cTn id="8" fill="hold">
+                      <p:stCondLst>
+                        <p:cond delay="indefinite"/>
+                      </p:stCondLst>
+                      <p:childTnLst>
+                        <p:par>
+                          <p:cTn id="9" fill="hold">
+                            <p:stCondLst>
+                              <p:cond delay="0"/>
+                            </p:stCondLst>
+                            <p:childTnLst>
+                              <p:par>
+                                <p:cTn id="10" presetID="10" presetClass="entr" presetSubtype="0" fill="hold" nodeType="clickEffect">
+                                  <p:stCondLst>
+                                    <p:cond delay="0"/>
+                                  </p:stCondLst>
+                                  <p:childTnLst>
+                                    <p:set>
+                                      <p:cBhvr>
+                                        <p:cTn id="11" dur="1" fill="hold">
+                                          <p:stCondLst>
+                                            <p:cond delay="0"/>
+                                          </p:stCondLst>
+                                        </p:cTn>
+                                        <p:tgtEl>
+                                          <p:spTgt spid="6"/>
+                                        </p:tgtEl>
+                                        <p:attrNameLst>
+                                          <p:attrName>style.visibility</p:attrName>
+                                        </p:attrNameLst>
+                                      </p:cBhvr>
+                                      <p:to>
+                                        <p:strVal val="visible"/>
+                                      </p:to>
+                                    </p:set>
+                                    <p:animEffect transition="in" filter="fade">
+                                      <p:cBhvr>
+                                        <p:cTn id="12" dur="500"/>
+                                        <p:tgtEl>
+                                          <p:spTgt spid="6"/>
+                                        </p:tgtEl>
+                                      </p:cBhvr>
+                                    </p:animEffect>
+                                  </p:childTnLst>
+                                </p:cTn>
+                              </p:par>
+                            </p:childTnLst>
+                          </p:cTn>
+                        </p:par>
+                      </p:childTnLst>
+                    </p:cTn>
+                  </p:par>
+                </p:childTnLst>
+              </p:cTn>
+              <p:prevCondLst>
+                <p:cond evt="onPrev" delay="0">
+                  <p:tgtEl>
+                    <p:sldTgt/>
+                  </p:tgtEl>
+                </p:cond>
+              </p:prevCondLst>
+              <p:nextCondLst>
+                <p:cond evt="onNext" delay="0">
+                  <p:tgtEl>
+                    <p:sldTgt/>
+                  </p:tgtEl>
+                </p:cond>
+              </p:nextCondLst>
+            </p:seq>
+          </p:childTnLst>
+        </p:cTn>
+      </p:par>
+    </p:tnLst>
+    <p:bldLst>
+      <p:bldP spid="2" grpId="0"/>
+    </p:bldLst>
+  </p:timing>
+</p:sld>
+</file>
+
+<file path=ppt/slides/slide4.xml><?xml version="1.0" encoding="utf-8"?>
 <p:sld xmlns:a="http://schemas.openxmlformats.org/drawingml/2006/main" xmlns:r="http://schemas.openxmlformats.org/officeDocument/2006/relationships" xmlns:p="http://schemas.openxmlformats.org/presentationml/2006/main">
   <p:cSld>
     <p:spTree>
@@ -11335,1841 +13690,7 @@
 </p:sld>
 </file>
 
-<file path=ppt/slides/slide30.xml><?xml version="1.0" encoding="utf-8"?>
-<p:sld xmlns:a="http://schemas.openxmlformats.org/drawingml/2006/main" xmlns:r="http://schemas.openxmlformats.org/officeDocument/2006/relationships" xmlns:p="http://schemas.openxmlformats.org/presentationml/2006/main">
-  <p:cSld>
-    <p:spTree>
-      <p:nvGrpSpPr>
-        <p:cNvPr id="1" name=""/>
-        <p:cNvGrpSpPr/>
-        <p:nvPr/>
-      </p:nvGrpSpPr>
-      <p:grpSpPr>
-        <a:xfrm>
-          <a:off x="0" y="0"/>
-          <a:ext cx="0" cy="0"/>
-          <a:chOff x="0" y="0"/>
-          <a:chExt cx="0" cy="0"/>
-        </a:xfrm>
-      </p:grpSpPr>
-      <p:sp>
-        <p:nvSpPr>
-          <p:cNvPr id="2" name="标题 1">
-            <a:extLst>
-              <a:ext uri="{FF2B5EF4-FFF2-40B4-BE49-F238E27FC236}">
-                <a16:creationId xmlns:a16="http://schemas.microsoft.com/office/drawing/2014/main" id="{565542B2-2B37-48EC-9183-B0EC148D350D}"/>
-              </a:ext>
-            </a:extLst>
-          </p:cNvPr>
-          <p:cNvSpPr>
-            <a:spLocks noGrp="1"/>
-          </p:cNvSpPr>
-          <p:nvPr>
-            <p:ph type="title"/>
-          </p:nvPr>
-        </p:nvSpPr>
-        <p:spPr/>
-        <p:txBody>
-          <a:bodyPr/>
-          <a:lstStyle/>
-          <a:p>
-            <a:r>
-              <a:rPr lang="zh-CN" altLang="en-US" dirty="0"/>
-              <a:t>创建文件</a:t>
-            </a:r>
-          </a:p>
-        </p:txBody>
-      </p:sp>
-      <p:pic>
-        <p:nvPicPr>
-          <p:cNvPr id="4" name="图片 3">
-            <a:extLst>
-              <a:ext uri="{FF2B5EF4-FFF2-40B4-BE49-F238E27FC236}">
-                <a16:creationId xmlns:a16="http://schemas.microsoft.com/office/drawing/2014/main" id="{5526A95B-94B2-4E9C-B816-BCF4005D6D8D}"/>
-              </a:ext>
-            </a:extLst>
-          </p:cNvPr>
-          <p:cNvPicPr>
-            <a:picLocks noChangeAspect="1"/>
-          </p:cNvPicPr>
-          <p:nvPr/>
-        </p:nvPicPr>
-        <p:blipFill>
-          <a:blip r:embed="rId3"/>
-          <a:stretch>
-            <a:fillRect/>
-          </a:stretch>
-        </p:blipFill>
-        <p:spPr>
-          <a:xfrm>
-            <a:off x="2704944" y="1735975"/>
-            <a:ext cx="6782111" cy="3386050"/>
-          </a:xfrm>
-          <a:prstGeom prst="rect">
-            <a:avLst/>
-          </a:prstGeom>
-        </p:spPr>
-      </p:pic>
-    </p:spTree>
-    <p:extLst>
-      <p:ext uri="{BB962C8B-B14F-4D97-AF65-F5344CB8AC3E}">
-        <p14:creationId xmlns:p14="http://schemas.microsoft.com/office/powerpoint/2010/main" val="3589145570"/>
-      </p:ext>
-    </p:extLst>
-  </p:cSld>
-  <p:clrMapOvr>
-    <a:masterClrMapping/>
-  </p:clrMapOvr>
-</p:sld>
-</file>
-
-<file path=ppt/slides/slide31.xml><?xml version="1.0" encoding="utf-8"?>
-<p:sld xmlns:a="http://schemas.openxmlformats.org/drawingml/2006/main" xmlns:r="http://schemas.openxmlformats.org/officeDocument/2006/relationships" xmlns:p="http://schemas.openxmlformats.org/presentationml/2006/main">
-  <p:cSld>
-    <p:spTree>
-      <p:nvGrpSpPr>
-        <p:cNvPr id="1" name=""/>
-        <p:cNvGrpSpPr/>
-        <p:nvPr/>
-      </p:nvGrpSpPr>
-      <p:grpSpPr>
-        <a:xfrm>
-          <a:off x="0" y="0"/>
-          <a:ext cx="0" cy="0"/>
-          <a:chOff x="0" y="0"/>
-          <a:chExt cx="0" cy="0"/>
-        </a:xfrm>
-      </p:grpSpPr>
-      <p:sp>
-        <p:nvSpPr>
-          <p:cNvPr id="2" name="标题 1">
-            <a:extLst>
-              <a:ext uri="{FF2B5EF4-FFF2-40B4-BE49-F238E27FC236}">
-                <a16:creationId xmlns:a16="http://schemas.microsoft.com/office/drawing/2014/main" id="{3A01834E-07D2-448B-96F8-CEB0BBEBEAA2}"/>
-              </a:ext>
-            </a:extLst>
-          </p:cNvPr>
-          <p:cNvSpPr>
-            <a:spLocks noGrp="1"/>
-          </p:cNvSpPr>
-          <p:nvPr>
-            <p:ph type="title"/>
-          </p:nvPr>
-        </p:nvSpPr>
-        <p:spPr>
-          <a:xfrm>
-            <a:off x="838200" y="365125"/>
-            <a:ext cx="10515600" cy="1325563"/>
-          </a:xfrm>
-        </p:spPr>
-        <p:txBody>
-          <a:bodyPr/>
-          <a:lstStyle/>
-          <a:p>
-            <a:r>
-              <a:rPr lang="zh-CN" altLang="en-US" dirty="0"/>
-              <a:t>动态展示</a:t>
-            </a:r>
-            <a:r>
-              <a:rPr lang="en-US" altLang="zh-CN" dirty="0"/>
-              <a:t>-</a:t>
-            </a:r>
-            <a:r>
-              <a:rPr lang="en-US" altLang="zh-CN" dirty="0" err="1"/>
-              <a:t>i_zone</a:t>
-            </a:r>
-            <a:endParaRPr lang="zh-CN" altLang="en-US" dirty="0"/>
-          </a:p>
-        </p:txBody>
-      </p:sp>
-      <p:pic>
-        <p:nvPicPr>
-          <p:cNvPr id="6" name="内容占位符 5">
-            <a:extLst>
-              <a:ext uri="{FF2B5EF4-FFF2-40B4-BE49-F238E27FC236}">
-                <a16:creationId xmlns:a16="http://schemas.microsoft.com/office/drawing/2014/main" id="{46ED67D1-58BF-40B7-ABAE-39D4517BF3DF}"/>
-              </a:ext>
-            </a:extLst>
-          </p:cNvPr>
-          <p:cNvPicPr>
-            <a:picLocks noGrp="1" noChangeAspect="1"/>
-          </p:cNvPicPr>
-          <p:nvPr>
-            <p:ph idx="1"/>
-          </p:nvPr>
-        </p:nvPicPr>
-        <p:blipFill>
-          <a:blip r:embed="rId3"/>
-          <a:stretch>
-            <a:fillRect/>
-          </a:stretch>
-        </p:blipFill>
-        <p:spPr>
-          <a:xfrm>
-            <a:off x="3985077" y="2389524"/>
-            <a:ext cx="4221846" cy="3223539"/>
-          </a:xfrm>
-          <a:prstGeom prst="rect">
-            <a:avLst/>
-          </a:prstGeom>
-        </p:spPr>
-      </p:pic>
-    </p:spTree>
-    <p:extLst>
-      <p:ext uri="{BB962C8B-B14F-4D97-AF65-F5344CB8AC3E}">
-        <p14:creationId xmlns:p14="http://schemas.microsoft.com/office/powerpoint/2010/main" val="3984330482"/>
-      </p:ext>
-    </p:extLst>
-  </p:cSld>
-  <p:clrMapOvr>
-    <a:masterClrMapping/>
-  </p:clrMapOvr>
-  <p:timing>
-    <p:tnLst>
-      <p:par>
-        <p:cTn id="1" dur="indefinite" restart="never" nodeType="tmRoot">
-          <p:childTnLst>
-            <p:seq concurrent="1" nextAc="seek">
-              <p:cTn id="2" dur="indefinite" nodeType="mainSeq">
-                <p:childTnLst>
-                  <p:par>
-                    <p:cTn id="3" fill="hold">
-                      <p:stCondLst>
-                        <p:cond delay="indefinite"/>
-                        <p:cond evt="onBegin" delay="0">
-                          <p:tn val="2"/>
-                        </p:cond>
-                      </p:stCondLst>
-                      <p:childTnLst>
-                        <p:par>
-                          <p:cTn id="4" fill="hold">
-                            <p:stCondLst>
-                              <p:cond delay="0"/>
-                            </p:stCondLst>
-                            <p:childTnLst>
-                              <p:par>
-                                <p:cTn id="5" presetID="10" presetClass="entr" presetSubtype="0" fill="hold" grpId="0" nodeType="withEffect">
-                                  <p:stCondLst>
-                                    <p:cond delay="0"/>
-                                  </p:stCondLst>
-                                  <p:childTnLst>
-                                    <p:set>
-                                      <p:cBhvr>
-                                        <p:cTn id="6" dur="1" fill="hold">
-                                          <p:stCondLst>
-                                            <p:cond delay="0"/>
-                                          </p:stCondLst>
-                                        </p:cTn>
-                                        <p:tgtEl>
-                                          <p:spTgt spid="2"/>
-                                        </p:tgtEl>
-                                        <p:attrNameLst>
-                                          <p:attrName>style.visibility</p:attrName>
-                                        </p:attrNameLst>
-                                      </p:cBhvr>
-                                      <p:to>
-                                        <p:strVal val="visible"/>
-                                      </p:to>
-                                    </p:set>
-                                    <p:animEffect transition="in" filter="fade">
-                                      <p:cBhvr>
-                                        <p:cTn id="7" dur="500"/>
-                                        <p:tgtEl>
-                                          <p:spTgt spid="2"/>
-                                        </p:tgtEl>
-                                      </p:cBhvr>
-                                    </p:animEffect>
-                                  </p:childTnLst>
-                                </p:cTn>
-                              </p:par>
-                            </p:childTnLst>
-                          </p:cTn>
-                        </p:par>
-                      </p:childTnLst>
-                    </p:cTn>
-                  </p:par>
-                  <p:par>
-                    <p:cTn id="8" fill="hold">
-                      <p:stCondLst>
-                        <p:cond delay="indefinite"/>
-                      </p:stCondLst>
-                      <p:childTnLst>
-                        <p:par>
-                          <p:cTn id="9" fill="hold">
-                            <p:stCondLst>
-                              <p:cond delay="0"/>
-                            </p:stCondLst>
-                            <p:childTnLst>
-                              <p:par>
-                                <p:cTn id="10" presetID="10" presetClass="entr" presetSubtype="0" fill="hold" nodeType="clickEffect">
-                                  <p:stCondLst>
-                                    <p:cond delay="0"/>
-                                  </p:stCondLst>
-                                  <p:childTnLst>
-                                    <p:set>
-                                      <p:cBhvr>
-                                        <p:cTn id="11" dur="1" fill="hold">
-                                          <p:stCondLst>
-                                            <p:cond delay="0"/>
-                                          </p:stCondLst>
-                                        </p:cTn>
-                                        <p:tgtEl>
-                                          <p:spTgt spid="6"/>
-                                        </p:tgtEl>
-                                        <p:attrNameLst>
-                                          <p:attrName>style.visibility</p:attrName>
-                                        </p:attrNameLst>
-                                      </p:cBhvr>
-                                      <p:to>
-                                        <p:strVal val="visible"/>
-                                      </p:to>
-                                    </p:set>
-                                    <p:animEffect transition="in" filter="fade">
-                                      <p:cBhvr>
-                                        <p:cTn id="12" dur="500"/>
-                                        <p:tgtEl>
-                                          <p:spTgt spid="6"/>
-                                        </p:tgtEl>
-                                      </p:cBhvr>
-                                    </p:animEffect>
-                                  </p:childTnLst>
-                                </p:cTn>
-                              </p:par>
-                            </p:childTnLst>
-                          </p:cTn>
-                        </p:par>
-                      </p:childTnLst>
-                    </p:cTn>
-                  </p:par>
-                </p:childTnLst>
-              </p:cTn>
-              <p:prevCondLst>
-                <p:cond evt="onPrev" delay="0">
-                  <p:tgtEl>
-                    <p:sldTgt/>
-                  </p:tgtEl>
-                </p:cond>
-              </p:prevCondLst>
-              <p:nextCondLst>
-                <p:cond evt="onNext" delay="0">
-                  <p:tgtEl>
-                    <p:sldTgt/>
-                  </p:tgtEl>
-                </p:cond>
-              </p:nextCondLst>
-            </p:seq>
-          </p:childTnLst>
-        </p:cTn>
-      </p:par>
-    </p:tnLst>
-    <p:bldLst>
-      <p:bldP spid="2" grpId="0"/>
-    </p:bldLst>
-  </p:timing>
-</p:sld>
-</file>
-
-<file path=ppt/slides/slide32.xml><?xml version="1.0" encoding="utf-8"?>
-<p:sld xmlns:a="http://schemas.openxmlformats.org/drawingml/2006/main" xmlns:r="http://schemas.openxmlformats.org/officeDocument/2006/relationships" xmlns:p="http://schemas.openxmlformats.org/presentationml/2006/main">
-  <p:cSld>
-    <p:spTree>
-      <p:nvGrpSpPr>
-        <p:cNvPr id="1" name=""/>
-        <p:cNvGrpSpPr/>
-        <p:nvPr/>
-      </p:nvGrpSpPr>
-      <p:grpSpPr>
-        <a:xfrm>
-          <a:off x="0" y="0"/>
-          <a:ext cx="0" cy="0"/>
-          <a:chOff x="0" y="0"/>
-          <a:chExt cx="0" cy="0"/>
-        </a:xfrm>
-      </p:grpSpPr>
-      <p:sp>
-        <p:nvSpPr>
-          <p:cNvPr id="2" name="标题 1">
-            <a:extLst>
-              <a:ext uri="{FF2B5EF4-FFF2-40B4-BE49-F238E27FC236}">
-                <a16:creationId xmlns:a16="http://schemas.microsoft.com/office/drawing/2014/main" id="{565542B2-2B37-48EC-9183-B0EC148D350D}"/>
-              </a:ext>
-            </a:extLst>
-          </p:cNvPr>
-          <p:cNvSpPr>
-            <a:spLocks noGrp="1"/>
-          </p:cNvSpPr>
-          <p:nvPr>
-            <p:ph type="title"/>
-          </p:nvPr>
-        </p:nvSpPr>
-        <p:spPr/>
-        <p:txBody>
-          <a:bodyPr/>
-          <a:lstStyle/>
-          <a:p>
-            <a:r>
-              <a:rPr lang="zh-CN" altLang="en-US" dirty="0"/>
-              <a:t>创建文件</a:t>
-            </a:r>
-          </a:p>
-        </p:txBody>
-      </p:sp>
-      <p:pic>
-        <p:nvPicPr>
-          <p:cNvPr id="3" name="图片 2">
-            <a:extLst>
-              <a:ext uri="{FF2B5EF4-FFF2-40B4-BE49-F238E27FC236}">
-                <a16:creationId xmlns:a16="http://schemas.microsoft.com/office/drawing/2014/main" id="{555AA7D2-D624-45E5-808C-F270CDC0751F}"/>
-              </a:ext>
-            </a:extLst>
-          </p:cNvPr>
-          <p:cNvPicPr>
-            <a:picLocks noChangeAspect="1"/>
-          </p:cNvPicPr>
-          <p:nvPr/>
-        </p:nvPicPr>
-        <p:blipFill>
-          <a:blip r:embed="rId3"/>
-          <a:stretch>
-            <a:fillRect/>
-          </a:stretch>
-        </p:blipFill>
-        <p:spPr>
-          <a:xfrm>
-            <a:off x="2658363" y="1690688"/>
-            <a:ext cx="6875274" cy="3504075"/>
-          </a:xfrm>
-          <a:prstGeom prst="rect">
-            <a:avLst/>
-          </a:prstGeom>
-        </p:spPr>
-      </p:pic>
-    </p:spTree>
-    <p:extLst>
-      <p:ext uri="{BB962C8B-B14F-4D97-AF65-F5344CB8AC3E}">
-        <p14:creationId xmlns:p14="http://schemas.microsoft.com/office/powerpoint/2010/main" val="3871549138"/>
-      </p:ext>
-    </p:extLst>
-  </p:cSld>
-  <p:clrMapOvr>
-    <a:masterClrMapping/>
-  </p:clrMapOvr>
-</p:sld>
-</file>
-
-<file path=ppt/slides/slide33.xml><?xml version="1.0" encoding="utf-8"?>
-<p:sld xmlns:a="http://schemas.openxmlformats.org/drawingml/2006/main" xmlns:r="http://schemas.openxmlformats.org/officeDocument/2006/relationships" xmlns:p="http://schemas.openxmlformats.org/presentationml/2006/main">
-  <p:cSld>
-    <p:spTree>
-      <p:nvGrpSpPr>
-        <p:cNvPr id="1" name=""/>
-        <p:cNvGrpSpPr/>
-        <p:nvPr/>
-      </p:nvGrpSpPr>
-      <p:grpSpPr>
-        <a:xfrm>
-          <a:off x="0" y="0"/>
-          <a:ext cx="0" cy="0"/>
-          <a:chOff x="0" y="0"/>
-          <a:chExt cx="0" cy="0"/>
-        </a:xfrm>
-      </p:grpSpPr>
-      <p:sp>
-        <p:nvSpPr>
-          <p:cNvPr id="2" name="标题 1">
-            <a:extLst>
-              <a:ext uri="{FF2B5EF4-FFF2-40B4-BE49-F238E27FC236}">
-                <a16:creationId xmlns:a16="http://schemas.microsoft.com/office/drawing/2014/main" id="{3A01834E-07D2-448B-96F8-CEB0BBEBEAA2}"/>
-              </a:ext>
-            </a:extLst>
-          </p:cNvPr>
-          <p:cNvSpPr>
-            <a:spLocks noGrp="1"/>
-          </p:cNvSpPr>
-          <p:nvPr>
-            <p:ph type="title"/>
-          </p:nvPr>
-        </p:nvSpPr>
-        <p:spPr>
-          <a:xfrm>
-            <a:off x="838200" y="365125"/>
-            <a:ext cx="10515600" cy="1325563"/>
-          </a:xfrm>
-        </p:spPr>
-        <p:txBody>
-          <a:bodyPr/>
-          <a:lstStyle/>
-          <a:p>
-            <a:r>
-              <a:rPr lang="zh-CN" altLang="en-US" dirty="0"/>
-              <a:t>动态展示</a:t>
-            </a:r>
-            <a:r>
-              <a:rPr lang="en-US" altLang="zh-CN" dirty="0"/>
-              <a:t>-entry</a:t>
-            </a:r>
-            <a:endParaRPr lang="zh-CN" altLang="en-US" dirty="0"/>
-          </a:p>
-        </p:txBody>
-      </p:sp>
-      <p:pic>
-        <p:nvPicPr>
-          <p:cNvPr id="5" name="内容占位符 4">
-            <a:extLst>
-              <a:ext uri="{FF2B5EF4-FFF2-40B4-BE49-F238E27FC236}">
-                <a16:creationId xmlns:a16="http://schemas.microsoft.com/office/drawing/2014/main" id="{D89D6F18-1FFA-4498-A235-BAF9D610DBF9}"/>
-              </a:ext>
-            </a:extLst>
-          </p:cNvPr>
-          <p:cNvPicPr>
-            <a:picLocks noGrp="1" noChangeAspect="1"/>
-          </p:cNvPicPr>
-          <p:nvPr>
-            <p:ph idx="1"/>
-          </p:nvPr>
-        </p:nvPicPr>
-        <p:blipFill>
-          <a:blip r:embed="rId3"/>
-          <a:stretch>
-            <a:fillRect/>
-          </a:stretch>
-        </p:blipFill>
-        <p:spPr>
-          <a:xfrm>
-            <a:off x="3596423" y="2359041"/>
-            <a:ext cx="4999153" cy="3284505"/>
-          </a:xfrm>
-          <a:prstGeom prst="rect">
-            <a:avLst/>
-          </a:prstGeom>
-        </p:spPr>
-      </p:pic>
-    </p:spTree>
-    <p:extLst>
-      <p:ext uri="{BB962C8B-B14F-4D97-AF65-F5344CB8AC3E}">
-        <p14:creationId xmlns:p14="http://schemas.microsoft.com/office/powerpoint/2010/main" val="1953758504"/>
-      </p:ext>
-    </p:extLst>
-  </p:cSld>
-  <p:clrMapOvr>
-    <a:masterClrMapping/>
-  </p:clrMapOvr>
-  <p:timing>
-    <p:tnLst>
-      <p:par>
-        <p:cTn id="1" dur="indefinite" restart="never" nodeType="tmRoot">
-          <p:childTnLst>
-            <p:seq concurrent="1" nextAc="seek">
-              <p:cTn id="2" dur="indefinite" nodeType="mainSeq">
-                <p:childTnLst>
-                  <p:par>
-                    <p:cTn id="3" fill="hold">
-                      <p:stCondLst>
-                        <p:cond delay="indefinite"/>
-                        <p:cond evt="onBegin" delay="0">
-                          <p:tn val="2"/>
-                        </p:cond>
-                      </p:stCondLst>
-                      <p:childTnLst>
-                        <p:par>
-                          <p:cTn id="4" fill="hold">
-                            <p:stCondLst>
-                              <p:cond delay="0"/>
-                            </p:stCondLst>
-                            <p:childTnLst>
-                              <p:par>
-                                <p:cTn id="5" presetID="10" presetClass="entr" presetSubtype="0" fill="hold" grpId="0" nodeType="withEffect">
-                                  <p:stCondLst>
-                                    <p:cond delay="0"/>
-                                  </p:stCondLst>
-                                  <p:childTnLst>
-                                    <p:set>
-                                      <p:cBhvr>
-                                        <p:cTn id="6" dur="1" fill="hold">
-                                          <p:stCondLst>
-                                            <p:cond delay="0"/>
-                                          </p:stCondLst>
-                                        </p:cTn>
-                                        <p:tgtEl>
-                                          <p:spTgt spid="2"/>
-                                        </p:tgtEl>
-                                        <p:attrNameLst>
-                                          <p:attrName>style.visibility</p:attrName>
-                                        </p:attrNameLst>
-                                      </p:cBhvr>
-                                      <p:to>
-                                        <p:strVal val="visible"/>
-                                      </p:to>
-                                    </p:set>
-                                    <p:animEffect transition="in" filter="fade">
-                                      <p:cBhvr>
-                                        <p:cTn id="7" dur="500"/>
-                                        <p:tgtEl>
-                                          <p:spTgt spid="2"/>
-                                        </p:tgtEl>
-                                      </p:cBhvr>
-                                    </p:animEffect>
-                                  </p:childTnLst>
-                                </p:cTn>
-                              </p:par>
-                            </p:childTnLst>
-                          </p:cTn>
-                        </p:par>
-                      </p:childTnLst>
-                    </p:cTn>
-                  </p:par>
-                  <p:par>
-                    <p:cTn id="8" fill="hold">
-                      <p:stCondLst>
-                        <p:cond delay="indefinite"/>
-                      </p:stCondLst>
-                      <p:childTnLst>
-                        <p:par>
-                          <p:cTn id="9" fill="hold">
-                            <p:stCondLst>
-                              <p:cond delay="0"/>
-                            </p:stCondLst>
-                            <p:childTnLst>
-                              <p:par>
-                                <p:cTn id="10" presetID="10" presetClass="entr" presetSubtype="0" fill="hold" nodeType="clickEffect">
-                                  <p:stCondLst>
-                                    <p:cond delay="0"/>
-                                  </p:stCondLst>
-                                  <p:childTnLst>
-                                    <p:set>
-                                      <p:cBhvr>
-                                        <p:cTn id="11" dur="1" fill="hold">
-                                          <p:stCondLst>
-                                            <p:cond delay="0"/>
-                                          </p:stCondLst>
-                                        </p:cTn>
-                                        <p:tgtEl>
-                                          <p:spTgt spid="5"/>
-                                        </p:tgtEl>
-                                        <p:attrNameLst>
-                                          <p:attrName>style.visibility</p:attrName>
-                                        </p:attrNameLst>
-                                      </p:cBhvr>
-                                      <p:to>
-                                        <p:strVal val="visible"/>
-                                      </p:to>
-                                    </p:set>
-                                    <p:animEffect transition="in" filter="fade">
-                                      <p:cBhvr>
-                                        <p:cTn id="12" dur="500"/>
-                                        <p:tgtEl>
-                                          <p:spTgt spid="5"/>
-                                        </p:tgtEl>
-                                      </p:cBhvr>
-                                    </p:animEffect>
-                                  </p:childTnLst>
-                                </p:cTn>
-                              </p:par>
-                            </p:childTnLst>
-                          </p:cTn>
-                        </p:par>
-                      </p:childTnLst>
-                    </p:cTn>
-                  </p:par>
-                </p:childTnLst>
-              </p:cTn>
-              <p:prevCondLst>
-                <p:cond evt="onPrev" delay="0">
-                  <p:tgtEl>
-                    <p:sldTgt/>
-                  </p:tgtEl>
-                </p:cond>
-              </p:prevCondLst>
-              <p:nextCondLst>
-                <p:cond evt="onNext" delay="0">
-                  <p:tgtEl>
-                    <p:sldTgt/>
-                  </p:tgtEl>
-                </p:cond>
-              </p:nextCondLst>
-            </p:seq>
-          </p:childTnLst>
-        </p:cTn>
-      </p:par>
-    </p:tnLst>
-    <p:bldLst>
-      <p:bldP spid="2" grpId="0"/>
-    </p:bldLst>
-  </p:timing>
-</p:sld>
-</file>
-
-<file path=ppt/slides/slide34.xml><?xml version="1.0" encoding="utf-8"?>
-<p:sld xmlns:a="http://schemas.openxmlformats.org/drawingml/2006/main" xmlns:r="http://schemas.openxmlformats.org/officeDocument/2006/relationships" xmlns:p="http://schemas.openxmlformats.org/presentationml/2006/main">
-  <p:cSld>
-    <p:spTree>
-      <p:nvGrpSpPr>
-        <p:cNvPr id="1" name=""/>
-        <p:cNvGrpSpPr/>
-        <p:nvPr/>
-      </p:nvGrpSpPr>
-      <p:grpSpPr>
-        <a:xfrm>
-          <a:off x="0" y="0"/>
-          <a:ext cx="0" cy="0"/>
-          <a:chOff x="0" y="0"/>
-          <a:chExt cx="0" cy="0"/>
-        </a:xfrm>
-      </p:grpSpPr>
-      <p:sp>
-        <p:nvSpPr>
-          <p:cNvPr id="2" name="标题 1">
-            <a:extLst>
-              <a:ext uri="{FF2B5EF4-FFF2-40B4-BE49-F238E27FC236}">
-                <a16:creationId xmlns:a16="http://schemas.microsoft.com/office/drawing/2014/main" id="{3A01834E-07D2-448B-96F8-CEB0BBEBEAA2}"/>
-              </a:ext>
-            </a:extLst>
-          </p:cNvPr>
-          <p:cNvSpPr>
-            <a:spLocks noGrp="1"/>
-          </p:cNvSpPr>
-          <p:nvPr>
-            <p:ph type="title"/>
-          </p:nvPr>
-        </p:nvSpPr>
-        <p:spPr>
-          <a:xfrm>
-            <a:off x="838200" y="365125"/>
-            <a:ext cx="10515600" cy="1325563"/>
-          </a:xfrm>
-        </p:spPr>
-        <p:txBody>
-          <a:bodyPr/>
-          <a:lstStyle/>
-          <a:p>
-            <a:r>
-              <a:rPr lang="zh-CN" altLang="en-US" dirty="0"/>
-              <a:t>动态展示</a:t>
-            </a:r>
-            <a:r>
-              <a:rPr lang="en-US" altLang="zh-CN" dirty="0"/>
-              <a:t>-entry</a:t>
-            </a:r>
-            <a:endParaRPr lang="zh-CN" altLang="en-US" dirty="0"/>
-          </a:p>
-        </p:txBody>
-      </p:sp>
-      <p:pic>
-        <p:nvPicPr>
-          <p:cNvPr id="9" name="内容占位符 5">
-            <a:extLst>
-              <a:ext uri="{FF2B5EF4-FFF2-40B4-BE49-F238E27FC236}">
-                <a16:creationId xmlns:a16="http://schemas.microsoft.com/office/drawing/2014/main" id="{AA0F6BEA-1B6E-464B-AD2B-0409E5F0D886}"/>
-              </a:ext>
-            </a:extLst>
-          </p:cNvPr>
-          <p:cNvPicPr>
-            <a:picLocks noGrp="1" noChangeAspect="1"/>
-          </p:cNvPicPr>
-          <p:nvPr>
-            <p:ph idx="1"/>
-          </p:nvPr>
-        </p:nvPicPr>
-        <p:blipFill>
-          <a:blip r:embed="rId3"/>
-          <a:stretch>
-            <a:fillRect/>
-          </a:stretch>
-        </p:blipFill>
-        <p:spPr>
-          <a:xfrm>
-            <a:off x="3645957" y="2359041"/>
-            <a:ext cx="4900085" cy="3284505"/>
-          </a:xfrm>
-          <a:prstGeom prst="rect">
-            <a:avLst/>
-          </a:prstGeom>
-        </p:spPr>
-      </p:pic>
-    </p:spTree>
-    <p:extLst>
-      <p:ext uri="{BB962C8B-B14F-4D97-AF65-F5344CB8AC3E}">
-        <p14:creationId xmlns:p14="http://schemas.microsoft.com/office/powerpoint/2010/main" val="998506289"/>
-      </p:ext>
-    </p:extLst>
-  </p:cSld>
-  <p:clrMapOvr>
-    <a:masterClrMapping/>
-  </p:clrMapOvr>
-  <p:timing>
-    <p:tnLst>
-      <p:par>
-        <p:cTn id="1" dur="indefinite" restart="never" nodeType="tmRoot">
-          <p:childTnLst>
-            <p:seq concurrent="1" nextAc="seek">
-              <p:cTn id="2" dur="indefinite" nodeType="mainSeq">
-                <p:childTnLst>
-                  <p:par>
-                    <p:cTn id="3" fill="hold">
-                      <p:stCondLst>
-                        <p:cond delay="indefinite"/>
-                        <p:cond evt="onBegin" delay="0">
-                          <p:tn val="2"/>
-                        </p:cond>
-                      </p:stCondLst>
-                      <p:childTnLst>
-                        <p:par>
-                          <p:cTn id="4" fill="hold">
-                            <p:stCondLst>
-                              <p:cond delay="0"/>
-                            </p:stCondLst>
-                            <p:childTnLst>
-                              <p:par>
-                                <p:cTn id="5" presetID="10" presetClass="entr" presetSubtype="0" fill="hold" nodeType="withEffect">
-                                  <p:stCondLst>
-                                    <p:cond delay="0"/>
-                                  </p:stCondLst>
-                                  <p:childTnLst>
-                                    <p:set>
-                                      <p:cBhvr>
-                                        <p:cTn id="6" dur="1" fill="hold">
-                                          <p:stCondLst>
-                                            <p:cond delay="0"/>
-                                          </p:stCondLst>
-                                        </p:cTn>
-                                        <p:tgtEl>
-                                          <p:spTgt spid="9"/>
-                                        </p:tgtEl>
-                                        <p:attrNameLst>
-                                          <p:attrName>style.visibility</p:attrName>
-                                        </p:attrNameLst>
-                                      </p:cBhvr>
-                                      <p:to>
-                                        <p:strVal val="visible"/>
-                                      </p:to>
-                                    </p:set>
-                                    <p:animEffect transition="in" filter="fade">
-                                      <p:cBhvr>
-                                        <p:cTn id="7" dur="500"/>
-                                        <p:tgtEl>
-                                          <p:spTgt spid="9"/>
-                                        </p:tgtEl>
-                                      </p:cBhvr>
-                                    </p:animEffect>
-                                  </p:childTnLst>
-                                </p:cTn>
-                              </p:par>
-                            </p:childTnLst>
-                          </p:cTn>
-                        </p:par>
-                      </p:childTnLst>
-                    </p:cTn>
-                  </p:par>
-                </p:childTnLst>
-              </p:cTn>
-              <p:prevCondLst>
-                <p:cond evt="onPrev" delay="0">
-                  <p:tgtEl>
-                    <p:sldTgt/>
-                  </p:tgtEl>
-                </p:cond>
-              </p:prevCondLst>
-              <p:nextCondLst>
-                <p:cond evt="onNext" delay="0">
-                  <p:tgtEl>
-                    <p:sldTgt/>
-                  </p:tgtEl>
-                </p:cond>
-              </p:nextCondLst>
-            </p:seq>
-          </p:childTnLst>
-        </p:cTn>
-      </p:par>
-    </p:tnLst>
-  </p:timing>
-</p:sld>
-</file>
-
-<file path=ppt/slides/slide35.xml><?xml version="1.0" encoding="utf-8"?>
-<p:sld xmlns:a="http://schemas.openxmlformats.org/drawingml/2006/main" xmlns:r="http://schemas.openxmlformats.org/officeDocument/2006/relationships" xmlns:p="http://schemas.openxmlformats.org/presentationml/2006/main">
-  <p:cSld>
-    <p:spTree>
-      <p:nvGrpSpPr>
-        <p:cNvPr id="1" name=""/>
-        <p:cNvGrpSpPr/>
-        <p:nvPr/>
-      </p:nvGrpSpPr>
-      <p:grpSpPr>
-        <a:xfrm>
-          <a:off x="0" y="0"/>
-          <a:ext cx="0" cy="0"/>
-          <a:chOff x="0" y="0"/>
-          <a:chExt cx="0" cy="0"/>
-        </a:xfrm>
-      </p:grpSpPr>
-      <p:sp>
-        <p:nvSpPr>
-          <p:cNvPr id="2" name="标题 1">
-            <a:extLst>
-              <a:ext uri="{FF2B5EF4-FFF2-40B4-BE49-F238E27FC236}">
-                <a16:creationId xmlns:a16="http://schemas.microsoft.com/office/drawing/2014/main" id="{3A01834E-07D2-448B-96F8-CEB0BBEBEAA2}"/>
-              </a:ext>
-            </a:extLst>
-          </p:cNvPr>
-          <p:cNvSpPr>
-            <a:spLocks noGrp="1"/>
-          </p:cNvSpPr>
-          <p:nvPr>
-            <p:ph type="title"/>
-          </p:nvPr>
-        </p:nvSpPr>
-        <p:spPr>
-          <a:xfrm>
-            <a:off x="838200" y="365125"/>
-            <a:ext cx="10515600" cy="1325563"/>
-          </a:xfrm>
-        </p:spPr>
-        <p:txBody>
-          <a:bodyPr/>
-          <a:lstStyle/>
-          <a:p>
-            <a:r>
-              <a:rPr lang="zh-CN" altLang="en-US" dirty="0"/>
-              <a:t>动态展示</a:t>
-            </a:r>
-            <a:r>
-              <a:rPr lang="en-US" altLang="zh-CN" dirty="0"/>
-              <a:t>-</a:t>
-            </a:r>
-            <a:r>
-              <a:rPr lang="en-US" altLang="zh-CN" dirty="0" err="1"/>
-              <a:t>inode_table</a:t>
-            </a:r>
-            <a:endParaRPr lang="zh-CN" altLang="en-US" dirty="0"/>
-          </a:p>
-        </p:txBody>
-      </p:sp>
-      <p:pic>
-        <p:nvPicPr>
-          <p:cNvPr id="5" name="内容占位符 4">
-            <a:extLst>
-              <a:ext uri="{FF2B5EF4-FFF2-40B4-BE49-F238E27FC236}">
-                <a16:creationId xmlns:a16="http://schemas.microsoft.com/office/drawing/2014/main" id="{41595A32-4143-4A40-AE12-93AD9B8EAD45}"/>
-              </a:ext>
-            </a:extLst>
-          </p:cNvPr>
-          <p:cNvPicPr>
-            <a:picLocks noGrp="1" noChangeAspect="1"/>
-          </p:cNvPicPr>
-          <p:nvPr>
-            <p:ph idx="1"/>
-          </p:nvPr>
-        </p:nvPicPr>
-        <p:blipFill>
-          <a:blip r:embed="rId3"/>
-          <a:stretch>
-            <a:fillRect/>
-          </a:stretch>
-        </p:blipFill>
-        <p:spPr>
-          <a:xfrm>
-            <a:off x="3463062" y="2149473"/>
-            <a:ext cx="5265876" cy="3703641"/>
-          </a:xfrm>
-          <a:prstGeom prst="rect">
-            <a:avLst/>
-          </a:prstGeom>
-        </p:spPr>
-      </p:pic>
-    </p:spTree>
-    <p:extLst>
-      <p:ext uri="{BB962C8B-B14F-4D97-AF65-F5344CB8AC3E}">
-        <p14:creationId xmlns:p14="http://schemas.microsoft.com/office/powerpoint/2010/main" val="57258109"/>
-      </p:ext>
-    </p:extLst>
-  </p:cSld>
-  <p:clrMapOvr>
-    <a:masterClrMapping/>
-  </p:clrMapOvr>
-  <p:timing>
-    <p:tnLst>
-      <p:par>
-        <p:cTn id="1" dur="indefinite" restart="never" nodeType="tmRoot">
-          <p:childTnLst>
-            <p:seq concurrent="1" nextAc="seek">
-              <p:cTn id="2" dur="indefinite" nodeType="mainSeq">
-                <p:childTnLst>
-                  <p:par>
-                    <p:cTn id="3" fill="hold">
-                      <p:stCondLst>
-                        <p:cond delay="indefinite"/>
-                        <p:cond evt="onBegin" delay="0">
-                          <p:tn val="2"/>
-                        </p:cond>
-                      </p:stCondLst>
-                      <p:childTnLst>
-                        <p:par>
-                          <p:cTn id="4" fill="hold">
-                            <p:stCondLst>
-                              <p:cond delay="0"/>
-                            </p:stCondLst>
-                            <p:childTnLst>
-                              <p:par>
-                                <p:cTn id="5" presetID="10" presetClass="entr" presetSubtype="0" fill="hold" grpId="0" nodeType="withEffect">
-                                  <p:stCondLst>
-                                    <p:cond delay="0"/>
-                                  </p:stCondLst>
-                                  <p:childTnLst>
-                                    <p:set>
-                                      <p:cBhvr>
-                                        <p:cTn id="6" dur="1" fill="hold">
-                                          <p:stCondLst>
-                                            <p:cond delay="0"/>
-                                          </p:stCondLst>
-                                        </p:cTn>
-                                        <p:tgtEl>
-                                          <p:spTgt spid="2"/>
-                                        </p:tgtEl>
-                                        <p:attrNameLst>
-                                          <p:attrName>style.visibility</p:attrName>
-                                        </p:attrNameLst>
-                                      </p:cBhvr>
-                                      <p:to>
-                                        <p:strVal val="visible"/>
-                                      </p:to>
-                                    </p:set>
-                                    <p:animEffect transition="in" filter="fade">
-                                      <p:cBhvr>
-                                        <p:cTn id="7" dur="500"/>
-                                        <p:tgtEl>
-                                          <p:spTgt spid="2"/>
-                                        </p:tgtEl>
-                                      </p:cBhvr>
-                                    </p:animEffect>
-                                  </p:childTnLst>
-                                </p:cTn>
-                              </p:par>
-                            </p:childTnLst>
-                          </p:cTn>
-                        </p:par>
-                      </p:childTnLst>
-                    </p:cTn>
-                  </p:par>
-                  <p:par>
-                    <p:cTn id="8" fill="hold">
-                      <p:stCondLst>
-                        <p:cond delay="indefinite"/>
-                      </p:stCondLst>
-                      <p:childTnLst>
-                        <p:par>
-                          <p:cTn id="9" fill="hold">
-                            <p:stCondLst>
-                              <p:cond delay="0"/>
-                            </p:stCondLst>
-                            <p:childTnLst>
-                              <p:par>
-                                <p:cTn id="10" presetID="10" presetClass="entr" presetSubtype="0" fill="hold" nodeType="clickEffect">
-                                  <p:stCondLst>
-                                    <p:cond delay="0"/>
-                                  </p:stCondLst>
-                                  <p:childTnLst>
-                                    <p:set>
-                                      <p:cBhvr>
-                                        <p:cTn id="11" dur="1" fill="hold">
-                                          <p:stCondLst>
-                                            <p:cond delay="0"/>
-                                          </p:stCondLst>
-                                        </p:cTn>
-                                        <p:tgtEl>
-                                          <p:spTgt spid="5"/>
-                                        </p:tgtEl>
-                                        <p:attrNameLst>
-                                          <p:attrName>style.visibility</p:attrName>
-                                        </p:attrNameLst>
-                                      </p:cBhvr>
-                                      <p:to>
-                                        <p:strVal val="visible"/>
-                                      </p:to>
-                                    </p:set>
-                                    <p:animEffect transition="in" filter="fade">
-                                      <p:cBhvr>
-                                        <p:cTn id="12" dur="500"/>
-                                        <p:tgtEl>
-                                          <p:spTgt spid="5"/>
-                                        </p:tgtEl>
-                                      </p:cBhvr>
-                                    </p:animEffect>
-                                  </p:childTnLst>
-                                </p:cTn>
-                              </p:par>
-                            </p:childTnLst>
-                          </p:cTn>
-                        </p:par>
-                      </p:childTnLst>
-                    </p:cTn>
-                  </p:par>
-                </p:childTnLst>
-              </p:cTn>
-              <p:prevCondLst>
-                <p:cond evt="onPrev" delay="0">
-                  <p:tgtEl>
-                    <p:sldTgt/>
-                  </p:tgtEl>
-                </p:cond>
-              </p:prevCondLst>
-              <p:nextCondLst>
-                <p:cond evt="onNext" delay="0">
-                  <p:tgtEl>
-                    <p:sldTgt/>
-                  </p:tgtEl>
-                </p:cond>
-              </p:nextCondLst>
-            </p:seq>
-          </p:childTnLst>
-        </p:cTn>
-      </p:par>
-    </p:tnLst>
-    <p:bldLst>
-      <p:bldP spid="2" grpId="0"/>
-    </p:bldLst>
-  </p:timing>
-</p:sld>
-</file>
-
-<file path=ppt/slides/slide36.xml><?xml version="1.0" encoding="utf-8"?>
-<p:sld xmlns:a="http://schemas.openxmlformats.org/drawingml/2006/main" xmlns:r="http://schemas.openxmlformats.org/officeDocument/2006/relationships" xmlns:p="http://schemas.openxmlformats.org/presentationml/2006/main">
-  <p:cSld>
-    <p:spTree>
-      <p:nvGrpSpPr>
-        <p:cNvPr id="1" name=""/>
-        <p:cNvGrpSpPr/>
-        <p:nvPr/>
-      </p:nvGrpSpPr>
-      <p:grpSpPr>
-        <a:xfrm>
-          <a:off x="0" y="0"/>
-          <a:ext cx="0" cy="0"/>
-          <a:chOff x="0" y="0"/>
-          <a:chExt cx="0" cy="0"/>
-        </a:xfrm>
-      </p:grpSpPr>
-      <p:sp>
-        <p:nvSpPr>
-          <p:cNvPr id="2" name="标题 1">
-            <a:extLst>
-              <a:ext uri="{FF2B5EF4-FFF2-40B4-BE49-F238E27FC236}">
-                <a16:creationId xmlns:a16="http://schemas.microsoft.com/office/drawing/2014/main" id="{3A01834E-07D2-448B-96F8-CEB0BBEBEAA2}"/>
-              </a:ext>
-            </a:extLst>
-          </p:cNvPr>
-          <p:cNvSpPr>
-            <a:spLocks noGrp="1"/>
-          </p:cNvSpPr>
-          <p:nvPr>
-            <p:ph type="title"/>
-          </p:nvPr>
-        </p:nvSpPr>
-        <p:spPr>
-          <a:xfrm>
-            <a:off x="838200" y="365125"/>
-            <a:ext cx="10515600" cy="1325563"/>
-          </a:xfrm>
-        </p:spPr>
-        <p:txBody>
-          <a:bodyPr/>
-          <a:lstStyle/>
-          <a:p>
-            <a:r>
-              <a:rPr lang="zh-CN" altLang="en-US" dirty="0"/>
-              <a:t>动态展示</a:t>
-            </a:r>
-            <a:r>
-              <a:rPr lang="en-US" altLang="zh-CN" dirty="0"/>
-              <a:t>-</a:t>
-            </a:r>
-            <a:r>
-              <a:rPr lang="en-US" altLang="zh-CN" dirty="0" err="1"/>
-              <a:t>super_block</a:t>
-            </a:r>
-            <a:endParaRPr lang="zh-CN" altLang="en-US" dirty="0"/>
-          </a:p>
-        </p:txBody>
-      </p:sp>
-      <p:pic>
-        <p:nvPicPr>
-          <p:cNvPr id="6" name="内容占位符 5">
-            <a:extLst>
-              <a:ext uri="{FF2B5EF4-FFF2-40B4-BE49-F238E27FC236}">
-                <a16:creationId xmlns:a16="http://schemas.microsoft.com/office/drawing/2014/main" id="{F09A0BC1-80EB-43F8-BFF6-B601CD3B5246}"/>
-              </a:ext>
-            </a:extLst>
-          </p:cNvPr>
-          <p:cNvPicPr>
-            <a:picLocks noGrp="1" noChangeAspect="1"/>
-          </p:cNvPicPr>
-          <p:nvPr>
-            <p:ph idx="1"/>
-          </p:nvPr>
-        </p:nvPicPr>
-        <p:blipFill>
-          <a:blip r:embed="rId3"/>
-          <a:stretch>
-            <a:fillRect/>
-          </a:stretch>
-        </p:blipFill>
-        <p:spPr>
-          <a:xfrm>
-            <a:off x="3634526" y="2168525"/>
-            <a:ext cx="4922947" cy="3665538"/>
-          </a:xfrm>
-          <a:prstGeom prst="rect">
-            <a:avLst/>
-          </a:prstGeom>
-        </p:spPr>
-      </p:pic>
-    </p:spTree>
-    <p:extLst>
-      <p:ext uri="{BB962C8B-B14F-4D97-AF65-F5344CB8AC3E}">
-        <p14:creationId xmlns:p14="http://schemas.microsoft.com/office/powerpoint/2010/main" val="769409378"/>
-      </p:ext>
-    </p:extLst>
-  </p:cSld>
-  <p:clrMapOvr>
-    <a:masterClrMapping/>
-  </p:clrMapOvr>
-  <p:timing>
-    <p:tnLst>
-      <p:par>
-        <p:cTn id="1" dur="indefinite" restart="never" nodeType="tmRoot">
-          <p:childTnLst>
-            <p:seq concurrent="1" nextAc="seek">
-              <p:cTn id="2" dur="indefinite" nodeType="mainSeq">
-                <p:childTnLst>
-                  <p:par>
-                    <p:cTn id="3" fill="hold">
-                      <p:stCondLst>
-                        <p:cond delay="indefinite"/>
-                        <p:cond evt="onBegin" delay="0">
-                          <p:tn val="2"/>
-                        </p:cond>
-                      </p:stCondLst>
-                      <p:childTnLst>
-                        <p:par>
-                          <p:cTn id="4" fill="hold">
-                            <p:stCondLst>
-                              <p:cond delay="0"/>
-                            </p:stCondLst>
-                            <p:childTnLst>
-                              <p:par>
-                                <p:cTn id="5" presetID="10" presetClass="entr" presetSubtype="0" fill="hold" grpId="0" nodeType="withEffect">
-                                  <p:stCondLst>
-                                    <p:cond delay="0"/>
-                                  </p:stCondLst>
-                                  <p:childTnLst>
-                                    <p:set>
-                                      <p:cBhvr>
-                                        <p:cTn id="6" dur="1" fill="hold">
-                                          <p:stCondLst>
-                                            <p:cond delay="0"/>
-                                          </p:stCondLst>
-                                        </p:cTn>
-                                        <p:tgtEl>
-                                          <p:spTgt spid="2"/>
-                                        </p:tgtEl>
-                                        <p:attrNameLst>
-                                          <p:attrName>style.visibility</p:attrName>
-                                        </p:attrNameLst>
-                                      </p:cBhvr>
-                                      <p:to>
-                                        <p:strVal val="visible"/>
-                                      </p:to>
-                                    </p:set>
-                                    <p:animEffect transition="in" filter="fade">
-                                      <p:cBhvr>
-                                        <p:cTn id="7" dur="500"/>
-                                        <p:tgtEl>
-                                          <p:spTgt spid="2"/>
-                                        </p:tgtEl>
-                                      </p:cBhvr>
-                                    </p:animEffect>
-                                  </p:childTnLst>
-                                </p:cTn>
-                              </p:par>
-                            </p:childTnLst>
-                          </p:cTn>
-                        </p:par>
-                      </p:childTnLst>
-                    </p:cTn>
-                  </p:par>
-                  <p:par>
-                    <p:cTn id="8" fill="hold">
-                      <p:stCondLst>
-                        <p:cond delay="indefinite"/>
-                      </p:stCondLst>
-                      <p:childTnLst>
-                        <p:par>
-                          <p:cTn id="9" fill="hold">
-                            <p:stCondLst>
-                              <p:cond delay="0"/>
-                            </p:stCondLst>
-                            <p:childTnLst>
-                              <p:par>
-                                <p:cTn id="10" presetID="10" presetClass="entr" presetSubtype="0" fill="hold" nodeType="clickEffect">
-                                  <p:stCondLst>
-                                    <p:cond delay="0"/>
-                                  </p:stCondLst>
-                                  <p:childTnLst>
-                                    <p:set>
-                                      <p:cBhvr>
-                                        <p:cTn id="11" dur="1" fill="hold">
-                                          <p:stCondLst>
-                                            <p:cond delay="0"/>
-                                          </p:stCondLst>
-                                        </p:cTn>
-                                        <p:tgtEl>
-                                          <p:spTgt spid="6"/>
-                                        </p:tgtEl>
-                                        <p:attrNameLst>
-                                          <p:attrName>style.visibility</p:attrName>
-                                        </p:attrNameLst>
-                                      </p:cBhvr>
-                                      <p:to>
-                                        <p:strVal val="visible"/>
-                                      </p:to>
-                                    </p:set>
-                                    <p:animEffect transition="in" filter="fade">
-                                      <p:cBhvr>
-                                        <p:cTn id="12" dur="500"/>
-                                        <p:tgtEl>
-                                          <p:spTgt spid="6"/>
-                                        </p:tgtEl>
-                                      </p:cBhvr>
-                                    </p:animEffect>
-                                  </p:childTnLst>
-                                </p:cTn>
-                              </p:par>
-                            </p:childTnLst>
-                          </p:cTn>
-                        </p:par>
-                      </p:childTnLst>
-                    </p:cTn>
-                  </p:par>
-                </p:childTnLst>
-              </p:cTn>
-              <p:prevCondLst>
-                <p:cond evt="onPrev" delay="0">
-                  <p:tgtEl>
-                    <p:sldTgt/>
-                  </p:tgtEl>
-                </p:cond>
-              </p:prevCondLst>
-              <p:nextCondLst>
-                <p:cond evt="onNext" delay="0">
-                  <p:tgtEl>
-                    <p:sldTgt/>
-                  </p:tgtEl>
-                </p:cond>
-              </p:nextCondLst>
-            </p:seq>
-          </p:childTnLst>
-        </p:cTn>
-      </p:par>
-    </p:tnLst>
-    <p:bldLst>
-      <p:bldP spid="2" grpId="0"/>
-    </p:bldLst>
-  </p:timing>
-</p:sld>
-</file>
-
-<file path=ppt/slides/slide37.xml><?xml version="1.0" encoding="utf-8"?>
-<p:sld xmlns:a="http://schemas.openxmlformats.org/drawingml/2006/main" xmlns:r="http://schemas.openxmlformats.org/officeDocument/2006/relationships" xmlns:p="http://schemas.openxmlformats.org/presentationml/2006/main">
-  <p:cSld>
-    <p:spTree>
-      <p:nvGrpSpPr>
-        <p:cNvPr id="1" name=""/>
-        <p:cNvGrpSpPr/>
-        <p:nvPr/>
-      </p:nvGrpSpPr>
-      <p:grpSpPr>
-        <a:xfrm>
-          <a:off x="0" y="0"/>
-          <a:ext cx="0" cy="0"/>
-          <a:chOff x="0" y="0"/>
-          <a:chExt cx="0" cy="0"/>
-        </a:xfrm>
-      </p:grpSpPr>
-      <p:sp>
-        <p:nvSpPr>
-          <p:cNvPr id="2" name="标题 1">
-            <a:extLst>
-              <a:ext uri="{FF2B5EF4-FFF2-40B4-BE49-F238E27FC236}">
-                <a16:creationId xmlns:a16="http://schemas.microsoft.com/office/drawing/2014/main" id="{3A01834E-07D2-448B-96F8-CEB0BBEBEAA2}"/>
-              </a:ext>
-            </a:extLst>
-          </p:cNvPr>
-          <p:cNvSpPr>
-            <a:spLocks noGrp="1"/>
-          </p:cNvSpPr>
-          <p:nvPr>
-            <p:ph type="title"/>
-          </p:nvPr>
-        </p:nvSpPr>
-        <p:spPr>
-          <a:xfrm>
-            <a:off x="838200" y="365125"/>
-            <a:ext cx="10515600" cy="1325563"/>
-          </a:xfrm>
-        </p:spPr>
-        <p:txBody>
-          <a:bodyPr/>
-          <a:lstStyle/>
-          <a:p>
-            <a:r>
-              <a:rPr lang="zh-CN" altLang="en-US" dirty="0"/>
-              <a:t>动态展示</a:t>
-            </a:r>
-            <a:r>
-              <a:rPr lang="en-US" altLang="zh-CN" dirty="0"/>
-              <a:t>-</a:t>
-            </a:r>
-            <a:r>
-              <a:rPr lang="en-US" altLang="zh-CN" dirty="0" err="1"/>
-              <a:t>empty_inode</a:t>
-            </a:r>
-            <a:endParaRPr lang="zh-CN" altLang="en-US" dirty="0"/>
-          </a:p>
-        </p:txBody>
-      </p:sp>
-      <p:pic>
-        <p:nvPicPr>
-          <p:cNvPr id="5" name="内容占位符 4">
-            <a:extLst>
-              <a:ext uri="{FF2B5EF4-FFF2-40B4-BE49-F238E27FC236}">
-                <a16:creationId xmlns:a16="http://schemas.microsoft.com/office/drawing/2014/main" id="{FB44C666-5AF4-4A6C-8C70-47C1A5E8C349}"/>
-              </a:ext>
-            </a:extLst>
-          </p:cNvPr>
-          <p:cNvPicPr>
-            <a:picLocks noGrp="1" noChangeAspect="1"/>
-          </p:cNvPicPr>
-          <p:nvPr>
-            <p:ph idx="1"/>
-          </p:nvPr>
-        </p:nvPicPr>
-        <p:blipFill>
-          <a:blip r:embed="rId3"/>
-          <a:stretch>
-            <a:fillRect/>
-          </a:stretch>
-        </p:blipFill>
-        <p:spPr>
-          <a:xfrm>
-            <a:off x="4332022" y="1825625"/>
-            <a:ext cx="3527956" cy="4351338"/>
-          </a:xfrm>
-          <a:prstGeom prst="rect">
-            <a:avLst/>
-          </a:prstGeom>
-        </p:spPr>
-      </p:pic>
-    </p:spTree>
-    <p:extLst>
-      <p:ext uri="{BB962C8B-B14F-4D97-AF65-F5344CB8AC3E}">
-        <p14:creationId xmlns:p14="http://schemas.microsoft.com/office/powerpoint/2010/main" val="3209590428"/>
-      </p:ext>
-    </p:extLst>
-  </p:cSld>
-  <p:clrMapOvr>
-    <a:masterClrMapping/>
-  </p:clrMapOvr>
-  <p:timing>
-    <p:tnLst>
-      <p:par>
-        <p:cTn id="1" dur="indefinite" restart="never" nodeType="tmRoot">
-          <p:childTnLst>
-            <p:seq concurrent="1" nextAc="seek">
-              <p:cTn id="2" dur="indefinite" nodeType="mainSeq">
-                <p:childTnLst>
-                  <p:par>
-                    <p:cTn id="3" fill="hold">
-                      <p:stCondLst>
-                        <p:cond delay="indefinite"/>
-                        <p:cond evt="onBegin" delay="0">
-                          <p:tn val="2"/>
-                        </p:cond>
-                      </p:stCondLst>
-                      <p:childTnLst>
-                        <p:par>
-                          <p:cTn id="4" fill="hold">
-                            <p:stCondLst>
-                              <p:cond delay="0"/>
-                            </p:stCondLst>
-                            <p:childTnLst>
-                              <p:par>
-                                <p:cTn id="5" presetID="10" presetClass="entr" presetSubtype="0" fill="hold" grpId="0" nodeType="withEffect">
-                                  <p:stCondLst>
-                                    <p:cond delay="0"/>
-                                  </p:stCondLst>
-                                  <p:childTnLst>
-                                    <p:set>
-                                      <p:cBhvr>
-                                        <p:cTn id="6" dur="1" fill="hold">
-                                          <p:stCondLst>
-                                            <p:cond delay="0"/>
-                                          </p:stCondLst>
-                                        </p:cTn>
-                                        <p:tgtEl>
-                                          <p:spTgt spid="2"/>
-                                        </p:tgtEl>
-                                        <p:attrNameLst>
-                                          <p:attrName>style.visibility</p:attrName>
-                                        </p:attrNameLst>
-                                      </p:cBhvr>
-                                      <p:to>
-                                        <p:strVal val="visible"/>
-                                      </p:to>
-                                    </p:set>
-                                    <p:animEffect transition="in" filter="fade">
-                                      <p:cBhvr>
-                                        <p:cTn id="7" dur="500"/>
-                                        <p:tgtEl>
-                                          <p:spTgt spid="2"/>
-                                        </p:tgtEl>
-                                      </p:cBhvr>
-                                    </p:animEffect>
-                                  </p:childTnLst>
-                                </p:cTn>
-                              </p:par>
-                            </p:childTnLst>
-                          </p:cTn>
-                        </p:par>
-                      </p:childTnLst>
-                    </p:cTn>
-                  </p:par>
-                  <p:par>
-                    <p:cTn id="8" fill="hold">
-                      <p:stCondLst>
-                        <p:cond delay="indefinite"/>
-                      </p:stCondLst>
-                      <p:childTnLst>
-                        <p:par>
-                          <p:cTn id="9" fill="hold">
-                            <p:stCondLst>
-                              <p:cond delay="0"/>
-                            </p:stCondLst>
-                            <p:childTnLst>
-                              <p:par>
-                                <p:cTn id="10" presetID="10" presetClass="entr" presetSubtype="0" fill="hold" nodeType="clickEffect">
-                                  <p:stCondLst>
-                                    <p:cond delay="0"/>
-                                  </p:stCondLst>
-                                  <p:childTnLst>
-                                    <p:set>
-                                      <p:cBhvr>
-                                        <p:cTn id="11" dur="1" fill="hold">
-                                          <p:stCondLst>
-                                            <p:cond delay="0"/>
-                                          </p:stCondLst>
-                                        </p:cTn>
-                                        <p:tgtEl>
-                                          <p:spTgt spid="5"/>
-                                        </p:tgtEl>
-                                        <p:attrNameLst>
-                                          <p:attrName>style.visibility</p:attrName>
-                                        </p:attrNameLst>
-                                      </p:cBhvr>
-                                      <p:to>
-                                        <p:strVal val="visible"/>
-                                      </p:to>
-                                    </p:set>
-                                    <p:animEffect transition="in" filter="fade">
-                                      <p:cBhvr>
-                                        <p:cTn id="12" dur="500"/>
-                                        <p:tgtEl>
-                                          <p:spTgt spid="5"/>
-                                        </p:tgtEl>
-                                      </p:cBhvr>
-                                    </p:animEffect>
-                                  </p:childTnLst>
-                                </p:cTn>
-                              </p:par>
-                            </p:childTnLst>
-                          </p:cTn>
-                        </p:par>
-                      </p:childTnLst>
-                    </p:cTn>
-                  </p:par>
-                </p:childTnLst>
-              </p:cTn>
-              <p:prevCondLst>
-                <p:cond evt="onPrev" delay="0">
-                  <p:tgtEl>
-                    <p:sldTgt/>
-                  </p:tgtEl>
-                </p:cond>
-              </p:prevCondLst>
-              <p:nextCondLst>
-                <p:cond evt="onNext" delay="0">
-                  <p:tgtEl>
-                    <p:sldTgt/>
-                  </p:tgtEl>
-                </p:cond>
-              </p:nextCondLst>
-            </p:seq>
-          </p:childTnLst>
-        </p:cTn>
-      </p:par>
-    </p:tnLst>
-    <p:bldLst>
-      <p:bldP spid="2" grpId="0"/>
-    </p:bldLst>
-  </p:timing>
-</p:sld>
-</file>
-
-<file path=ppt/slides/slide38.xml><?xml version="1.0" encoding="utf-8"?>
-<p:sld xmlns:a="http://schemas.openxmlformats.org/drawingml/2006/main" xmlns:r="http://schemas.openxmlformats.org/officeDocument/2006/relationships" xmlns:p="http://schemas.openxmlformats.org/presentationml/2006/main">
-  <p:cSld>
-    <p:spTree>
-      <p:nvGrpSpPr>
-        <p:cNvPr id="1" name=""/>
-        <p:cNvGrpSpPr/>
-        <p:nvPr/>
-      </p:nvGrpSpPr>
-      <p:grpSpPr>
-        <a:xfrm>
-          <a:off x="0" y="0"/>
-          <a:ext cx="0" cy="0"/>
-          <a:chOff x="0" y="0"/>
-          <a:chExt cx="0" cy="0"/>
-        </a:xfrm>
-      </p:grpSpPr>
-      <p:sp>
-        <p:nvSpPr>
-          <p:cNvPr id="2" name="标题 1">
-            <a:extLst>
-              <a:ext uri="{FF2B5EF4-FFF2-40B4-BE49-F238E27FC236}">
-                <a16:creationId xmlns:a16="http://schemas.microsoft.com/office/drawing/2014/main" id="{3A01834E-07D2-448B-96F8-CEB0BBEBEAA2}"/>
-              </a:ext>
-            </a:extLst>
-          </p:cNvPr>
-          <p:cNvSpPr>
-            <a:spLocks noGrp="1"/>
-          </p:cNvSpPr>
-          <p:nvPr>
-            <p:ph type="title"/>
-          </p:nvPr>
-        </p:nvSpPr>
-        <p:spPr>
-          <a:xfrm>
-            <a:off x="838200" y="365125"/>
-            <a:ext cx="10515600" cy="1325563"/>
-          </a:xfrm>
-        </p:spPr>
-        <p:txBody>
-          <a:bodyPr/>
-          <a:lstStyle/>
-          <a:p>
-            <a:r>
-              <a:rPr lang="zh-CN" altLang="en-US" dirty="0"/>
-              <a:t>动态展示</a:t>
-            </a:r>
-            <a:r>
-              <a:rPr lang="en-US" altLang="zh-CN" dirty="0"/>
-              <a:t>-</a:t>
-            </a:r>
-            <a:r>
-              <a:rPr lang="en-US" altLang="zh-CN" dirty="0" err="1"/>
-              <a:t>new_inode</a:t>
-            </a:r>
-            <a:endParaRPr lang="zh-CN" altLang="en-US" dirty="0"/>
-          </a:p>
-        </p:txBody>
-      </p:sp>
-      <p:pic>
-        <p:nvPicPr>
-          <p:cNvPr id="6" name="内容占位符 5">
-            <a:extLst>
-              <a:ext uri="{FF2B5EF4-FFF2-40B4-BE49-F238E27FC236}">
-                <a16:creationId xmlns:a16="http://schemas.microsoft.com/office/drawing/2014/main" id="{DBE9D899-501E-4B04-9538-339BA723A569}"/>
-              </a:ext>
-            </a:extLst>
-          </p:cNvPr>
-          <p:cNvPicPr>
-            <a:picLocks noGrp="1" noChangeAspect="1"/>
-          </p:cNvPicPr>
-          <p:nvPr>
-            <p:ph idx="1"/>
-          </p:nvPr>
-        </p:nvPicPr>
-        <p:blipFill>
-          <a:blip r:embed="rId3"/>
-          <a:stretch>
-            <a:fillRect/>
-          </a:stretch>
-        </p:blipFill>
-        <p:spPr>
-          <a:xfrm>
-            <a:off x="4119286" y="1825625"/>
-            <a:ext cx="3953428" cy="4351338"/>
-          </a:xfrm>
-          <a:prstGeom prst="rect">
-            <a:avLst/>
-          </a:prstGeom>
-        </p:spPr>
-      </p:pic>
-    </p:spTree>
-    <p:extLst>
-      <p:ext uri="{BB962C8B-B14F-4D97-AF65-F5344CB8AC3E}">
-        <p14:creationId xmlns:p14="http://schemas.microsoft.com/office/powerpoint/2010/main" val="3732695811"/>
-      </p:ext>
-    </p:extLst>
-  </p:cSld>
-  <p:clrMapOvr>
-    <a:masterClrMapping/>
-  </p:clrMapOvr>
-  <p:timing>
-    <p:tnLst>
-      <p:par>
-        <p:cTn id="1" dur="indefinite" restart="never" nodeType="tmRoot">
-          <p:childTnLst>
-            <p:seq concurrent="1" nextAc="seek">
-              <p:cTn id="2" dur="indefinite" nodeType="mainSeq">
-                <p:childTnLst>
-                  <p:par>
-                    <p:cTn id="3" fill="hold">
-                      <p:stCondLst>
-                        <p:cond delay="indefinite"/>
-                        <p:cond evt="onBegin" delay="0">
-                          <p:tn val="2"/>
-                        </p:cond>
-                      </p:stCondLst>
-                      <p:childTnLst>
-                        <p:par>
-                          <p:cTn id="4" fill="hold">
-                            <p:stCondLst>
-                              <p:cond delay="0"/>
-                            </p:stCondLst>
-                            <p:childTnLst>
-                              <p:par>
-                                <p:cTn id="5" presetID="10" presetClass="entr" presetSubtype="0" fill="hold" grpId="0" nodeType="withEffect">
-                                  <p:stCondLst>
-                                    <p:cond delay="0"/>
-                                  </p:stCondLst>
-                                  <p:childTnLst>
-                                    <p:set>
-                                      <p:cBhvr>
-                                        <p:cTn id="6" dur="1" fill="hold">
-                                          <p:stCondLst>
-                                            <p:cond delay="0"/>
-                                          </p:stCondLst>
-                                        </p:cTn>
-                                        <p:tgtEl>
-                                          <p:spTgt spid="2"/>
-                                        </p:tgtEl>
-                                        <p:attrNameLst>
-                                          <p:attrName>style.visibility</p:attrName>
-                                        </p:attrNameLst>
-                                      </p:cBhvr>
-                                      <p:to>
-                                        <p:strVal val="visible"/>
-                                      </p:to>
-                                    </p:set>
-                                    <p:animEffect transition="in" filter="fade">
-                                      <p:cBhvr>
-                                        <p:cTn id="7" dur="500"/>
-                                        <p:tgtEl>
-                                          <p:spTgt spid="2"/>
-                                        </p:tgtEl>
-                                      </p:cBhvr>
-                                    </p:animEffect>
-                                  </p:childTnLst>
-                                </p:cTn>
-                              </p:par>
-                            </p:childTnLst>
-                          </p:cTn>
-                        </p:par>
-                      </p:childTnLst>
-                    </p:cTn>
-                  </p:par>
-                  <p:par>
-                    <p:cTn id="8" fill="hold">
-                      <p:stCondLst>
-                        <p:cond delay="indefinite"/>
-                      </p:stCondLst>
-                      <p:childTnLst>
-                        <p:par>
-                          <p:cTn id="9" fill="hold">
-                            <p:stCondLst>
-                              <p:cond delay="0"/>
-                            </p:stCondLst>
-                            <p:childTnLst>
-                              <p:par>
-                                <p:cTn id="10" presetID="10" presetClass="entr" presetSubtype="0" fill="hold" nodeType="clickEffect">
-                                  <p:stCondLst>
-                                    <p:cond delay="0"/>
-                                  </p:stCondLst>
-                                  <p:childTnLst>
-                                    <p:set>
-                                      <p:cBhvr>
-                                        <p:cTn id="11" dur="1" fill="hold">
-                                          <p:stCondLst>
-                                            <p:cond delay="0"/>
-                                          </p:stCondLst>
-                                        </p:cTn>
-                                        <p:tgtEl>
-                                          <p:spTgt spid="6"/>
-                                        </p:tgtEl>
-                                        <p:attrNameLst>
-                                          <p:attrName>style.visibility</p:attrName>
-                                        </p:attrNameLst>
-                                      </p:cBhvr>
-                                      <p:to>
-                                        <p:strVal val="visible"/>
-                                      </p:to>
-                                    </p:set>
-                                    <p:animEffect transition="in" filter="fade">
-                                      <p:cBhvr>
-                                        <p:cTn id="12" dur="500"/>
-                                        <p:tgtEl>
-                                          <p:spTgt spid="6"/>
-                                        </p:tgtEl>
-                                      </p:cBhvr>
-                                    </p:animEffect>
-                                  </p:childTnLst>
-                                </p:cTn>
-                              </p:par>
-                            </p:childTnLst>
-                          </p:cTn>
-                        </p:par>
-                      </p:childTnLst>
-                    </p:cTn>
-                  </p:par>
-                </p:childTnLst>
-              </p:cTn>
-              <p:prevCondLst>
-                <p:cond evt="onPrev" delay="0">
-                  <p:tgtEl>
-                    <p:sldTgt/>
-                  </p:tgtEl>
-                </p:cond>
-              </p:prevCondLst>
-              <p:nextCondLst>
-                <p:cond evt="onNext" delay="0">
-                  <p:tgtEl>
-                    <p:sldTgt/>
-                  </p:tgtEl>
-                </p:cond>
-              </p:nextCondLst>
-            </p:seq>
-          </p:childTnLst>
-        </p:cTn>
-      </p:par>
-    </p:tnLst>
-    <p:bldLst>
-      <p:bldP spid="2" grpId="0"/>
-    </p:bldLst>
-  </p:timing>
-</p:sld>
-</file>
-
-<file path=ppt/slides/slide39.xml><?xml version="1.0" encoding="utf-8"?>
+<file path=ppt/slides/slide40.xml><?xml version="1.0" encoding="utf-8"?>
 <p:sld xmlns:a="http://schemas.openxmlformats.org/drawingml/2006/main" xmlns:r="http://schemas.openxmlformats.org/officeDocument/2006/relationships" xmlns:p="http://schemas.openxmlformats.org/presentationml/2006/main">
   <p:cSld>
     <p:spTree>
@@ -13415,252 +13936,7 @@
 </p:sld>
 </file>
 
-<file path=ppt/slides/slide4.xml><?xml version="1.0" encoding="utf-8"?>
-<p:sld xmlns:a="http://schemas.openxmlformats.org/drawingml/2006/main" xmlns:r="http://schemas.openxmlformats.org/officeDocument/2006/relationships" xmlns:p="http://schemas.openxmlformats.org/presentationml/2006/main">
-  <p:cSld>
-    <p:spTree>
-      <p:nvGrpSpPr>
-        <p:cNvPr id="1" name=""/>
-        <p:cNvGrpSpPr/>
-        <p:nvPr/>
-      </p:nvGrpSpPr>
-      <p:grpSpPr>
-        <a:xfrm>
-          <a:off x="0" y="0"/>
-          <a:ext cx="0" cy="0"/>
-          <a:chOff x="0" y="0"/>
-          <a:chExt cx="0" cy="0"/>
-        </a:xfrm>
-      </p:grpSpPr>
-      <p:sp>
-        <p:nvSpPr>
-          <p:cNvPr id="2" name="标题 1">
-            <a:extLst>
-              <a:ext uri="{FF2B5EF4-FFF2-40B4-BE49-F238E27FC236}">
-                <a16:creationId xmlns:a16="http://schemas.microsoft.com/office/drawing/2014/main" id="{3A01834E-07D2-448B-96F8-CEB0BBEBEAA2}"/>
-              </a:ext>
-            </a:extLst>
-          </p:cNvPr>
-          <p:cNvSpPr>
-            <a:spLocks noGrp="1"/>
-          </p:cNvSpPr>
-          <p:nvPr>
-            <p:ph type="title"/>
-          </p:nvPr>
-        </p:nvSpPr>
-        <p:spPr>
-          <a:xfrm>
-            <a:off x="838200" y="365125"/>
-            <a:ext cx="10515600" cy="1325563"/>
-          </a:xfrm>
-        </p:spPr>
-        <p:txBody>
-          <a:bodyPr/>
-          <a:lstStyle/>
-          <a:p>
-            <a:r>
-              <a:rPr lang="zh-CN" altLang="en-US" dirty="0"/>
-              <a:t>文件系统</a:t>
-            </a:r>
-            <a:r>
-              <a:rPr lang="en-US" altLang="zh-CN" dirty="0"/>
-              <a:t> hdc-0.11.img</a:t>
-            </a:r>
-            <a:endParaRPr lang="zh-CN" altLang="en-US" dirty="0"/>
-          </a:p>
-        </p:txBody>
-      </p:sp>
-      <p:pic>
-        <p:nvPicPr>
-          <p:cNvPr id="5" name="内容占位符 4">
-            <a:extLst>
-              <a:ext uri="{FF2B5EF4-FFF2-40B4-BE49-F238E27FC236}">
-                <a16:creationId xmlns:a16="http://schemas.microsoft.com/office/drawing/2014/main" id="{5C864220-035F-43C4-8101-EC2D7DAE6BE8}"/>
-              </a:ext>
-            </a:extLst>
-          </p:cNvPr>
-          <p:cNvPicPr>
-            <a:picLocks noGrp="1" noChangeAspect="1"/>
-          </p:cNvPicPr>
-          <p:nvPr>
-            <p:ph idx="1"/>
-          </p:nvPr>
-        </p:nvPicPr>
-        <p:blipFill>
-          <a:blip r:embed="rId3">
-            <a:extLst>
-              <a:ext uri="{28A0092B-C50C-407E-A947-70E740481C1C}">
-                <a14:useLocalDpi xmlns:a14="http://schemas.microsoft.com/office/drawing/2010/main" val="0"/>
-              </a:ext>
-            </a:extLst>
-          </a:blip>
-          <a:stretch>
-            <a:fillRect/>
-          </a:stretch>
-        </p:blipFill>
-        <p:spPr>
-          <a:xfrm>
-            <a:off x="2600325" y="2648744"/>
-            <a:ext cx="6991350" cy="2705100"/>
-          </a:xfrm>
-        </p:spPr>
-      </p:pic>
-    </p:spTree>
-    <p:extLst>
-      <p:ext uri="{BB962C8B-B14F-4D97-AF65-F5344CB8AC3E}">
-        <p14:creationId xmlns:p14="http://schemas.microsoft.com/office/powerpoint/2010/main" val="3728465773"/>
-      </p:ext>
-    </p:extLst>
-  </p:cSld>
-  <p:clrMapOvr>
-    <a:masterClrMapping/>
-  </p:clrMapOvr>
-  <p:timing>
-    <p:tnLst>
-      <p:par>
-        <p:cTn id="1" dur="indefinite" restart="never" nodeType="tmRoot">
-          <p:childTnLst>
-            <p:seq concurrent="1" nextAc="seek">
-              <p:cTn id="2" dur="indefinite" nodeType="mainSeq">
-                <p:childTnLst>
-                  <p:par>
-                    <p:cTn id="3" fill="hold">
-                      <p:stCondLst>
-                        <p:cond delay="indefinite"/>
-                        <p:cond evt="onBegin" delay="0">
-                          <p:tn val="2"/>
-                        </p:cond>
-                      </p:stCondLst>
-                      <p:childTnLst>
-                        <p:par>
-                          <p:cTn id="4" fill="hold">
-                            <p:stCondLst>
-                              <p:cond delay="0"/>
-                            </p:stCondLst>
-                            <p:childTnLst>
-                              <p:par>
-                                <p:cTn id="5" presetID="10" presetClass="entr" presetSubtype="0" fill="hold" grpId="0" nodeType="withEffect">
-                                  <p:stCondLst>
-                                    <p:cond delay="0"/>
-                                  </p:stCondLst>
-                                  <p:childTnLst>
-                                    <p:set>
-                                      <p:cBhvr>
-                                        <p:cTn id="6" dur="1" fill="hold">
-                                          <p:stCondLst>
-                                            <p:cond delay="0"/>
-                                          </p:stCondLst>
-                                        </p:cTn>
-                                        <p:tgtEl>
-                                          <p:spTgt spid="2"/>
-                                        </p:tgtEl>
-                                        <p:attrNameLst>
-                                          <p:attrName>style.visibility</p:attrName>
-                                        </p:attrNameLst>
-                                      </p:cBhvr>
-                                      <p:to>
-                                        <p:strVal val="visible"/>
-                                      </p:to>
-                                    </p:set>
-                                    <p:animEffect transition="in" filter="fade">
-                                      <p:cBhvr>
-                                        <p:cTn id="7" dur="500"/>
-                                        <p:tgtEl>
-                                          <p:spTgt spid="2"/>
-                                        </p:tgtEl>
-                                      </p:cBhvr>
-                                    </p:animEffect>
-                                  </p:childTnLst>
-                                </p:cTn>
-                              </p:par>
-                            </p:childTnLst>
-                          </p:cTn>
-                        </p:par>
-                      </p:childTnLst>
-                    </p:cTn>
-                  </p:par>
-                  <p:par>
-                    <p:cTn id="8" fill="hold">
-                      <p:stCondLst>
-                        <p:cond delay="indefinite"/>
-                      </p:stCondLst>
-                      <p:childTnLst>
-                        <p:par>
-                          <p:cTn id="9" fill="hold">
-                            <p:stCondLst>
-                              <p:cond delay="0"/>
-                            </p:stCondLst>
-                            <p:childTnLst>
-                              <p:par>
-                                <p:cTn id="10" presetID="10" presetClass="entr" presetSubtype="0" fill="hold" nodeType="clickEffect">
-                                  <p:stCondLst>
-                                    <p:cond delay="0"/>
-                                  </p:stCondLst>
-                                  <p:childTnLst>
-                                    <p:set>
-                                      <p:cBhvr>
-                                        <p:cTn id="11" dur="1" fill="hold">
-                                          <p:stCondLst>
-                                            <p:cond delay="0"/>
-                                          </p:stCondLst>
-                                        </p:cTn>
-                                        <p:tgtEl>
-                                          <p:spTgt spid="5"/>
-                                        </p:tgtEl>
-                                        <p:attrNameLst>
-                                          <p:attrName>style.visibility</p:attrName>
-                                        </p:attrNameLst>
-                                      </p:cBhvr>
-                                      <p:to>
-                                        <p:strVal val="visible"/>
-                                      </p:to>
-                                    </p:set>
-                                    <p:animEffect transition="in" filter="fade">
-                                      <p:cBhvr>
-                                        <p:cTn id="12" dur="500"/>
-                                        <p:tgtEl>
-                                          <p:spTgt spid="5"/>
-                                        </p:tgtEl>
-                                      </p:cBhvr>
-                                    </p:animEffect>
-                                  </p:childTnLst>
-                                </p:cTn>
-                              </p:par>
-                            </p:childTnLst>
-                          </p:cTn>
-                        </p:par>
-                      </p:childTnLst>
-                    </p:cTn>
-                  </p:par>
-                </p:childTnLst>
-              </p:cTn>
-              <p:prevCondLst>
-                <p:cond evt="onPrev" delay="0">
-                  <p:tgtEl>
-                    <p:sldTgt/>
-                  </p:tgtEl>
-                </p:cond>
-              </p:prevCondLst>
-              <p:nextCondLst>
-                <p:cond evt="onNext" delay="0">
-                  <p:tgtEl>
-                    <p:sldTgt/>
-                  </p:tgtEl>
-                </p:cond>
-              </p:nextCondLst>
-            </p:seq>
-          </p:childTnLst>
-        </p:cTn>
-      </p:par>
-    </p:tnLst>
-    <p:bldLst>
-      <p:bldP spid="2" grpId="0"/>
-    </p:bldLst>
-  </p:timing>
-</p:sld>
-</file>
-
-<file path=ppt/slides/slide40.xml><?xml version="1.0" encoding="utf-8"?>
+<file path=ppt/slides/slide41.xml><?xml version="1.0" encoding="utf-8"?>
 <p:sld xmlns:a="http://schemas.openxmlformats.org/drawingml/2006/main" xmlns:r="http://schemas.openxmlformats.org/officeDocument/2006/relationships" xmlns:p="http://schemas.openxmlformats.org/presentationml/2006/main">
   <p:cSld>
     <p:spTree>
@@ -13902,7 +14178,7 @@
 </p:sld>
 </file>
 
-<file path=ppt/slides/slide41.xml><?xml version="1.0" encoding="utf-8"?>
+<file path=ppt/slides/slide42.xml><?xml version="1.0" encoding="utf-8"?>
 <p:sld xmlns:a="http://schemas.openxmlformats.org/drawingml/2006/main" xmlns:r="http://schemas.openxmlformats.org/officeDocument/2006/relationships" xmlns:p="http://schemas.openxmlformats.org/presentationml/2006/main">
   <p:cSld>
     <p:spTree>
@@ -15238,7 +15514,7 @@
 </p:sld>
 </file>
 
-<file path=ppt/slides/slide42.xml><?xml version="1.0" encoding="utf-8"?>
+<file path=ppt/slides/slide43.xml><?xml version="1.0" encoding="utf-8"?>
 <p:sld xmlns:a="http://schemas.openxmlformats.org/drawingml/2006/main" xmlns:r="http://schemas.openxmlformats.org/officeDocument/2006/relationships" xmlns:p="http://schemas.openxmlformats.org/presentationml/2006/main">
   <p:cSld>
     <p:spTree>
@@ -15577,7 +15853,7 @@
 </p:sld>
 </file>
 
-<file path=ppt/slides/slide43.xml><?xml version="1.0" encoding="utf-8"?>
+<file path=ppt/slides/slide44.xml><?xml version="1.0" encoding="utf-8"?>
 <p:sld xmlns:a="http://schemas.openxmlformats.org/drawingml/2006/main" xmlns:r="http://schemas.openxmlformats.org/officeDocument/2006/relationships" xmlns:p="http://schemas.openxmlformats.org/presentationml/2006/main">
   <p:cSld>
     <p:spTree>
@@ -15812,7 +16088,7 @@
 </p:sld>
 </file>
 
-<file path=ppt/slides/slide44.xml><?xml version="1.0" encoding="utf-8"?>
+<file path=ppt/slides/slide45.xml><?xml version="1.0" encoding="utf-8"?>
 <p:sld xmlns:a="http://schemas.openxmlformats.org/drawingml/2006/main" xmlns:r="http://schemas.openxmlformats.org/officeDocument/2006/relationships" xmlns:p="http://schemas.openxmlformats.org/presentationml/2006/main">
   <p:cSld>
     <p:spTree>
@@ -15991,7 +16267,7 @@
 </p:sld>
 </file>
 
-<file path=ppt/slides/slide45.xml><?xml version="1.0" encoding="utf-8"?>
+<file path=ppt/slides/slide46.xml><?xml version="1.0" encoding="utf-8"?>
 <p:sld xmlns:a="http://schemas.openxmlformats.org/drawingml/2006/main" xmlns:r="http://schemas.openxmlformats.org/officeDocument/2006/relationships" xmlns:p="http://schemas.openxmlformats.org/presentationml/2006/main">
   <p:cSld>
     <p:spTree>
@@ -16094,6 +16370,251 @@
 </file>
 
 <file path=ppt/slides/slide5.xml><?xml version="1.0" encoding="utf-8"?>
+<p:sld xmlns:a="http://schemas.openxmlformats.org/drawingml/2006/main" xmlns:r="http://schemas.openxmlformats.org/officeDocument/2006/relationships" xmlns:p="http://schemas.openxmlformats.org/presentationml/2006/main">
+  <p:cSld>
+    <p:spTree>
+      <p:nvGrpSpPr>
+        <p:cNvPr id="1" name=""/>
+        <p:cNvGrpSpPr/>
+        <p:nvPr/>
+      </p:nvGrpSpPr>
+      <p:grpSpPr>
+        <a:xfrm>
+          <a:off x="0" y="0"/>
+          <a:ext cx="0" cy="0"/>
+          <a:chOff x="0" y="0"/>
+          <a:chExt cx="0" cy="0"/>
+        </a:xfrm>
+      </p:grpSpPr>
+      <p:sp>
+        <p:nvSpPr>
+          <p:cNvPr id="2" name="标题 1">
+            <a:extLst>
+              <a:ext uri="{FF2B5EF4-FFF2-40B4-BE49-F238E27FC236}">
+                <a16:creationId xmlns:a16="http://schemas.microsoft.com/office/drawing/2014/main" id="{3A01834E-07D2-448B-96F8-CEB0BBEBEAA2}"/>
+              </a:ext>
+            </a:extLst>
+          </p:cNvPr>
+          <p:cNvSpPr>
+            <a:spLocks noGrp="1"/>
+          </p:cNvSpPr>
+          <p:nvPr>
+            <p:ph type="title"/>
+          </p:nvPr>
+        </p:nvSpPr>
+        <p:spPr>
+          <a:xfrm>
+            <a:off x="838200" y="365125"/>
+            <a:ext cx="10515600" cy="1325563"/>
+          </a:xfrm>
+        </p:spPr>
+        <p:txBody>
+          <a:bodyPr/>
+          <a:lstStyle/>
+          <a:p>
+            <a:r>
+              <a:rPr lang="zh-CN" altLang="en-US" dirty="0"/>
+              <a:t>文件系统</a:t>
+            </a:r>
+            <a:r>
+              <a:rPr lang="en-US" altLang="zh-CN" dirty="0"/>
+              <a:t> hdc-0.11.img</a:t>
+            </a:r>
+            <a:endParaRPr lang="zh-CN" altLang="en-US" dirty="0"/>
+          </a:p>
+        </p:txBody>
+      </p:sp>
+      <p:pic>
+        <p:nvPicPr>
+          <p:cNvPr id="5" name="内容占位符 4">
+            <a:extLst>
+              <a:ext uri="{FF2B5EF4-FFF2-40B4-BE49-F238E27FC236}">
+                <a16:creationId xmlns:a16="http://schemas.microsoft.com/office/drawing/2014/main" id="{5C864220-035F-43C4-8101-EC2D7DAE6BE8}"/>
+              </a:ext>
+            </a:extLst>
+          </p:cNvPr>
+          <p:cNvPicPr>
+            <a:picLocks noGrp="1" noChangeAspect="1"/>
+          </p:cNvPicPr>
+          <p:nvPr>
+            <p:ph idx="1"/>
+          </p:nvPr>
+        </p:nvPicPr>
+        <p:blipFill>
+          <a:blip r:embed="rId3">
+            <a:extLst>
+              <a:ext uri="{28A0092B-C50C-407E-A947-70E740481C1C}">
+                <a14:useLocalDpi xmlns:a14="http://schemas.microsoft.com/office/drawing/2010/main" val="0"/>
+              </a:ext>
+            </a:extLst>
+          </a:blip>
+          <a:stretch>
+            <a:fillRect/>
+          </a:stretch>
+        </p:blipFill>
+        <p:spPr>
+          <a:xfrm>
+            <a:off x="2600325" y="2648744"/>
+            <a:ext cx="6991350" cy="2705100"/>
+          </a:xfrm>
+        </p:spPr>
+      </p:pic>
+    </p:spTree>
+    <p:extLst>
+      <p:ext uri="{BB962C8B-B14F-4D97-AF65-F5344CB8AC3E}">
+        <p14:creationId xmlns:p14="http://schemas.microsoft.com/office/powerpoint/2010/main" val="3728465773"/>
+      </p:ext>
+    </p:extLst>
+  </p:cSld>
+  <p:clrMapOvr>
+    <a:masterClrMapping/>
+  </p:clrMapOvr>
+  <p:timing>
+    <p:tnLst>
+      <p:par>
+        <p:cTn id="1" dur="indefinite" restart="never" nodeType="tmRoot">
+          <p:childTnLst>
+            <p:seq concurrent="1" nextAc="seek">
+              <p:cTn id="2" dur="indefinite" nodeType="mainSeq">
+                <p:childTnLst>
+                  <p:par>
+                    <p:cTn id="3" fill="hold">
+                      <p:stCondLst>
+                        <p:cond delay="indefinite"/>
+                        <p:cond evt="onBegin" delay="0">
+                          <p:tn val="2"/>
+                        </p:cond>
+                      </p:stCondLst>
+                      <p:childTnLst>
+                        <p:par>
+                          <p:cTn id="4" fill="hold">
+                            <p:stCondLst>
+                              <p:cond delay="0"/>
+                            </p:stCondLst>
+                            <p:childTnLst>
+                              <p:par>
+                                <p:cTn id="5" presetID="10" presetClass="entr" presetSubtype="0" fill="hold" grpId="0" nodeType="withEffect">
+                                  <p:stCondLst>
+                                    <p:cond delay="0"/>
+                                  </p:stCondLst>
+                                  <p:childTnLst>
+                                    <p:set>
+                                      <p:cBhvr>
+                                        <p:cTn id="6" dur="1" fill="hold">
+                                          <p:stCondLst>
+                                            <p:cond delay="0"/>
+                                          </p:stCondLst>
+                                        </p:cTn>
+                                        <p:tgtEl>
+                                          <p:spTgt spid="2"/>
+                                        </p:tgtEl>
+                                        <p:attrNameLst>
+                                          <p:attrName>style.visibility</p:attrName>
+                                        </p:attrNameLst>
+                                      </p:cBhvr>
+                                      <p:to>
+                                        <p:strVal val="visible"/>
+                                      </p:to>
+                                    </p:set>
+                                    <p:animEffect transition="in" filter="fade">
+                                      <p:cBhvr>
+                                        <p:cTn id="7" dur="500"/>
+                                        <p:tgtEl>
+                                          <p:spTgt spid="2"/>
+                                        </p:tgtEl>
+                                      </p:cBhvr>
+                                    </p:animEffect>
+                                  </p:childTnLst>
+                                </p:cTn>
+                              </p:par>
+                            </p:childTnLst>
+                          </p:cTn>
+                        </p:par>
+                      </p:childTnLst>
+                    </p:cTn>
+                  </p:par>
+                  <p:par>
+                    <p:cTn id="8" fill="hold">
+                      <p:stCondLst>
+                        <p:cond delay="indefinite"/>
+                      </p:stCondLst>
+                      <p:childTnLst>
+                        <p:par>
+                          <p:cTn id="9" fill="hold">
+                            <p:stCondLst>
+                              <p:cond delay="0"/>
+                            </p:stCondLst>
+                            <p:childTnLst>
+                              <p:par>
+                                <p:cTn id="10" presetID="10" presetClass="entr" presetSubtype="0" fill="hold" nodeType="clickEffect">
+                                  <p:stCondLst>
+                                    <p:cond delay="0"/>
+                                  </p:stCondLst>
+                                  <p:childTnLst>
+                                    <p:set>
+                                      <p:cBhvr>
+                                        <p:cTn id="11" dur="1" fill="hold">
+                                          <p:stCondLst>
+                                            <p:cond delay="0"/>
+                                          </p:stCondLst>
+                                        </p:cTn>
+                                        <p:tgtEl>
+                                          <p:spTgt spid="5"/>
+                                        </p:tgtEl>
+                                        <p:attrNameLst>
+                                          <p:attrName>style.visibility</p:attrName>
+                                        </p:attrNameLst>
+                                      </p:cBhvr>
+                                      <p:to>
+                                        <p:strVal val="visible"/>
+                                      </p:to>
+                                    </p:set>
+                                    <p:animEffect transition="in" filter="fade">
+                                      <p:cBhvr>
+                                        <p:cTn id="12" dur="500"/>
+                                        <p:tgtEl>
+                                          <p:spTgt spid="5"/>
+                                        </p:tgtEl>
+                                      </p:cBhvr>
+                                    </p:animEffect>
+                                  </p:childTnLst>
+                                </p:cTn>
+                              </p:par>
+                            </p:childTnLst>
+                          </p:cTn>
+                        </p:par>
+                      </p:childTnLst>
+                    </p:cTn>
+                  </p:par>
+                </p:childTnLst>
+              </p:cTn>
+              <p:prevCondLst>
+                <p:cond evt="onPrev" delay="0">
+                  <p:tgtEl>
+                    <p:sldTgt/>
+                  </p:tgtEl>
+                </p:cond>
+              </p:prevCondLst>
+              <p:nextCondLst>
+                <p:cond evt="onNext" delay="0">
+                  <p:tgtEl>
+                    <p:sldTgt/>
+                  </p:tgtEl>
+                </p:cond>
+              </p:nextCondLst>
+            </p:seq>
+          </p:childTnLst>
+        </p:cTn>
+      </p:par>
+    </p:tnLst>
+    <p:bldLst>
+      <p:bldP spid="2" grpId="0"/>
+    </p:bldLst>
+  </p:timing>
+</p:sld>
+</file>
+
+<file path=ppt/slides/slide6.xml><?xml version="1.0" encoding="utf-8"?>
 <p:sld xmlns:a="http://schemas.openxmlformats.org/drawingml/2006/main" xmlns:r="http://schemas.openxmlformats.org/officeDocument/2006/relationships" xmlns:p="http://schemas.openxmlformats.org/presentationml/2006/main">
   <p:cSld>
     <p:spTree>
@@ -16683,7 +17204,7 @@
 </p:sld>
 </file>
 
-<file path=ppt/slides/slide6.xml><?xml version="1.0" encoding="utf-8"?>
+<file path=ppt/slides/slide7.xml><?xml version="1.0" encoding="utf-8"?>
 <p:sld xmlns:a="http://schemas.openxmlformats.org/drawingml/2006/main" xmlns:r="http://schemas.openxmlformats.org/officeDocument/2006/relationships" xmlns:p="http://schemas.openxmlformats.org/presentationml/2006/main">
   <p:cSld>
     <p:spTree>
@@ -16729,7 +17250,7 @@
           <a:graphicData uri="http://schemas.openxmlformats.org/presentationml/2006/ole">
             <mc:AlternateContent xmlns:mc="http://schemas.openxmlformats.org/markup-compatibility/2006">
               <mc:Choice xmlns:v="urn:schemas-microsoft-com:vml" Requires="v">
-                <p:oleObj spid="_x0000_s1074" name="Visio" r:id="rId4" imgW="12992184" imgH="12077772" progId="Visio.Drawing.15">
+                <p:oleObj spid="_x0000_s1076" name="Visio" r:id="rId4" imgW="12992184" imgH="12077772" progId="Visio.Drawing.15">
                   <p:embed/>
                 </p:oleObj>
               </mc:Choice>
@@ -16777,7 +17298,7 @@
 </p:sld>
 </file>
 
-<file path=ppt/slides/slide7.xml><?xml version="1.0" encoding="utf-8"?>
+<file path=ppt/slides/slide8.xml><?xml version="1.0" encoding="utf-8"?>
 <p:sld xmlns:a="http://schemas.openxmlformats.org/drawingml/2006/main" xmlns:r="http://schemas.openxmlformats.org/officeDocument/2006/relationships" xmlns:p="http://schemas.openxmlformats.org/presentationml/2006/main">
   <p:cSld>
     <p:spTree>
@@ -17260,7 +17781,7 @@
 </p:sld>
 </file>
 
-<file path=ppt/slides/slide8.xml><?xml version="1.0" encoding="utf-8"?>
+<file path=ppt/slides/slide9.xml><?xml version="1.0" encoding="utf-8"?>
 <p:sld xmlns:a="http://schemas.openxmlformats.org/drawingml/2006/main" xmlns:r="http://schemas.openxmlformats.org/officeDocument/2006/relationships" xmlns:p="http://schemas.openxmlformats.org/presentationml/2006/main">
   <p:cSld>
     <p:spTree>
@@ -17856,431 +18377,6 @@
     </p:tnLst>
     <p:bldLst>
       <p:bldP spid="2" grpId="0" build="p"/>
-    </p:bldLst>
-  </p:timing>
-</p:sld>
-</file>
-
-<file path=ppt/slides/slide9.xml><?xml version="1.0" encoding="utf-8"?>
-<p:sld xmlns:a="http://schemas.openxmlformats.org/drawingml/2006/main" xmlns:r="http://schemas.openxmlformats.org/officeDocument/2006/relationships" xmlns:p="http://schemas.openxmlformats.org/presentationml/2006/main">
-  <p:cSld>
-    <p:spTree>
-      <p:nvGrpSpPr>
-        <p:cNvPr id="1" name=""/>
-        <p:cNvGrpSpPr/>
-        <p:nvPr/>
-      </p:nvGrpSpPr>
-      <p:grpSpPr>
-        <a:xfrm>
-          <a:off x="0" y="0"/>
-          <a:ext cx="0" cy="0"/>
-          <a:chOff x="0" y="0"/>
-          <a:chExt cx="0" cy="0"/>
-        </a:xfrm>
-      </p:grpSpPr>
-      <p:pic>
-        <p:nvPicPr>
-          <p:cNvPr id="4" name="图片 3"/>
-          <p:cNvPicPr>
-            <a:picLocks noChangeAspect="1"/>
-          </p:cNvPicPr>
-          <p:nvPr/>
-        </p:nvPicPr>
-        <p:blipFill>
-          <a:blip r:embed="rId2"/>
-          <a:stretch>
-            <a:fillRect/>
-          </a:stretch>
-        </p:blipFill>
-        <p:spPr>
-          <a:xfrm>
-            <a:off x="1204512" y="5099062"/>
-            <a:ext cx="9402528" cy="889051"/>
-          </a:xfrm>
-          <a:prstGeom prst="rect">
-            <a:avLst/>
-          </a:prstGeom>
-        </p:spPr>
-      </p:pic>
-      <p:pic>
-        <p:nvPicPr>
-          <p:cNvPr id="18" name="图片 17"/>
-          <p:cNvPicPr>
-            <a:picLocks noChangeAspect="1"/>
-          </p:cNvPicPr>
-          <p:nvPr/>
-        </p:nvPicPr>
-        <p:blipFill>
-          <a:blip r:embed="rId3"/>
-          <a:stretch>
-            <a:fillRect/>
-          </a:stretch>
-        </p:blipFill>
-        <p:spPr>
-          <a:xfrm>
-            <a:off x="2574123" y="3483772"/>
-            <a:ext cx="1502761" cy="1671901"/>
-          </a:xfrm>
-          <a:prstGeom prst="rect">
-            <a:avLst/>
-          </a:prstGeom>
-        </p:spPr>
-      </p:pic>
-      <p:pic>
-        <p:nvPicPr>
-          <p:cNvPr id="19" name="图片 18"/>
-          <p:cNvPicPr>
-            <a:picLocks noChangeAspect="1"/>
-          </p:cNvPicPr>
-          <p:nvPr/>
-        </p:nvPicPr>
-        <p:blipFill>
-          <a:blip r:embed="rId4"/>
-          <a:stretch>
-            <a:fillRect/>
-          </a:stretch>
-        </p:blipFill>
-        <p:spPr>
-          <a:xfrm>
-            <a:off x="4010855" y="2476565"/>
-            <a:ext cx="8181145" cy="1832997"/>
-          </a:xfrm>
-          <a:prstGeom prst="rect">
-            <a:avLst/>
-          </a:prstGeom>
-        </p:spPr>
-      </p:pic>
-      <p:pic>
-        <p:nvPicPr>
-          <p:cNvPr id="12" name="图片 11">
-            <a:extLst>
-              <a:ext uri="{FF2B5EF4-FFF2-40B4-BE49-F238E27FC236}">
-                <a16:creationId xmlns:a16="http://schemas.microsoft.com/office/drawing/2014/main" id="{C22FA943-2FB5-4658-BFCE-C1F92647BFFF}"/>
-              </a:ext>
-            </a:extLst>
-          </p:cNvPr>
-          <p:cNvPicPr>
-            <a:picLocks noChangeAspect="1"/>
-          </p:cNvPicPr>
-          <p:nvPr/>
-        </p:nvPicPr>
-        <p:blipFill>
-          <a:blip r:embed="rId5"/>
-          <a:stretch>
-            <a:fillRect/>
-          </a:stretch>
-        </p:blipFill>
-        <p:spPr>
-          <a:xfrm>
-            <a:off x="2050232" y="1871314"/>
-            <a:ext cx="3808912" cy="1461768"/>
-          </a:xfrm>
-          <a:prstGeom prst="rect">
-            <a:avLst/>
-          </a:prstGeom>
-        </p:spPr>
-      </p:pic>
-      <p:sp>
-        <p:nvSpPr>
-          <p:cNvPr id="14" name="内容占位符 3">
-            <a:extLst>
-              <a:ext uri="{FF2B5EF4-FFF2-40B4-BE49-F238E27FC236}">
-                <a16:creationId xmlns:a16="http://schemas.microsoft.com/office/drawing/2014/main" id="{B717F545-3D59-4FBF-9169-A7F5E649860E}"/>
-              </a:ext>
-            </a:extLst>
-          </p:cNvPr>
-          <p:cNvSpPr txBox="1">
-            <a:spLocks/>
-          </p:cNvSpPr>
-          <p:nvPr/>
-        </p:nvSpPr>
-        <p:spPr>
-          <a:xfrm>
-            <a:off x="1643032" y="815911"/>
-            <a:ext cx="5135720" cy="598361"/>
-          </a:xfrm>
-          <a:prstGeom prst="rect">
-            <a:avLst/>
-          </a:prstGeom>
-        </p:spPr>
-        <p:txBody>
-          <a:bodyPr vert="horz" lIns="91440" tIns="45720" rIns="91440" bIns="45720" rtlCol="0">
-            <a:normAutofit/>
-          </a:bodyPr>
-          <a:lstStyle>
-            <a:lvl1pPr marL="0" indent="0" algn="ctr" defTabSz="914400" rtl="0" eaLnBrk="1" latinLnBrk="0" hangingPunct="1">
-              <a:lnSpc>
-                <a:spcPct val="90000"/>
-              </a:lnSpc>
-              <a:spcBef>
-                <a:spcPts val="1000"/>
-              </a:spcBef>
-              <a:buFont typeface="Arial" panose="020B0604020202020204" pitchFamily="34" charset="0"/>
-              <a:buNone/>
-              <a:defRPr sz="2400" kern="1200">
-                <a:solidFill>
-                  <a:schemeClr val="tx1"/>
-                </a:solidFill>
-                <a:latin typeface="+mn-lt"/>
-                <a:ea typeface="+mn-ea"/>
-                <a:cs typeface="+mn-cs"/>
-              </a:defRPr>
-            </a:lvl1pPr>
-            <a:lvl2pPr marL="457200" indent="0" algn="ctr" defTabSz="914400" rtl="0" eaLnBrk="1" latinLnBrk="0" hangingPunct="1">
-              <a:lnSpc>
-                <a:spcPct val="90000"/>
-              </a:lnSpc>
-              <a:spcBef>
-                <a:spcPts val="500"/>
-              </a:spcBef>
-              <a:buFont typeface="Arial" panose="020B0604020202020204" pitchFamily="34" charset="0"/>
-              <a:buNone/>
-              <a:defRPr sz="2000" kern="1200">
-                <a:solidFill>
-                  <a:schemeClr val="tx1"/>
-                </a:solidFill>
-                <a:latin typeface="+mn-lt"/>
-                <a:ea typeface="+mn-ea"/>
-                <a:cs typeface="+mn-cs"/>
-              </a:defRPr>
-            </a:lvl2pPr>
-            <a:lvl3pPr marL="914400" indent="0" algn="ctr" defTabSz="914400" rtl="0" eaLnBrk="1" latinLnBrk="0" hangingPunct="1">
-              <a:lnSpc>
-                <a:spcPct val="90000"/>
-              </a:lnSpc>
-              <a:spcBef>
-                <a:spcPts val="500"/>
-              </a:spcBef>
-              <a:buFont typeface="Arial" panose="020B0604020202020204" pitchFamily="34" charset="0"/>
-              <a:buNone/>
-              <a:defRPr sz="1800" kern="1200">
-                <a:solidFill>
-                  <a:schemeClr val="tx1"/>
-                </a:solidFill>
-                <a:latin typeface="+mn-lt"/>
-                <a:ea typeface="+mn-ea"/>
-                <a:cs typeface="+mn-cs"/>
-              </a:defRPr>
-            </a:lvl3pPr>
-            <a:lvl4pPr marL="1371600" indent="0" algn="ctr" defTabSz="914400" rtl="0" eaLnBrk="1" latinLnBrk="0" hangingPunct="1">
-              <a:lnSpc>
-                <a:spcPct val="90000"/>
-              </a:lnSpc>
-              <a:spcBef>
-                <a:spcPts val="500"/>
-              </a:spcBef>
-              <a:buFont typeface="Arial" panose="020B0604020202020204" pitchFamily="34" charset="0"/>
-              <a:buNone/>
-              <a:defRPr sz="1600" kern="1200">
-                <a:solidFill>
-                  <a:schemeClr val="tx1"/>
-                </a:solidFill>
-                <a:latin typeface="+mn-lt"/>
-                <a:ea typeface="+mn-ea"/>
-                <a:cs typeface="+mn-cs"/>
-              </a:defRPr>
-            </a:lvl4pPr>
-            <a:lvl5pPr marL="1828800" indent="0" algn="ctr" defTabSz="914400" rtl="0" eaLnBrk="1" latinLnBrk="0" hangingPunct="1">
-              <a:lnSpc>
-                <a:spcPct val="90000"/>
-              </a:lnSpc>
-              <a:spcBef>
-                <a:spcPts val="500"/>
-              </a:spcBef>
-              <a:buFont typeface="Arial" panose="020B0604020202020204" pitchFamily="34" charset="0"/>
-              <a:buNone/>
-              <a:defRPr sz="1600" kern="1200">
-                <a:solidFill>
-                  <a:schemeClr val="tx1"/>
-                </a:solidFill>
-                <a:latin typeface="+mn-lt"/>
-                <a:ea typeface="+mn-ea"/>
-                <a:cs typeface="+mn-cs"/>
-              </a:defRPr>
-            </a:lvl5pPr>
-            <a:lvl6pPr marL="2286000" indent="0" algn="ctr" defTabSz="914400" rtl="0" eaLnBrk="1" latinLnBrk="0" hangingPunct="1">
-              <a:lnSpc>
-                <a:spcPct val="90000"/>
-              </a:lnSpc>
-              <a:spcBef>
-                <a:spcPts val="500"/>
-              </a:spcBef>
-              <a:buFont typeface="Arial" panose="020B0604020202020204" pitchFamily="34" charset="0"/>
-              <a:buNone/>
-              <a:defRPr sz="1600" kern="1200">
-                <a:solidFill>
-                  <a:schemeClr val="tx1"/>
-                </a:solidFill>
-                <a:latin typeface="+mn-lt"/>
-                <a:ea typeface="+mn-ea"/>
-                <a:cs typeface="+mn-cs"/>
-              </a:defRPr>
-            </a:lvl6pPr>
-            <a:lvl7pPr marL="2743200" indent="0" algn="ctr" defTabSz="914400" rtl="0" eaLnBrk="1" latinLnBrk="0" hangingPunct="1">
-              <a:lnSpc>
-                <a:spcPct val="90000"/>
-              </a:lnSpc>
-              <a:spcBef>
-                <a:spcPts val="500"/>
-              </a:spcBef>
-              <a:buFont typeface="Arial" panose="020B0604020202020204" pitchFamily="34" charset="0"/>
-              <a:buNone/>
-              <a:defRPr sz="1600" kern="1200">
-                <a:solidFill>
-                  <a:schemeClr val="tx1"/>
-                </a:solidFill>
-                <a:latin typeface="+mn-lt"/>
-                <a:ea typeface="+mn-ea"/>
-                <a:cs typeface="+mn-cs"/>
-              </a:defRPr>
-            </a:lvl7pPr>
-            <a:lvl8pPr marL="3200400" indent="0" algn="ctr" defTabSz="914400" rtl="0" eaLnBrk="1" latinLnBrk="0" hangingPunct="1">
-              <a:lnSpc>
-                <a:spcPct val="90000"/>
-              </a:lnSpc>
-              <a:spcBef>
-                <a:spcPts val="500"/>
-              </a:spcBef>
-              <a:buFont typeface="Arial" panose="020B0604020202020204" pitchFamily="34" charset="0"/>
-              <a:buNone/>
-              <a:defRPr sz="1600" kern="1200">
-                <a:solidFill>
-                  <a:schemeClr val="tx1"/>
-                </a:solidFill>
-                <a:latin typeface="+mn-lt"/>
-                <a:ea typeface="+mn-ea"/>
-                <a:cs typeface="+mn-cs"/>
-              </a:defRPr>
-            </a:lvl8pPr>
-            <a:lvl9pPr marL="3657600" indent="0" algn="ctr" defTabSz="914400" rtl="0" eaLnBrk="1" latinLnBrk="0" hangingPunct="1">
-              <a:lnSpc>
-                <a:spcPct val="90000"/>
-              </a:lnSpc>
-              <a:spcBef>
-                <a:spcPts val="500"/>
-              </a:spcBef>
-              <a:buFont typeface="Arial" panose="020B0604020202020204" pitchFamily="34" charset="0"/>
-              <a:buNone/>
-              <a:defRPr sz="1600" kern="1200">
-                <a:solidFill>
-                  <a:schemeClr val="tx1"/>
-                </a:solidFill>
-                <a:latin typeface="+mn-lt"/>
-                <a:ea typeface="+mn-ea"/>
-                <a:cs typeface="+mn-cs"/>
-              </a:defRPr>
-            </a:lvl9pPr>
-          </a:lstStyle>
-          <a:p>
-            <a:r>
-              <a:rPr lang="en-US" altLang="zh-CN" dirty="0"/>
-              <a:t>00000C00~000017FF  </a:t>
-            </a:r>
-            <a:r>
-              <a:rPr lang="zh-CN" altLang="en-US" dirty="0"/>
-              <a:t> </a:t>
-            </a:r>
-            <a:r>
-              <a:rPr lang="en-US" altLang="zh-CN" dirty="0"/>
-              <a:t>3KB </a:t>
-            </a:r>
-          </a:p>
-        </p:txBody>
-      </p:sp>
-    </p:spTree>
-    <p:extLst>
-      <p:ext uri="{BB962C8B-B14F-4D97-AF65-F5344CB8AC3E}">
-        <p14:creationId xmlns:p14="http://schemas.microsoft.com/office/powerpoint/2010/main" val="104265285"/>
-      </p:ext>
-    </p:extLst>
-  </p:cSld>
-  <p:clrMapOvr>
-    <a:masterClrMapping/>
-  </p:clrMapOvr>
-  <p:timing>
-    <p:tnLst>
-      <p:par>
-        <p:cTn id="1" dur="indefinite" restart="never" nodeType="tmRoot">
-          <p:childTnLst>
-            <p:seq concurrent="1" nextAc="seek">
-              <p:cTn id="2" dur="indefinite" nodeType="mainSeq">
-                <p:childTnLst>
-                  <p:par>
-                    <p:cTn id="3" fill="hold">
-                      <p:stCondLst>
-                        <p:cond delay="indefinite"/>
-                      </p:stCondLst>
-                      <p:childTnLst>
-                        <p:par>
-                          <p:cTn id="4" fill="hold">
-                            <p:stCondLst>
-                              <p:cond delay="0"/>
-                            </p:stCondLst>
-                            <p:childTnLst>
-                              <p:par>
-                                <p:cTn id="5" presetID="10" presetClass="entr" presetSubtype="0" fill="hold" grpId="0" nodeType="clickEffect">
-                                  <p:stCondLst>
-                                    <p:cond delay="0"/>
-                                  </p:stCondLst>
-                                  <p:childTnLst>
-                                    <p:set>
-                                      <p:cBhvr>
-                                        <p:cTn id="6" dur="1" fill="hold">
-                                          <p:stCondLst>
-                                            <p:cond delay="0"/>
-                                          </p:stCondLst>
-                                        </p:cTn>
-                                        <p:tgtEl>
-                                          <p:spTgt spid="14"/>
-                                        </p:tgtEl>
-                                        <p:attrNameLst>
-                                          <p:attrName>style.visibility</p:attrName>
-                                        </p:attrNameLst>
-                                      </p:cBhvr>
-                                      <p:to>
-                                        <p:strVal val="visible"/>
-                                      </p:to>
-                                    </p:set>
-                                    <p:animEffect transition="in" filter="fade">
-                                      <p:cBhvr>
-                                        <p:cTn id="7" dur="500"/>
-                                        <p:tgtEl>
-                                          <p:spTgt spid="14"/>
-                                        </p:tgtEl>
-                                      </p:cBhvr>
-                                    </p:animEffect>
-                                  </p:childTnLst>
-                                </p:cTn>
-                              </p:par>
-                            </p:childTnLst>
-                          </p:cTn>
-                        </p:par>
-                      </p:childTnLst>
-                    </p:cTn>
-                  </p:par>
-                </p:childTnLst>
-              </p:cTn>
-              <p:prevCondLst>
-                <p:cond evt="onPrev" delay="0">
-                  <p:tgtEl>
-                    <p:sldTgt/>
-                  </p:tgtEl>
-                </p:cond>
-              </p:prevCondLst>
-              <p:nextCondLst>
-                <p:cond evt="onNext" delay="0">
-                  <p:tgtEl>
-                    <p:sldTgt/>
-                  </p:tgtEl>
-                </p:cond>
-              </p:nextCondLst>
-            </p:seq>
-          </p:childTnLst>
-        </p:cTn>
-      </p:par>
-    </p:tnLst>
-    <p:bldLst>
-      <p:bldP spid="14" grpId="0"/>
     </p:bldLst>
   </p:timing>
 </p:sld>

--- a/presentation/Linux0.11(四).pptx
+++ b/presentation/Linux0.11(四).pptx
@@ -5,55 +5,52 @@
     <p:sldMasterId id="2147483648" r:id="rId1"/>
   </p:sldMasterIdLst>
   <p:notesMasterIdLst>
-    <p:notesMasterId r:id="rId48"/>
+    <p:notesMasterId r:id="rId45"/>
   </p:notesMasterIdLst>
   <p:sldIdLst>
     <p:sldId id="256" r:id="rId2"/>
     <p:sldId id="272" r:id="rId3"/>
-    <p:sldId id="336" r:id="rId4"/>
-    <p:sldId id="305" r:id="rId5"/>
-    <p:sldId id="306" r:id="rId6"/>
-    <p:sldId id="307" r:id="rId7"/>
-    <p:sldId id="280" r:id="rId8"/>
-    <p:sldId id="309" r:id="rId9"/>
-    <p:sldId id="266" r:id="rId10"/>
-    <p:sldId id="304" r:id="rId11"/>
-    <p:sldId id="311" r:id="rId12"/>
-    <p:sldId id="310" r:id="rId13"/>
-    <p:sldId id="312" r:id="rId14"/>
-    <p:sldId id="313" r:id="rId15"/>
-    <p:sldId id="316" r:id="rId16"/>
-    <p:sldId id="314" r:id="rId17"/>
-    <p:sldId id="335" r:id="rId18"/>
-    <p:sldId id="315" r:id="rId19"/>
-    <p:sldId id="289" r:id="rId20"/>
-    <p:sldId id="319" r:id="rId21"/>
-    <p:sldId id="292" r:id="rId22"/>
-    <p:sldId id="321" r:id="rId23"/>
-    <p:sldId id="290" r:id="rId24"/>
-    <p:sldId id="320" r:id="rId25"/>
-    <p:sldId id="317" r:id="rId26"/>
-    <p:sldId id="295" r:id="rId27"/>
-    <p:sldId id="318" r:id="rId28"/>
-    <p:sldId id="297" r:id="rId29"/>
-    <p:sldId id="296" r:id="rId30"/>
-    <p:sldId id="322" r:id="rId31"/>
-    <p:sldId id="299" r:id="rId32"/>
-    <p:sldId id="324" r:id="rId33"/>
-    <p:sldId id="300" r:id="rId34"/>
-    <p:sldId id="325" r:id="rId35"/>
-    <p:sldId id="326" r:id="rId36"/>
-    <p:sldId id="327" r:id="rId37"/>
-    <p:sldId id="328" r:id="rId38"/>
-    <p:sldId id="329" r:id="rId39"/>
-    <p:sldId id="330" r:id="rId40"/>
-    <p:sldId id="331" r:id="rId41"/>
-    <p:sldId id="332" r:id="rId42"/>
-    <p:sldId id="268" r:id="rId43"/>
-    <p:sldId id="267" r:id="rId44"/>
-    <p:sldId id="333" r:id="rId45"/>
-    <p:sldId id="334" r:id="rId46"/>
-    <p:sldId id="279" r:id="rId47"/>
+    <p:sldId id="305" r:id="rId4"/>
+    <p:sldId id="306" r:id="rId5"/>
+    <p:sldId id="307" r:id="rId6"/>
+    <p:sldId id="280" r:id="rId7"/>
+    <p:sldId id="309" r:id="rId8"/>
+    <p:sldId id="266" r:id="rId9"/>
+    <p:sldId id="304" r:id="rId10"/>
+    <p:sldId id="311" r:id="rId11"/>
+    <p:sldId id="310" r:id="rId12"/>
+    <p:sldId id="312" r:id="rId13"/>
+    <p:sldId id="313" r:id="rId14"/>
+    <p:sldId id="316" r:id="rId15"/>
+    <p:sldId id="314" r:id="rId16"/>
+    <p:sldId id="335" r:id="rId17"/>
+    <p:sldId id="315" r:id="rId18"/>
+    <p:sldId id="289" r:id="rId19"/>
+    <p:sldId id="319" r:id="rId20"/>
+    <p:sldId id="292" r:id="rId21"/>
+    <p:sldId id="321" r:id="rId22"/>
+    <p:sldId id="290" r:id="rId23"/>
+    <p:sldId id="320" r:id="rId24"/>
+    <p:sldId id="317" r:id="rId25"/>
+    <p:sldId id="295" r:id="rId26"/>
+    <p:sldId id="318" r:id="rId27"/>
+    <p:sldId id="297" r:id="rId28"/>
+    <p:sldId id="296" r:id="rId29"/>
+    <p:sldId id="322" r:id="rId30"/>
+    <p:sldId id="299" r:id="rId31"/>
+    <p:sldId id="324" r:id="rId32"/>
+    <p:sldId id="300" r:id="rId33"/>
+    <p:sldId id="325" r:id="rId34"/>
+    <p:sldId id="326" r:id="rId35"/>
+    <p:sldId id="327" r:id="rId36"/>
+    <p:sldId id="328" r:id="rId37"/>
+    <p:sldId id="329" r:id="rId38"/>
+    <p:sldId id="330" r:id="rId39"/>
+    <p:sldId id="331" r:id="rId40"/>
+    <p:sldId id="332" r:id="rId41"/>
+    <p:sldId id="257" r:id="rId42"/>
+    <p:sldId id="258" r:id="rId43"/>
+    <p:sldId id="279" r:id="rId44"/>
   </p:sldIdLst>
   <p:sldSz cx="12192000" cy="6858000"/>
   <p:notesSz cx="6858000" cy="9144000"/>
@@ -242,7 +239,7 @@
           <a:p>
             <a:fld id="{47BAE810-26AD-42B5-B578-16FE2651F63C}" type="datetimeFigureOut">
               <a:rPr lang="zh-CN" altLang="en-US" smtClean="0"/>
-              <a:t>2018/12/24</a:t>
+              <a:t>2018/12/25</a:t>
             </a:fld>
             <a:endParaRPr lang="zh-CN" altLang="en-US"/>
           </a:p>
@@ -658,7 +655,7 @@
           <a:p>
             <a:fld id="{777B56A3-7137-4CC1-BEBB-9EC9BD9B38C0}" type="slidenum">
               <a:rPr lang="zh-CN" altLang="en-US" smtClean="0"/>
-              <a:t>17</a:t>
+              <a:t>16</a:t>
             </a:fld>
             <a:endParaRPr lang="zh-CN" altLang="en-US"/>
           </a:p>
@@ -742,7 +739,7 @@
           <a:p>
             <a:fld id="{777B56A3-7137-4CC1-BEBB-9EC9BD9B38C0}" type="slidenum">
               <a:rPr lang="zh-CN" altLang="en-US" smtClean="0"/>
-              <a:t>18</a:t>
+              <a:t>17</a:t>
             </a:fld>
             <a:endParaRPr lang="zh-CN" altLang="en-US"/>
           </a:p>
@@ -826,7 +823,7 @@
           <a:p>
             <a:fld id="{777B56A3-7137-4CC1-BEBB-9EC9BD9B38C0}" type="slidenum">
               <a:rPr lang="zh-CN" altLang="en-US" smtClean="0"/>
-              <a:t>19</a:t>
+              <a:t>18</a:t>
             </a:fld>
             <a:endParaRPr lang="zh-CN" altLang="en-US"/>
           </a:p>
@@ -910,7 +907,7 @@
           <a:p>
             <a:fld id="{777B56A3-7137-4CC1-BEBB-9EC9BD9B38C0}" type="slidenum">
               <a:rPr lang="zh-CN" altLang="en-US" smtClean="0"/>
-              <a:t>20</a:t>
+              <a:t>19</a:t>
             </a:fld>
             <a:endParaRPr lang="zh-CN" altLang="en-US"/>
           </a:p>
@@ -994,7 +991,7 @@
           <a:p>
             <a:fld id="{777B56A3-7137-4CC1-BEBB-9EC9BD9B38C0}" type="slidenum">
               <a:rPr lang="zh-CN" altLang="en-US" smtClean="0"/>
-              <a:t>22</a:t>
+              <a:t>21</a:t>
             </a:fld>
             <a:endParaRPr lang="zh-CN" altLang="en-US"/>
           </a:p>
@@ -1078,7 +1075,7 @@
           <a:p>
             <a:fld id="{777B56A3-7137-4CC1-BEBB-9EC9BD9B38C0}" type="slidenum">
               <a:rPr lang="zh-CN" altLang="en-US" smtClean="0"/>
-              <a:t>23</a:t>
+              <a:t>22</a:t>
             </a:fld>
             <a:endParaRPr lang="zh-CN" altLang="en-US"/>
           </a:p>
@@ -1162,7 +1159,7 @@
           <a:p>
             <a:fld id="{777B56A3-7137-4CC1-BEBB-9EC9BD9B38C0}" type="slidenum">
               <a:rPr lang="zh-CN" altLang="en-US" smtClean="0"/>
-              <a:t>25</a:t>
+              <a:t>24</a:t>
             </a:fld>
             <a:endParaRPr lang="zh-CN" altLang="en-US"/>
           </a:p>
@@ -1246,7 +1243,7 @@
           <a:p>
             <a:fld id="{777B56A3-7137-4CC1-BEBB-9EC9BD9B38C0}" type="slidenum">
               <a:rPr lang="zh-CN" altLang="en-US" smtClean="0"/>
-              <a:t>26</a:t>
+              <a:t>25</a:t>
             </a:fld>
             <a:endParaRPr lang="zh-CN" altLang="en-US"/>
           </a:p>
@@ -1330,7 +1327,7 @@
           <a:p>
             <a:fld id="{777B56A3-7137-4CC1-BEBB-9EC9BD9B38C0}" type="slidenum">
               <a:rPr lang="zh-CN" altLang="en-US" smtClean="0"/>
-              <a:t>27</a:t>
+              <a:t>26</a:t>
             </a:fld>
             <a:endParaRPr lang="zh-CN" altLang="en-US"/>
           </a:p>
@@ -1414,7 +1411,7 @@
           <a:p>
             <a:fld id="{777B56A3-7137-4CC1-BEBB-9EC9BD9B38C0}" type="slidenum">
               <a:rPr lang="zh-CN" altLang="en-US" smtClean="0"/>
-              <a:t>28</a:t>
+              <a:t>27</a:t>
             </a:fld>
             <a:endParaRPr lang="zh-CN" altLang="en-US"/>
           </a:p>
@@ -1498,7 +1495,7 @@
           <a:p>
             <a:fld id="{777B56A3-7137-4CC1-BEBB-9EC9BD9B38C0}" type="slidenum">
               <a:rPr lang="zh-CN" altLang="en-US" smtClean="0"/>
-              <a:t>4</a:t>
+              <a:t>3</a:t>
             </a:fld>
             <a:endParaRPr lang="zh-CN" altLang="en-US"/>
           </a:p>
@@ -1582,7 +1579,7 @@
           <a:p>
             <a:fld id="{777B56A3-7137-4CC1-BEBB-9EC9BD9B38C0}" type="slidenum">
               <a:rPr lang="zh-CN" altLang="en-US" smtClean="0"/>
-              <a:t>30</a:t>
+              <a:t>29</a:t>
             </a:fld>
             <a:endParaRPr lang="zh-CN" altLang="en-US"/>
           </a:p>
@@ -1666,7 +1663,7 @@
           <a:p>
             <a:fld id="{777B56A3-7137-4CC1-BEBB-9EC9BD9B38C0}" type="slidenum">
               <a:rPr lang="zh-CN" altLang="en-US" smtClean="0"/>
-              <a:t>31</a:t>
+              <a:t>30</a:t>
             </a:fld>
             <a:endParaRPr lang="zh-CN" altLang="en-US"/>
           </a:p>
@@ -1750,7 +1747,7 @@
           <a:p>
             <a:fld id="{777B56A3-7137-4CC1-BEBB-9EC9BD9B38C0}" type="slidenum">
               <a:rPr lang="zh-CN" altLang="en-US" smtClean="0"/>
-              <a:t>32</a:t>
+              <a:t>31</a:t>
             </a:fld>
             <a:endParaRPr lang="zh-CN" altLang="en-US"/>
           </a:p>
@@ -1834,7 +1831,7 @@
           <a:p>
             <a:fld id="{777B56A3-7137-4CC1-BEBB-9EC9BD9B38C0}" type="slidenum">
               <a:rPr lang="zh-CN" altLang="en-US" smtClean="0"/>
-              <a:t>33</a:t>
+              <a:t>32</a:t>
             </a:fld>
             <a:endParaRPr lang="zh-CN" altLang="en-US"/>
           </a:p>
@@ -1918,7 +1915,7 @@
           <a:p>
             <a:fld id="{777B56A3-7137-4CC1-BEBB-9EC9BD9B38C0}" type="slidenum">
               <a:rPr lang="zh-CN" altLang="en-US" smtClean="0"/>
-              <a:t>34</a:t>
+              <a:t>33</a:t>
             </a:fld>
             <a:endParaRPr lang="zh-CN" altLang="en-US"/>
           </a:p>
@@ -2002,7 +1999,7 @@
           <a:p>
             <a:fld id="{777B56A3-7137-4CC1-BEBB-9EC9BD9B38C0}" type="slidenum">
               <a:rPr lang="zh-CN" altLang="en-US" smtClean="0"/>
-              <a:t>35</a:t>
+              <a:t>34</a:t>
             </a:fld>
             <a:endParaRPr lang="zh-CN" altLang="en-US"/>
           </a:p>
@@ -2086,7 +2083,7 @@
           <a:p>
             <a:fld id="{777B56A3-7137-4CC1-BEBB-9EC9BD9B38C0}" type="slidenum">
               <a:rPr lang="zh-CN" altLang="en-US" smtClean="0"/>
-              <a:t>36</a:t>
+              <a:t>35</a:t>
             </a:fld>
             <a:endParaRPr lang="zh-CN" altLang="en-US"/>
           </a:p>
@@ -2170,7 +2167,7 @@
           <a:p>
             <a:fld id="{777B56A3-7137-4CC1-BEBB-9EC9BD9B38C0}" type="slidenum">
               <a:rPr lang="zh-CN" altLang="en-US" smtClean="0"/>
-              <a:t>37</a:t>
+              <a:t>36</a:t>
             </a:fld>
             <a:endParaRPr lang="zh-CN" altLang="en-US"/>
           </a:p>
@@ -2254,7 +2251,7 @@
           <a:p>
             <a:fld id="{777B56A3-7137-4CC1-BEBB-9EC9BD9B38C0}" type="slidenum">
               <a:rPr lang="zh-CN" altLang="en-US" smtClean="0"/>
-              <a:t>38</a:t>
+              <a:t>37</a:t>
             </a:fld>
             <a:endParaRPr lang="zh-CN" altLang="en-US"/>
           </a:p>
@@ -2338,7 +2335,7 @@
           <a:p>
             <a:fld id="{777B56A3-7137-4CC1-BEBB-9EC9BD9B38C0}" type="slidenum">
               <a:rPr lang="zh-CN" altLang="en-US" smtClean="0"/>
-              <a:t>39</a:t>
+              <a:t>38</a:t>
             </a:fld>
             <a:endParaRPr lang="zh-CN" altLang="en-US"/>
           </a:p>
@@ -2422,7 +2419,7 @@
           <a:p>
             <a:fld id="{777B56A3-7137-4CC1-BEBB-9EC9BD9B38C0}" type="slidenum">
               <a:rPr lang="zh-CN" altLang="en-US" smtClean="0"/>
-              <a:t>5</a:t>
+              <a:t>4</a:t>
             </a:fld>
             <a:endParaRPr lang="zh-CN" altLang="en-US"/>
           </a:p>
@@ -2506,7 +2503,7 @@
           <a:p>
             <a:fld id="{777B56A3-7137-4CC1-BEBB-9EC9BD9B38C0}" type="slidenum">
               <a:rPr lang="zh-CN" altLang="en-US" smtClean="0"/>
-              <a:t>40</a:t>
+              <a:t>39</a:t>
             </a:fld>
             <a:endParaRPr lang="zh-CN" altLang="en-US"/>
           </a:p>
@@ -2590,7 +2587,7 @@
           <a:p>
             <a:fld id="{777B56A3-7137-4CC1-BEBB-9EC9BD9B38C0}" type="slidenum">
               <a:rPr lang="zh-CN" altLang="en-US" smtClean="0"/>
-              <a:t>41</a:t>
+              <a:t>40</a:t>
             </a:fld>
             <a:endParaRPr lang="zh-CN" altLang="en-US"/>
           </a:p>
@@ -2721,7 +2718,7 @@
                 <a:tabLst/>
                 <a:defRPr/>
               </a:pPr>
-              <a:t>43</a:t>
+              <a:t>42</a:t>
             </a:fld>
             <a:endParaRPr kumimoji="0" lang="zh-CN" altLang="en-US" sz="1200" b="0" i="0" u="none" strike="noStrike" kern="1200" cap="none" spc="0" normalizeH="0" baseline="0" noProof="0">
               <a:ln>
@@ -2743,7 +2740,7 @@
     </p:spTree>
     <p:extLst>
       <p:ext uri="{BB962C8B-B14F-4D97-AF65-F5344CB8AC3E}">
-        <p14:creationId xmlns:p14="http://schemas.microsoft.com/office/powerpoint/2010/main" val="2767720531"/>
+        <p14:creationId xmlns:p14="http://schemas.microsoft.com/office/powerpoint/2010/main" val="614269422"/>
       </p:ext>
     </p:extLst>
   </p:cSld>
@@ -2816,306 +2813,18 @@
           <a:bodyPr/>
           <a:lstStyle/>
           <a:p>
-            <a:pPr marL="0" marR="0" lvl="0" indent="0" algn="r" defTabSz="914400" rtl="0" eaLnBrk="1" fontAlgn="auto" latinLnBrk="0" hangingPunct="1">
-              <a:lnSpc>
-                <a:spcPct val="100000"/>
-              </a:lnSpc>
-              <a:spcBef>
-                <a:spcPts val="0"/>
-              </a:spcBef>
-              <a:spcAft>
-                <a:spcPts val="0"/>
-              </a:spcAft>
-              <a:buClrTx/>
-              <a:buSzTx/>
-              <a:buFontTx/>
-              <a:buNone/>
-              <a:tabLst/>
-              <a:defRPr/>
-            </a:pPr>
             <a:fld id="{777B56A3-7137-4CC1-BEBB-9EC9BD9B38C0}" type="slidenum">
-              <a:rPr kumimoji="0" lang="zh-CN" altLang="en-US" sz="1200" b="0" i="0" u="none" strike="noStrike" kern="1200" cap="none" spc="0" normalizeH="0" baseline="0" noProof="0" smtClean="0">
-                <a:ln>
-                  <a:noFill/>
-                </a:ln>
-                <a:solidFill>
-                  <a:prstClr val="black"/>
-                </a:solidFill>
-                <a:effectLst/>
-                <a:uLnTx/>
-                <a:uFillTx/>
-                <a:latin typeface="等线" panose="020F0502020204030204"/>
-                <a:ea typeface="等线" panose="02010600030101010101" pitchFamily="2" charset="-122"/>
-                <a:cs typeface="+mn-cs"/>
-              </a:rPr>
-              <a:pPr marL="0" marR="0" lvl="0" indent="0" algn="r" defTabSz="914400" rtl="0" eaLnBrk="1" fontAlgn="auto" latinLnBrk="0" hangingPunct="1">
-                <a:lnSpc>
-                  <a:spcPct val="100000"/>
-                </a:lnSpc>
-                <a:spcBef>
-                  <a:spcPts val="0"/>
-                </a:spcBef>
-                <a:spcAft>
-                  <a:spcPts val="0"/>
-                </a:spcAft>
-                <a:buClrTx/>
-                <a:buSzTx/>
-                <a:buFontTx/>
-                <a:buNone/>
-                <a:tabLst/>
-                <a:defRPr/>
-              </a:pPr>
-              <a:t>44</a:t>
+              <a:rPr lang="zh-CN" altLang="en-US" smtClean="0"/>
+              <a:t>43</a:t>
             </a:fld>
-            <a:endParaRPr kumimoji="0" lang="zh-CN" altLang="en-US" sz="1200" b="0" i="0" u="none" strike="noStrike" kern="1200" cap="none" spc="0" normalizeH="0" baseline="0" noProof="0">
-              <a:ln>
-                <a:noFill/>
-              </a:ln>
-              <a:solidFill>
-                <a:prstClr val="black"/>
-              </a:solidFill>
-              <a:effectLst/>
-              <a:uLnTx/>
-              <a:uFillTx/>
-              <a:latin typeface="等线" panose="020F0502020204030204"/>
-              <a:ea typeface="等线" panose="02010600030101010101" pitchFamily="2" charset="-122"/>
-              <a:cs typeface="+mn-cs"/>
-            </a:endParaRPr>
+            <a:endParaRPr lang="zh-CN" altLang="en-US"/>
           </a:p>
         </p:txBody>
       </p:sp>
     </p:spTree>
     <p:extLst>
       <p:ext uri="{BB962C8B-B14F-4D97-AF65-F5344CB8AC3E}">
-        <p14:creationId xmlns:p14="http://schemas.microsoft.com/office/powerpoint/2010/main" val="364992040"/>
-      </p:ext>
-    </p:extLst>
-  </p:cSld>
-  <p:clrMapOvr>
-    <a:masterClrMapping/>
-  </p:clrMapOvr>
-</p:notes>
-</file>
-
-<file path=ppt/notesSlides/notesSlide34.xml><?xml version="1.0" encoding="utf-8"?>
-<p:notes xmlns:a="http://schemas.openxmlformats.org/drawingml/2006/main" xmlns:r="http://schemas.openxmlformats.org/officeDocument/2006/relationships" xmlns:p="http://schemas.openxmlformats.org/presentationml/2006/main">
-  <p:cSld>
-    <p:spTree>
-      <p:nvGrpSpPr>
-        <p:cNvPr id="1" name=""/>
-        <p:cNvGrpSpPr/>
-        <p:nvPr/>
-      </p:nvGrpSpPr>
-      <p:grpSpPr>
-        <a:xfrm>
-          <a:off x="0" y="0"/>
-          <a:ext cx="0" cy="0"/>
-          <a:chOff x="0" y="0"/>
-          <a:chExt cx="0" cy="0"/>
-        </a:xfrm>
-      </p:grpSpPr>
-      <p:sp>
-        <p:nvSpPr>
-          <p:cNvPr id="2" name="幻灯片图像占位符 1"/>
-          <p:cNvSpPr>
-            <a:spLocks noGrp="1" noRot="1" noChangeAspect="1"/>
-          </p:cNvSpPr>
-          <p:nvPr>
-            <p:ph type="sldImg"/>
-          </p:nvPr>
-        </p:nvSpPr>
-        <p:spPr/>
-      </p:sp>
-      <p:sp>
-        <p:nvSpPr>
-          <p:cNvPr id="3" name="备注占位符 2"/>
-          <p:cNvSpPr>
-            <a:spLocks noGrp="1"/>
-          </p:cNvSpPr>
-          <p:nvPr>
-            <p:ph type="body" idx="1"/>
-          </p:nvPr>
-        </p:nvSpPr>
-        <p:spPr/>
-        <p:txBody>
-          <a:bodyPr/>
-          <a:lstStyle/>
-          <a:p>
-            <a:endParaRPr lang="zh-CN" altLang="en-US" dirty="0"/>
-          </a:p>
-        </p:txBody>
-      </p:sp>
-      <p:sp>
-        <p:nvSpPr>
-          <p:cNvPr id="4" name="灯片编号占位符 3"/>
-          <p:cNvSpPr>
-            <a:spLocks noGrp="1"/>
-          </p:cNvSpPr>
-          <p:nvPr>
-            <p:ph type="sldNum" sz="quarter" idx="5"/>
-          </p:nvPr>
-        </p:nvSpPr>
-        <p:spPr/>
-        <p:txBody>
-          <a:bodyPr/>
-          <a:lstStyle/>
-          <a:p>
-            <a:pPr marL="0" marR="0" lvl="0" indent="0" algn="r" defTabSz="914400" rtl="0" eaLnBrk="1" fontAlgn="auto" latinLnBrk="0" hangingPunct="1">
-              <a:lnSpc>
-                <a:spcPct val="100000"/>
-              </a:lnSpc>
-              <a:spcBef>
-                <a:spcPts val="0"/>
-              </a:spcBef>
-              <a:spcAft>
-                <a:spcPts val="0"/>
-              </a:spcAft>
-              <a:buClrTx/>
-              <a:buSzTx/>
-              <a:buFontTx/>
-              <a:buNone/>
-              <a:tabLst/>
-              <a:defRPr/>
-            </a:pPr>
-            <a:fld id="{777B56A3-7137-4CC1-BEBB-9EC9BD9B38C0}" type="slidenum">
-              <a:rPr kumimoji="0" lang="zh-CN" altLang="en-US" sz="1200" b="0" i="0" u="none" strike="noStrike" kern="1200" cap="none" spc="0" normalizeH="0" baseline="0" noProof="0" smtClean="0">
-                <a:ln>
-                  <a:noFill/>
-                </a:ln>
-                <a:solidFill>
-                  <a:prstClr val="black"/>
-                </a:solidFill>
-                <a:effectLst/>
-                <a:uLnTx/>
-                <a:uFillTx/>
-                <a:latin typeface="等线" panose="020F0502020204030204"/>
-                <a:ea typeface="等线" panose="02010600030101010101" pitchFamily="2" charset="-122"/>
-                <a:cs typeface="+mn-cs"/>
-              </a:rPr>
-              <a:pPr marL="0" marR="0" lvl="0" indent="0" algn="r" defTabSz="914400" rtl="0" eaLnBrk="1" fontAlgn="auto" latinLnBrk="0" hangingPunct="1">
-                <a:lnSpc>
-                  <a:spcPct val="100000"/>
-                </a:lnSpc>
-                <a:spcBef>
-                  <a:spcPts val="0"/>
-                </a:spcBef>
-                <a:spcAft>
-                  <a:spcPts val="0"/>
-                </a:spcAft>
-                <a:buClrTx/>
-                <a:buSzTx/>
-                <a:buFontTx/>
-                <a:buNone/>
-                <a:tabLst/>
-                <a:defRPr/>
-              </a:pPr>
-              <a:t>45</a:t>
-            </a:fld>
-            <a:endParaRPr kumimoji="0" lang="zh-CN" altLang="en-US" sz="1200" b="0" i="0" u="none" strike="noStrike" kern="1200" cap="none" spc="0" normalizeH="0" baseline="0" noProof="0">
-              <a:ln>
-                <a:noFill/>
-              </a:ln>
-              <a:solidFill>
-                <a:prstClr val="black"/>
-              </a:solidFill>
-              <a:effectLst/>
-              <a:uLnTx/>
-              <a:uFillTx/>
-              <a:latin typeface="等线" panose="020F0502020204030204"/>
-              <a:ea typeface="等线" panose="02010600030101010101" pitchFamily="2" charset="-122"/>
-              <a:cs typeface="+mn-cs"/>
-            </a:endParaRPr>
-          </a:p>
-        </p:txBody>
-      </p:sp>
-    </p:spTree>
-    <p:extLst>
-      <p:ext uri="{BB962C8B-B14F-4D97-AF65-F5344CB8AC3E}">
-        <p14:creationId xmlns:p14="http://schemas.microsoft.com/office/powerpoint/2010/main" val="314983275"/>
-      </p:ext>
-    </p:extLst>
-  </p:cSld>
-  <p:clrMapOvr>
-    <a:masterClrMapping/>
-  </p:clrMapOvr>
-</p:notes>
-</file>
-
-<file path=ppt/notesSlides/notesSlide35.xml><?xml version="1.0" encoding="utf-8"?>
-<p:notes xmlns:a="http://schemas.openxmlformats.org/drawingml/2006/main" xmlns:r="http://schemas.openxmlformats.org/officeDocument/2006/relationships" xmlns:p="http://schemas.openxmlformats.org/presentationml/2006/main">
-  <p:cSld>
-    <p:spTree>
-      <p:nvGrpSpPr>
-        <p:cNvPr id="1" name=""/>
-        <p:cNvGrpSpPr/>
-        <p:nvPr/>
-      </p:nvGrpSpPr>
-      <p:grpSpPr>
-        <a:xfrm>
-          <a:off x="0" y="0"/>
-          <a:ext cx="0" cy="0"/>
-          <a:chOff x="0" y="0"/>
-          <a:chExt cx="0" cy="0"/>
-        </a:xfrm>
-      </p:grpSpPr>
-      <p:sp>
-        <p:nvSpPr>
-          <p:cNvPr id="2" name="幻灯片图像占位符 1"/>
-          <p:cNvSpPr>
-            <a:spLocks noGrp="1" noRot="1" noChangeAspect="1"/>
-          </p:cNvSpPr>
-          <p:nvPr>
-            <p:ph type="sldImg"/>
-          </p:nvPr>
-        </p:nvSpPr>
-        <p:spPr/>
-      </p:sp>
-      <p:sp>
-        <p:nvSpPr>
-          <p:cNvPr id="3" name="备注占位符 2"/>
-          <p:cNvSpPr>
-            <a:spLocks noGrp="1"/>
-          </p:cNvSpPr>
-          <p:nvPr>
-            <p:ph type="body" idx="1"/>
-          </p:nvPr>
-        </p:nvSpPr>
-        <p:spPr/>
-        <p:txBody>
-          <a:bodyPr/>
-          <a:lstStyle/>
-          <a:p>
-            <a:endParaRPr lang="zh-CN" altLang="en-US" dirty="0"/>
-          </a:p>
-        </p:txBody>
-      </p:sp>
-      <p:sp>
-        <p:nvSpPr>
-          <p:cNvPr id="4" name="灯片编号占位符 3"/>
-          <p:cNvSpPr>
-            <a:spLocks noGrp="1"/>
-          </p:cNvSpPr>
-          <p:nvPr>
-            <p:ph type="sldNum" sz="quarter" idx="5"/>
-          </p:nvPr>
-        </p:nvSpPr>
-        <p:spPr/>
-        <p:txBody>
-          <a:bodyPr/>
-          <a:lstStyle/>
-          <a:p>
-            <a:fld id="{777B56A3-7137-4CC1-BEBB-9EC9BD9B38C0}" type="slidenum">
-              <a:rPr lang="zh-CN" altLang="en-US" smtClean="0"/>
-              <a:t>46</a:t>
-            </a:fld>
-            <a:endParaRPr lang="zh-CN" altLang="en-US"/>
-          </a:p>
-        </p:txBody>
-      </p:sp>
-    </p:spTree>
-    <p:extLst>
-      <p:ext uri="{BB962C8B-B14F-4D97-AF65-F5344CB8AC3E}">
-        <p14:creationId xmlns:p14="http://schemas.microsoft.com/office/powerpoint/2010/main" val="3567510306"/>
+        <p14:creationId xmlns:p14="http://schemas.microsoft.com/office/powerpoint/2010/main" val="1768632376"/>
       </p:ext>
     </p:extLst>
   </p:cSld>
@@ -3190,7 +2899,7 @@
           <a:p>
             <a:fld id="{777B56A3-7137-4CC1-BEBB-9EC9BD9B38C0}" type="slidenum">
               <a:rPr lang="zh-CN" altLang="en-US" smtClean="0"/>
-              <a:t>6</a:t>
+              <a:t>5</a:t>
             </a:fld>
             <a:endParaRPr lang="zh-CN" altLang="en-US"/>
           </a:p>
@@ -3274,7 +2983,7 @@
           <a:p>
             <a:fld id="{777B56A3-7137-4CC1-BEBB-9EC9BD9B38C0}" type="slidenum">
               <a:rPr lang="zh-CN" altLang="en-US" smtClean="0"/>
-              <a:t>7</a:t>
+              <a:t>6</a:t>
             </a:fld>
             <a:endParaRPr lang="zh-CN" altLang="en-US"/>
           </a:p>
@@ -3358,7 +3067,7 @@
           <a:p>
             <a:fld id="{777B56A3-7137-4CC1-BEBB-9EC9BD9B38C0}" type="slidenum">
               <a:rPr lang="zh-CN" altLang="en-US" smtClean="0"/>
-              <a:t>9</a:t>
+              <a:t>8</a:t>
             </a:fld>
             <a:endParaRPr lang="zh-CN" altLang="en-US"/>
           </a:p>
@@ -3442,7 +3151,7 @@
           <a:p>
             <a:fld id="{777B56A3-7137-4CC1-BEBB-9EC9BD9B38C0}" type="slidenum">
               <a:rPr lang="zh-CN" altLang="en-US" smtClean="0"/>
-              <a:t>14</a:t>
+              <a:t>13</a:t>
             </a:fld>
             <a:endParaRPr lang="zh-CN" altLang="en-US"/>
           </a:p>
@@ -3526,7 +3235,7 @@
           <a:p>
             <a:fld id="{777B56A3-7137-4CC1-BEBB-9EC9BD9B38C0}" type="slidenum">
               <a:rPr lang="zh-CN" altLang="en-US" smtClean="0"/>
-              <a:t>15</a:t>
+              <a:t>14</a:t>
             </a:fld>
             <a:endParaRPr lang="zh-CN" altLang="en-US"/>
           </a:p>
@@ -3610,7 +3319,7 @@
           <a:p>
             <a:fld id="{777B56A3-7137-4CC1-BEBB-9EC9BD9B38C0}" type="slidenum">
               <a:rPr lang="zh-CN" altLang="en-US" smtClean="0"/>
-              <a:t>16</a:t>
+              <a:t>15</a:t>
             </a:fld>
             <a:endParaRPr lang="zh-CN" altLang="en-US"/>
           </a:p>
@@ -3776,7 +3485,7 @@
           <a:p>
             <a:fld id="{0469DC84-2479-4CF5-9CB6-F724586E97B1}" type="datetimeFigureOut">
               <a:rPr lang="zh-CN" altLang="en-US" smtClean="0"/>
-              <a:t>2018/12/24</a:t>
+              <a:t>2018/12/25</a:t>
             </a:fld>
             <a:endParaRPr lang="zh-CN" altLang="en-US"/>
           </a:p>
@@ -3974,7 +3683,7 @@
           <a:p>
             <a:fld id="{0469DC84-2479-4CF5-9CB6-F724586E97B1}" type="datetimeFigureOut">
               <a:rPr lang="zh-CN" altLang="en-US" smtClean="0"/>
-              <a:t>2018/12/24</a:t>
+              <a:t>2018/12/25</a:t>
             </a:fld>
             <a:endParaRPr lang="zh-CN" altLang="en-US"/>
           </a:p>
@@ -4182,7 +3891,7 @@
           <a:p>
             <a:fld id="{0469DC84-2479-4CF5-9CB6-F724586E97B1}" type="datetimeFigureOut">
               <a:rPr lang="zh-CN" altLang="en-US" smtClean="0"/>
-              <a:t>2018/12/24</a:t>
+              <a:t>2018/12/25</a:t>
             </a:fld>
             <a:endParaRPr lang="zh-CN" altLang="en-US"/>
           </a:p>
@@ -4380,7 +4089,7 @@
           <a:p>
             <a:fld id="{0469DC84-2479-4CF5-9CB6-F724586E97B1}" type="datetimeFigureOut">
               <a:rPr lang="zh-CN" altLang="en-US" smtClean="0"/>
-              <a:t>2018/12/24</a:t>
+              <a:t>2018/12/25</a:t>
             </a:fld>
             <a:endParaRPr lang="zh-CN" altLang="en-US"/>
           </a:p>
@@ -4655,7 +4364,7 @@
           <a:p>
             <a:fld id="{0469DC84-2479-4CF5-9CB6-F724586E97B1}" type="datetimeFigureOut">
               <a:rPr lang="zh-CN" altLang="en-US" smtClean="0"/>
-              <a:t>2018/12/24</a:t>
+              <a:t>2018/12/25</a:t>
             </a:fld>
             <a:endParaRPr lang="zh-CN" altLang="en-US"/>
           </a:p>
@@ -4920,7 +4629,7 @@
           <a:p>
             <a:fld id="{0469DC84-2479-4CF5-9CB6-F724586E97B1}" type="datetimeFigureOut">
               <a:rPr lang="zh-CN" altLang="en-US" smtClean="0"/>
-              <a:t>2018/12/24</a:t>
+              <a:t>2018/12/25</a:t>
             </a:fld>
             <a:endParaRPr lang="zh-CN" altLang="en-US"/>
           </a:p>
@@ -5332,7 +5041,7 @@
           <a:p>
             <a:fld id="{0469DC84-2479-4CF5-9CB6-F724586E97B1}" type="datetimeFigureOut">
               <a:rPr lang="zh-CN" altLang="en-US" smtClean="0"/>
-              <a:t>2018/12/24</a:t>
+              <a:t>2018/12/25</a:t>
             </a:fld>
             <a:endParaRPr lang="zh-CN" altLang="en-US"/>
           </a:p>
@@ -5473,7 +5182,7 @@
           <a:p>
             <a:fld id="{0469DC84-2479-4CF5-9CB6-F724586E97B1}" type="datetimeFigureOut">
               <a:rPr lang="zh-CN" altLang="en-US" smtClean="0"/>
-              <a:t>2018/12/24</a:t>
+              <a:t>2018/12/25</a:t>
             </a:fld>
             <a:endParaRPr lang="zh-CN" altLang="en-US"/>
           </a:p>
@@ -5586,7 +5295,7 @@
           <a:p>
             <a:fld id="{0469DC84-2479-4CF5-9CB6-F724586E97B1}" type="datetimeFigureOut">
               <a:rPr lang="zh-CN" altLang="en-US" smtClean="0"/>
-              <a:t>2018/12/24</a:t>
+              <a:t>2018/12/25</a:t>
             </a:fld>
             <a:endParaRPr lang="zh-CN" altLang="en-US"/>
           </a:p>
@@ -5897,7 +5606,7 @@
           <a:p>
             <a:fld id="{0469DC84-2479-4CF5-9CB6-F724586E97B1}" type="datetimeFigureOut">
               <a:rPr lang="zh-CN" altLang="en-US" smtClean="0"/>
-              <a:t>2018/12/24</a:t>
+              <a:t>2018/12/25</a:t>
             </a:fld>
             <a:endParaRPr lang="zh-CN" altLang="en-US"/>
           </a:p>
@@ -6185,7 +5894,7 @@
           <a:p>
             <a:fld id="{0469DC84-2479-4CF5-9CB6-F724586E97B1}" type="datetimeFigureOut">
               <a:rPr lang="zh-CN" altLang="en-US" smtClean="0"/>
-              <a:t>2018/12/24</a:t>
+              <a:t>2018/12/25</a:t>
             </a:fld>
             <a:endParaRPr lang="zh-CN" altLang="en-US"/>
           </a:p>
@@ -6426,7 +6135,7 @@
           <a:p>
             <a:fld id="{0469DC84-2479-4CF5-9CB6-F724586E97B1}" type="datetimeFigureOut">
               <a:rPr lang="zh-CN" altLang="en-US" smtClean="0"/>
-              <a:t>2018/12/24</a:t>
+              <a:t>2018/12/25</a:t>
             </a:fld>
             <a:endParaRPr lang="zh-CN" altLang="en-US"/>
           </a:p>
@@ -7015,7 +6724,7 @@
         </p:blipFill>
         <p:spPr>
           <a:xfrm>
-            <a:off x="1204512" y="5099062"/>
+            <a:off x="1167936" y="3696982"/>
             <a:ext cx="9402528" cy="889051"/>
           </a:xfrm>
           <a:prstGeom prst="rect">
@@ -7025,7 +6734,7 @@
       </p:pic>
       <p:pic>
         <p:nvPicPr>
-          <p:cNvPr id="18" name="图片 17"/>
+          <p:cNvPr id="5" name="图片 4"/>
           <p:cNvPicPr>
             <a:picLocks noChangeAspect="1"/>
           </p:cNvPicPr>
@@ -7039,8 +6748,8 @@
         </p:blipFill>
         <p:spPr>
           <a:xfrm>
-            <a:off x="2574123" y="3483772"/>
-            <a:ext cx="1502761" cy="1671901"/>
+            <a:off x="3234225" y="1975104"/>
+            <a:ext cx="2642319" cy="1721878"/>
           </a:xfrm>
           <a:prstGeom prst="rect">
             <a:avLst/>
@@ -7049,7 +6758,7 @@
       </p:pic>
       <p:pic>
         <p:nvPicPr>
-          <p:cNvPr id="19" name="图片 18"/>
+          <p:cNvPr id="6" name="图片 5"/>
           <p:cNvPicPr>
             <a:picLocks noChangeAspect="1"/>
           </p:cNvPicPr>
@@ -7063,8 +6772,8 @@
         </p:blipFill>
         <p:spPr>
           <a:xfrm>
-            <a:off x="4010855" y="2476565"/>
-            <a:ext cx="8181145" cy="1832997"/>
+            <a:off x="5869200" y="1975104"/>
+            <a:ext cx="6262347" cy="1235202"/>
           </a:xfrm>
           <a:prstGeom prst="rect">
             <a:avLst/>
@@ -7073,10 +6782,10 @@
       </p:pic>
       <p:pic>
         <p:nvPicPr>
-          <p:cNvPr id="12" name="图片 11">
+          <p:cNvPr id="8" name="图片 7">
             <a:extLst>
               <a:ext uri="{FF2B5EF4-FFF2-40B4-BE49-F238E27FC236}">
-                <a16:creationId xmlns:a16="http://schemas.microsoft.com/office/drawing/2014/main" id="{C22FA943-2FB5-4658-BFCE-C1F92647BFFF}"/>
+                <a16:creationId xmlns:a16="http://schemas.microsoft.com/office/drawing/2014/main" id="{FF7BFAD3-6C01-4054-97FC-51C033E74E06}"/>
               </a:ext>
             </a:extLst>
           </p:cNvPr>
@@ -7093,8 +6802,8 @@
         </p:blipFill>
         <p:spPr>
           <a:xfrm>
-            <a:off x="2050232" y="1871314"/>
-            <a:ext cx="3808912" cy="1461768"/>
+            <a:off x="2703666" y="814344"/>
+            <a:ext cx="3703436" cy="1160760"/>
           </a:xfrm>
           <a:prstGeom prst="rect">
             <a:avLst/>
@@ -7103,10 +6812,10 @@
       </p:pic>
       <p:sp>
         <p:nvSpPr>
-          <p:cNvPr id="14" name="内容占位符 3">
+          <p:cNvPr id="7" name="内容占位符 3">
             <a:extLst>
               <a:ext uri="{FF2B5EF4-FFF2-40B4-BE49-F238E27FC236}">
-                <a16:creationId xmlns:a16="http://schemas.microsoft.com/office/drawing/2014/main" id="{B717F545-3D59-4FBF-9169-A7F5E649860E}"/>
+                <a16:creationId xmlns:a16="http://schemas.microsoft.com/office/drawing/2014/main" id="{777459AD-618E-4284-981E-FD4430EF3F21}"/>
               </a:ext>
             </a:extLst>
           </p:cNvPr>
@@ -7117,7 +6826,7 @@
         </p:nvSpPr>
         <p:spPr>
           <a:xfrm>
-            <a:off x="1643032" y="815911"/>
+            <a:off x="6432513" y="796363"/>
             <a:ext cx="5135720" cy="598361"/>
           </a:xfrm>
           <a:prstGeom prst="rect">
@@ -7295,431 +7004,6 @@
           <a:p>
             <a:r>
               <a:rPr lang="en-US" altLang="zh-CN" dirty="0"/>
-              <a:t>00000C00~000017FF  </a:t>
-            </a:r>
-            <a:r>
-              <a:rPr lang="zh-CN" altLang="en-US" dirty="0"/>
-              <a:t> </a:t>
-            </a:r>
-            <a:r>
-              <a:rPr lang="en-US" altLang="zh-CN" dirty="0"/>
-              <a:t>3KB </a:t>
-            </a:r>
-          </a:p>
-        </p:txBody>
-      </p:sp>
-    </p:spTree>
-    <p:extLst>
-      <p:ext uri="{BB962C8B-B14F-4D97-AF65-F5344CB8AC3E}">
-        <p14:creationId xmlns:p14="http://schemas.microsoft.com/office/powerpoint/2010/main" val="104265285"/>
-      </p:ext>
-    </p:extLst>
-  </p:cSld>
-  <p:clrMapOvr>
-    <a:masterClrMapping/>
-  </p:clrMapOvr>
-  <p:timing>
-    <p:tnLst>
-      <p:par>
-        <p:cTn id="1" dur="indefinite" restart="never" nodeType="tmRoot">
-          <p:childTnLst>
-            <p:seq concurrent="1" nextAc="seek">
-              <p:cTn id="2" dur="indefinite" nodeType="mainSeq">
-                <p:childTnLst>
-                  <p:par>
-                    <p:cTn id="3" fill="hold">
-                      <p:stCondLst>
-                        <p:cond delay="indefinite"/>
-                      </p:stCondLst>
-                      <p:childTnLst>
-                        <p:par>
-                          <p:cTn id="4" fill="hold">
-                            <p:stCondLst>
-                              <p:cond delay="0"/>
-                            </p:stCondLst>
-                            <p:childTnLst>
-                              <p:par>
-                                <p:cTn id="5" presetID="10" presetClass="entr" presetSubtype="0" fill="hold" grpId="0" nodeType="clickEffect">
-                                  <p:stCondLst>
-                                    <p:cond delay="0"/>
-                                  </p:stCondLst>
-                                  <p:childTnLst>
-                                    <p:set>
-                                      <p:cBhvr>
-                                        <p:cTn id="6" dur="1" fill="hold">
-                                          <p:stCondLst>
-                                            <p:cond delay="0"/>
-                                          </p:stCondLst>
-                                        </p:cTn>
-                                        <p:tgtEl>
-                                          <p:spTgt spid="14"/>
-                                        </p:tgtEl>
-                                        <p:attrNameLst>
-                                          <p:attrName>style.visibility</p:attrName>
-                                        </p:attrNameLst>
-                                      </p:cBhvr>
-                                      <p:to>
-                                        <p:strVal val="visible"/>
-                                      </p:to>
-                                    </p:set>
-                                    <p:animEffect transition="in" filter="fade">
-                                      <p:cBhvr>
-                                        <p:cTn id="7" dur="500"/>
-                                        <p:tgtEl>
-                                          <p:spTgt spid="14"/>
-                                        </p:tgtEl>
-                                      </p:cBhvr>
-                                    </p:animEffect>
-                                  </p:childTnLst>
-                                </p:cTn>
-                              </p:par>
-                            </p:childTnLst>
-                          </p:cTn>
-                        </p:par>
-                      </p:childTnLst>
-                    </p:cTn>
-                  </p:par>
-                </p:childTnLst>
-              </p:cTn>
-              <p:prevCondLst>
-                <p:cond evt="onPrev" delay="0">
-                  <p:tgtEl>
-                    <p:sldTgt/>
-                  </p:tgtEl>
-                </p:cond>
-              </p:prevCondLst>
-              <p:nextCondLst>
-                <p:cond evt="onNext" delay="0">
-                  <p:tgtEl>
-                    <p:sldTgt/>
-                  </p:tgtEl>
-                </p:cond>
-              </p:nextCondLst>
-            </p:seq>
-          </p:childTnLst>
-        </p:cTn>
-      </p:par>
-    </p:tnLst>
-    <p:bldLst>
-      <p:bldP spid="14" grpId="0"/>
-    </p:bldLst>
-  </p:timing>
-</p:sld>
-</file>
-
-<file path=ppt/slides/slide11.xml><?xml version="1.0" encoding="utf-8"?>
-<p:sld xmlns:a="http://schemas.openxmlformats.org/drawingml/2006/main" xmlns:r="http://schemas.openxmlformats.org/officeDocument/2006/relationships" xmlns:p="http://schemas.openxmlformats.org/presentationml/2006/main">
-  <p:cSld>
-    <p:spTree>
-      <p:nvGrpSpPr>
-        <p:cNvPr id="1" name=""/>
-        <p:cNvGrpSpPr/>
-        <p:nvPr/>
-      </p:nvGrpSpPr>
-      <p:grpSpPr>
-        <a:xfrm>
-          <a:off x="0" y="0"/>
-          <a:ext cx="0" cy="0"/>
-          <a:chOff x="0" y="0"/>
-          <a:chExt cx="0" cy="0"/>
-        </a:xfrm>
-      </p:grpSpPr>
-      <p:pic>
-        <p:nvPicPr>
-          <p:cNvPr id="4" name="图片 3"/>
-          <p:cNvPicPr>
-            <a:picLocks noChangeAspect="1"/>
-          </p:cNvPicPr>
-          <p:nvPr/>
-        </p:nvPicPr>
-        <p:blipFill>
-          <a:blip r:embed="rId2"/>
-          <a:stretch>
-            <a:fillRect/>
-          </a:stretch>
-        </p:blipFill>
-        <p:spPr>
-          <a:xfrm>
-            <a:off x="1167936" y="3696982"/>
-            <a:ext cx="9402528" cy="889051"/>
-          </a:xfrm>
-          <a:prstGeom prst="rect">
-            <a:avLst/>
-          </a:prstGeom>
-        </p:spPr>
-      </p:pic>
-      <p:pic>
-        <p:nvPicPr>
-          <p:cNvPr id="5" name="图片 4"/>
-          <p:cNvPicPr>
-            <a:picLocks noChangeAspect="1"/>
-          </p:cNvPicPr>
-          <p:nvPr/>
-        </p:nvPicPr>
-        <p:blipFill>
-          <a:blip r:embed="rId3"/>
-          <a:stretch>
-            <a:fillRect/>
-          </a:stretch>
-        </p:blipFill>
-        <p:spPr>
-          <a:xfrm>
-            <a:off x="3234225" y="1975104"/>
-            <a:ext cx="2642319" cy="1721878"/>
-          </a:xfrm>
-          <a:prstGeom prst="rect">
-            <a:avLst/>
-          </a:prstGeom>
-        </p:spPr>
-      </p:pic>
-      <p:pic>
-        <p:nvPicPr>
-          <p:cNvPr id="6" name="图片 5"/>
-          <p:cNvPicPr>
-            <a:picLocks noChangeAspect="1"/>
-          </p:cNvPicPr>
-          <p:nvPr/>
-        </p:nvPicPr>
-        <p:blipFill>
-          <a:blip r:embed="rId4"/>
-          <a:stretch>
-            <a:fillRect/>
-          </a:stretch>
-        </p:blipFill>
-        <p:spPr>
-          <a:xfrm>
-            <a:off x="5869200" y="1975104"/>
-            <a:ext cx="6262347" cy="1235202"/>
-          </a:xfrm>
-          <a:prstGeom prst="rect">
-            <a:avLst/>
-          </a:prstGeom>
-        </p:spPr>
-      </p:pic>
-      <p:pic>
-        <p:nvPicPr>
-          <p:cNvPr id="8" name="图片 7">
-            <a:extLst>
-              <a:ext uri="{FF2B5EF4-FFF2-40B4-BE49-F238E27FC236}">
-                <a16:creationId xmlns:a16="http://schemas.microsoft.com/office/drawing/2014/main" id="{FF7BFAD3-6C01-4054-97FC-51C033E74E06}"/>
-              </a:ext>
-            </a:extLst>
-          </p:cNvPr>
-          <p:cNvPicPr>
-            <a:picLocks noChangeAspect="1"/>
-          </p:cNvPicPr>
-          <p:nvPr/>
-        </p:nvPicPr>
-        <p:blipFill>
-          <a:blip r:embed="rId5"/>
-          <a:stretch>
-            <a:fillRect/>
-          </a:stretch>
-        </p:blipFill>
-        <p:spPr>
-          <a:xfrm>
-            <a:off x="2703666" y="814344"/>
-            <a:ext cx="3703436" cy="1160760"/>
-          </a:xfrm>
-          <a:prstGeom prst="rect">
-            <a:avLst/>
-          </a:prstGeom>
-        </p:spPr>
-      </p:pic>
-      <p:sp>
-        <p:nvSpPr>
-          <p:cNvPr id="7" name="内容占位符 3">
-            <a:extLst>
-              <a:ext uri="{FF2B5EF4-FFF2-40B4-BE49-F238E27FC236}">
-                <a16:creationId xmlns:a16="http://schemas.microsoft.com/office/drawing/2014/main" id="{777459AD-618E-4284-981E-FD4430EF3F21}"/>
-              </a:ext>
-            </a:extLst>
-          </p:cNvPr>
-          <p:cNvSpPr txBox="1">
-            <a:spLocks/>
-          </p:cNvSpPr>
-          <p:nvPr/>
-        </p:nvSpPr>
-        <p:spPr>
-          <a:xfrm>
-            <a:off x="6432513" y="796363"/>
-            <a:ext cx="5135720" cy="598361"/>
-          </a:xfrm>
-          <a:prstGeom prst="rect">
-            <a:avLst/>
-          </a:prstGeom>
-        </p:spPr>
-        <p:txBody>
-          <a:bodyPr vert="horz" lIns="91440" tIns="45720" rIns="91440" bIns="45720" rtlCol="0">
-            <a:normAutofit/>
-          </a:bodyPr>
-          <a:lstStyle>
-            <a:lvl1pPr marL="0" indent="0" algn="ctr" defTabSz="914400" rtl="0" eaLnBrk="1" latinLnBrk="0" hangingPunct="1">
-              <a:lnSpc>
-                <a:spcPct val="90000"/>
-              </a:lnSpc>
-              <a:spcBef>
-                <a:spcPts val="1000"/>
-              </a:spcBef>
-              <a:buFont typeface="Arial" panose="020B0604020202020204" pitchFamily="34" charset="0"/>
-              <a:buNone/>
-              <a:defRPr sz="2400" kern="1200">
-                <a:solidFill>
-                  <a:schemeClr val="tx1"/>
-                </a:solidFill>
-                <a:latin typeface="+mn-lt"/>
-                <a:ea typeface="+mn-ea"/>
-                <a:cs typeface="+mn-cs"/>
-              </a:defRPr>
-            </a:lvl1pPr>
-            <a:lvl2pPr marL="457200" indent="0" algn="ctr" defTabSz="914400" rtl="0" eaLnBrk="1" latinLnBrk="0" hangingPunct="1">
-              <a:lnSpc>
-                <a:spcPct val="90000"/>
-              </a:lnSpc>
-              <a:spcBef>
-                <a:spcPts val="500"/>
-              </a:spcBef>
-              <a:buFont typeface="Arial" panose="020B0604020202020204" pitchFamily="34" charset="0"/>
-              <a:buNone/>
-              <a:defRPr sz="2000" kern="1200">
-                <a:solidFill>
-                  <a:schemeClr val="tx1"/>
-                </a:solidFill>
-                <a:latin typeface="+mn-lt"/>
-                <a:ea typeface="+mn-ea"/>
-                <a:cs typeface="+mn-cs"/>
-              </a:defRPr>
-            </a:lvl2pPr>
-            <a:lvl3pPr marL="914400" indent="0" algn="ctr" defTabSz="914400" rtl="0" eaLnBrk="1" latinLnBrk="0" hangingPunct="1">
-              <a:lnSpc>
-                <a:spcPct val="90000"/>
-              </a:lnSpc>
-              <a:spcBef>
-                <a:spcPts val="500"/>
-              </a:spcBef>
-              <a:buFont typeface="Arial" panose="020B0604020202020204" pitchFamily="34" charset="0"/>
-              <a:buNone/>
-              <a:defRPr sz="1800" kern="1200">
-                <a:solidFill>
-                  <a:schemeClr val="tx1"/>
-                </a:solidFill>
-                <a:latin typeface="+mn-lt"/>
-                <a:ea typeface="+mn-ea"/>
-                <a:cs typeface="+mn-cs"/>
-              </a:defRPr>
-            </a:lvl3pPr>
-            <a:lvl4pPr marL="1371600" indent="0" algn="ctr" defTabSz="914400" rtl="0" eaLnBrk="1" latinLnBrk="0" hangingPunct="1">
-              <a:lnSpc>
-                <a:spcPct val="90000"/>
-              </a:lnSpc>
-              <a:spcBef>
-                <a:spcPts val="500"/>
-              </a:spcBef>
-              <a:buFont typeface="Arial" panose="020B0604020202020204" pitchFamily="34" charset="0"/>
-              <a:buNone/>
-              <a:defRPr sz="1600" kern="1200">
-                <a:solidFill>
-                  <a:schemeClr val="tx1"/>
-                </a:solidFill>
-                <a:latin typeface="+mn-lt"/>
-                <a:ea typeface="+mn-ea"/>
-                <a:cs typeface="+mn-cs"/>
-              </a:defRPr>
-            </a:lvl4pPr>
-            <a:lvl5pPr marL="1828800" indent="0" algn="ctr" defTabSz="914400" rtl="0" eaLnBrk="1" latinLnBrk="0" hangingPunct="1">
-              <a:lnSpc>
-                <a:spcPct val="90000"/>
-              </a:lnSpc>
-              <a:spcBef>
-                <a:spcPts val="500"/>
-              </a:spcBef>
-              <a:buFont typeface="Arial" panose="020B0604020202020204" pitchFamily="34" charset="0"/>
-              <a:buNone/>
-              <a:defRPr sz="1600" kern="1200">
-                <a:solidFill>
-                  <a:schemeClr val="tx1"/>
-                </a:solidFill>
-                <a:latin typeface="+mn-lt"/>
-                <a:ea typeface="+mn-ea"/>
-                <a:cs typeface="+mn-cs"/>
-              </a:defRPr>
-            </a:lvl5pPr>
-            <a:lvl6pPr marL="2286000" indent="0" algn="ctr" defTabSz="914400" rtl="0" eaLnBrk="1" latinLnBrk="0" hangingPunct="1">
-              <a:lnSpc>
-                <a:spcPct val="90000"/>
-              </a:lnSpc>
-              <a:spcBef>
-                <a:spcPts val="500"/>
-              </a:spcBef>
-              <a:buFont typeface="Arial" panose="020B0604020202020204" pitchFamily="34" charset="0"/>
-              <a:buNone/>
-              <a:defRPr sz="1600" kern="1200">
-                <a:solidFill>
-                  <a:schemeClr val="tx1"/>
-                </a:solidFill>
-                <a:latin typeface="+mn-lt"/>
-                <a:ea typeface="+mn-ea"/>
-                <a:cs typeface="+mn-cs"/>
-              </a:defRPr>
-            </a:lvl6pPr>
-            <a:lvl7pPr marL="2743200" indent="0" algn="ctr" defTabSz="914400" rtl="0" eaLnBrk="1" latinLnBrk="0" hangingPunct="1">
-              <a:lnSpc>
-                <a:spcPct val="90000"/>
-              </a:lnSpc>
-              <a:spcBef>
-                <a:spcPts val="500"/>
-              </a:spcBef>
-              <a:buFont typeface="Arial" panose="020B0604020202020204" pitchFamily="34" charset="0"/>
-              <a:buNone/>
-              <a:defRPr sz="1600" kern="1200">
-                <a:solidFill>
-                  <a:schemeClr val="tx1"/>
-                </a:solidFill>
-                <a:latin typeface="+mn-lt"/>
-                <a:ea typeface="+mn-ea"/>
-                <a:cs typeface="+mn-cs"/>
-              </a:defRPr>
-            </a:lvl7pPr>
-            <a:lvl8pPr marL="3200400" indent="0" algn="ctr" defTabSz="914400" rtl="0" eaLnBrk="1" latinLnBrk="0" hangingPunct="1">
-              <a:lnSpc>
-                <a:spcPct val="90000"/>
-              </a:lnSpc>
-              <a:spcBef>
-                <a:spcPts val="500"/>
-              </a:spcBef>
-              <a:buFont typeface="Arial" panose="020B0604020202020204" pitchFamily="34" charset="0"/>
-              <a:buNone/>
-              <a:defRPr sz="1600" kern="1200">
-                <a:solidFill>
-                  <a:schemeClr val="tx1"/>
-                </a:solidFill>
-                <a:latin typeface="+mn-lt"/>
-                <a:ea typeface="+mn-ea"/>
-                <a:cs typeface="+mn-cs"/>
-              </a:defRPr>
-            </a:lvl8pPr>
-            <a:lvl9pPr marL="3657600" indent="0" algn="ctr" defTabSz="914400" rtl="0" eaLnBrk="1" latinLnBrk="0" hangingPunct="1">
-              <a:lnSpc>
-                <a:spcPct val="90000"/>
-              </a:lnSpc>
-              <a:spcBef>
-                <a:spcPts val="500"/>
-              </a:spcBef>
-              <a:buFont typeface="Arial" panose="020B0604020202020204" pitchFamily="34" charset="0"/>
-              <a:buNone/>
-              <a:defRPr sz="1600" kern="1200">
-                <a:solidFill>
-                  <a:schemeClr val="tx1"/>
-                </a:solidFill>
-                <a:latin typeface="+mn-lt"/>
-                <a:ea typeface="+mn-ea"/>
-                <a:cs typeface="+mn-cs"/>
-              </a:defRPr>
-            </a:lvl9pPr>
-          </a:lstStyle>
-          <a:p>
-            <a:r>
-              <a:rPr lang="en-US" altLang="zh-CN" dirty="0"/>
               <a:t>00001800~000037FF </a:t>
             </a:r>
             <a:r>
@@ -7832,7 +7116,7 @@
 </p:sld>
 </file>
 
-<file path=ppt/slides/slide12.xml><?xml version="1.0" encoding="utf-8"?>
+<file path=ppt/slides/slide11.xml><?xml version="1.0" encoding="utf-8"?>
 <p:sld xmlns:a="http://schemas.openxmlformats.org/drawingml/2006/main" xmlns:r="http://schemas.openxmlformats.org/officeDocument/2006/relationships" xmlns:p="http://schemas.openxmlformats.org/presentationml/2006/main">
   <p:cSld>
     <p:spTree>
@@ -8147,7 +7431,7 @@
 </p:sld>
 </file>
 
-<file path=ppt/slides/slide13.xml><?xml version="1.0" encoding="utf-8"?>
+<file path=ppt/slides/slide12.xml><?xml version="1.0" encoding="utf-8"?>
 <p:sld xmlns:a="http://schemas.openxmlformats.org/drawingml/2006/main" xmlns:r="http://schemas.openxmlformats.org/officeDocument/2006/relationships" xmlns:p="http://schemas.openxmlformats.org/presentationml/2006/main">
   <p:cSld>
     <p:spTree>
@@ -8409,7 +7693,7 @@
 </p:sld>
 </file>
 
-<file path=ppt/slides/slide14.xml><?xml version="1.0" encoding="utf-8"?>
+<file path=ppt/slides/slide13.xml><?xml version="1.0" encoding="utf-8"?>
 <p:sld xmlns:a="http://schemas.openxmlformats.org/drawingml/2006/main" xmlns:r="http://schemas.openxmlformats.org/officeDocument/2006/relationships" xmlns:p="http://schemas.openxmlformats.org/presentationml/2006/main">
   <p:cSld>
     <p:spTree>
@@ -8657,7 +7941,7 @@
 </p:sld>
 </file>
 
-<file path=ppt/slides/slide15.xml><?xml version="1.0" encoding="utf-8"?>
+<file path=ppt/slides/slide14.xml><?xml version="1.0" encoding="utf-8"?>
 <p:sld xmlns:a="http://schemas.openxmlformats.org/drawingml/2006/main" xmlns:r="http://schemas.openxmlformats.org/officeDocument/2006/relationships" xmlns:p="http://schemas.openxmlformats.org/presentationml/2006/main">
   <p:cSld>
     <p:spTree>
@@ -8849,7 +8133,7 @@
 </p:sld>
 </file>
 
-<file path=ppt/slides/slide16.xml><?xml version="1.0" encoding="utf-8"?>
+<file path=ppt/slides/slide15.xml><?xml version="1.0" encoding="utf-8"?>
 <p:sld xmlns:a="http://schemas.openxmlformats.org/drawingml/2006/main" xmlns:r="http://schemas.openxmlformats.org/officeDocument/2006/relationships" xmlns:p="http://schemas.openxmlformats.org/presentationml/2006/main">
   <p:cSld>
     <p:spTree>
@@ -9097,7 +8381,7 @@
 </p:sld>
 </file>
 
-<file path=ppt/slides/slide17.xml><?xml version="1.0" encoding="utf-8"?>
+<file path=ppt/slides/slide16.xml><?xml version="1.0" encoding="utf-8"?>
 <p:sld xmlns:a="http://schemas.openxmlformats.org/drawingml/2006/main" xmlns:r="http://schemas.openxmlformats.org/officeDocument/2006/relationships" xmlns:p="http://schemas.openxmlformats.org/presentationml/2006/main">
   <p:cSld>
     <p:spTree>
@@ -9286,7 +8570,7 @@
 </p:sld>
 </file>
 
-<file path=ppt/slides/slide18.xml><?xml version="1.0" encoding="utf-8"?>
+<file path=ppt/slides/slide17.xml><?xml version="1.0" encoding="utf-8"?>
 <p:sld xmlns:a="http://schemas.openxmlformats.org/drawingml/2006/main" xmlns:r="http://schemas.openxmlformats.org/officeDocument/2006/relationships" xmlns:p="http://schemas.openxmlformats.org/presentationml/2006/main">
   <p:cSld>
     <p:spTree>
@@ -9475,7 +8759,7 @@
 </p:sld>
 </file>
 
-<file path=ppt/slides/slide19.xml><?xml version="1.0" encoding="utf-8"?>
+<file path=ppt/slides/slide18.xml><?xml version="1.0" encoding="utf-8"?>
 <p:sld xmlns:a="http://schemas.openxmlformats.org/drawingml/2006/main" xmlns:r="http://schemas.openxmlformats.org/officeDocument/2006/relationships" xmlns:p="http://schemas.openxmlformats.org/presentationml/2006/main">
   <p:cSld>
     <p:spTree>
@@ -9598,104 +8882,7 @@
 </p:sld>
 </file>
 
-<file path=ppt/slides/slide2.xml><?xml version="1.0" encoding="utf-8"?>
-<p:sld xmlns:a="http://schemas.openxmlformats.org/drawingml/2006/main" xmlns:r="http://schemas.openxmlformats.org/officeDocument/2006/relationships" xmlns:p="http://schemas.openxmlformats.org/presentationml/2006/main">
-  <p:cSld>
-    <p:spTree>
-      <p:nvGrpSpPr>
-        <p:cNvPr id="1" name=""/>
-        <p:cNvGrpSpPr/>
-        <p:nvPr/>
-      </p:nvGrpSpPr>
-      <p:grpSpPr>
-        <a:xfrm>
-          <a:off x="0" y="0"/>
-          <a:ext cx="0" cy="0"/>
-          <a:chOff x="0" y="0"/>
-          <a:chExt cx="0" cy="0"/>
-        </a:xfrm>
-      </p:grpSpPr>
-      <p:sp>
-        <p:nvSpPr>
-          <p:cNvPr id="2" name="标题 1">
-            <a:extLst>
-              <a:ext uri="{FF2B5EF4-FFF2-40B4-BE49-F238E27FC236}">
-                <a16:creationId xmlns:a16="http://schemas.microsoft.com/office/drawing/2014/main" id="{3A01834E-07D2-448B-96F8-CEB0BBEBEAA2}"/>
-              </a:ext>
-            </a:extLst>
-          </p:cNvPr>
-          <p:cNvSpPr>
-            <a:spLocks noGrp="1"/>
-          </p:cNvSpPr>
-          <p:nvPr>
-            <p:ph type="title"/>
-          </p:nvPr>
-        </p:nvSpPr>
-        <p:spPr/>
-        <p:txBody>
-          <a:bodyPr/>
-          <a:lstStyle/>
-          <a:p>
-            <a:r>
-              <a:rPr lang="zh-CN" altLang="en-US" dirty="0"/>
-              <a:t>选读部分</a:t>
-            </a:r>
-            <a:r>
-              <a:rPr lang="en-US" altLang="zh-CN" dirty="0"/>
-              <a:t>-</a:t>
-            </a:r>
-            <a:r>
-              <a:rPr lang="zh-CN" altLang="en-US" dirty="0"/>
-              <a:t>文件系统</a:t>
-            </a:r>
-          </a:p>
-        </p:txBody>
-      </p:sp>
-      <p:pic>
-        <p:nvPicPr>
-          <p:cNvPr id="4" name="内容占位符 3">
-            <a:extLst>
-              <a:ext uri="{FF2B5EF4-FFF2-40B4-BE49-F238E27FC236}">
-                <a16:creationId xmlns:a16="http://schemas.microsoft.com/office/drawing/2014/main" id="{70CD832A-7A22-43E6-987F-5A8BE67D5293}"/>
-              </a:ext>
-            </a:extLst>
-          </p:cNvPr>
-          <p:cNvPicPr>
-            <a:picLocks noGrp="1" noChangeAspect="1"/>
-          </p:cNvPicPr>
-          <p:nvPr>
-            <p:ph idx="1"/>
-          </p:nvPr>
-        </p:nvPicPr>
-        <p:blipFill rotWithShape="1">
-          <a:blip r:embed="rId2"/>
-          <a:srcRect l="620" t="1193" b="1580"/>
-          <a:stretch/>
-        </p:blipFill>
-        <p:spPr>
-          <a:xfrm>
-            <a:off x="3084575" y="1877567"/>
-            <a:ext cx="6060675" cy="4230625"/>
-          </a:xfrm>
-          <a:prstGeom prst="rect">
-            <a:avLst/>
-          </a:prstGeom>
-        </p:spPr>
-      </p:pic>
-    </p:spTree>
-    <p:extLst>
-      <p:ext uri="{BB962C8B-B14F-4D97-AF65-F5344CB8AC3E}">
-        <p14:creationId xmlns:p14="http://schemas.microsoft.com/office/powerpoint/2010/main" val="2313258921"/>
-      </p:ext>
-    </p:extLst>
-  </p:cSld>
-  <p:clrMapOvr>
-    <a:masterClrMapping/>
-  </p:clrMapOvr>
-</p:sld>
-</file>
-
-<file path=ppt/slides/slide20.xml><?xml version="1.0" encoding="utf-8"?>
+<file path=ppt/slides/slide19.xml><?xml version="1.0" encoding="utf-8"?>
 <p:sld xmlns:a="http://schemas.openxmlformats.org/drawingml/2006/main" xmlns:r="http://schemas.openxmlformats.org/officeDocument/2006/relationships" xmlns:p="http://schemas.openxmlformats.org/presentationml/2006/main">
   <p:cSld>
     <p:spTree>
@@ -9941,7 +9128,104 @@
 </p:sld>
 </file>
 
-<file path=ppt/slides/slide21.xml><?xml version="1.0" encoding="utf-8"?>
+<file path=ppt/slides/slide2.xml><?xml version="1.0" encoding="utf-8"?>
+<p:sld xmlns:a="http://schemas.openxmlformats.org/drawingml/2006/main" xmlns:r="http://schemas.openxmlformats.org/officeDocument/2006/relationships" xmlns:p="http://schemas.openxmlformats.org/presentationml/2006/main">
+  <p:cSld>
+    <p:spTree>
+      <p:nvGrpSpPr>
+        <p:cNvPr id="1" name=""/>
+        <p:cNvGrpSpPr/>
+        <p:nvPr/>
+      </p:nvGrpSpPr>
+      <p:grpSpPr>
+        <a:xfrm>
+          <a:off x="0" y="0"/>
+          <a:ext cx="0" cy="0"/>
+          <a:chOff x="0" y="0"/>
+          <a:chExt cx="0" cy="0"/>
+        </a:xfrm>
+      </p:grpSpPr>
+      <p:sp>
+        <p:nvSpPr>
+          <p:cNvPr id="2" name="标题 1">
+            <a:extLst>
+              <a:ext uri="{FF2B5EF4-FFF2-40B4-BE49-F238E27FC236}">
+                <a16:creationId xmlns:a16="http://schemas.microsoft.com/office/drawing/2014/main" id="{3A01834E-07D2-448B-96F8-CEB0BBEBEAA2}"/>
+              </a:ext>
+            </a:extLst>
+          </p:cNvPr>
+          <p:cNvSpPr>
+            <a:spLocks noGrp="1"/>
+          </p:cNvSpPr>
+          <p:nvPr>
+            <p:ph type="title"/>
+          </p:nvPr>
+        </p:nvSpPr>
+        <p:spPr/>
+        <p:txBody>
+          <a:bodyPr/>
+          <a:lstStyle/>
+          <a:p>
+            <a:r>
+              <a:rPr lang="zh-CN" altLang="en-US" dirty="0"/>
+              <a:t>选读部分</a:t>
+            </a:r>
+            <a:r>
+              <a:rPr lang="en-US" altLang="zh-CN" dirty="0"/>
+              <a:t>-</a:t>
+            </a:r>
+            <a:r>
+              <a:rPr lang="zh-CN" altLang="en-US" dirty="0"/>
+              <a:t>文件系统</a:t>
+            </a:r>
+          </a:p>
+        </p:txBody>
+      </p:sp>
+      <p:pic>
+        <p:nvPicPr>
+          <p:cNvPr id="4" name="内容占位符 3">
+            <a:extLst>
+              <a:ext uri="{FF2B5EF4-FFF2-40B4-BE49-F238E27FC236}">
+                <a16:creationId xmlns:a16="http://schemas.microsoft.com/office/drawing/2014/main" id="{70CD832A-7A22-43E6-987F-5A8BE67D5293}"/>
+              </a:ext>
+            </a:extLst>
+          </p:cNvPr>
+          <p:cNvPicPr>
+            <a:picLocks noGrp="1" noChangeAspect="1"/>
+          </p:cNvPicPr>
+          <p:nvPr>
+            <p:ph idx="1"/>
+          </p:nvPr>
+        </p:nvPicPr>
+        <p:blipFill rotWithShape="1">
+          <a:blip r:embed="rId2"/>
+          <a:srcRect l="620" t="1193" b="1580"/>
+          <a:stretch/>
+        </p:blipFill>
+        <p:spPr>
+          <a:xfrm>
+            <a:off x="3084575" y="1877567"/>
+            <a:ext cx="6060675" cy="4230625"/>
+          </a:xfrm>
+          <a:prstGeom prst="rect">
+            <a:avLst/>
+          </a:prstGeom>
+        </p:spPr>
+      </p:pic>
+    </p:spTree>
+    <p:extLst>
+      <p:ext uri="{BB962C8B-B14F-4D97-AF65-F5344CB8AC3E}">
+        <p14:creationId xmlns:p14="http://schemas.microsoft.com/office/powerpoint/2010/main" val="2313258921"/>
+      </p:ext>
+    </p:extLst>
+  </p:cSld>
+  <p:clrMapOvr>
+    <a:masterClrMapping/>
+  </p:clrMapOvr>
+</p:sld>
+</file>
+
+<file path=ppt/slides/slide20.xml><?xml version="1.0" encoding="utf-8"?>
 <p:sld xmlns:a="http://schemas.openxmlformats.org/drawingml/2006/main" xmlns:r="http://schemas.openxmlformats.org/officeDocument/2006/relationships" xmlns:p="http://schemas.openxmlformats.org/presentationml/2006/main">
   <p:cSld>
     <p:spTree>
@@ -10036,7 +9320,7 @@
 </p:sld>
 </file>
 
-<file path=ppt/slides/slide22.xml><?xml version="1.0" encoding="utf-8"?>
+<file path=ppt/slides/slide21.xml><?xml version="1.0" encoding="utf-8"?>
 <p:sld xmlns:a="http://schemas.openxmlformats.org/drawingml/2006/main" xmlns:r="http://schemas.openxmlformats.org/officeDocument/2006/relationships" xmlns:p="http://schemas.openxmlformats.org/presentationml/2006/main">
   <p:cSld>
     <p:spTree>
@@ -10282,7 +9566,7 @@
 </p:sld>
 </file>
 
-<file path=ppt/slides/slide23.xml><?xml version="1.0" encoding="utf-8"?>
+<file path=ppt/slides/slide22.xml><?xml version="1.0" encoding="utf-8"?>
 <p:sld xmlns:a="http://schemas.openxmlformats.org/drawingml/2006/main" xmlns:r="http://schemas.openxmlformats.org/officeDocument/2006/relationships" xmlns:p="http://schemas.openxmlformats.org/presentationml/2006/main">
   <p:cSld>
     <p:spTree>
@@ -10400,7 +9684,7 @@
 </p:sld>
 </file>
 
-<file path=ppt/slides/slide24.xml><?xml version="1.0" encoding="utf-8"?>
+<file path=ppt/slides/slide23.xml><?xml version="1.0" encoding="utf-8"?>
 <p:sld xmlns:a="http://schemas.openxmlformats.org/drawingml/2006/main" xmlns:r="http://schemas.openxmlformats.org/officeDocument/2006/relationships" xmlns:p="http://schemas.openxmlformats.org/presentationml/2006/main">
   <p:cSld>
     <p:spTree>
@@ -10490,7 +9774,7 @@
 </p:sld>
 </file>
 
-<file path=ppt/slides/slide25.xml><?xml version="1.0" encoding="utf-8"?>
+<file path=ppt/slides/slide24.xml><?xml version="1.0" encoding="utf-8"?>
 <p:sld xmlns:a="http://schemas.openxmlformats.org/drawingml/2006/main" xmlns:r="http://schemas.openxmlformats.org/officeDocument/2006/relationships" xmlns:p="http://schemas.openxmlformats.org/presentationml/2006/main">
   <p:cSld>
     <p:spTree>
@@ -10732,7 +10016,7 @@
 </p:sld>
 </file>
 
-<file path=ppt/slides/slide26.xml><?xml version="1.0" encoding="utf-8"?>
+<file path=ppt/slides/slide25.xml><?xml version="1.0" encoding="utf-8"?>
 <p:sld xmlns:a="http://schemas.openxmlformats.org/drawingml/2006/main" xmlns:r="http://schemas.openxmlformats.org/officeDocument/2006/relationships" xmlns:p="http://schemas.openxmlformats.org/presentationml/2006/main">
   <p:cSld>
     <p:spTree>
@@ -10850,7 +10134,7 @@
 </p:sld>
 </file>
 
-<file path=ppt/slides/slide27.xml><?xml version="1.0" encoding="utf-8"?>
+<file path=ppt/slides/slide26.xml><?xml version="1.0" encoding="utf-8"?>
 <p:sld xmlns:a="http://schemas.openxmlformats.org/drawingml/2006/main" xmlns:r="http://schemas.openxmlformats.org/officeDocument/2006/relationships" xmlns:p="http://schemas.openxmlformats.org/presentationml/2006/main">
   <p:cSld>
     <p:spTree>
@@ -11096,7 +10380,7 @@
 </p:sld>
 </file>
 
-<file path=ppt/slides/slide28.xml><?xml version="1.0" encoding="utf-8"?>
+<file path=ppt/slides/slide27.xml><?xml version="1.0" encoding="utf-8"?>
 <p:sld xmlns:a="http://schemas.openxmlformats.org/drawingml/2006/main" xmlns:r="http://schemas.openxmlformats.org/officeDocument/2006/relationships" xmlns:p="http://schemas.openxmlformats.org/presentationml/2006/main">
   <p:cSld>
     <p:spTree>
@@ -11184,7 +10468,7 @@
 </p:sld>
 </file>
 
-<file path=ppt/slides/slide29.xml><?xml version="1.0" encoding="utf-8"?>
+<file path=ppt/slides/slide28.xml><?xml version="1.0" encoding="utf-8"?>
 <p:sld xmlns:a="http://schemas.openxmlformats.org/drawingml/2006/main" xmlns:r="http://schemas.openxmlformats.org/officeDocument/2006/relationships" xmlns:p="http://schemas.openxmlformats.org/presentationml/2006/main">
   <p:cSld>
     <p:spTree>
@@ -11274,102 +10558,7 @@
 </p:sld>
 </file>
 
-<file path=ppt/slides/slide3.xml><?xml version="1.0" encoding="utf-8"?>
-<p:sld xmlns:a="http://schemas.openxmlformats.org/drawingml/2006/main" xmlns:r="http://schemas.openxmlformats.org/officeDocument/2006/relationships" xmlns:p="http://schemas.openxmlformats.org/presentationml/2006/main">
-  <p:cSld>
-    <p:spTree>
-      <p:nvGrpSpPr>
-        <p:cNvPr id="1" name=""/>
-        <p:cNvGrpSpPr/>
-        <p:nvPr/>
-      </p:nvGrpSpPr>
-      <p:grpSpPr>
-        <a:xfrm>
-          <a:off x="0" y="0"/>
-          <a:ext cx="0" cy="0"/>
-          <a:chOff x="0" y="0"/>
-          <a:chExt cx="0" cy="0"/>
-        </a:xfrm>
-      </p:grpSpPr>
-      <p:sp>
-        <p:nvSpPr>
-          <p:cNvPr id="2" name="标题 1">
-            <a:extLst>
-              <a:ext uri="{FF2B5EF4-FFF2-40B4-BE49-F238E27FC236}">
-                <a16:creationId xmlns:a16="http://schemas.microsoft.com/office/drawing/2014/main" id="{3A01834E-07D2-448B-96F8-CEB0BBEBEAA2}"/>
-              </a:ext>
-            </a:extLst>
-          </p:cNvPr>
-          <p:cNvSpPr>
-            <a:spLocks noGrp="1"/>
-          </p:cNvSpPr>
-          <p:nvPr>
-            <p:ph type="title"/>
-          </p:nvPr>
-        </p:nvSpPr>
-        <p:spPr/>
-        <p:txBody>
-          <a:bodyPr/>
-          <a:lstStyle/>
-          <a:p>
-            <a:r>
-              <a:rPr lang="zh-CN" altLang="en-US" dirty="0"/>
-              <a:t>可视化</a:t>
-            </a:r>
-            <a:r>
-              <a:rPr lang="en-US" altLang="zh-CN" dirty="0"/>
-              <a:t>-Processing</a:t>
-            </a:r>
-            <a:endParaRPr lang="zh-CN" altLang="en-US" dirty="0"/>
-          </a:p>
-        </p:txBody>
-      </p:sp>
-      <p:sp>
-        <p:nvSpPr>
-          <p:cNvPr id="5" name="内容占位符 4">
-            <a:extLst>
-              <a:ext uri="{FF2B5EF4-FFF2-40B4-BE49-F238E27FC236}">
-                <a16:creationId xmlns:a16="http://schemas.microsoft.com/office/drawing/2014/main" id="{C5D61412-BD5B-4D9B-8FB5-999B36DAC5AF}"/>
-              </a:ext>
-            </a:extLst>
-          </p:cNvPr>
-          <p:cNvSpPr>
-            <a:spLocks noGrp="1"/>
-          </p:cNvSpPr>
-          <p:nvPr>
-            <p:ph idx="1"/>
-          </p:nvPr>
-        </p:nvSpPr>
-        <p:spPr/>
-        <p:txBody>
-          <a:bodyPr/>
-          <a:lstStyle/>
-          <a:p>
-            <a:pPr marL="0" indent="0">
-              <a:buNone/>
-            </a:pPr>
-            <a:r>
-              <a:rPr lang="en-US" altLang="zh-CN" dirty="0"/>
-              <a:t> </a:t>
-            </a:r>
-            <a:endParaRPr lang="zh-CN" altLang="en-US" dirty="0"/>
-          </a:p>
-        </p:txBody>
-      </p:sp>
-    </p:spTree>
-    <p:extLst>
-      <p:ext uri="{BB962C8B-B14F-4D97-AF65-F5344CB8AC3E}">
-        <p14:creationId xmlns:p14="http://schemas.microsoft.com/office/powerpoint/2010/main" val="4133029241"/>
-      </p:ext>
-    </p:extLst>
-  </p:cSld>
-  <p:clrMapOvr>
-    <a:masterClrMapping/>
-  </p:clrMapOvr>
-</p:sld>
-</file>
-
-<file path=ppt/slides/slide30.xml><?xml version="1.0" encoding="utf-8"?>
+<file path=ppt/slides/slide29.xml><?xml version="1.0" encoding="utf-8"?>
 <p:sld xmlns:a="http://schemas.openxmlformats.org/drawingml/2006/main" xmlns:r="http://schemas.openxmlformats.org/officeDocument/2006/relationships" xmlns:p="http://schemas.openxmlformats.org/presentationml/2006/main">
   <p:cSld>
     <p:spTree>
@@ -11611,7 +10800,252 @@
 </p:sld>
 </file>
 
-<file path=ppt/slides/slide31.xml><?xml version="1.0" encoding="utf-8"?>
+<file path=ppt/slides/slide3.xml><?xml version="1.0" encoding="utf-8"?>
+<p:sld xmlns:a="http://schemas.openxmlformats.org/drawingml/2006/main" xmlns:r="http://schemas.openxmlformats.org/officeDocument/2006/relationships" xmlns:p="http://schemas.openxmlformats.org/presentationml/2006/main">
+  <p:cSld>
+    <p:spTree>
+      <p:nvGrpSpPr>
+        <p:cNvPr id="1" name=""/>
+        <p:cNvGrpSpPr/>
+        <p:nvPr/>
+      </p:nvGrpSpPr>
+      <p:grpSpPr>
+        <a:xfrm>
+          <a:off x="0" y="0"/>
+          <a:ext cx="0" cy="0"/>
+          <a:chOff x="0" y="0"/>
+          <a:chExt cx="0" cy="0"/>
+        </a:xfrm>
+      </p:grpSpPr>
+      <p:sp>
+        <p:nvSpPr>
+          <p:cNvPr id="2" name="标题 1">
+            <a:extLst>
+              <a:ext uri="{FF2B5EF4-FFF2-40B4-BE49-F238E27FC236}">
+                <a16:creationId xmlns:a16="http://schemas.microsoft.com/office/drawing/2014/main" id="{3A01834E-07D2-448B-96F8-CEB0BBEBEAA2}"/>
+              </a:ext>
+            </a:extLst>
+          </p:cNvPr>
+          <p:cNvSpPr>
+            <a:spLocks noGrp="1"/>
+          </p:cNvSpPr>
+          <p:nvPr>
+            <p:ph type="title"/>
+          </p:nvPr>
+        </p:nvSpPr>
+        <p:spPr>
+          <a:xfrm>
+            <a:off x="838200" y="365125"/>
+            <a:ext cx="10515600" cy="1325563"/>
+          </a:xfrm>
+        </p:spPr>
+        <p:txBody>
+          <a:bodyPr/>
+          <a:lstStyle/>
+          <a:p>
+            <a:r>
+              <a:rPr lang="zh-CN" altLang="en-US" dirty="0"/>
+              <a:t>文件系统</a:t>
+            </a:r>
+            <a:r>
+              <a:rPr lang="en-US" altLang="zh-CN" dirty="0"/>
+              <a:t>-</a:t>
+            </a:r>
+            <a:r>
+              <a:rPr lang="zh-CN" altLang="en-US" dirty="0"/>
+              <a:t>静态展示</a:t>
+            </a:r>
+          </a:p>
+        </p:txBody>
+      </p:sp>
+      <p:pic>
+        <p:nvPicPr>
+          <p:cNvPr id="7" name="内容占位符 6">
+            <a:extLst>
+              <a:ext uri="{FF2B5EF4-FFF2-40B4-BE49-F238E27FC236}">
+                <a16:creationId xmlns:a16="http://schemas.microsoft.com/office/drawing/2014/main" id="{31107CF0-6A61-4E71-A28A-D28815A42A04}"/>
+              </a:ext>
+            </a:extLst>
+          </p:cNvPr>
+          <p:cNvPicPr>
+            <a:picLocks noGrp="1" noChangeAspect="1"/>
+          </p:cNvPicPr>
+          <p:nvPr>
+            <p:ph idx="1"/>
+          </p:nvPr>
+        </p:nvPicPr>
+        <p:blipFill>
+          <a:blip r:embed="rId3"/>
+          <a:stretch>
+            <a:fillRect/>
+          </a:stretch>
+        </p:blipFill>
+        <p:spPr>
+          <a:xfrm>
+            <a:off x="3171834" y="1825625"/>
+            <a:ext cx="5848332" cy="4351338"/>
+          </a:xfrm>
+          <a:prstGeom prst="rect">
+            <a:avLst/>
+          </a:prstGeom>
+        </p:spPr>
+      </p:pic>
+    </p:spTree>
+    <p:extLst>
+      <p:ext uri="{BB962C8B-B14F-4D97-AF65-F5344CB8AC3E}">
+        <p14:creationId xmlns:p14="http://schemas.microsoft.com/office/powerpoint/2010/main" val="1882435047"/>
+      </p:ext>
+    </p:extLst>
+  </p:cSld>
+  <p:clrMapOvr>
+    <a:masterClrMapping/>
+  </p:clrMapOvr>
+  <p:timing>
+    <p:tnLst>
+      <p:par>
+        <p:cTn id="1" dur="indefinite" restart="never" nodeType="tmRoot">
+          <p:childTnLst>
+            <p:seq concurrent="1" nextAc="seek">
+              <p:cTn id="2" dur="indefinite" nodeType="mainSeq">
+                <p:childTnLst>
+                  <p:par>
+                    <p:cTn id="3" fill="hold">
+                      <p:stCondLst>
+                        <p:cond delay="indefinite"/>
+                        <p:cond evt="onBegin" delay="0">
+                          <p:tn val="2"/>
+                        </p:cond>
+                      </p:stCondLst>
+                      <p:childTnLst>
+                        <p:par>
+                          <p:cTn id="4" fill="hold">
+                            <p:stCondLst>
+                              <p:cond delay="0"/>
+                            </p:stCondLst>
+                            <p:childTnLst>
+                              <p:par>
+                                <p:cTn id="5" presetID="10" presetClass="entr" presetSubtype="0" fill="hold" grpId="0" nodeType="withEffect">
+                                  <p:stCondLst>
+                                    <p:cond delay="0"/>
+                                  </p:stCondLst>
+                                  <p:childTnLst>
+                                    <p:set>
+                                      <p:cBhvr>
+                                        <p:cTn id="6" dur="1" fill="hold">
+                                          <p:stCondLst>
+                                            <p:cond delay="0"/>
+                                          </p:stCondLst>
+                                        </p:cTn>
+                                        <p:tgtEl>
+                                          <p:spTgt spid="2"/>
+                                        </p:tgtEl>
+                                        <p:attrNameLst>
+                                          <p:attrName>style.visibility</p:attrName>
+                                        </p:attrNameLst>
+                                      </p:cBhvr>
+                                      <p:to>
+                                        <p:strVal val="visible"/>
+                                      </p:to>
+                                    </p:set>
+                                    <p:animEffect transition="in" filter="fade">
+                                      <p:cBhvr>
+                                        <p:cTn id="7" dur="500"/>
+                                        <p:tgtEl>
+                                          <p:spTgt spid="2"/>
+                                        </p:tgtEl>
+                                      </p:cBhvr>
+                                    </p:animEffect>
+                                  </p:childTnLst>
+                                </p:cTn>
+                              </p:par>
+                            </p:childTnLst>
+                          </p:cTn>
+                        </p:par>
+                      </p:childTnLst>
+                    </p:cTn>
+                  </p:par>
+                  <p:par>
+                    <p:cTn id="8" fill="hold">
+                      <p:stCondLst>
+                        <p:cond delay="indefinite"/>
+                      </p:stCondLst>
+                      <p:childTnLst>
+                        <p:par>
+                          <p:cTn id="9" fill="hold">
+                            <p:stCondLst>
+                              <p:cond delay="0"/>
+                            </p:stCondLst>
+                            <p:childTnLst>
+                              <p:par>
+                                <p:cTn id="10" presetID="10" presetClass="entr" presetSubtype="0" fill="hold" nodeType="clickEffect">
+                                  <p:stCondLst>
+                                    <p:cond delay="0"/>
+                                  </p:stCondLst>
+                                  <p:childTnLst>
+                                    <p:set>
+                                      <p:cBhvr>
+                                        <p:cTn id="11" dur="1" fill="hold">
+                                          <p:stCondLst>
+                                            <p:cond delay="0"/>
+                                          </p:stCondLst>
+                                        </p:cTn>
+                                        <p:tgtEl>
+                                          <p:spTgt spid="7"/>
+                                        </p:tgtEl>
+                                        <p:attrNameLst>
+                                          <p:attrName>style.visibility</p:attrName>
+                                        </p:attrNameLst>
+                                      </p:cBhvr>
+                                      <p:to>
+                                        <p:strVal val="visible"/>
+                                      </p:to>
+                                    </p:set>
+                                    <p:animEffect transition="in" filter="fade">
+                                      <p:cBhvr>
+                                        <p:cTn id="12" dur="500"/>
+                                        <p:tgtEl>
+                                          <p:spTgt spid="7"/>
+                                        </p:tgtEl>
+                                      </p:cBhvr>
+                                    </p:animEffect>
+                                  </p:childTnLst>
+                                </p:cTn>
+                              </p:par>
+                            </p:childTnLst>
+                          </p:cTn>
+                        </p:par>
+                      </p:childTnLst>
+                    </p:cTn>
+                  </p:par>
+                </p:childTnLst>
+              </p:cTn>
+              <p:prevCondLst>
+                <p:cond evt="onPrev" delay="0">
+                  <p:tgtEl>
+                    <p:sldTgt/>
+                  </p:tgtEl>
+                </p:cond>
+              </p:prevCondLst>
+              <p:nextCondLst>
+                <p:cond evt="onNext" delay="0">
+                  <p:tgtEl>
+                    <p:sldTgt/>
+                  </p:tgtEl>
+                </p:cond>
+              </p:nextCondLst>
+            </p:seq>
+          </p:childTnLst>
+        </p:cTn>
+      </p:par>
+    </p:tnLst>
+    <p:bldLst>
+      <p:bldP spid="2" grpId="0"/>
+    </p:bldLst>
+  </p:timing>
+</p:sld>
+</file>
+
+<file path=ppt/slides/slide30.xml><?xml version="1.0" encoding="utf-8"?>
 <p:sld xmlns:a="http://schemas.openxmlformats.org/drawingml/2006/main" xmlns:r="http://schemas.openxmlformats.org/officeDocument/2006/relationships" xmlns:p="http://schemas.openxmlformats.org/presentationml/2006/main">
   <p:cSld>
     <p:spTree>
@@ -11699,7 +11133,7 @@
 </p:sld>
 </file>
 
-<file path=ppt/slides/slide32.xml><?xml version="1.0" encoding="utf-8"?>
+<file path=ppt/slides/slide31.xml><?xml version="1.0" encoding="utf-8"?>
 <p:sld xmlns:a="http://schemas.openxmlformats.org/drawingml/2006/main" xmlns:r="http://schemas.openxmlformats.org/officeDocument/2006/relationships" xmlns:p="http://schemas.openxmlformats.org/presentationml/2006/main">
   <p:cSld>
     <p:spTree>
@@ -11945,7 +11379,7 @@
 </p:sld>
 </file>
 
-<file path=ppt/slides/slide33.xml><?xml version="1.0" encoding="utf-8"?>
+<file path=ppt/slides/slide32.xml><?xml version="1.0" encoding="utf-8"?>
 <p:sld xmlns:a="http://schemas.openxmlformats.org/drawingml/2006/main" xmlns:r="http://schemas.openxmlformats.org/officeDocument/2006/relationships" xmlns:p="http://schemas.openxmlformats.org/presentationml/2006/main">
   <p:cSld>
     <p:spTree>
@@ -12033,7 +11467,7 @@
 </p:sld>
 </file>
 
-<file path=ppt/slides/slide34.xml><?xml version="1.0" encoding="utf-8"?>
+<file path=ppt/slides/slide33.xml><?xml version="1.0" encoding="utf-8"?>
 <p:sld xmlns:a="http://schemas.openxmlformats.org/drawingml/2006/main" xmlns:r="http://schemas.openxmlformats.org/officeDocument/2006/relationships" xmlns:p="http://schemas.openxmlformats.org/presentationml/2006/main">
   <p:cSld>
     <p:spTree>
@@ -12275,7 +11709,7 @@
 </p:sld>
 </file>
 
-<file path=ppt/slides/slide35.xml><?xml version="1.0" encoding="utf-8"?>
+<file path=ppt/slides/slide34.xml><?xml version="1.0" encoding="utf-8"?>
 <p:sld xmlns:a="http://schemas.openxmlformats.org/drawingml/2006/main" xmlns:r="http://schemas.openxmlformats.org/officeDocument/2006/relationships" xmlns:p="http://schemas.openxmlformats.org/presentationml/2006/main">
   <p:cSld>
     <p:spTree>
@@ -12461,7 +11895,7 @@
 </p:sld>
 </file>
 
-<file path=ppt/slides/slide36.xml><?xml version="1.0" encoding="utf-8"?>
+<file path=ppt/slides/slide35.xml><?xml version="1.0" encoding="utf-8"?>
 <p:sld xmlns:a="http://schemas.openxmlformats.org/drawingml/2006/main" xmlns:r="http://schemas.openxmlformats.org/officeDocument/2006/relationships" xmlns:p="http://schemas.openxmlformats.org/presentationml/2006/main">
   <p:cSld>
     <p:spTree>
@@ -12707,7 +12141,7 @@
 </p:sld>
 </file>
 
-<file path=ppt/slides/slide37.xml><?xml version="1.0" encoding="utf-8"?>
+<file path=ppt/slides/slide36.xml><?xml version="1.0" encoding="utf-8"?>
 <p:sld xmlns:a="http://schemas.openxmlformats.org/drawingml/2006/main" xmlns:r="http://schemas.openxmlformats.org/officeDocument/2006/relationships" xmlns:p="http://schemas.openxmlformats.org/presentationml/2006/main">
   <p:cSld>
     <p:spTree>
@@ -12953,7 +12387,7 @@
 </p:sld>
 </file>
 
-<file path=ppt/slides/slide38.xml><?xml version="1.0" encoding="utf-8"?>
+<file path=ppt/slides/slide37.xml><?xml version="1.0" encoding="utf-8"?>
 <p:sld xmlns:a="http://schemas.openxmlformats.org/drawingml/2006/main" xmlns:r="http://schemas.openxmlformats.org/officeDocument/2006/relationships" xmlns:p="http://schemas.openxmlformats.org/presentationml/2006/main">
   <p:cSld>
     <p:spTree>
@@ -13199,7 +12633,7 @@
 </p:sld>
 </file>
 
-<file path=ppt/slides/slide39.xml><?xml version="1.0" encoding="utf-8"?>
+<file path=ppt/slides/slide38.xml><?xml version="1.0" encoding="utf-8"?>
 <p:sld xmlns:a="http://schemas.openxmlformats.org/drawingml/2006/main" xmlns:r="http://schemas.openxmlformats.org/officeDocument/2006/relationships" xmlns:p="http://schemas.openxmlformats.org/presentationml/2006/main">
   <p:cSld>
     <p:spTree>
@@ -13445,252 +12879,7 @@
 </p:sld>
 </file>
 
-<file path=ppt/slides/slide4.xml><?xml version="1.0" encoding="utf-8"?>
-<p:sld xmlns:a="http://schemas.openxmlformats.org/drawingml/2006/main" xmlns:r="http://schemas.openxmlformats.org/officeDocument/2006/relationships" xmlns:p="http://schemas.openxmlformats.org/presentationml/2006/main">
-  <p:cSld>
-    <p:spTree>
-      <p:nvGrpSpPr>
-        <p:cNvPr id="1" name=""/>
-        <p:cNvGrpSpPr/>
-        <p:nvPr/>
-      </p:nvGrpSpPr>
-      <p:grpSpPr>
-        <a:xfrm>
-          <a:off x="0" y="0"/>
-          <a:ext cx="0" cy="0"/>
-          <a:chOff x="0" y="0"/>
-          <a:chExt cx="0" cy="0"/>
-        </a:xfrm>
-      </p:grpSpPr>
-      <p:sp>
-        <p:nvSpPr>
-          <p:cNvPr id="2" name="标题 1">
-            <a:extLst>
-              <a:ext uri="{FF2B5EF4-FFF2-40B4-BE49-F238E27FC236}">
-                <a16:creationId xmlns:a16="http://schemas.microsoft.com/office/drawing/2014/main" id="{3A01834E-07D2-448B-96F8-CEB0BBEBEAA2}"/>
-              </a:ext>
-            </a:extLst>
-          </p:cNvPr>
-          <p:cNvSpPr>
-            <a:spLocks noGrp="1"/>
-          </p:cNvSpPr>
-          <p:nvPr>
-            <p:ph type="title"/>
-          </p:nvPr>
-        </p:nvSpPr>
-        <p:spPr>
-          <a:xfrm>
-            <a:off x="838200" y="365125"/>
-            <a:ext cx="10515600" cy="1325563"/>
-          </a:xfrm>
-        </p:spPr>
-        <p:txBody>
-          <a:bodyPr/>
-          <a:lstStyle/>
-          <a:p>
-            <a:r>
-              <a:rPr lang="zh-CN" altLang="en-US" dirty="0"/>
-              <a:t>文件系统</a:t>
-            </a:r>
-            <a:r>
-              <a:rPr lang="en-US" altLang="zh-CN" dirty="0"/>
-              <a:t>-</a:t>
-            </a:r>
-            <a:r>
-              <a:rPr lang="zh-CN" altLang="en-US" dirty="0"/>
-              <a:t>静态展示</a:t>
-            </a:r>
-          </a:p>
-        </p:txBody>
-      </p:sp>
-      <p:pic>
-        <p:nvPicPr>
-          <p:cNvPr id="7" name="内容占位符 6">
-            <a:extLst>
-              <a:ext uri="{FF2B5EF4-FFF2-40B4-BE49-F238E27FC236}">
-                <a16:creationId xmlns:a16="http://schemas.microsoft.com/office/drawing/2014/main" id="{31107CF0-6A61-4E71-A28A-D28815A42A04}"/>
-              </a:ext>
-            </a:extLst>
-          </p:cNvPr>
-          <p:cNvPicPr>
-            <a:picLocks noGrp="1" noChangeAspect="1"/>
-          </p:cNvPicPr>
-          <p:nvPr>
-            <p:ph idx="1"/>
-          </p:nvPr>
-        </p:nvPicPr>
-        <p:blipFill>
-          <a:blip r:embed="rId3"/>
-          <a:stretch>
-            <a:fillRect/>
-          </a:stretch>
-        </p:blipFill>
-        <p:spPr>
-          <a:xfrm>
-            <a:off x="3171834" y="1825625"/>
-            <a:ext cx="5848332" cy="4351338"/>
-          </a:xfrm>
-          <a:prstGeom prst="rect">
-            <a:avLst/>
-          </a:prstGeom>
-        </p:spPr>
-      </p:pic>
-    </p:spTree>
-    <p:extLst>
-      <p:ext uri="{BB962C8B-B14F-4D97-AF65-F5344CB8AC3E}">
-        <p14:creationId xmlns:p14="http://schemas.microsoft.com/office/powerpoint/2010/main" val="1882435047"/>
-      </p:ext>
-    </p:extLst>
-  </p:cSld>
-  <p:clrMapOvr>
-    <a:masterClrMapping/>
-  </p:clrMapOvr>
-  <p:timing>
-    <p:tnLst>
-      <p:par>
-        <p:cTn id="1" dur="indefinite" restart="never" nodeType="tmRoot">
-          <p:childTnLst>
-            <p:seq concurrent="1" nextAc="seek">
-              <p:cTn id="2" dur="indefinite" nodeType="mainSeq">
-                <p:childTnLst>
-                  <p:par>
-                    <p:cTn id="3" fill="hold">
-                      <p:stCondLst>
-                        <p:cond delay="indefinite"/>
-                        <p:cond evt="onBegin" delay="0">
-                          <p:tn val="2"/>
-                        </p:cond>
-                      </p:stCondLst>
-                      <p:childTnLst>
-                        <p:par>
-                          <p:cTn id="4" fill="hold">
-                            <p:stCondLst>
-                              <p:cond delay="0"/>
-                            </p:stCondLst>
-                            <p:childTnLst>
-                              <p:par>
-                                <p:cTn id="5" presetID="10" presetClass="entr" presetSubtype="0" fill="hold" grpId="0" nodeType="withEffect">
-                                  <p:stCondLst>
-                                    <p:cond delay="0"/>
-                                  </p:stCondLst>
-                                  <p:childTnLst>
-                                    <p:set>
-                                      <p:cBhvr>
-                                        <p:cTn id="6" dur="1" fill="hold">
-                                          <p:stCondLst>
-                                            <p:cond delay="0"/>
-                                          </p:stCondLst>
-                                        </p:cTn>
-                                        <p:tgtEl>
-                                          <p:spTgt spid="2"/>
-                                        </p:tgtEl>
-                                        <p:attrNameLst>
-                                          <p:attrName>style.visibility</p:attrName>
-                                        </p:attrNameLst>
-                                      </p:cBhvr>
-                                      <p:to>
-                                        <p:strVal val="visible"/>
-                                      </p:to>
-                                    </p:set>
-                                    <p:animEffect transition="in" filter="fade">
-                                      <p:cBhvr>
-                                        <p:cTn id="7" dur="500"/>
-                                        <p:tgtEl>
-                                          <p:spTgt spid="2"/>
-                                        </p:tgtEl>
-                                      </p:cBhvr>
-                                    </p:animEffect>
-                                  </p:childTnLst>
-                                </p:cTn>
-                              </p:par>
-                            </p:childTnLst>
-                          </p:cTn>
-                        </p:par>
-                      </p:childTnLst>
-                    </p:cTn>
-                  </p:par>
-                  <p:par>
-                    <p:cTn id="8" fill="hold">
-                      <p:stCondLst>
-                        <p:cond delay="indefinite"/>
-                      </p:stCondLst>
-                      <p:childTnLst>
-                        <p:par>
-                          <p:cTn id="9" fill="hold">
-                            <p:stCondLst>
-                              <p:cond delay="0"/>
-                            </p:stCondLst>
-                            <p:childTnLst>
-                              <p:par>
-                                <p:cTn id="10" presetID="10" presetClass="entr" presetSubtype="0" fill="hold" nodeType="clickEffect">
-                                  <p:stCondLst>
-                                    <p:cond delay="0"/>
-                                  </p:stCondLst>
-                                  <p:childTnLst>
-                                    <p:set>
-                                      <p:cBhvr>
-                                        <p:cTn id="11" dur="1" fill="hold">
-                                          <p:stCondLst>
-                                            <p:cond delay="0"/>
-                                          </p:stCondLst>
-                                        </p:cTn>
-                                        <p:tgtEl>
-                                          <p:spTgt spid="7"/>
-                                        </p:tgtEl>
-                                        <p:attrNameLst>
-                                          <p:attrName>style.visibility</p:attrName>
-                                        </p:attrNameLst>
-                                      </p:cBhvr>
-                                      <p:to>
-                                        <p:strVal val="visible"/>
-                                      </p:to>
-                                    </p:set>
-                                    <p:animEffect transition="in" filter="fade">
-                                      <p:cBhvr>
-                                        <p:cTn id="12" dur="500"/>
-                                        <p:tgtEl>
-                                          <p:spTgt spid="7"/>
-                                        </p:tgtEl>
-                                      </p:cBhvr>
-                                    </p:animEffect>
-                                  </p:childTnLst>
-                                </p:cTn>
-                              </p:par>
-                            </p:childTnLst>
-                          </p:cTn>
-                        </p:par>
-                      </p:childTnLst>
-                    </p:cTn>
-                  </p:par>
-                </p:childTnLst>
-              </p:cTn>
-              <p:prevCondLst>
-                <p:cond evt="onPrev" delay="0">
-                  <p:tgtEl>
-                    <p:sldTgt/>
-                  </p:tgtEl>
-                </p:cond>
-              </p:prevCondLst>
-              <p:nextCondLst>
-                <p:cond evt="onNext" delay="0">
-                  <p:tgtEl>
-                    <p:sldTgt/>
-                  </p:tgtEl>
-                </p:cond>
-              </p:nextCondLst>
-            </p:seq>
-          </p:childTnLst>
-        </p:cTn>
-      </p:par>
-    </p:tnLst>
-    <p:bldLst>
-      <p:bldP spid="2" grpId="0"/>
-    </p:bldLst>
-  </p:timing>
-</p:sld>
-</file>
-
-<file path=ppt/slides/slide40.xml><?xml version="1.0" encoding="utf-8"?>
+<file path=ppt/slides/slide39.xml><?xml version="1.0" encoding="utf-8"?>
 <p:sld xmlns:a="http://schemas.openxmlformats.org/drawingml/2006/main" xmlns:r="http://schemas.openxmlformats.org/officeDocument/2006/relationships" xmlns:p="http://schemas.openxmlformats.org/presentationml/2006/main">
   <p:cSld>
     <p:spTree>
@@ -13936,7 +13125,252 @@
 </p:sld>
 </file>
 
-<file path=ppt/slides/slide41.xml><?xml version="1.0" encoding="utf-8"?>
+<file path=ppt/slides/slide4.xml><?xml version="1.0" encoding="utf-8"?>
+<p:sld xmlns:a="http://schemas.openxmlformats.org/drawingml/2006/main" xmlns:r="http://schemas.openxmlformats.org/officeDocument/2006/relationships" xmlns:p="http://schemas.openxmlformats.org/presentationml/2006/main">
+  <p:cSld>
+    <p:spTree>
+      <p:nvGrpSpPr>
+        <p:cNvPr id="1" name=""/>
+        <p:cNvGrpSpPr/>
+        <p:nvPr/>
+      </p:nvGrpSpPr>
+      <p:grpSpPr>
+        <a:xfrm>
+          <a:off x="0" y="0"/>
+          <a:ext cx="0" cy="0"/>
+          <a:chOff x="0" y="0"/>
+          <a:chExt cx="0" cy="0"/>
+        </a:xfrm>
+      </p:grpSpPr>
+      <p:sp>
+        <p:nvSpPr>
+          <p:cNvPr id="2" name="标题 1">
+            <a:extLst>
+              <a:ext uri="{FF2B5EF4-FFF2-40B4-BE49-F238E27FC236}">
+                <a16:creationId xmlns:a16="http://schemas.microsoft.com/office/drawing/2014/main" id="{3A01834E-07D2-448B-96F8-CEB0BBEBEAA2}"/>
+              </a:ext>
+            </a:extLst>
+          </p:cNvPr>
+          <p:cNvSpPr>
+            <a:spLocks noGrp="1"/>
+          </p:cNvSpPr>
+          <p:nvPr>
+            <p:ph type="title"/>
+          </p:nvPr>
+        </p:nvSpPr>
+        <p:spPr>
+          <a:xfrm>
+            <a:off x="838200" y="365125"/>
+            <a:ext cx="10515600" cy="1325563"/>
+          </a:xfrm>
+        </p:spPr>
+        <p:txBody>
+          <a:bodyPr/>
+          <a:lstStyle/>
+          <a:p>
+            <a:r>
+              <a:rPr lang="zh-CN" altLang="en-US" dirty="0"/>
+              <a:t>文件系统</a:t>
+            </a:r>
+            <a:r>
+              <a:rPr lang="en-US" altLang="zh-CN" dirty="0"/>
+              <a:t> hdc-0.11.img</a:t>
+            </a:r>
+            <a:endParaRPr lang="zh-CN" altLang="en-US" dirty="0"/>
+          </a:p>
+        </p:txBody>
+      </p:sp>
+      <p:pic>
+        <p:nvPicPr>
+          <p:cNvPr id="5" name="内容占位符 4">
+            <a:extLst>
+              <a:ext uri="{FF2B5EF4-FFF2-40B4-BE49-F238E27FC236}">
+                <a16:creationId xmlns:a16="http://schemas.microsoft.com/office/drawing/2014/main" id="{5C864220-035F-43C4-8101-EC2D7DAE6BE8}"/>
+              </a:ext>
+            </a:extLst>
+          </p:cNvPr>
+          <p:cNvPicPr>
+            <a:picLocks noGrp="1" noChangeAspect="1"/>
+          </p:cNvPicPr>
+          <p:nvPr>
+            <p:ph idx="1"/>
+          </p:nvPr>
+        </p:nvPicPr>
+        <p:blipFill>
+          <a:blip r:embed="rId3">
+            <a:extLst>
+              <a:ext uri="{28A0092B-C50C-407E-A947-70E740481C1C}">
+                <a14:useLocalDpi xmlns:a14="http://schemas.microsoft.com/office/drawing/2010/main" val="0"/>
+              </a:ext>
+            </a:extLst>
+          </a:blip>
+          <a:stretch>
+            <a:fillRect/>
+          </a:stretch>
+        </p:blipFill>
+        <p:spPr>
+          <a:xfrm>
+            <a:off x="2600325" y="2648744"/>
+            <a:ext cx="6991350" cy="2705100"/>
+          </a:xfrm>
+        </p:spPr>
+      </p:pic>
+    </p:spTree>
+    <p:extLst>
+      <p:ext uri="{BB962C8B-B14F-4D97-AF65-F5344CB8AC3E}">
+        <p14:creationId xmlns:p14="http://schemas.microsoft.com/office/powerpoint/2010/main" val="3728465773"/>
+      </p:ext>
+    </p:extLst>
+  </p:cSld>
+  <p:clrMapOvr>
+    <a:masterClrMapping/>
+  </p:clrMapOvr>
+  <p:timing>
+    <p:tnLst>
+      <p:par>
+        <p:cTn id="1" dur="indefinite" restart="never" nodeType="tmRoot">
+          <p:childTnLst>
+            <p:seq concurrent="1" nextAc="seek">
+              <p:cTn id="2" dur="indefinite" nodeType="mainSeq">
+                <p:childTnLst>
+                  <p:par>
+                    <p:cTn id="3" fill="hold">
+                      <p:stCondLst>
+                        <p:cond delay="indefinite"/>
+                        <p:cond evt="onBegin" delay="0">
+                          <p:tn val="2"/>
+                        </p:cond>
+                      </p:stCondLst>
+                      <p:childTnLst>
+                        <p:par>
+                          <p:cTn id="4" fill="hold">
+                            <p:stCondLst>
+                              <p:cond delay="0"/>
+                            </p:stCondLst>
+                            <p:childTnLst>
+                              <p:par>
+                                <p:cTn id="5" presetID="10" presetClass="entr" presetSubtype="0" fill="hold" grpId="0" nodeType="withEffect">
+                                  <p:stCondLst>
+                                    <p:cond delay="0"/>
+                                  </p:stCondLst>
+                                  <p:childTnLst>
+                                    <p:set>
+                                      <p:cBhvr>
+                                        <p:cTn id="6" dur="1" fill="hold">
+                                          <p:stCondLst>
+                                            <p:cond delay="0"/>
+                                          </p:stCondLst>
+                                        </p:cTn>
+                                        <p:tgtEl>
+                                          <p:spTgt spid="2"/>
+                                        </p:tgtEl>
+                                        <p:attrNameLst>
+                                          <p:attrName>style.visibility</p:attrName>
+                                        </p:attrNameLst>
+                                      </p:cBhvr>
+                                      <p:to>
+                                        <p:strVal val="visible"/>
+                                      </p:to>
+                                    </p:set>
+                                    <p:animEffect transition="in" filter="fade">
+                                      <p:cBhvr>
+                                        <p:cTn id="7" dur="500"/>
+                                        <p:tgtEl>
+                                          <p:spTgt spid="2"/>
+                                        </p:tgtEl>
+                                      </p:cBhvr>
+                                    </p:animEffect>
+                                  </p:childTnLst>
+                                </p:cTn>
+                              </p:par>
+                            </p:childTnLst>
+                          </p:cTn>
+                        </p:par>
+                      </p:childTnLst>
+                    </p:cTn>
+                  </p:par>
+                  <p:par>
+                    <p:cTn id="8" fill="hold">
+                      <p:stCondLst>
+                        <p:cond delay="indefinite"/>
+                      </p:stCondLst>
+                      <p:childTnLst>
+                        <p:par>
+                          <p:cTn id="9" fill="hold">
+                            <p:stCondLst>
+                              <p:cond delay="0"/>
+                            </p:stCondLst>
+                            <p:childTnLst>
+                              <p:par>
+                                <p:cTn id="10" presetID="10" presetClass="entr" presetSubtype="0" fill="hold" nodeType="clickEffect">
+                                  <p:stCondLst>
+                                    <p:cond delay="0"/>
+                                  </p:stCondLst>
+                                  <p:childTnLst>
+                                    <p:set>
+                                      <p:cBhvr>
+                                        <p:cTn id="11" dur="1" fill="hold">
+                                          <p:stCondLst>
+                                            <p:cond delay="0"/>
+                                          </p:stCondLst>
+                                        </p:cTn>
+                                        <p:tgtEl>
+                                          <p:spTgt spid="5"/>
+                                        </p:tgtEl>
+                                        <p:attrNameLst>
+                                          <p:attrName>style.visibility</p:attrName>
+                                        </p:attrNameLst>
+                                      </p:cBhvr>
+                                      <p:to>
+                                        <p:strVal val="visible"/>
+                                      </p:to>
+                                    </p:set>
+                                    <p:animEffect transition="in" filter="fade">
+                                      <p:cBhvr>
+                                        <p:cTn id="12" dur="500"/>
+                                        <p:tgtEl>
+                                          <p:spTgt spid="5"/>
+                                        </p:tgtEl>
+                                      </p:cBhvr>
+                                    </p:animEffect>
+                                  </p:childTnLst>
+                                </p:cTn>
+                              </p:par>
+                            </p:childTnLst>
+                          </p:cTn>
+                        </p:par>
+                      </p:childTnLst>
+                    </p:cTn>
+                  </p:par>
+                </p:childTnLst>
+              </p:cTn>
+              <p:prevCondLst>
+                <p:cond evt="onPrev" delay="0">
+                  <p:tgtEl>
+                    <p:sldTgt/>
+                  </p:tgtEl>
+                </p:cond>
+              </p:prevCondLst>
+              <p:nextCondLst>
+                <p:cond evt="onNext" delay="0">
+                  <p:tgtEl>
+                    <p:sldTgt/>
+                  </p:tgtEl>
+                </p:cond>
+              </p:nextCondLst>
+            </p:seq>
+          </p:childTnLst>
+        </p:cTn>
+      </p:par>
+    </p:tnLst>
+    <p:bldLst>
+      <p:bldP spid="2" grpId="0"/>
+    </p:bldLst>
+  </p:timing>
+</p:sld>
+</file>
+
+<file path=ppt/slides/slide40.xml><?xml version="1.0" encoding="utf-8"?>
 <p:sld xmlns:a="http://schemas.openxmlformats.org/drawingml/2006/main" xmlns:r="http://schemas.openxmlformats.org/officeDocument/2006/relationships" xmlns:p="http://schemas.openxmlformats.org/presentationml/2006/main">
   <p:cSld>
     <p:spTree>
@@ -14178,7 +13612,7 @@
 </p:sld>
 </file>
 
-<file path=ppt/slides/slide42.xml><?xml version="1.0" encoding="utf-8"?>
+<file path=ppt/slides/slide41.xml><?xml version="1.0" encoding="utf-8"?>
 <p:sld xmlns:a="http://schemas.openxmlformats.org/drawingml/2006/main" xmlns:r="http://schemas.openxmlformats.org/officeDocument/2006/relationships" xmlns:p="http://schemas.openxmlformats.org/presentationml/2006/main">
   <p:cSld>
     <p:spTree>
@@ -14421,8 +13855,13 @@
           <a:p>
             <a:r>
               <a:rPr lang="zh-CN" altLang="en-US" dirty="0"/>
-              <a:t>写入文件</a:t>
-            </a:r>
+              <a:t>写入文件            </a:t>
+            </a:r>
+            <a:r>
+              <a:rPr lang="en-US" altLang="zh-CN" dirty="0"/>
+              <a:t>echo hello &gt; hello </a:t>
+            </a:r>
+            <a:endParaRPr lang="zh-CN" altLang="en-US" dirty="0"/>
           </a:p>
         </p:txBody>
       </p:sp>
@@ -14495,7 +13934,7 @@
         </p:blipFill>
         <p:spPr>
           <a:xfrm>
-            <a:off x="4556872" y="5600011"/>
+            <a:off x="4567833" y="5580296"/>
             <a:ext cx="1751985" cy="468465"/>
           </a:xfrm>
           <a:prstGeom prst="rect">
@@ -14717,10 +14156,80 @@
           </a:p>
         </p:txBody>
       </p:sp>
+      <p:sp>
+        <p:nvSpPr>
+          <p:cNvPr id="25" name="矩形 24"/>
+          <p:cNvSpPr/>
+          <p:nvPr/>
+        </p:nvSpPr>
+        <p:spPr>
+          <a:xfrm>
+            <a:off x="4569141" y="6154553"/>
+            <a:ext cx="2768471" cy="369332"/>
+          </a:xfrm>
+          <a:prstGeom prst="rect">
+            <a:avLst/>
+          </a:prstGeom>
+        </p:spPr>
+        <p:txBody>
+          <a:bodyPr wrap="square">
+            <a:spAutoFit/>
+          </a:bodyPr>
+          <a:lstStyle/>
+          <a:p>
+            <a:r>
+              <a:rPr lang="en-US" altLang="zh-CN" dirty="0" err="1"/>
+              <a:t>Pos</a:t>
+            </a:r>
+            <a:r>
+              <a:rPr lang="en-US" altLang="zh-CN" dirty="0"/>
+              <a:t>/</a:t>
+            </a:r>
+            <a:r>
+              <a:rPr lang="en-US" altLang="zh-CN" dirty="0" err="1"/>
+              <a:t>block_size</a:t>
+            </a:r>
+            <a:r>
+              <a:rPr lang="en-US" altLang="zh-CN" dirty="0"/>
+              <a:t> </a:t>
+            </a:r>
+            <a:endParaRPr lang="zh-CN" altLang="en-US" dirty="0"/>
+          </a:p>
+        </p:txBody>
+      </p:sp>
+      <p:sp>
+        <p:nvSpPr>
+          <p:cNvPr id="26" name="矩形 25"/>
+          <p:cNvSpPr/>
+          <p:nvPr/>
+        </p:nvSpPr>
+        <p:spPr>
+          <a:xfrm>
+            <a:off x="7981411" y="5568398"/>
+            <a:ext cx="1093982" cy="369332"/>
+          </a:xfrm>
+          <a:prstGeom prst="rect">
+            <a:avLst/>
+          </a:prstGeom>
+        </p:spPr>
+        <p:txBody>
+          <a:bodyPr wrap="square">
+            <a:spAutoFit/>
+          </a:bodyPr>
+          <a:lstStyle/>
+          <a:p>
+            <a:r>
+              <a:rPr lang="en-US" altLang="zh-CN" dirty="0"/>
+              <a:t> </a:t>
+            </a:r>
+            <a:endParaRPr lang="zh-CN" altLang="en-US" dirty="0"/>
+          </a:p>
+        </p:txBody>
+      </p:sp>
     </p:spTree>
     <p:extLst>
       <p:ext uri="{BB962C8B-B14F-4D97-AF65-F5344CB8AC3E}">
-        <p14:creationId xmlns:p14="http://schemas.microsoft.com/office/powerpoint/2010/main" val="685476048"/>
+        <p14:creationId xmlns:p14="http://schemas.microsoft.com/office/powerpoint/2010/main" val="1292018141"/>
       </p:ext>
     </p:extLst>
   </p:cSld>
@@ -15481,221 +14990,33 @@
                       </p:childTnLst>
                     </p:cTn>
                   </p:par>
-                </p:childTnLst>
-              </p:cTn>
-              <p:prevCondLst>
-                <p:cond evt="onPrev" delay="0">
-                  <p:tgtEl>
-                    <p:sldTgt/>
-                  </p:tgtEl>
-                </p:cond>
-              </p:prevCondLst>
-              <p:nextCondLst>
-                <p:cond evt="onNext" delay="0">
-                  <p:tgtEl>
-                    <p:sldTgt/>
-                  </p:tgtEl>
-                </p:cond>
-              </p:nextCondLst>
-            </p:seq>
-          </p:childTnLst>
-        </p:cTn>
-      </p:par>
-    </p:tnLst>
-    <p:bldLst>
-      <p:bldP spid="17" grpId="0"/>
-      <p:bldP spid="19" grpId="0"/>
-      <p:bldP spid="23" grpId="0"/>
-      <p:bldP spid="24" grpId="0"/>
-      <p:bldP spid="27" grpId="0"/>
-      <p:bldP spid="28" grpId="0"/>
-    </p:bldLst>
-  </p:timing>
-</p:sld>
-</file>
-
-<file path=ppt/slides/slide43.xml><?xml version="1.0" encoding="utf-8"?>
-<p:sld xmlns:a="http://schemas.openxmlformats.org/drawingml/2006/main" xmlns:r="http://schemas.openxmlformats.org/officeDocument/2006/relationships" xmlns:p="http://schemas.openxmlformats.org/presentationml/2006/main">
-  <p:cSld>
-    <p:spTree>
-      <p:nvGrpSpPr>
-        <p:cNvPr id="1" name=""/>
-        <p:cNvGrpSpPr/>
-        <p:nvPr/>
-      </p:nvGrpSpPr>
-      <p:grpSpPr>
-        <a:xfrm>
-          <a:off x="0" y="0"/>
-          <a:ext cx="0" cy="0"/>
-          <a:chOff x="0" y="0"/>
-          <a:chExt cx="0" cy="0"/>
-        </a:xfrm>
-      </p:grpSpPr>
-      <p:sp>
-        <p:nvSpPr>
-          <p:cNvPr id="2" name="标题 1">
-            <a:extLst>
-              <a:ext uri="{FF2B5EF4-FFF2-40B4-BE49-F238E27FC236}">
-                <a16:creationId xmlns:a16="http://schemas.microsoft.com/office/drawing/2014/main" id="{B34009C7-0447-4059-AB96-5D748325252A}"/>
-              </a:ext>
-            </a:extLst>
-          </p:cNvPr>
-          <p:cNvSpPr>
-            <a:spLocks noGrp="1"/>
-          </p:cNvSpPr>
-          <p:nvPr>
-            <p:ph type="title"/>
-          </p:nvPr>
-        </p:nvSpPr>
-        <p:spPr/>
-        <p:txBody>
-          <a:bodyPr/>
-          <a:lstStyle/>
-          <a:p>
-            <a:r>
-              <a:rPr lang="zh-CN" altLang="en-US" dirty="0"/>
-              <a:t>关闭文件</a:t>
-            </a:r>
-          </a:p>
-        </p:txBody>
-      </p:sp>
-      <p:pic>
-        <p:nvPicPr>
-          <p:cNvPr id="7" name="图片 6">
-            <a:extLst>
-              <a:ext uri="{FF2B5EF4-FFF2-40B4-BE49-F238E27FC236}">
-                <a16:creationId xmlns:a16="http://schemas.microsoft.com/office/drawing/2014/main" id="{8BBD2E2B-84D5-4F3D-A2D3-1018900E7EAC}"/>
-              </a:ext>
-            </a:extLst>
-          </p:cNvPr>
-          <p:cNvPicPr>
-            <a:picLocks noChangeAspect="1"/>
-          </p:cNvPicPr>
-          <p:nvPr/>
-        </p:nvPicPr>
-        <p:blipFill>
-          <a:blip r:embed="rId3"/>
-          <a:stretch>
-            <a:fillRect/>
-          </a:stretch>
-        </p:blipFill>
-        <p:spPr>
-          <a:xfrm>
-            <a:off x="5965698" y="2386660"/>
-            <a:ext cx="2087762" cy="2084680"/>
-          </a:xfrm>
-          <a:prstGeom prst="rect">
-            <a:avLst/>
-          </a:prstGeom>
-        </p:spPr>
-      </p:pic>
-      <p:pic>
-        <p:nvPicPr>
-          <p:cNvPr id="8" name="图片 7">
-            <a:extLst>
-              <a:ext uri="{FF2B5EF4-FFF2-40B4-BE49-F238E27FC236}">
-                <a16:creationId xmlns:a16="http://schemas.microsoft.com/office/drawing/2014/main" id="{1C20E705-873A-4677-88B3-A758D50AFC9E}"/>
-              </a:ext>
-            </a:extLst>
-          </p:cNvPr>
-          <p:cNvPicPr>
-            <a:picLocks noChangeAspect="1"/>
-          </p:cNvPicPr>
-          <p:nvPr/>
-        </p:nvPicPr>
-        <p:blipFill>
-          <a:blip r:embed="rId4"/>
-          <a:stretch>
-            <a:fillRect/>
-          </a:stretch>
-        </p:blipFill>
-        <p:spPr>
-          <a:xfrm>
-            <a:off x="8569875" y="1253745"/>
-            <a:ext cx="1488063" cy="4350510"/>
-          </a:xfrm>
-          <a:prstGeom prst="rect">
-            <a:avLst/>
-          </a:prstGeom>
-        </p:spPr>
-      </p:pic>
-      <p:pic>
-        <p:nvPicPr>
-          <p:cNvPr id="12" name="内容占位符 11">
-            <a:extLst>
-              <a:ext uri="{FF2B5EF4-FFF2-40B4-BE49-F238E27FC236}">
-                <a16:creationId xmlns:a16="http://schemas.microsoft.com/office/drawing/2014/main" id="{C65D4FB8-8BAB-4D6A-8EA4-2DE5385B3359}"/>
-              </a:ext>
-            </a:extLst>
-          </p:cNvPr>
-          <p:cNvPicPr>
-            <a:picLocks noGrp="1" noChangeAspect="1"/>
-          </p:cNvPicPr>
-          <p:nvPr>
-            <p:ph idx="1"/>
-          </p:nvPr>
-        </p:nvPicPr>
-        <p:blipFill>
-          <a:blip r:embed="rId5"/>
-          <a:stretch>
-            <a:fillRect/>
-          </a:stretch>
-        </p:blipFill>
-        <p:spPr>
-          <a:xfrm>
-            <a:off x="1402080" y="1955797"/>
-            <a:ext cx="3927724" cy="2515543"/>
-          </a:xfrm>
-          <a:prstGeom prst="rect">
-            <a:avLst/>
-          </a:prstGeom>
-        </p:spPr>
-      </p:pic>
-    </p:spTree>
-    <p:extLst>
-      <p:ext uri="{BB962C8B-B14F-4D97-AF65-F5344CB8AC3E}">
-        <p14:creationId xmlns:p14="http://schemas.microsoft.com/office/powerpoint/2010/main" val="293321722"/>
-      </p:ext>
-    </p:extLst>
-  </p:cSld>
-  <p:clrMapOvr>
-    <a:masterClrMapping/>
-  </p:clrMapOvr>
-  <p:timing>
-    <p:tnLst>
-      <p:par>
-        <p:cTn id="1" dur="indefinite" restart="never" nodeType="tmRoot">
-          <p:childTnLst>
-            <p:seq concurrent="1" nextAc="seek">
-              <p:cTn id="2" dur="indefinite" nodeType="mainSeq">
-                <p:childTnLst>
                   <p:par>
-                    <p:cTn id="3" fill="hold">
+                    <p:cTn id="68" fill="hold">
                       <p:stCondLst>
                         <p:cond delay="indefinite"/>
                       </p:stCondLst>
                       <p:childTnLst>
                         <p:par>
-                          <p:cTn id="4" fill="hold">
+                          <p:cTn id="69" fill="hold">
                             <p:stCondLst>
                               <p:cond delay="0"/>
                             </p:stCondLst>
                             <p:childTnLst>
                               <p:par>
-                                <p:cTn id="5" presetID="10" presetClass="entr" presetSubtype="0" fill="hold" nodeType="clickEffect">
+                                <p:cTn id="70" presetID="1" presetClass="entr" presetSubtype="0" fill="hold" grpId="0" nodeType="clickEffect">
                                   <p:stCondLst>
                                     <p:cond delay="0"/>
                                   </p:stCondLst>
                                   <p:childTnLst>
                                     <p:set>
                                       <p:cBhvr>
-                                        <p:cTn id="6" dur="1" fill="hold">
+                                        <p:cTn id="71" dur="1" fill="hold">
                                           <p:stCondLst>
                                             <p:cond delay="0"/>
                                           </p:stCondLst>
                                         </p:cTn>
                                         <p:tgtEl>
-                                          <p:spTgt spid="7"/>
+                                          <p:spTgt spid="25"/>
                                         </p:tgtEl>
                                         <p:attrNameLst>
                                           <p:attrName>style.visibility</p:attrName>
@@ -15705,14 +15026,6 @@
                                         <p:strVal val="visible"/>
                                       </p:to>
                                     </p:set>
-                                    <p:animEffect transition="in" filter="fade">
-                                      <p:cBhvr>
-                                        <p:cTn id="7" dur="500"/>
-                                        <p:tgtEl>
-                                          <p:spTgt spid="7"/>
-                                        </p:tgtEl>
-                                      </p:cBhvr>
-                                    </p:animEffect>
                                   </p:childTnLst>
                                 </p:cTn>
                               </p:par>
@@ -15723,32 +15036,32 @@
                     </p:cTn>
                   </p:par>
                   <p:par>
-                    <p:cTn id="8" fill="hold">
+                    <p:cTn id="72" fill="hold">
                       <p:stCondLst>
                         <p:cond delay="indefinite"/>
                       </p:stCondLst>
                       <p:childTnLst>
                         <p:par>
-                          <p:cTn id="9" fill="hold">
+                          <p:cTn id="73" fill="hold">
                             <p:stCondLst>
                               <p:cond delay="0"/>
                             </p:stCondLst>
                             <p:childTnLst>
                               <p:par>
-                                <p:cTn id="10" presetID="10" presetClass="entr" presetSubtype="0" fill="hold" nodeType="clickEffect">
+                                <p:cTn id="74" presetID="1" presetClass="entr" presetSubtype="0" fill="hold" grpId="0" nodeType="clickEffect">
                                   <p:stCondLst>
                                     <p:cond delay="0"/>
                                   </p:stCondLst>
                                   <p:childTnLst>
                                     <p:set>
                                       <p:cBhvr>
-                                        <p:cTn id="11" dur="1" fill="hold">
+                                        <p:cTn id="75" dur="1" fill="hold">
                                           <p:stCondLst>
                                             <p:cond delay="0"/>
                                           </p:stCondLst>
                                         </p:cTn>
                                         <p:tgtEl>
-                                          <p:spTgt spid="8"/>
+                                          <p:spTgt spid="26"/>
                                         </p:tgtEl>
                                         <p:attrNameLst>
                                           <p:attrName>style.visibility</p:attrName>
@@ -15758,299 +15071,6 @@
                                         <p:strVal val="visible"/>
                                       </p:to>
                                     </p:set>
-                                    <p:animEffect transition="in" filter="fade">
-                                      <p:cBhvr>
-                                        <p:cTn id="12" dur="500"/>
-                                        <p:tgtEl>
-                                          <p:spTgt spid="8"/>
-                                        </p:tgtEl>
-                                      </p:cBhvr>
-                                    </p:animEffect>
-                                  </p:childTnLst>
-                                </p:cTn>
-                              </p:par>
-                            </p:childTnLst>
-                          </p:cTn>
-                        </p:par>
-                      </p:childTnLst>
-                    </p:cTn>
-                  </p:par>
-                  <p:par>
-                    <p:cTn id="13" fill="hold">
-                      <p:stCondLst>
-                        <p:cond delay="indefinite"/>
-                      </p:stCondLst>
-                      <p:childTnLst>
-                        <p:par>
-                          <p:cTn id="14" fill="hold">
-                            <p:stCondLst>
-                              <p:cond delay="0"/>
-                            </p:stCondLst>
-                            <p:childTnLst>
-                              <p:par>
-                                <p:cTn id="15" presetID="10" presetClass="entr" presetSubtype="0" fill="hold" nodeType="clickEffect">
-                                  <p:stCondLst>
-                                    <p:cond delay="0"/>
-                                  </p:stCondLst>
-                                  <p:childTnLst>
-                                    <p:set>
-                                      <p:cBhvr>
-                                        <p:cTn id="16" dur="1" fill="hold">
-                                          <p:stCondLst>
-                                            <p:cond delay="0"/>
-                                          </p:stCondLst>
-                                        </p:cTn>
-                                        <p:tgtEl>
-                                          <p:spTgt spid="12"/>
-                                        </p:tgtEl>
-                                        <p:attrNameLst>
-                                          <p:attrName>style.visibility</p:attrName>
-                                        </p:attrNameLst>
-                                      </p:cBhvr>
-                                      <p:to>
-                                        <p:strVal val="visible"/>
-                                      </p:to>
-                                    </p:set>
-                                    <p:animEffect transition="in" filter="fade">
-                                      <p:cBhvr>
-                                        <p:cTn id="17" dur="500"/>
-                                        <p:tgtEl>
-                                          <p:spTgt spid="12"/>
-                                        </p:tgtEl>
-                                      </p:cBhvr>
-                                    </p:animEffect>
-                                  </p:childTnLst>
-                                </p:cTn>
-                              </p:par>
-                            </p:childTnLst>
-                          </p:cTn>
-                        </p:par>
-                      </p:childTnLst>
-                    </p:cTn>
-                  </p:par>
-                </p:childTnLst>
-              </p:cTn>
-              <p:prevCondLst>
-                <p:cond evt="onPrev" delay="0">
-                  <p:tgtEl>
-                    <p:sldTgt/>
-                  </p:tgtEl>
-                </p:cond>
-              </p:prevCondLst>
-              <p:nextCondLst>
-                <p:cond evt="onNext" delay="0">
-                  <p:tgtEl>
-                    <p:sldTgt/>
-                  </p:tgtEl>
-                </p:cond>
-              </p:nextCondLst>
-            </p:seq>
-          </p:childTnLst>
-        </p:cTn>
-      </p:par>
-    </p:tnLst>
-  </p:timing>
-</p:sld>
-</file>
-
-<file path=ppt/slides/slide44.xml><?xml version="1.0" encoding="utf-8"?>
-<p:sld xmlns:a="http://schemas.openxmlformats.org/drawingml/2006/main" xmlns:r="http://schemas.openxmlformats.org/officeDocument/2006/relationships" xmlns:p="http://schemas.openxmlformats.org/presentationml/2006/main">
-  <p:cSld>
-    <p:spTree>
-      <p:nvGrpSpPr>
-        <p:cNvPr id="1" name=""/>
-        <p:cNvGrpSpPr/>
-        <p:nvPr/>
-      </p:nvGrpSpPr>
-      <p:grpSpPr>
-        <a:xfrm>
-          <a:off x="0" y="0"/>
-          <a:ext cx="0" cy="0"/>
-          <a:chOff x="0" y="0"/>
-          <a:chExt cx="0" cy="0"/>
-        </a:xfrm>
-      </p:grpSpPr>
-      <p:pic>
-        <p:nvPicPr>
-          <p:cNvPr id="17" name="内容占位符 16">
-            <a:extLst>
-              <a:ext uri="{FF2B5EF4-FFF2-40B4-BE49-F238E27FC236}">
-                <a16:creationId xmlns:a16="http://schemas.microsoft.com/office/drawing/2014/main" id="{F8D2D2A6-B970-456F-AB9E-68A2C9228731}"/>
-              </a:ext>
-            </a:extLst>
-          </p:cNvPr>
-          <p:cNvPicPr>
-            <a:picLocks noGrp="1" noChangeAspect="1"/>
-          </p:cNvPicPr>
-          <p:nvPr>
-            <p:ph idx="1"/>
-          </p:nvPr>
-        </p:nvPicPr>
-        <p:blipFill>
-          <a:blip r:embed="rId3">
-            <a:extLst>
-              <a:ext uri="{28A0092B-C50C-407E-A947-70E740481C1C}">
-                <a14:useLocalDpi xmlns:a14="http://schemas.microsoft.com/office/drawing/2010/main" val="0"/>
-              </a:ext>
-            </a:extLst>
-          </a:blip>
-          <a:stretch>
-            <a:fillRect/>
-          </a:stretch>
-        </p:blipFill>
-        <p:spPr>
-          <a:xfrm>
-            <a:off x="910537" y="597408"/>
-            <a:ext cx="10434319" cy="6260592"/>
-          </a:xfrm>
-        </p:spPr>
-      </p:pic>
-      <p:sp>
-        <p:nvSpPr>
-          <p:cNvPr id="2" name="标题 1">
-            <a:extLst>
-              <a:ext uri="{FF2B5EF4-FFF2-40B4-BE49-F238E27FC236}">
-                <a16:creationId xmlns:a16="http://schemas.microsoft.com/office/drawing/2014/main" id="{B34009C7-0447-4059-AB96-5D748325252A}"/>
-              </a:ext>
-            </a:extLst>
-          </p:cNvPr>
-          <p:cNvSpPr>
-            <a:spLocks noGrp="1"/>
-          </p:cNvSpPr>
-          <p:nvPr>
-            <p:ph type="title"/>
-          </p:nvPr>
-        </p:nvSpPr>
-        <p:spPr/>
-        <p:txBody>
-          <a:bodyPr/>
-          <a:lstStyle/>
-          <a:p>
-            <a:r>
-              <a:rPr lang="zh-CN" altLang="en-US" dirty="0"/>
-              <a:t>统计数据</a:t>
-            </a:r>
-          </a:p>
-        </p:txBody>
-      </p:sp>
-    </p:spTree>
-    <p:extLst>
-      <p:ext uri="{BB962C8B-B14F-4D97-AF65-F5344CB8AC3E}">
-        <p14:creationId xmlns:p14="http://schemas.microsoft.com/office/powerpoint/2010/main" val="3638200178"/>
-      </p:ext>
-    </p:extLst>
-  </p:cSld>
-  <p:clrMapOvr>
-    <a:masterClrMapping/>
-  </p:clrMapOvr>
-  <p:timing>
-    <p:tnLst>
-      <p:par>
-        <p:cTn id="1" dur="indefinite" restart="never" nodeType="tmRoot">
-          <p:childTnLst>
-            <p:seq concurrent="1" nextAc="seek">
-              <p:cTn id="2" dur="indefinite" nodeType="mainSeq">
-                <p:childTnLst>
-                  <p:par>
-                    <p:cTn id="3" fill="hold">
-                      <p:stCondLst>
-                        <p:cond delay="indefinite"/>
-                        <p:cond evt="onBegin" delay="0">
-                          <p:tn val="2"/>
-                        </p:cond>
-                      </p:stCondLst>
-                      <p:childTnLst>
-                        <p:par>
-                          <p:cTn id="4" fill="hold">
-                            <p:stCondLst>
-                              <p:cond delay="0"/>
-                            </p:stCondLst>
-                            <p:childTnLst>
-                              <p:par>
-                                <p:cTn id="5" presetID="10" presetClass="entr" presetSubtype="0" fill="hold" grpId="0" nodeType="withEffect">
-                                  <p:stCondLst>
-                                    <p:cond delay="0"/>
-                                  </p:stCondLst>
-                                  <p:childTnLst>
-                                    <p:set>
-                                      <p:cBhvr>
-                                        <p:cTn id="6" dur="1" fill="hold">
-                                          <p:stCondLst>
-                                            <p:cond delay="0"/>
-                                          </p:stCondLst>
-                                        </p:cTn>
-                                        <p:tgtEl>
-                                          <p:spTgt spid="2"/>
-                                        </p:tgtEl>
-                                        <p:attrNameLst>
-                                          <p:attrName>style.visibility</p:attrName>
-                                        </p:attrNameLst>
-                                      </p:cBhvr>
-                                      <p:to>
-                                        <p:strVal val="visible"/>
-                                      </p:to>
-                                    </p:set>
-                                    <p:animEffect transition="in" filter="fade">
-                                      <p:cBhvr>
-                                        <p:cTn id="7" dur="500"/>
-                                        <p:tgtEl>
-                                          <p:spTgt spid="2"/>
-                                        </p:tgtEl>
-                                      </p:cBhvr>
-                                    </p:animEffect>
-                                  </p:childTnLst>
-                                </p:cTn>
-                              </p:par>
-                            </p:childTnLst>
-                          </p:cTn>
-                        </p:par>
-                      </p:childTnLst>
-                    </p:cTn>
-                  </p:par>
-                  <p:par>
-                    <p:cTn id="8" fill="hold">
-                      <p:stCondLst>
-                        <p:cond delay="indefinite"/>
-                      </p:stCondLst>
-                      <p:childTnLst>
-                        <p:par>
-                          <p:cTn id="9" fill="hold">
-                            <p:stCondLst>
-                              <p:cond delay="0"/>
-                            </p:stCondLst>
-                            <p:childTnLst>
-                              <p:par>
-                                <p:cTn id="10" presetID="10" presetClass="entr" presetSubtype="0" fill="hold" nodeType="clickEffect">
-                                  <p:stCondLst>
-                                    <p:cond delay="0"/>
-                                  </p:stCondLst>
-                                  <p:childTnLst>
-                                    <p:set>
-                                      <p:cBhvr>
-                                        <p:cTn id="11" dur="1" fill="hold">
-                                          <p:stCondLst>
-                                            <p:cond delay="0"/>
-                                          </p:stCondLst>
-                                        </p:cTn>
-                                        <p:tgtEl>
-                                          <p:spTgt spid="17"/>
-                                        </p:tgtEl>
-                                        <p:attrNameLst>
-                                          <p:attrName>style.visibility</p:attrName>
-                                        </p:attrNameLst>
-                                      </p:cBhvr>
-                                      <p:to>
-                                        <p:strVal val="visible"/>
-                                      </p:to>
-                                    </p:set>
-                                    <p:animEffect transition="in" filter="fade">
-                                      <p:cBhvr>
-                                        <p:cTn id="12" dur="500"/>
-                                        <p:tgtEl>
-                                          <p:spTgt spid="17"/>
-                                        </p:tgtEl>
-                                      </p:cBhvr>
-                                    </p:animEffect>
                                   </p:childTnLst>
                                 </p:cTn>
                               </p:par>
@@ -16082,13 +15102,20 @@
       </p:par>
     </p:tnLst>
     <p:bldLst>
-      <p:bldP spid="2" grpId="0"/>
+      <p:bldP spid="17" grpId="0"/>
+      <p:bldP spid="19" grpId="0"/>
+      <p:bldP spid="23" grpId="0"/>
+      <p:bldP spid="24" grpId="0"/>
+      <p:bldP spid="27" grpId="0"/>
+      <p:bldP spid="28" grpId="0"/>
+      <p:bldP spid="25" grpId="0"/>
+      <p:bldP spid="26" grpId="0"/>
     </p:bldLst>
   </p:timing>
 </p:sld>
 </file>
 
-<file path=ppt/slides/slide45.xml><?xml version="1.0" encoding="utf-8"?>
+<file path=ppt/slides/slide42.xml><?xml version="1.0" encoding="utf-8"?>
 <p:sld xmlns:a="http://schemas.openxmlformats.org/drawingml/2006/main" xmlns:r="http://schemas.openxmlformats.org/officeDocument/2006/relationships" xmlns:p="http://schemas.openxmlformats.org/presentationml/2006/main">
   <p:cSld>
     <p:spTree>
@@ -16121,57 +15148,539 @@
             <p:ph type="title"/>
           </p:nvPr>
         </p:nvSpPr>
-        <p:spPr/>
+        <p:spPr>
+          <a:xfrm>
+            <a:off x="124076" y="-39243"/>
+            <a:ext cx="10515600" cy="1325563"/>
+          </a:xfrm>
+        </p:spPr>
         <p:txBody>
           <a:bodyPr/>
           <a:lstStyle/>
           <a:p>
             <a:r>
               <a:rPr lang="zh-CN" altLang="en-US" dirty="0"/>
-              <a:t>统计数据</a:t>
+              <a:t>关闭文件</a:t>
             </a:r>
           </a:p>
         </p:txBody>
       </p:sp>
       <p:pic>
         <p:nvPicPr>
-          <p:cNvPr id="7" name="内容占位符 6">
+          <p:cNvPr id="9" name="图片 8">
             <a:extLst>
               <a:ext uri="{FF2B5EF4-FFF2-40B4-BE49-F238E27FC236}">
-                <a16:creationId xmlns:a16="http://schemas.microsoft.com/office/drawing/2014/main" id="{5BFFB27B-ECAD-4CFB-87C8-F6A8CCEB640B}"/>
+                <a16:creationId xmlns:a16="http://schemas.microsoft.com/office/drawing/2014/main" id="{1C20E705-873A-4677-88B3-A758D50AFC9E}"/>
               </a:ext>
             </a:extLst>
           </p:cNvPr>
           <p:cNvPicPr>
-            <a:picLocks noGrp="1" noChangeAspect="1"/>
+            <a:picLocks noChangeAspect="1"/>
           </p:cNvPicPr>
-          <p:nvPr>
-            <p:ph idx="1"/>
-          </p:nvPr>
+          <p:nvPr/>
         </p:nvPicPr>
         <p:blipFill>
-          <a:blip r:embed="rId3">
-            <a:extLst>
-              <a:ext uri="{28A0092B-C50C-407E-A947-70E740481C1C}">
-                <a14:useLocalDpi xmlns:a14="http://schemas.microsoft.com/office/drawing/2010/main" val="0"/>
-              </a:ext>
-            </a:extLst>
-          </a:blip>
+          <a:blip r:embed="rId3"/>
           <a:stretch>
             <a:fillRect/>
           </a:stretch>
         </p:blipFill>
         <p:spPr>
           <a:xfrm>
-            <a:off x="3195108" y="1825625"/>
-            <a:ext cx="5801784" cy="4351338"/>
+            <a:off x="1522418" y="630870"/>
+            <a:ext cx="1488063" cy="4350510"/>
           </a:xfrm>
+          <a:prstGeom prst="rect">
+            <a:avLst/>
+          </a:prstGeom>
         </p:spPr>
       </p:pic>
+      <p:pic>
+        <p:nvPicPr>
+          <p:cNvPr id="10" name="图片 9"/>
+          <p:cNvPicPr>
+            <a:picLocks noChangeAspect="1"/>
+          </p:cNvPicPr>
+          <p:nvPr/>
+        </p:nvPicPr>
+        <p:blipFill>
+          <a:blip r:embed="rId4"/>
+          <a:stretch>
+            <a:fillRect/>
+          </a:stretch>
+        </p:blipFill>
+        <p:spPr>
+          <a:xfrm>
+            <a:off x="2849646" y="1924807"/>
+            <a:ext cx="990647" cy="109200"/>
+          </a:xfrm>
+          <a:prstGeom prst="rect">
+            <a:avLst/>
+          </a:prstGeom>
+        </p:spPr>
+      </p:pic>
+      <p:pic>
+        <p:nvPicPr>
+          <p:cNvPr id="11" name="图片 10"/>
+          <p:cNvPicPr>
+            <a:picLocks noChangeAspect="1"/>
+          </p:cNvPicPr>
+          <p:nvPr/>
+        </p:nvPicPr>
+        <p:blipFill>
+          <a:blip r:embed="rId5"/>
+          <a:stretch>
+            <a:fillRect/>
+          </a:stretch>
+        </p:blipFill>
+        <p:spPr>
+          <a:xfrm>
+            <a:off x="3840293" y="1299023"/>
+            <a:ext cx="6954290" cy="922874"/>
+          </a:xfrm>
+          <a:prstGeom prst="rect">
+            <a:avLst/>
+          </a:prstGeom>
+        </p:spPr>
+      </p:pic>
+      <p:pic>
+        <p:nvPicPr>
+          <p:cNvPr id="13" name="图片 12"/>
+          <p:cNvPicPr>
+            <a:picLocks noChangeAspect="1"/>
+          </p:cNvPicPr>
+          <p:nvPr/>
+        </p:nvPicPr>
+        <p:blipFill>
+          <a:blip r:embed="rId6"/>
+          <a:stretch>
+            <a:fillRect/>
+          </a:stretch>
+        </p:blipFill>
+        <p:spPr>
+          <a:xfrm>
+            <a:off x="3955997" y="2129361"/>
+            <a:ext cx="1751984" cy="3505924"/>
+          </a:xfrm>
+          <a:prstGeom prst="rect">
+            <a:avLst/>
+          </a:prstGeom>
+        </p:spPr>
+      </p:pic>
+      <p:pic>
+        <p:nvPicPr>
+          <p:cNvPr id="14" name="图片 13"/>
+          <p:cNvPicPr>
+            <a:picLocks noChangeAspect="1"/>
+          </p:cNvPicPr>
+          <p:nvPr/>
+        </p:nvPicPr>
+        <p:blipFill>
+          <a:blip r:embed="rId7"/>
+          <a:stretch>
+            <a:fillRect/>
+          </a:stretch>
+        </p:blipFill>
+        <p:spPr>
+          <a:xfrm>
+            <a:off x="6030687" y="2424621"/>
+            <a:ext cx="5422799" cy="763008"/>
+          </a:xfrm>
+          <a:prstGeom prst="rect">
+            <a:avLst/>
+          </a:prstGeom>
+        </p:spPr>
+      </p:pic>
+      <p:pic>
+        <p:nvPicPr>
+          <p:cNvPr id="15" name="图片 14"/>
+          <p:cNvPicPr>
+            <a:picLocks noChangeAspect="1"/>
+          </p:cNvPicPr>
+          <p:nvPr/>
+        </p:nvPicPr>
+        <p:blipFill>
+          <a:blip r:embed="rId8"/>
+          <a:stretch>
+            <a:fillRect/>
+          </a:stretch>
+        </p:blipFill>
+        <p:spPr>
+          <a:xfrm>
+            <a:off x="6435083" y="3187629"/>
+            <a:ext cx="2508513" cy="1276973"/>
+          </a:xfrm>
+          <a:prstGeom prst="rect">
+            <a:avLst/>
+          </a:prstGeom>
+        </p:spPr>
+      </p:pic>
+      <p:pic>
+        <p:nvPicPr>
+          <p:cNvPr id="16" name="图片 15"/>
+          <p:cNvPicPr>
+            <a:picLocks noChangeAspect="1"/>
+          </p:cNvPicPr>
+          <p:nvPr/>
+        </p:nvPicPr>
+        <p:blipFill>
+          <a:blip r:embed="rId9"/>
+          <a:stretch>
+            <a:fillRect/>
+          </a:stretch>
+        </p:blipFill>
+        <p:spPr>
+          <a:xfrm>
+            <a:off x="5507996" y="4821780"/>
+            <a:ext cx="1326460" cy="159600"/>
+          </a:xfrm>
+          <a:prstGeom prst="rect">
+            <a:avLst/>
+          </a:prstGeom>
+        </p:spPr>
+      </p:pic>
+      <p:pic>
+        <p:nvPicPr>
+          <p:cNvPr id="17" name="图片 16"/>
+          <p:cNvPicPr>
+            <a:picLocks noChangeAspect="1"/>
+          </p:cNvPicPr>
+          <p:nvPr/>
+        </p:nvPicPr>
+        <p:blipFill>
+          <a:blip r:embed="rId10"/>
+          <a:stretch>
+            <a:fillRect/>
+          </a:stretch>
+        </p:blipFill>
+        <p:spPr>
+          <a:xfrm>
+            <a:off x="6834456" y="4464602"/>
+            <a:ext cx="1115288" cy="2220434"/>
+          </a:xfrm>
+          <a:prstGeom prst="rect">
+            <a:avLst/>
+          </a:prstGeom>
+        </p:spPr>
+      </p:pic>
+      <p:sp>
+        <p:nvSpPr>
+          <p:cNvPr id="18" name="矩形 17"/>
+          <p:cNvSpPr/>
+          <p:nvPr/>
+        </p:nvSpPr>
+        <p:spPr>
+          <a:xfrm>
+            <a:off x="4936705" y="3544807"/>
+            <a:ext cx="1093982" cy="369332"/>
+          </a:xfrm>
+          <a:prstGeom prst="rect">
+            <a:avLst/>
+          </a:prstGeom>
+        </p:spPr>
+        <p:txBody>
+          <a:bodyPr wrap="square">
+            <a:spAutoFit/>
+          </a:bodyPr>
+          <a:lstStyle/>
+          <a:p>
+            <a:r>
+              <a:rPr lang="en-US" altLang="zh-CN" dirty="0"/>
+              <a:t>577 </a:t>
+            </a:r>
+            <a:endParaRPr lang="zh-CN" altLang="en-US" dirty="0"/>
+          </a:p>
+        </p:txBody>
+      </p:sp>
+      <p:pic>
+        <p:nvPicPr>
+          <p:cNvPr id="19" name="图片 18"/>
+          <p:cNvPicPr>
+            <a:picLocks noChangeAspect="1"/>
+          </p:cNvPicPr>
+          <p:nvPr/>
+        </p:nvPicPr>
+        <p:blipFill>
+          <a:blip r:embed="rId11"/>
+          <a:stretch>
+            <a:fillRect/>
+          </a:stretch>
+        </p:blipFill>
+        <p:spPr>
+          <a:xfrm>
+            <a:off x="3996333" y="5633826"/>
+            <a:ext cx="1751985" cy="468465"/>
+          </a:xfrm>
+          <a:prstGeom prst="rect">
+            <a:avLst/>
+          </a:prstGeom>
+        </p:spPr>
+      </p:pic>
+      <p:sp>
+        <p:nvSpPr>
+          <p:cNvPr id="20" name="矩形 19"/>
+          <p:cNvSpPr/>
+          <p:nvPr/>
+        </p:nvSpPr>
+        <p:spPr>
+          <a:xfrm>
+            <a:off x="5078157" y="5703107"/>
+            <a:ext cx="1093982" cy="369332"/>
+          </a:xfrm>
+          <a:prstGeom prst="rect">
+            <a:avLst/>
+          </a:prstGeom>
+        </p:spPr>
+        <p:txBody>
+          <a:bodyPr wrap="square">
+            <a:spAutoFit/>
+          </a:bodyPr>
+          <a:lstStyle/>
+          <a:p>
+            <a:r>
+              <a:rPr lang="en-US" altLang="zh-CN" dirty="0"/>
+              <a:t>0 </a:t>
+            </a:r>
+            <a:endParaRPr lang="zh-CN" altLang="en-US" dirty="0"/>
+          </a:p>
+        </p:txBody>
+      </p:sp>
+      <p:pic>
+        <p:nvPicPr>
+          <p:cNvPr id="22" name="图片 21"/>
+          <p:cNvPicPr>
+            <a:picLocks noChangeAspect="1"/>
+          </p:cNvPicPr>
+          <p:nvPr/>
+        </p:nvPicPr>
+        <p:blipFill>
+          <a:blip r:embed="rId12"/>
+          <a:stretch>
+            <a:fillRect/>
+          </a:stretch>
+        </p:blipFill>
+        <p:spPr>
+          <a:xfrm>
+            <a:off x="6841614" y="6290370"/>
+            <a:ext cx="1111934" cy="567630"/>
+          </a:xfrm>
+          <a:prstGeom prst="rect">
+            <a:avLst/>
+          </a:prstGeom>
+        </p:spPr>
+      </p:pic>
+      <p:pic>
+        <p:nvPicPr>
+          <p:cNvPr id="23" name="图片 22"/>
+          <p:cNvPicPr>
+            <a:picLocks noChangeAspect="1"/>
+          </p:cNvPicPr>
+          <p:nvPr/>
+        </p:nvPicPr>
+        <p:blipFill>
+          <a:blip r:embed="rId13"/>
+          <a:stretch>
+            <a:fillRect/>
+          </a:stretch>
+        </p:blipFill>
+        <p:spPr>
+          <a:xfrm>
+            <a:off x="6841614" y="5306019"/>
+            <a:ext cx="553439" cy="347522"/>
+          </a:xfrm>
+          <a:prstGeom prst="rect">
+            <a:avLst/>
+          </a:prstGeom>
+        </p:spPr>
+      </p:pic>
+      <p:sp>
+        <p:nvSpPr>
+          <p:cNvPr id="24" name="矩形 23"/>
+          <p:cNvSpPr/>
+          <p:nvPr/>
+        </p:nvSpPr>
+        <p:spPr>
+          <a:xfrm>
+            <a:off x="7392100" y="5258541"/>
+            <a:ext cx="550151" cy="369332"/>
+          </a:xfrm>
+          <a:prstGeom prst="rect">
+            <a:avLst/>
+          </a:prstGeom>
+        </p:spPr>
+        <p:txBody>
+          <a:bodyPr wrap="none">
+            <a:spAutoFit/>
+          </a:bodyPr>
+          <a:lstStyle/>
+          <a:p>
+            <a:r>
+              <a:rPr lang="zh-CN" altLang="en-US" dirty="0"/>
+              <a:t>769</a:t>
+            </a:r>
+          </a:p>
+        </p:txBody>
+      </p:sp>
+      <p:sp>
+        <p:nvSpPr>
+          <p:cNvPr id="25" name="矩形 24"/>
+          <p:cNvSpPr/>
+          <p:nvPr/>
+        </p:nvSpPr>
+        <p:spPr>
+          <a:xfrm>
+            <a:off x="7392100" y="6181459"/>
+            <a:ext cx="1402948" cy="369332"/>
+          </a:xfrm>
+          <a:prstGeom prst="rect">
+            <a:avLst/>
+          </a:prstGeom>
+        </p:spPr>
+        <p:txBody>
+          <a:bodyPr wrap="none">
+            <a:spAutoFit/>
+          </a:bodyPr>
+          <a:lstStyle/>
+          <a:p>
+            <a:r>
+              <a:rPr lang="zh-CN" altLang="en-US" dirty="0"/>
+              <a:t>1543243302</a:t>
+            </a:r>
+          </a:p>
+        </p:txBody>
+      </p:sp>
+      <p:sp>
+        <p:nvSpPr>
+          <p:cNvPr id="26" name="矩形 25"/>
+          <p:cNvSpPr/>
+          <p:nvPr/>
+        </p:nvSpPr>
+        <p:spPr>
+          <a:xfrm flipH="1">
+            <a:off x="7481935" y="6487565"/>
+            <a:ext cx="467809" cy="369332"/>
+          </a:xfrm>
+          <a:prstGeom prst="rect">
+            <a:avLst/>
+          </a:prstGeom>
+        </p:spPr>
+        <p:txBody>
+          <a:bodyPr wrap="square">
+            <a:spAutoFit/>
+          </a:bodyPr>
+          <a:lstStyle/>
+          <a:p>
+            <a:r>
+              <a:rPr lang="en-US" altLang="zh-CN" dirty="0"/>
+              <a:t>1</a:t>
+            </a:r>
+            <a:endParaRPr lang="zh-CN" altLang="en-US" dirty="0"/>
+          </a:p>
+        </p:txBody>
+      </p:sp>
+      <p:sp>
+        <p:nvSpPr>
+          <p:cNvPr id="28" name="矩形 27"/>
+          <p:cNvSpPr/>
+          <p:nvPr/>
+        </p:nvSpPr>
+        <p:spPr>
+          <a:xfrm>
+            <a:off x="3997641" y="6208083"/>
+            <a:ext cx="2768471" cy="369332"/>
+          </a:xfrm>
+          <a:prstGeom prst="rect">
+            <a:avLst/>
+          </a:prstGeom>
+        </p:spPr>
+        <p:txBody>
+          <a:bodyPr wrap="square">
+            <a:spAutoFit/>
+          </a:bodyPr>
+          <a:lstStyle/>
+          <a:p>
+            <a:r>
+              <a:rPr lang="en-US" altLang="zh-CN" dirty="0" err="1"/>
+              <a:t>Pos</a:t>
+            </a:r>
+            <a:r>
+              <a:rPr lang="en-US" altLang="zh-CN" dirty="0"/>
+              <a:t>/</a:t>
+            </a:r>
+            <a:r>
+              <a:rPr lang="en-US" altLang="zh-CN" dirty="0" err="1"/>
+              <a:t>block_size</a:t>
+            </a:r>
+            <a:r>
+              <a:rPr lang="en-US" altLang="zh-CN" dirty="0"/>
+              <a:t> </a:t>
+            </a:r>
+            <a:endParaRPr lang="zh-CN" altLang="en-US" dirty="0"/>
+          </a:p>
+        </p:txBody>
+      </p:sp>
+      <p:sp>
+        <p:nvSpPr>
+          <p:cNvPr id="29" name="矩形 28"/>
+          <p:cNvSpPr/>
+          <p:nvPr/>
+        </p:nvSpPr>
+        <p:spPr>
+          <a:xfrm>
+            <a:off x="7409911" y="5621928"/>
+            <a:ext cx="1093982" cy="369332"/>
+          </a:xfrm>
+          <a:prstGeom prst="rect">
+            <a:avLst/>
+          </a:prstGeom>
+        </p:spPr>
+        <p:txBody>
+          <a:bodyPr wrap="square">
+            <a:spAutoFit/>
+          </a:bodyPr>
+          <a:lstStyle/>
+          <a:p>
+            <a:r>
+              <a:rPr lang="en-US" altLang="zh-CN" dirty="0"/>
+              <a:t> </a:t>
+            </a:r>
+            <a:endParaRPr lang="zh-CN" altLang="en-US" dirty="0"/>
+          </a:p>
+        </p:txBody>
+      </p:sp>
+      <p:sp>
+        <p:nvSpPr>
+          <p:cNvPr id="51" name="矩形 50"/>
+          <p:cNvSpPr/>
+          <p:nvPr/>
+        </p:nvSpPr>
+        <p:spPr>
+          <a:xfrm>
+            <a:off x="5138903" y="3869633"/>
+            <a:ext cx="1093982" cy="369332"/>
+          </a:xfrm>
+          <a:prstGeom prst="rect">
+            <a:avLst/>
+          </a:prstGeom>
+        </p:spPr>
+        <p:txBody>
+          <a:bodyPr wrap="square">
+            <a:spAutoFit/>
+          </a:bodyPr>
+          <a:lstStyle/>
+          <a:p>
+            <a:r>
+              <a:rPr lang="en-US" altLang="zh-CN" dirty="0"/>
+              <a:t>0 </a:t>
+            </a:r>
+            <a:endParaRPr lang="zh-CN" altLang="en-US" dirty="0"/>
+          </a:p>
+        </p:txBody>
+      </p:sp>
     </p:spTree>
     <p:extLst>
       <p:ext uri="{BB962C8B-B14F-4D97-AF65-F5344CB8AC3E}">
-        <p14:creationId xmlns:p14="http://schemas.microsoft.com/office/powerpoint/2010/main" val="1876379061"/>
+        <p14:creationId xmlns:p14="http://schemas.microsoft.com/office/powerpoint/2010/main" val="2211069134"/>
       </p:ext>
     </p:extLst>
   </p:cSld>
@@ -16190,9 +15699,6 @@
                     <p:cTn id="3" fill="hold">
                       <p:stCondLst>
                         <p:cond delay="indefinite"/>
-                        <p:cond evt="onBegin" delay="0">
-                          <p:tn val="2"/>
-                        </p:cond>
                       </p:stCondLst>
                       <p:childTnLst>
                         <p:par>
@@ -16202,7 +15708,7 @@
                             </p:stCondLst>
                             <p:childTnLst>
                               <p:par>
-                                <p:cTn id="5" presetID="10" presetClass="entr" presetSubtype="0" fill="hold" nodeType="withEffect">
+                                <p:cTn id="5" presetID="1" presetClass="entr" presetSubtype="0" fill="hold" nodeType="clickEffect">
                                   <p:stCondLst>
                                     <p:cond delay="0"/>
                                   </p:stCondLst>
@@ -16215,7 +15721,7 @@
                                           </p:stCondLst>
                                         </p:cTn>
                                         <p:tgtEl>
-                                          <p:spTgt spid="7"/>
+                                          <p:spTgt spid="9"/>
                                         </p:tgtEl>
                                         <p:attrNameLst>
                                           <p:attrName>style.visibility</p:attrName>
@@ -16225,288 +15731,24 @@
                                         <p:strVal val="visible"/>
                                       </p:to>
                                     </p:set>
-                                    <p:animEffect transition="in" filter="fade">
-                                      <p:cBhvr>
-                                        <p:cTn id="7" dur="500"/>
-                                        <p:tgtEl>
-                                          <p:spTgt spid="7"/>
-                                        </p:tgtEl>
-                                      </p:cBhvr>
-                                    </p:animEffect>
                                   </p:childTnLst>
                                 </p:cTn>
                               </p:par>
-                            </p:childTnLst>
-                          </p:cTn>
-                        </p:par>
-                      </p:childTnLst>
-                    </p:cTn>
-                  </p:par>
-                </p:childTnLst>
-              </p:cTn>
-              <p:prevCondLst>
-                <p:cond evt="onPrev" delay="0">
-                  <p:tgtEl>
-                    <p:sldTgt/>
-                  </p:tgtEl>
-                </p:cond>
-              </p:prevCondLst>
-              <p:nextCondLst>
-                <p:cond evt="onNext" delay="0">
-                  <p:tgtEl>
-                    <p:sldTgt/>
-                  </p:tgtEl>
-                </p:cond>
-              </p:nextCondLst>
-            </p:seq>
-          </p:childTnLst>
-        </p:cTn>
-      </p:par>
-    </p:tnLst>
-  </p:timing>
-</p:sld>
-</file>
-
-<file path=ppt/slides/slide46.xml><?xml version="1.0" encoding="utf-8"?>
-<p:sld xmlns:a="http://schemas.openxmlformats.org/drawingml/2006/main" xmlns:r="http://schemas.openxmlformats.org/officeDocument/2006/relationships" xmlns:p="http://schemas.openxmlformats.org/presentationml/2006/main">
-  <p:cSld>
-    <p:spTree>
-      <p:nvGrpSpPr>
-        <p:cNvPr id="1" name=""/>
-        <p:cNvGrpSpPr/>
-        <p:nvPr/>
-      </p:nvGrpSpPr>
-      <p:grpSpPr>
-        <a:xfrm>
-          <a:off x="0" y="0"/>
-          <a:ext cx="0" cy="0"/>
-          <a:chOff x="0" y="0"/>
-          <a:chExt cx="0" cy="0"/>
-        </a:xfrm>
-      </p:grpSpPr>
-      <p:sp>
-        <p:nvSpPr>
-          <p:cNvPr id="2" name="标题 1">
-            <a:extLst>
-              <a:ext uri="{FF2B5EF4-FFF2-40B4-BE49-F238E27FC236}">
-                <a16:creationId xmlns:a16="http://schemas.microsoft.com/office/drawing/2014/main" id="{83A65915-F796-41AD-954D-FADB4E34D86B}"/>
-              </a:ext>
-            </a:extLst>
-          </p:cNvPr>
-          <p:cNvSpPr>
-            <a:spLocks noGrp="1"/>
-          </p:cNvSpPr>
-          <p:nvPr>
-            <p:ph type="title"/>
-          </p:nvPr>
-        </p:nvSpPr>
-        <p:spPr>
-          <a:xfrm>
-            <a:off x="838200" y="2359468"/>
-            <a:ext cx="10515600" cy="1325563"/>
-          </a:xfrm>
-        </p:spPr>
-        <p:txBody>
-          <a:bodyPr>
-            <a:normAutofit/>
-          </a:bodyPr>
-          <a:lstStyle/>
-          <a:p>
-            <a:pPr algn="ctr"/>
-            <a:r>
-              <a:rPr lang="en-US" altLang="zh-CN" sz="8000" dirty="0"/>
-              <a:t>Thank you</a:t>
-            </a:r>
-            <a:endParaRPr lang="zh-CN" altLang="en-US" sz="8000" dirty="0"/>
-          </a:p>
-        </p:txBody>
-      </p:sp>
-      <p:pic>
-        <p:nvPicPr>
-          <p:cNvPr id="5" name="内容占位符 4">
-            <a:extLst>
-              <a:ext uri="{FF2B5EF4-FFF2-40B4-BE49-F238E27FC236}">
-                <a16:creationId xmlns:a16="http://schemas.microsoft.com/office/drawing/2014/main" id="{5C4B0964-3CC8-4624-AAD8-95F82EADDB96}"/>
-              </a:ext>
-            </a:extLst>
-          </p:cNvPr>
-          <p:cNvPicPr>
-            <a:picLocks noGrp="1" noChangeAspect="1"/>
-          </p:cNvPicPr>
-          <p:nvPr>
-            <p:ph idx="1"/>
-          </p:nvPr>
-        </p:nvPicPr>
-        <p:blipFill>
-          <a:blip r:embed="rId3">
-            <a:extLst>
-              <a:ext uri="{28A0092B-C50C-407E-A947-70E740481C1C}">
-                <a14:useLocalDpi xmlns:a14="http://schemas.microsoft.com/office/drawing/2010/main" val="0"/>
-              </a:ext>
-            </a:extLst>
-          </a:blip>
-          <a:stretch>
-            <a:fillRect/>
-          </a:stretch>
-        </p:blipFill>
-        <p:spPr>
-          <a:xfrm>
-            <a:off x="9018382" y="3685031"/>
-            <a:ext cx="2335418" cy="2747963"/>
-          </a:xfrm>
-        </p:spPr>
-      </p:pic>
-    </p:spTree>
-    <p:extLst>
-      <p:ext uri="{BB962C8B-B14F-4D97-AF65-F5344CB8AC3E}">
-        <p14:creationId xmlns:p14="http://schemas.microsoft.com/office/powerpoint/2010/main" val="1545030847"/>
-      </p:ext>
-    </p:extLst>
-  </p:cSld>
-  <p:clrMapOvr>
-    <a:masterClrMapping/>
-  </p:clrMapOvr>
-</p:sld>
-</file>
-
-<file path=ppt/slides/slide5.xml><?xml version="1.0" encoding="utf-8"?>
-<p:sld xmlns:a="http://schemas.openxmlformats.org/drawingml/2006/main" xmlns:r="http://schemas.openxmlformats.org/officeDocument/2006/relationships" xmlns:p="http://schemas.openxmlformats.org/presentationml/2006/main">
-  <p:cSld>
-    <p:spTree>
-      <p:nvGrpSpPr>
-        <p:cNvPr id="1" name=""/>
-        <p:cNvGrpSpPr/>
-        <p:nvPr/>
-      </p:nvGrpSpPr>
-      <p:grpSpPr>
-        <a:xfrm>
-          <a:off x="0" y="0"/>
-          <a:ext cx="0" cy="0"/>
-          <a:chOff x="0" y="0"/>
-          <a:chExt cx="0" cy="0"/>
-        </a:xfrm>
-      </p:grpSpPr>
-      <p:sp>
-        <p:nvSpPr>
-          <p:cNvPr id="2" name="标题 1">
-            <a:extLst>
-              <a:ext uri="{FF2B5EF4-FFF2-40B4-BE49-F238E27FC236}">
-                <a16:creationId xmlns:a16="http://schemas.microsoft.com/office/drawing/2014/main" id="{3A01834E-07D2-448B-96F8-CEB0BBEBEAA2}"/>
-              </a:ext>
-            </a:extLst>
-          </p:cNvPr>
-          <p:cNvSpPr>
-            <a:spLocks noGrp="1"/>
-          </p:cNvSpPr>
-          <p:nvPr>
-            <p:ph type="title"/>
-          </p:nvPr>
-        </p:nvSpPr>
-        <p:spPr>
-          <a:xfrm>
-            <a:off x="838200" y="365125"/>
-            <a:ext cx="10515600" cy="1325563"/>
-          </a:xfrm>
-        </p:spPr>
-        <p:txBody>
-          <a:bodyPr/>
-          <a:lstStyle/>
-          <a:p>
-            <a:r>
-              <a:rPr lang="zh-CN" altLang="en-US" dirty="0"/>
-              <a:t>文件系统</a:t>
-            </a:r>
-            <a:r>
-              <a:rPr lang="en-US" altLang="zh-CN" dirty="0"/>
-              <a:t> hdc-0.11.img</a:t>
-            </a:r>
-            <a:endParaRPr lang="zh-CN" altLang="en-US" dirty="0"/>
-          </a:p>
-        </p:txBody>
-      </p:sp>
-      <p:pic>
-        <p:nvPicPr>
-          <p:cNvPr id="5" name="内容占位符 4">
-            <a:extLst>
-              <a:ext uri="{FF2B5EF4-FFF2-40B4-BE49-F238E27FC236}">
-                <a16:creationId xmlns:a16="http://schemas.microsoft.com/office/drawing/2014/main" id="{5C864220-035F-43C4-8101-EC2D7DAE6BE8}"/>
-              </a:ext>
-            </a:extLst>
-          </p:cNvPr>
-          <p:cNvPicPr>
-            <a:picLocks noGrp="1" noChangeAspect="1"/>
-          </p:cNvPicPr>
-          <p:nvPr>
-            <p:ph idx="1"/>
-          </p:nvPr>
-        </p:nvPicPr>
-        <p:blipFill>
-          <a:blip r:embed="rId3">
-            <a:extLst>
-              <a:ext uri="{28A0092B-C50C-407E-A947-70E740481C1C}">
-                <a14:useLocalDpi xmlns:a14="http://schemas.microsoft.com/office/drawing/2010/main" val="0"/>
-              </a:ext>
-            </a:extLst>
-          </a:blip>
-          <a:stretch>
-            <a:fillRect/>
-          </a:stretch>
-        </p:blipFill>
-        <p:spPr>
-          <a:xfrm>
-            <a:off x="2600325" y="2648744"/>
-            <a:ext cx="6991350" cy="2705100"/>
-          </a:xfrm>
-        </p:spPr>
-      </p:pic>
-    </p:spTree>
-    <p:extLst>
-      <p:ext uri="{BB962C8B-B14F-4D97-AF65-F5344CB8AC3E}">
-        <p14:creationId xmlns:p14="http://schemas.microsoft.com/office/powerpoint/2010/main" val="3728465773"/>
-      </p:ext>
-    </p:extLst>
-  </p:cSld>
-  <p:clrMapOvr>
-    <a:masterClrMapping/>
-  </p:clrMapOvr>
-  <p:timing>
-    <p:tnLst>
-      <p:par>
-        <p:cTn id="1" dur="indefinite" restart="never" nodeType="tmRoot">
-          <p:childTnLst>
-            <p:seq concurrent="1" nextAc="seek">
-              <p:cTn id="2" dur="indefinite" nodeType="mainSeq">
-                <p:childTnLst>
-                  <p:par>
-                    <p:cTn id="3" fill="hold">
-                      <p:stCondLst>
-                        <p:cond delay="indefinite"/>
-                        <p:cond evt="onBegin" delay="0">
-                          <p:tn val="2"/>
-                        </p:cond>
-                      </p:stCondLst>
-                      <p:childTnLst>
-                        <p:par>
-                          <p:cTn id="4" fill="hold">
-                            <p:stCondLst>
-                              <p:cond delay="0"/>
-                            </p:stCondLst>
-                            <p:childTnLst>
                               <p:par>
-                                <p:cTn id="5" presetID="10" presetClass="entr" presetSubtype="0" fill="hold" grpId="0" nodeType="withEffect">
+                                <p:cTn id="7" presetID="1" presetClass="entr" presetSubtype="0" fill="hold" nodeType="withEffect">
                                   <p:stCondLst>
                                     <p:cond delay="0"/>
                                   </p:stCondLst>
                                   <p:childTnLst>
                                     <p:set>
                                       <p:cBhvr>
-                                        <p:cTn id="6" dur="1" fill="hold">
+                                        <p:cTn id="8" dur="1" fill="hold">
                                           <p:stCondLst>
                                             <p:cond delay="0"/>
                                           </p:stCondLst>
                                         </p:cTn>
                                         <p:tgtEl>
-                                          <p:spTgt spid="2"/>
+                                          <p:spTgt spid="10"/>
                                         </p:tgtEl>
                                         <p:attrNameLst>
                                           <p:attrName>style.visibility</p:attrName>
@@ -16516,14 +15758,438 @@
                                         <p:strVal val="visible"/>
                                       </p:to>
                                     </p:set>
-                                    <p:animEffect transition="in" filter="fade">
+                                  </p:childTnLst>
+                                </p:cTn>
+                              </p:par>
+                              <p:par>
+                                <p:cTn id="9" presetID="1" presetClass="entr" presetSubtype="0" fill="hold" nodeType="withEffect">
+                                  <p:stCondLst>
+                                    <p:cond delay="0"/>
+                                  </p:stCondLst>
+                                  <p:childTnLst>
+                                    <p:set>
                                       <p:cBhvr>
-                                        <p:cTn id="7" dur="500"/>
+                                        <p:cTn id="10" dur="1" fill="hold">
+                                          <p:stCondLst>
+                                            <p:cond delay="0"/>
+                                          </p:stCondLst>
+                                        </p:cTn>
                                         <p:tgtEl>
-                                          <p:spTgt spid="2"/>
+                                          <p:spTgt spid="11"/>
                                         </p:tgtEl>
+                                        <p:attrNameLst>
+                                          <p:attrName>style.visibility</p:attrName>
+                                        </p:attrNameLst>
                                       </p:cBhvr>
-                                    </p:animEffect>
+                                      <p:to>
+                                        <p:strVal val="visible"/>
+                                      </p:to>
+                                    </p:set>
+                                  </p:childTnLst>
+                                </p:cTn>
+                              </p:par>
+                              <p:par>
+                                <p:cTn id="11" presetID="1" presetClass="entr" presetSubtype="0" fill="hold" nodeType="withEffect">
+                                  <p:stCondLst>
+                                    <p:cond delay="0"/>
+                                  </p:stCondLst>
+                                  <p:childTnLst>
+                                    <p:set>
+                                      <p:cBhvr>
+                                        <p:cTn id="12" dur="1" fill="hold">
+                                          <p:stCondLst>
+                                            <p:cond delay="0"/>
+                                          </p:stCondLst>
+                                        </p:cTn>
+                                        <p:tgtEl>
+                                          <p:spTgt spid="13"/>
+                                        </p:tgtEl>
+                                        <p:attrNameLst>
+                                          <p:attrName>style.visibility</p:attrName>
+                                        </p:attrNameLst>
+                                      </p:cBhvr>
+                                      <p:to>
+                                        <p:strVal val="visible"/>
+                                      </p:to>
+                                    </p:set>
+                                  </p:childTnLst>
+                                </p:cTn>
+                              </p:par>
+                              <p:par>
+                                <p:cTn id="13" presetID="1" presetClass="entr" presetSubtype="0" fill="hold" nodeType="withEffect">
+                                  <p:stCondLst>
+                                    <p:cond delay="0"/>
+                                  </p:stCondLst>
+                                  <p:childTnLst>
+                                    <p:set>
+                                      <p:cBhvr>
+                                        <p:cTn id="14" dur="1" fill="hold">
+                                          <p:stCondLst>
+                                            <p:cond delay="0"/>
+                                          </p:stCondLst>
+                                        </p:cTn>
+                                        <p:tgtEl>
+                                          <p:spTgt spid="19"/>
+                                        </p:tgtEl>
+                                        <p:attrNameLst>
+                                          <p:attrName>style.visibility</p:attrName>
+                                        </p:attrNameLst>
+                                      </p:cBhvr>
+                                      <p:to>
+                                        <p:strVal val="visible"/>
+                                      </p:to>
+                                    </p:set>
+                                  </p:childTnLst>
+                                </p:cTn>
+                              </p:par>
+                              <p:par>
+                                <p:cTn id="15" presetID="1" presetClass="entr" presetSubtype="0" fill="hold" nodeType="withEffect">
+                                  <p:stCondLst>
+                                    <p:cond delay="0"/>
+                                  </p:stCondLst>
+                                  <p:childTnLst>
+                                    <p:set>
+                                      <p:cBhvr>
+                                        <p:cTn id="16" dur="1" fill="hold">
+                                          <p:stCondLst>
+                                            <p:cond delay="0"/>
+                                          </p:stCondLst>
+                                        </p:cTn>
+                                        <p:tgtEl>
+                                          <p:spTgt spid="14"/>
+                                        </p:tgtEl>
+                                        <p:attrNameLst>
+                                          <p:attrName>style.visibility</p:attrName>
+                                        </p:attrNameLst>
+                                      </p:cBhvr>
+                                      <p:to>
+                                        <p:strVal val="visible"/>
+                                      </p:to>
+                                    </p:set>
+                                  </p:childTnLst>
+                                </p:cTn>
+                              </p:par>
+                              <p:par>
+                                <p:cTn id="17" presetID="1" presetClass="entr" presetSubtype="0" fill="hold" nodeType="withEffect">
+                                  <p:stCondLst>
+                                    <p:cond delay="0"/>
+                                  </p:stCondLst>
+                                  <p:childTnLst>
+                                    <p:set>
+                                      <p:cBhvr>
+                                        <p:cTn id="18" dur="1" fill="hold">
+                                          <p:stCondLst>
+                                            <p:cond delay="0"/>
+                                          </p:stCondLst>
+                                        </p:cTn>
+                                        <p:tgtEl>
+                                          <p:spTgt spid="15"/>
+                                        </p:tgtEl>
+                                        <p:attrNameLst>
+                                          <p:attrName>style.visibility</p:attrName>
+                                        </p:attrNameLst>
+                                      </p:cBhvr>
+                                      <p:to>
+                                        <p:strVal val="visible"/>
+                                      </p:to>
+                                    </p:set>
+                                  </p:childTnLst>
+                                </p:cTn>
+                              </p:par>
+                              <p:par>
+                                <p:cTn id="19" presetID="1" presetClass="entr" presetSubtype="0" fill="hold" nodeType="withEffect">
+                                  <p:stCondLst>
+                                    <p:cond delay="0"/>
+                                  </p:stCondLst>
+                                  <p:childTnLst>
+                                    <p:set>
+                                      <p:cBhvr>
+                                        <p:cTn id="20" dur="1" fill="hold">
+                                          <p:stCondLst>
+                                            <p:cond delay="0"/>
+                                          </p:stCondLst>
+                                        </p:cTn>
+                                        <p:tgtEl>
+                                          <p:spTgt spid="17"/>
+                                        </p:tgtEl>
+                                        <p:attrNameLst>
+                                          <p:attrName>style.visibility</p:attrName>
+                                        </p:attrNameLst>
+                                      </p:cBhvr>
+                                      <p:to>
+                                        <p:strVal val="visible"/>
+                                      </p:to>
+                                    </p:set>
+                                  </p:childTnLst>
+                                </p:cTn>
+                              </p:par>
+                              <p:par>
+                                <p:cTn id="21" presetID="1" presetClass="entr" presetSubtype="0" fill="hold" nodeType="withEffect">
+                                  <p:stCondLst>
+                                    <p:cond delay="0"/>
+                                  </p:stCondLst>
+                                  <p:childTnLst>
+                                    <p:set>
+                                      <p:cBhvr>
+                                        <p:cTn id="22" dur="1" fill="hold">
+                                          <p:stCondLst>
+                                            <p:cond delay="0"/>
+                                          </p:stCondLst>
+                                        </p:cTn>
+                                        <p:tgtEl>
+                                          <p:spTgt spid="22"/>
+                                        </p:tgtEl>
+                                        <p:attrNameLst>
+                                          <p:attrName>style.visibility</p:attrName>
+                                        </p:attrNameLst>
+                                      </p:cBhvr>
+                                      <p:to>
+                                        <p:strVal val="visible"/>
+                                      </p:to>
+                                    </p:set>
+                                  </p:childTnLst>
+                                </p:cTn>
+                              </p:par>
+                              <p:par>
+                                <p:cTn id="23" presetID="1" presetClass="entr" presetSubtype="0" fill="hold" nodeType="withEffect">
+                                  <p:stCondLst>
+                                    <p:cond delay="0"/>
+                                  </p:stCondLst>
+                                  <p:childTnLst>
+                                    <p:set>
+                                      <p:cBhvr>
+                                        <p:cTn id="24" dur="1" fill="hold">
+                                          <p:stCondLst>
+                                            <p:cond delay="0"/>
+                                          </p:stCondLst>
+                                        </p:cTn>
+                                        <p:tgtEl>
+                                          <p:spTgt spid="23"/>
+                                        </p:tgtEl>
+                                        <p:attrNameLst>
+                                          <p:attrName>style.visibility</p:attrName>
+                                        </p:attrNameLst>
+                                      </p:cBhvr>
+                                      <p:to>
+                                        <p:strVal val="visible"/>
+                                      </p:to>
+                                    </p:set>
+                                  </p:childTnLst>
+                                </p:cTn>
+                              </p:par>
+                              <p:par>
+                                <p:cTn id="25" presetID="1" presetClass="entr" presetSubtype="0" fill="hold" grpId="0" nodeType="withEffect">
+                                  <p:stCondLst>
+                                    <p:cond delay="0"/>
+                                  </p:stCondLst>
+                                  <p:childTnLst>
+                                    <p:set>
+                                      <p:cBhvr>
+                                        <p:cTn id="26" dur="1" fill="hold">
+                                          <p:stCondLst>
+                                            <p:cond delay="0"/>
+                                          </p:stCondLst>
+                                        </p:cTn>
+                                        <p:tgtEl>
+                                          <p:spTgt spid="24"/>
+                                        </p:tgtEl>
+                                        <p:attrNameLst>
+                                          <p:attrName>style.visibility</p:attrName>
+                                        </p:attrNameLst>
+                                      </p:cBhvr>
+                                      <p:to>
+                                        <p:strVal val="visible"/>
+                                      </p:to>
+                                    </p:set>
+                                  </p:childTnLst>
+                                </p:cTn>
+                              </p:par>
+                              <p:par>
+                                <p:cTn id="27" presetID="1" presetClass="entr" presetSubtype="0" fill="hold" nodeType="withEffect">
+                                  <p:stCondLst>
+                                    <p:cond delay="0"/>
+                                  </p:stCondLst>
+                                  <p:childTnLst>
+                                    <p:set>
+                                      <p:cBhvr>
+                                        <p:cTn id="28" dur="1" fill="hold">
+                                          <p:stCondLst>
+                                            <p:cond delay="0"/>
+                                          </p:stCondLst>
+                                        </p:cTn>
+                                        <p:tgtEl>
+                                          <p:spTgt spid="16"/>
+                                        </p:tgtEl>
+                                        <p:attrNameLst>
+                                          <p:attrName>style.visibility</p:attrName>
+                                        </p:attrNameLst>
+                                      </p:cBhvr>
+                                      <p:to>
+                                        <p:strVal val="visible"/>
+                                      </p:to>
+                                    </p:set>
+                                  </p:childTnLst>
+                                </p:cTn>
+                              </p:par>
+                              <p:par>
+                                <p:cTn id="29" presetID="1" presetClass="entr" presetSubtype="0" fill="hold" grpId="0" nodeType="withEffect">
+                                  <p:stCondLst>
+                                    <p:cond delay="0"/>
+                                  </p:stCondLst>
+                                  <p:childTnLst>
+                                    <p:set>
+                                      <p:cBhvr>
+                                        <p:cTn id="30" dur="1" fill="hold">
+                                          <p:stCondLst>
+                                            <p:cond delay="0"/>
+                                          </p:stCondLst>
+                                        </p:cTn>
+                                        <p:tgtEl>
+                                          <p:spTgt spid="18"/>
+                                        </p:tgtEl>
+                                        <p:attrNameLst>
+                                          <p:attrName>style.visibility</p:attrName>
+                                        </p:attrNameLst>
+                                      </p:cBhvr>
+                                      <p:to>
+                                        <p:strVal val="visible"/>
+                                      </p:to>
+                                    </p:set>
+                                  </p:childTnLst>
+                                </p:cTn>
+                              </p:par>
+                              <p:par>
+                                <p:cTn id="31" presetID="1" presetClass="entr" presetSubtype="0" fill="hold" grpId="0" nodeType="withEffect">
+                                  <p:stCondLst>
+                                    <p:cond delay="0"/>
+                                  </p:stCondLst>
+                                  <p:childTnLst>
+                                    <p:set>
+                                      <p:cBhvr>
+                                        <p:cTn id="32" dur="1" fill="hold">
+                                          <p:stCondLst>
+                                            <p:cond delay="0"/>
+                                          </p:stCondLst>
+                                        </p:cTn>
+                                        <p:tgtEl>
+                                          <p:spTgt spid="20"/>
+                                        </p:tgtEl>
+                                        <p:attrNameLst>
+                                          <p:attrName>style.visibility</p:attrName>
+                                        </p:attrNameLst>
+                                      </p:cBhvr>
+                                      <p:to>
+                                        <p:strVal val="visible"/>
+                                      </p:to>
+                                    </p:set>
+                                  </p:childTnLst>
+                                </p:cTn>
+                              </p:par>
+                              <p:par>
+                                <p:cTn id="33" presetID="1" presetClass="entr" presetSubtype="0" fill="hold" grpId="0" nodeType="withEffect">
+                                  <p:stCondLst>
+                                    <p:cond delay="0"/>
+                                  </p:stCondLst>
+                                  <p:childTnLst>
+                                    <p:set>
+                                      <p:cBhvr>
+                                        <p:cTn id="34" dur="1" fill="hold">
+                                          <p:stCondLst>
+                                            <p:cond delay="0"/>
+                                          </p:stCondLst>
+                                        </p:cTn>
+                                        <p:tgtEl>
+                                          <p:spTgt spid="25"/>
+                                        </p:tgtEl>
+                                        <p:attrNameLst>
+                                          <p:attrName>style.visibility</p:attrName>
+                                        </p:attrNameLst>
+                                      </p:cBhvr>
+                                      <p:to>
+                                        <p:strVal val="visible"/>
+                                      </p:to>
+                                    </p:set>
+                                  </p:childTnLst>
+                                </p:cTn>
+                              </p:par>
+                              <p:par>
+                                <p:cTn id="35" presetID="1" presetClass="entr" presetSubtype="0" fill="hold" grpId="0" nodeType="withEffect">
+                                  <p:stCondLst>
+                                    <p:cond delay="0"/>
+                                  </p:stCondLst>
+                                  <p:childTnLst>
+                                    <p:set>
+                                      <p:cBhvr>
+                                        <p:cTn id="36" dur="1" fill="hold">
+                                          <p:stCondLst>
+                                            <p:cond delay="0"/>
+                                          </p:stCondLst>
+                                        </p:cTn>
+                                        <p:tgtEl>
+                                          <p:spTgt spid="26"/>
+                                        </p:tgtEl>
+                                        <p:attrNameLst>
+                                          <p:attrName>style.visibility</p:attrName>
+                                        </p:attrNameLst>
+                                      </p:cBhvr>
+                                      <p:to>
+                                        <p:strVal val="visible"/>
+                                      </p:to>
+                                    </p:set>
+                                  </p:childTnLst>
+                                </p:cTn>
+                              </p:par>
+                              <p:par>
+                                <p:cTn id="37" presetID="1" presetClass="entr" presetSubtype="0" fill="hold" grpId="0" nodeType="withEffect">
+                                  <p:stCondLst>
+                                    <p:cond delay="0"/>
+                                  </p:stCondLst>
+                                  <p:childTnLst>
+                                    <p:set>
+                                      <p:cBhvr>
+                                        <p:cTn id="38" dur="1" fill="hold">
+                                          <p:stCondLst>
+                                            <p:cond delay="0"/>
+                                          </p:stCondLst>
+                                        </p:cTn>
+                                        <p:tgtEl>
+                                          <p:spTgt spid="28"/>
+                                        </p:tgtEl>
+                                        <p:attrNameLst>
+                                          <p:attrName>style.visibility</p:attrName>
+                                        </p:attrNameLst>
+                                      </p:cBhvr>
+                                      <p:to>
+                                        <p:strVal val="visible"/>
+                                      </p:to>
+                                    </p:set>
+                                  </p:childTnLst>
+                                </p:cTn>
+                              </p:par>
+                              <p:par>
+                                <p:cTn id="39" presetID="1" presetClass="entr" presetSubtype="0" fill="hold" grpId="0" nodeType="withEffect">
+                                  <p:stCondLst>
+                                    <p:cond delay="0"/>
+                                  </p:stCondLst>
+                                  <p:childTnLst>
+                                    <p:set>
+                                      <p:cBhvr>
+                                        <p:cTn id="40" dur="1" fill="hold">
+                                          <p:stCondLst>
+                                            <p:cond delay="0"/>
+                                          </p:stCondLst>
+                                        </p:cTn>
+                                        <p:tgtEl>
+                                          <p:spTgt spid="29"/>
+                                        </p:tgtEl>
+                                        <p:attrNameLst>
+                                          <p:attrName>style.visibility</p:attrName>
+                                        </p:attrNameLst>
+                                      </p:cBhvr>
+                                      <p:to>
+                                        <p:strVal val="visible"/>
+                                      </p:to>
+                                    </p:set>
                                   </p:childTnLst>
                                 </p:cTn>
                               </p:par>
@@ -16534,32 +16200,32 @@
                     </p:cTn>
                   </p:par>
                   <p:par>
-                    <p:cTn id="8" fill="hold">
+                    <p:cTn id="41" fill="hold">
                       <p:stCondLst>
                         <p:cond delay="indefinite"/>
                       </p:stCondLst>
                       <p:childTnLst>
                         <p:par>
-                          <p:cTn id="9" fill="hold">
+                          <p:cTn id="42" fill="hold">
                             <p:stCondLst>
                               <p:cond delay="0"/>
                             </p:stCondLst>
                             <p:childTnLst>
                               <p:par>
-                                <p:cTn id="10" presetID="10" presetClass="entr" presetSubtype="0" fill="hold" nodeType="clickEffect">
+                                <p:cTn id="43" presetID="1" presetClass="entr" presetSubtype="0" fill="hold" grpId="0" nodeType="clickEffect">
                                   <p:stCondLst>
                                     <p:cond delay="0"/>
                                   </p:stCondLst>
                                   <p:childTnLst>
                                     <p:set>
                                       <p:cBhvr>
-                                        <p:cTn id="11" dur="1" fill="hold">
+                                        <p:cTn id="44" dur="1" fill="hold">
                                           <p:stCondLst>
                                             <p:cond delay="0"/>
                                           </p:stCondLst>
                                         </p:cTn>
                                         <p:tgtEl>
-                                          <p:spTgt spid="5"/>
+                                          <p:spTgt spid="51"/>
                                         </p:tgtEl>
                                         <p:attrNameLst>
                                           <p:attrName>style.visibility</p:attrName>
@@ -16569,14 +16235,6 @@
                                         <p:strVal val="visible"/>
                                       </p:to>
                                     </p:set>
-                                    <p:animEffect transition="in" filter="fade">
-                                      <p:cBhvr>
-                                        <p:cTn id="12" dur="500"/>
-                                        <p:tgtEl>
-                                          <p:spTgt spid="5"/>
-                                        </p:tgtEl>
-                                      </p:cBhvr>
-                                    </p:animEffect>
                                   </p:childTnLst>
                                 </p:cTn>
                               </p:par>
@@ -16608,13 +16266,122 @@
       </p:par>
     </p:tnLst>
     <p:bldLst>
-      <p:bldP spid="2" grpId="0"/>
+      <p:bldP spid="18" grpId="0"/>
+      <p:bldP spid="20" grpId="0"/>
+      <p:bldP spid="24" grpId="0"/>
+      <p:bldP spid="25" grpId="0"/>
+      <p:bldP spid="26" grpId="0"/>
+      <p:bldP spid="28" grpId="0"/>
+      <p:bldP spid="29" grpId="0"/>
+      <p:bldP spid="51" grpId="0"/>
     </p:bldLst>
   </p:timing>
 </p:sld>
 </file>
 
-<file path=ppt/slides/slide6.xml><?xml version="1.0" encoding="utf-8"?>
+<file path=ppt/slides/slide43.xml><?xml version="1.0" encoding="utf-8"?>
+<p:sld xmlns:a="http://schemas.openxmlformats.org/drawingml/2006/main" xmlns:r="http://schemas.openxmlformats.org/officeDocument/2006/relationships" xmlns:p="http://schemas.openxmlformats.org/presentationml/2006/main">
+  <p:cSld>
+    <p:spTree>
+      <p:nvGrpSpPr>
+        <p:cNvPr id="1" name=""/>
+        <p:cNvGrpSpPr/>
+        <p:nvPr/>
+      </p:nvGrpSpPr>
+      <p:grpSpPr>
+        <a:xfrm>
+          <a:off x="0" y="0"/>
+          <a:ext cx="0" cy="0"/>
+          <a:chOff x="0" y="0"/>
+          <a:chExt cx="0" cy="0"/>
+        </a:xfrm>
+      </p:grpSpPr>
+      <p:sp>
+        <p:nvSpPr>
+          <p:cNvPr id="2" name="标题 1">
+            <a:extLst>
+              <a:ext uri="{FF2B5EF4-FFF2-40B4-BE49-F238E27FC236}">
+                <a16:creationId xmlns:a16="http://schemas.microsoft.com/office/drawing/2014/main" id="{83A65915-F796-41AD-954D-FADB4E34D86B}"/>
+              </a:ext>
+            </a:extLst>
+          </p:cNvPr>
+          <p:cNvSpPr>
+            <a:spLocks noGrp="1"/>
+          </p:cNvSpPr>
+          <p:nvPr>
+            <p:ph type="title"/>
+          </p:nvPr>
+        </p:nvSpPr>
+        <p:spPr>
+          <a:xfrm>
+            <a:off x="838200" y="2359468"/>
+            <a:ext cx="10515600" cy="1325563"/>
+          </a:xfrm>
+        </p:spPr>
+        <p:txBody>
+          <a:bodyPr>
+            <a:normAutofit/>
+          </a:bodyPr>
+          <a:lstStyle/>
+          <a:p>
+            <a:pPr algn="ctr"/>
+            <a:r>
+              <a:rPr lang="en-US" altLang="zh-CN" sz="8000" dirty="0"/>
+              <a:t>Thank you</a:t>
+            </a:r>
+            <a:endParaRPr lang="zh-CN" altLang="en-US" sz="8000" dirty="0"/>
+          </a:p>
+        </p:txBody>
+      </p:sp>
+      <p:pic>
+        <p:nvPicPr>
+          <p:cNvPr id="5" name="内容占位符 4">
+            <a:extLst>
+              <a:ext uri="{FF2B5EF4-FFF2-40B4-BE49-F238E27FC236}">
+                <a16:creationId xmlns:a16="http://schemas.microsoft.com/office/drawing/2014/main" id="{5C4B0964-3CC8-4624-AAD8-95F82EADDB96}"/>
+              </a:ext>
+            </a:extLst>
+          </p:cNvPr>
+          <p:cNvPicPr>
+            <a:picLocks noGrp="1" noChangeAspect="1"/>
+          </p:cNvPicPr>
+          <p:nvPr>
+            <p:ph idx="1"/>
+          </p:nvPr>
+        </p:nvPicPr>
+        <p:blipFill>
+          <a:blip r:embed="rId3">
+            <a:extLst>
+              <a:ext uri="{28A0092B-C50C-407E-A947-70E740481C1C}">
+                <a14:useLocalDpi xmlns:a14="http://schemas.microsoft.com/office/drawing/2010/main" val="0"/>
+              </a:ext>
+            </a:extLst>
+          </a:blip>
+          <a:stretch>
+            <a:fillRect/>
+          </a:stretch>
+        </p:blipFill>
+        <p:spPr>
+          <a:xfrm>
+            <a:off x="9018382" y="3685031"/>
+            <a:ext cx="2335418" cy="2747963"/>
+          </a:xfrm>
+        </p:spPr>
+      </p:pic>
+    </p:spTree>
+    <p:extLst>
+      <p:ext uri="{BB962C8B-B14F-4D97-AF65-F5344CB8AC3E}">
+        <p14:creationId xmlns:p14="http://schemas.microsoft.com/office/powerpoint/2010/main" val="3982824060"/>
+      </p:ext>
+    </p:extLst>
+  </p:cSld>
+  <p:clrMapOvr>
+    <a:masterClrMapping/>
+  </p:clrMapOvr>
+</p:sld>
+</file>
+
+<file path=ppt/slides/slide5.xml><?xml version="1.0" encoding="utf-8"?>
 <p:sld xmlns:a="http://schemas.openxmlformats.org/drawingml/2006/main" xmlns:r="http://schemas.openxmlformats.org/officeDocument/2006/relationships" xmlns:p="http://schemas.openxmlformats.org/presentationml/2006/main">
   <p:cSld>
     <p:spTree>
@@ -17204,7 +16971,7 @@
 </p:sld>
 </file>
 
-<file path=ppt/slides/slide7.xml><?xml version="1.0" encoding="utf-8"?>
+<file path=ppt/slides/slide6.xml><?xml version="1.0" encoding="utf-8"?>
 <p:sld xmlns:a="http://schemas.openxmlformats.org/drawingml/2006/main" xmlns:r="http://schemas.openxmlformats.org/officeDocument/2006/relationships" xmlns:p="http://schemas.openxmlformats.org/presentationml/2006/main">
   <p:cSld>
     <p:spTree>
@@ -17250,7 +17017,7 @@
           <a:graphicData uri="http://schemas.openxmlformats.org/presentationml/2006/ole">
             <mc:AlternateContent xmlns:mc="http://schemas.openxmlformats.org/markup-compatibility/2006">
               <mc:Choice xmlns:v="urn:schemas-microsoft-com:vml" Requires="v">
-                <p:oleObj spid="_x0000_s1076" name="Visio" r:id="rId4" imgW="12992184" imgH="12077772" progId="Visio.Drawing.15">
+                <p:oleObj spid="_x0000_s1078" name="Visio" r:id="rId4" imgW="12992184" imgH="12077772" progId="Visio.Drawing.15">
                   <p:embed/>
                 </p:oleObj>
               </mc:Choice>
@@ -17298,7 +17065,7 @@
 </p:sld>
 </file>
 
-<file path=ppt/slides/slide8.xml><?xml version="1.0" encoding="utf-8"?>
+<file path=ppt/slides/slide7.xml><?xml version="1.0" encoding="utf-8"?>
 <p:sld xmlns:a="http://schemas.openxmlformats.org/drawingml/2006/main" xmlns:r="http://schemas.openxmlformats.org/officeDocument/2006/relationships" xmlns:p="http://schemas.openxmlformats.org/presentationml/2006/main">
   <p:cSld>
     <p:spTree>
@@ -17781,7 +17548,7 @@
 </p:sld>
 </file>
 
-<file path=ppt/slides/slide9.xml><?xml version="1.0" encoding="utf-8"?>
+<file path=ppt/slides/slide8.xml><?xml version="1.0" encoding="utf-8"?>
 <p:sld xmlns:a="http://schemas.openxmlformats.org/drawingml/2006/main" xmlns:r="http://schemas.openxmlformats.org/officeDocument/2006/relationships" xmlns:p="http://schemas.openxmlformats.org/presentationml/2006/main">
   <p:cSld>
     <p:spTree>
@@ -18377,6 +18144,431 @@
     </p:tnLst>
     <p:bldLst>
       <p:bldP spid="2" grpId="0" build="p"/>
+    </p:bldLst>
+  </p:timing>
+</p:sld>
+</file>
+
+<file path=ppt/slides/slide9.xml><?xml version="1.0" encoding="utf-8"?>
+<p:sld xmlns:a="http://schemas.openxmlformats.org/drawingml/2006/main" xmlns:r="http://schemas.openxmlformats.org/officeDocument/2006/relationships" xmlns:p="http://schemas.openxmlformats.org/presentationml/2006/main">
+  <p:cSld>
+    <p:spTree>
+      <p:nvGrpSpPr>
+        <p:cNvPr id="1" name=""/>
+        <p:cNvGrpSpPr/>
+        <p:nvPr/>
+      </p:nvGrpSpPr>
+      <p:grpSpPr>
+        <a:xfrm>
+          <a:off x="0" y="0"/>
+          <a:ext cx="0" cy="0"/>
+          <a:chOff x="0" y="0"/>
+          <a:chExt cx="0" cy="0"/>
+        </a:xfrm>
+      </p:grpSpPr>
+      <p:pic>
+        <p:nvPicPr>
+          <p:cNvPr id="4" name="图片 3"/>
+          <p:cNvPicPr>
+            <a:picLocks noChangeAspect="1"/>
+          </p:cNvPicPr>
+          <p:nvPr/>
+        </p:nvPicPr>
+        <p:blipFill>
+          <a:blip r:embed="rId2"/>
+          <a:stretch>
+            <a:fillRect/>
+          </a:stretch>
+        </p:blipFill>
+        <p:spPr>
+          <a:xfrm>
+            <a:off x="1204512" y="5099062"/>
+            <a:ext cx="9402528" cy="889051"/>
+          </a:xfrm>
+          <a:prstGeom prst="rect">
+            <a:avLst/>
+          </a:prstGeom>
+        </p:spPr>
+      </p:pic>
+      <p:pic>
+        <p:nvPicPr>
+          <p:cNvPr id="18" name="图片 17"/>
+          <p:cNvPicPr>
+            <a:picLocks noChangeAspect="1"/>
+          </p:cNvPicPr>
+          <p:nvPr/>
+        </p:nvPicPr>
+        <p:blipFill>
+          <a:blip r:embed="rId3"/>
+          <a:stretch>
+            <a:fillRect/>
+          </a:stretch>
+        </p:blipFill>
+        <p:spPr>
+          <a:xfrm>
+            <a:off x="2574123" y="3483772"/>
+            <a:ext cx="1502761" cy="1671901"/>
+          </a:xfrm>
+          <a:prstGeom prst="rect">
+            <a:avLst/>
+          </a:prstGeom>
+        </p:spPr>
+      </p:pic>
+      <p:pic>
+        <p:nvPicPr>
+          <p:cNvPr id="19" name="图片 18"/>
+          <p:cNvPicPr>
+            <a:picLocks noChangeAspect="1"/>
+          </p:cNvPicPr>
+          <p:nvPr/>
+        </p:nvPicPr>
+        <p:blipFill>
+          <a:blip r:embed="rId4"/>
+          <a:stretch>
+            <a:fillRect/>
+          </a:stretch>
+        </p:blipFill>
+        <p:spPr>
+          <a:xfrm>
+            <a:off x="4010855" y="2476565"/>
+            <a:ext cx="8181145" cy="1832997"/>
+          </a:xfrm>
+          <a:prstGeom prst="rect">
+            <a:avLst/>
+          </a:prstGeom>
+        </p:spPr>
+      </p:pic>
+      <p:pic>
+        <p:nvPicPr>
+          <p:cNvPr id="12" name="图片 11">
+            <a:extLst>
+              <a:ext uri="{FF2B5EF4-FFF2-40B4-BE49-F238E27FC236}">
+                <a16:creationId xmlns:a16="http://schemas.microsoft.com/office/drawing/2014/main" id="{C22FA943-2FB5-4658-BFCE-C1F92647BFFF}"/>
+              </a:ext>
+            </a:extLst>
+          </p:cNvPr>
+          <p:cNvPicPr>
+            <a:picLocks noChangeAspect="1"/>
+          </p:cNvPicPr>
+          <p:nvPr/>
+        </p:nvPicPr>
+        <p:blipFill>
+          <a:blip r:embed="rId5"/>
+          <a:stretch>
+            <a:fillRect/>
+          </a:stretch>
+        </p:blipFill>
+        <p:spPr>
+          <a:xfrm>
+            <a:off x="2050232" y="1871314"/>
+            <a:ext cx="3808912" cy="1461768"/>
+          </a:xfrm>
+          <a:prstGeom prst="rect">
+            <a:avLst/>
+          </a:prstGeom>
+        </p:spPr>
+      </p:pic>
+      <p:sp>
+        <p:nvSpPr>
+          <p:cNvPr id="14" name="内容占位符 3">
+            <a:extLst>
+              <a:ext uri="{FF2B5EF4-FFF2-40B4-BE49-F238E27FC236}">
+                <a16:creationId xmlns:a16="http://schemas.microsoft.com/office/drawing/2014/main" id="{B717F545-3D59-4FBF-9169-A7F5E649860E}"/>
+              </a:ext>
+            </a:extLst>
+          </p:cNvPr>
+          <p:cNvSpPr txBox="1">
+            <a:spLocks/>
+          </p:cNvSpPr>
+          <p:nvPr/>
+        </p:nvSpPr>
+        <p:spPr>
+          <a:xfrm>
+            <a:off x="1643032" y="815911"/>
+            <a:ext cx="5135720" cy="598361"/>
+          </a:xfrm>
+          <a:prstGeom prst="rect">
+            <a:avLst/>
+          </a:prstGeom>
+        </p:spPr>
+        <p:txBody>
+          <a:bodyPr vert="horz" lIns="91440" tIns="45720" rIns="91440" bIns="45720" rtlCol="0">
+            <a:normAutofit/>
+          </a:bodyPr>
+          <a:lstStyle>
+            <a:lvl1pPr marL="0" indent="0" algn="ctr" defTabSz="914400" rtl="0" eaLnBrk="1" latinLnBrk="0" hangingPunct="1">
+              <a:lnSpc>
+                <a:spcPct val="90000"/>
+              </a:lnSpc>
+              <a:spcBef>
+                <a:spcPts val="1000"/>
+              </a:spcBef>
+              <a:buFont typeface="Arial" panose="020B0604020202020204" pitchFamily="34" charset="0"/>
+              <a:buNone/>
+              <a:defRPr sz="2400" kern="1200">
+                <a:solidFill>
+                  <a:schemeClr val="tx1"/>
+                </a:solidFill>
+                <a:latin typeface="+mn-lt"/>
+                <a:ea typeface="+mn-ea"/>
+                <a:cs typeface="+mn-cs"/>
+              </a:defRPr>
+            </a:lvl1pPr>
+            <a:lvl2pPr marL="457200" indent="0" algn="ctr" defTabSz="914400" rtl="0" eaLnBrk="1" latinLnBrk="0" hangingPunct="1">
+              <a:lnSpc>
+                <a:spcPct val="90000"/>
+              </a:lnSpc>
+              <a:spcBef>
+                <a:spcPts val="500"/>
+              </a:spcBef>
+              <a:buFont typeface="Arial" panose="020B0604020202020204" pitchFamily="34" charset="0"/>
+              <a:buNone/>
+              <a:defRPr sz="2000" kern="1200">
+                <a:solidFill>
+                  <a:schemeClr val="tx1"/>
+                </a:solidFill>
+                <a:latin typeface="+mn-lt"/>
+                <a:ea typeface="+mn-ea"/>
+                <a:cs typeface="+mn-cs"/>
+              </a:defRPr>
+            </a:lvl2pPr>
+            <a:lvl3pPr marL="914400" indent="0" algn="ctr" defTabSz="914400" rtl="0" eaLnBrk="1" latinLnBrk="0" hangingPunct="1">
+              <a:lnSpc>
+                <a:spcPct val="90000"/>
+              </a:lnSpc>
+              <a:spcBef>
+                <a:spcPts val="500"/>
+              </a:spcBef>
+              <a:buFont typeface="Arial" panose="020B0604020202020204" pitchFamily="34" charset="0"/>
+              <a:buNone/>
+              <a:defRPr sz="1800" kern="1200">
+                <a:solidFill>
+                  <a:schemeClr val="tx1"/>
+                </a:solidFill>
+                <a:latin typeface="+mn-lt"/>
+                <a:ea typeface="+mn-ea"/>
+                <a:cs typeface="+mn-cs"/>
+              </a:defRPr>
+            </a:lvl3pPr>
+            <a:lvl4pPr marL="1371600" indent="0" algn="ctr" defTabSz="914400" rtl="0" eaLnBrk="1" latinLnBrk="0" hangingPunct="1">
+              <a:lnSpc>
+                <a:spcPct val="90000"/>
+              </a:lnSpc>
+              <a:spcBef>
+                <a:spcPts val="500"/>
+              </a:spcBef>
+              <a:buFont typeface="Arial" panose="020B0604020202020204" pitchFamily="34" charset="0"/>
+              <a:buNone/>
+              <a:defRPr sz="1600" kern="1200">
+                <a:solidFill>
+                  <a:schemeClr val="tx1"/>
+                </a:solidFill>
+                <a:latin typeface="+mn-lt"/>
+                <a:ea typeface="+mn-ea"/>
+                <a:cs typeface="+mn-cs"/>
+              </a:defRPr>
+            </a:lvl4pPr>
+            <a:lvl5pPr marL="1828800" indent="0" algn="ctr" defTabSz="914400" rtl="0" eaLnBrk="1" latinLnBrk="0" hangingPunct="1">
+              <a:lnSpc>
+                <a:spcPct val="90000"/>
+              </a:lnSpc>
+              <a:spcBef>
+                <a:spcPts val="500"/>
+              </a:spcBef>
+              <a:buFont typeface="Arial" panose="020B0604020202020204" pitchFamily="34" charset="0"/>
+              <a:buNone/>
+              <a:defRPr sz="1600" kern="1200">
+                <a:solidFill>
+                  <a:schemeClr val="tx1"/>
+                </a:solidFill>
+                <a:latin typeface="+mn-lt"/>
+                <a:ea typeface="+mn-ea"/>
+                <a:cs typeface="+mn-cs"/>
+              </a:defRPr>
+            </a:lvl5pPr>
+            <a:lvl6pPr marL="2286000" indent="0" algn="ctr" defTabSz="914400" rtl="0" eaLnBrk="1" latinLnBrk="0" hangingPunct="1">
+              <a:lnSpc>
+                <a:spcPct val="90000"/>
+              </a:lnSpc>
+              <a:spcBef>
+                <a:spcPts val="500"/>
+              </a:spcBef>
+              <a:buFont typeface="Arial" panose="020B0604020202020204" pitchFamily="34" charset="0"/>
+              <a:buNone/>
+              <a:defRPr sz="1600" kern="1200">
+                <a:solidFill>
+                  <a:schemeClr val="tx1"/>
+                </a:solidFill>
+                <a:latin typeface="+mn-lt"/>
+                <a:ea typeface="+mn-ea"/>
+                <a:cs typeface="+mn-cs"/>
+              </a:defRPr>
+            </a:lvl6pPr>
+            <a:lvl7pPr marL="2743200" indent="0" algn="ctr" defTabSz="914400" rtl="0" eaLnBrk="1" latinLnBrk="0" hangingPunct="1">
+              <a:lnSpc>
+                <a:spcPct val="90000"/>
+              </a:lnSpc>
+              <a:spcBef>
+                <a:spcPts val="500"/>
+              </a:spcBef>
+              <a:buFont typeface="Arial" panose="020B0604020202020204" pitchFamily="34" charset="0"/>
+              <a:buNone/>
+              <a:defRPr sz="1600" kern="1200">
+                <a:solidFill>
+                  <a:schemeClr val="tx1"/>
+                </a:solidFill>
+                <a:latin typeface="+mn-lt"/>
+                <a:ea typeface="+mn-ea"/>
+                <a:cs typeface="+mn-cs"/>
+              </a:defRPr>
+            </a:lvl7pPr>
+            <a:lvl8pPr marL="3200400" indent="0" algn="ctr" defTabSz="914400" rtl="0" eaLnBrk="1" latinLnBrk="0" hangingPunct="1">
+              <a:lnSpc>
+                <a:spcPct val="90000"/>
+              </a:lnSpc>
+              <a:spcBef>
+                <a:spcPts val="500"/>
+              </a:spcBef>
+              <a:buFont typeface="Arial" panose="020B0604020202020204" pitchFamily="34" charset="0"/>
+              <a:buNone/>
+              <a:defRPr sz="1600" kern="1200">
+                <a:solidFill>
+                  <a:schemeClr val="tx1"/>
+                </a:solidFill>
+                <a:latin typeface="+mn-lt"/>
+                <a:ea typeface="+mn-ea"/>
+                <a:cs typeface="+mn-cs"/>
+              </a:defRPr>
+            </a:lvl8pPr>
+            <a:lvl9pPr marL="3657600" indent="0" algn="ctr" defTabSz="914400" rtl="0" eaLnBrk="1" latinLnBrk="0" hangingPunct="1">
+              <a:lnSpc>
+                <a:spcPct val="90000"/>
+              </a:lnSpc>
+              <a:spcBef>
+                <a:spcPts val="500"/>
+              </a:spcBef>
+              <a:buFont typeface="Arial" panose="020B0604020202020204" pitchFamily="34" charset="0"/>
+              <a:buNone/>
+              <a:defRPr sz="1600" kern="1200">
+                <a:solidFill>
+                  <a:schemeClr val="tx1"/>
+                </a:solidFill>
+                <a:latin typeface="+mn-lt"/>
+                <a:ea typeface="+mn-ea"/>
+                <a:cs typeface="+mn-cs"/>
+              </a:defRPr>
+            </a:lvl9pPr>
+          </a:lstStyle>
+          <a:p>
+            <a:r>
+              <a:rPr lang="en-US" altLang="zh-CN" dirty="0"/>
+              <a:t>00000C00~000017FF  </a:t>
+            </a:r>
+            <a:r>
+              <a:rPr lang="zh-CN" altLang="en-US" dirty="0"/>
+              <a:t> </a:t>
+            </a:r>
+            <a:r>
+              <a:rPr lang="en-US" altLang="zh-CN" dirty="0"/>
+              <a:t>3KB </a:t>
+            </a:r>
+          </a:p>
+        </p:txBody>
+      </p:sp>
+    </p:spTree>
+    <p:extLst>
+      <p:ext uri="{BB962C8B-B14F-4D97-AF65-F5344CB8AC3E}">
+        <p14:creationId xmlns:p14="http://schemas.microsoft.com/office/powerpoint/2010/main" val="104265285"/>
+      </p:ext>
+    </p:extLst>
+  </p:cSld>
+  <p:clrMapOvr>
+    <a:masterClrMapping/>
+  </p:clrMapOvr>
+  <p:timing>
+    <p:tnLst>
+      <p:par>
+        <p:cTn id="1" dur="indefinite" restart="never" nodeType="tmRoot">
+          <p:childTnLst>
+            <p:seq concurrent="1" nextAc="seek">
+              <p:cTn id="2" dur="indefinite" nodeType="mainSeq">
+                <p:childTnLst>
+                  <p:par>
+                    <p:cTn id="3" fill="hold">
+                      <p:stCondLst>
+                        <p:cond delay="indefinite"/>
+                      </p:stCondLst>
+                      <p:childTnLst>
+                        <p:par>
+                          <p:cTn id="4" fill="hold">
+                            <p:stCondLst>
+                              <p:cond delay="0"/>
+                            </p:stCondLst>
+                            <p:childTnLst>
+                              <p:par>
+                                <p:cTn id="5" presetID="10" presetClass="entr" presetSubtype="0" fill="hold" grpId="0" nodeType="clickEffect">
+                                  <p:stCondLst>
+                                    <p:cond delay="0"/>
+                                  </p:stCondLst>
+                                  <p:childTnLst>
+                                    <p:set>
+                                      <p:cBhvr>
+                                        <p:cTn id="6" dur="1" fill="hold">
+                                          <p:stCondLst>
+                                            <p:cond delay="0"/>
+                                          </p:stCondLst>
+                                        </p:cTn>
+                                        <p:tgtEl>
+                                          <p:spTgt spid="14"/>
+                                        </p:tgtEl>
+                                        <p:attrNameLst>
+                                          <p:attrName>style.visibility</p:attrName>
+                                        </p:attrNameLst>
+                                      </p:cBhvr>
+                                      <p:to>
+                                        <p:strVal val="visible"/>
+                                      </p:to>
+                                    </p:set>
+                                    <p:animEffect transition="in" filter="fade">
+                                      <p:cBhvr>
+                                        <p:cTn id="7" dur="500"/>
+                                        <p:tgtEl>
+                                          <p:spTgt spid="14"/>
+                                        </p:tgtEl>
+                                      </p:cBhvr>
+                                    </p:animEffect>
+                                  </p:childTnLst>
+                                </p:cTn>
+                              </p:par>
+                            </p:childTnLst>
+                          </p:cTn>
+                        </p:par>
+                      </p:childTnLst>
+                    </p:cTn>
+                  </p:par>
+                </p:childTnLst>
+              </p:cTn>
+              <p:prevCondLst>
+                <p:cond evt="onPrev" delay="0">
+                  <p:tgtEl>
+                    <p:sldTgt/>
+                  </p:tgtEl>
+                </p:cond>
+              </p:prevCondLst>
+              <p:nextCondLst>
+                <p:cond evt="onNext" delay="0">
+                  <p:tgtEl>
+                    <p:sldTgt/>
+                  </p:tgtEl>
+                </p:cond>
+              </p:nextCondLst>
+            </p:seq>
+          </p:childTnLst>
+        </p:cTn>
+      </p:par>
+    </p:tnLst>
+    <p:bldLst>
+      <p:bldP spid="14" grpId="0"/>
     </p:bldLst>
   </p:timing>
 </p:sld>
